--- a/16ass/16ass.pptx
+++ b/16ass/16ass.pptx
@@ -343,7 +343,7 @@
           <a:p>
             <a:fld id="{89AD1261-9EED-2246-A353-D243FB9E7EC9}" type="datetimeFigureOut">
               <a:rPr lang="en-IL" smtClean="0"/>
-              <a:t>05/04/2023</a:t>
+              <a:t>19/04/2023</a:t>
             </a:fld>
             <a:endParaRPr lang="en-IL"/>
           </a:p>
@@ -543,7 +543,7 @@
           <a:p>
             <a:fld id="{89AD1261-9EED-2246-A353-D243FB9E7EC9}" type="datetimeFigureOut">
               <a:rPr lang="en-IL" smtClean="0"/>
-              <a:t>05/04/2023</a:t>
+              <a:t>19/04/2023</a:t>
             </a:fld>
             <a:endParaRPr lang="en-IL"/>
           </a:p>
@@ -753,7 +753,7 @@
           <a:p>
             <a:fld id="{89AD1261-9EED-2246-A353-D243FB9E7EC9}" type="datetimeFigureOut">
               <a:rPr lang="en-IL" smtClean="0"/>
-              <a:t>05/04/2023</a:t>
+              <a:t>19/04/2023</a:t>
             </a:fld>
             <a:endParaRPr lang="en-IL"/>
           </a:p>
@@ -953,7 +953,7 @@
           <a:p>
             <a:fld id="{89AD1261-9EED-2246-A353-D243FB9E7EC9}" type="datetimeFigureOut">
               <a:rPr lang="en-IL" smtClean="0"/>
-              <a:t>05/04/2023</a:t>
+              <a:t>19/04/2023</a:t>
             </a:fld>
             <a:endParaRPr lang="en-IL"/>
           </a:p>
@@ -1229,7 +1229,7 @@
           <a:p>
             <a:fld id="{89AD1261-9EED-2246-A353-D243FB9E7EC9}" type="datetimeFigureOut">
               <a:rPr lang="en-IL" smtClean="0"/>
-              <a:t>05/04/2023</a:t>
+              <a:t>19/04/2023</a:t>
             </a:fld>
             <a:endParaRPr lang="en-IL"/>
           </a:p>
@@ -1497,7 +1497,7 @@
           <a:p>
             <a:fld id="{89AD1261-9EED-2246-A353-D243FB9E7EC9}" type="datetimeFigureOut">
               <a:rPr lang="en-IL" smtClean="0"/>
-              <a:t>05/04/2023</a:t>
+              <a:t>19/04/2023</a:t>
             </a:fld>
             <a:endParaRPr lang="en-IL"/>
           </a:p>
@@ -1912,7 +1912,7 @@
           <a:p>
             <a:fld id="{89AD1261-9EED-2246-A353-D243FB9E7EC9}" type="datetimeFigureOut">
               <a:rPr lang="en-IL" smtClean="0"/>
-              <a:t>05/04/2023</a:t>
+              <a:t>19/04/2023</a:t>
             </a:fld>
             <a:endParaRPr lang="en-IL"/>
           </a:p>
@@ -2054,7 +2054,7 @@
           <a:p>
             <a:fld id="{89AD1261-9EED-2246-A353-D243FB9E7EC9}" type="datetimeFigureOut">
               <a:rPr lang="en-IL" smtClean="0"/>
-              <a:t>05/04/2023</a:t>
+              <a:t>19/04/2023</a:t>
             </a:fld>
             <a:endParaRPr lang="en-IL"/>
           </a:p>
@@ -2167,7 +2167,7 @@
           <a:p>
             <a:fld id="{89AD1261-9EED-2246-A353-D243FB9E7EC9}" type="datetimeFigureOut">
               <a:rPr lang="en-IL" smtClean="0"/>
-              <a:t>05/04/2023</a:t>
+              <a:t>19/04/2023</a:t>
             </a:fld>
             <a:endParaRPr lang="en-IL"/>
           </a:p>
@@ -2480,7 +2480,7 @@
           <a:p>
             <a:fld id="{89AD1261-9EED-2246-A353-D243FB9E7EC9}" type="datetimeFigureOut">
               <a:rPr lang="en-IL" smtClean="0"/>
-              <a:t>05/04/2023</a:t>
+              <a:t>19/04/2023</a:t>
             </a:fld>
             <a:endParaRPr lang="en-IL"/>
           </a:p>
@@ -2769,7 +2769,7 @@
           <a:p>
             <a:fld id="{89AD1261-9EED-2246-A353-D243FB9E7EC9}" type="datetimeFigureOut">
               <a:rPr lang="en-IL" smtClean="0"/>
-              <a:t>05/04/2023</a:t>
+              <a:t>19/04/2023</a:t>
             </a:fld>
             <a:endParaRPr lang="en-IL"/>
           </a:p>
@@ -3012,7 +3012,7 @@
           <a:p>
             <a:fld id="{89AD1261-9EED-2246-A353-D243FB9E7EC9}" type="datetimeFigureOut">
               <a:rPr lang="en-IL" smtClean="0"/>
-              <a:t>05/04/2023</a:t>
+              <a:t>19/04/2023</a:t>
             </a:fld>
             <a:endParaRPr lang="en-IL"/>
           </a:p>
@@ -7925,7 +7925,7 @@
           </a:ln>
           <a:extLst>
             <a:ext uri="{91240B29-F687-4f45-9708-019B960494DF}">
-              <a14:hiddenLine xmlns="" xmlns:p14="http://schemas.microsoft.com/office/powerpoint/2010/main" xmlns:a14="http://schemas.microsoft.com/office/drawing/2010/main" xmlns:a16="http://schemas.microsoft.com/office/drawing/2014/main" w="9525">
+              <a14:hiddenLine xmlns:a16="http://schemas.microsoft.com/office/drawing/2014/main" xmlns:a14="http://schemas.microsoft.com/office/drawing/2010/main" xmlns:p14="http://schemas.microsoft.com/office/powerpoint/2010/main" xmlns="" w="9525">
                 <a:solidFill>
                   <a:srgbClr val="000000"/>
                 </a:solidFill>
@@ -8791,7 +8791,7 @@
           </a:ln>
           <a:extLst>
             <a:ext uri="{91240B29-F687-4f45-9708-019B960494DF}">
-              <a14:hiddenLine xmlns="" xmlns:p14="http://schemas.microsoft.com/office/powerpoint/2010/main" xmlns:a14="http://schemas.microsoft.com/office/drawing/2010/main" xmlns:a16="http://schemas.microsoft.com/office/drawing/2014/main" w="9525">
+              <a14:hiddenLine xmlns:a16="http://schemas.microsoft.com/office/drawing/2014/main" xmlns:a14="http://schemas.microsoft.com/office/drawing/2010/main" xmlns:p14="http://schemas.microsoft.com/office/powerpoint/2010/main" xmlns="" w="9525">
                 <a:solidFill>
                   <a:srgbClr val="000000"/>
                 </a:solidFill>
@@ -9512,7 +9512,7 @@
           </a:ln>
           <a:extLst>
             <a:ext uri="{91240B29-F687-4f45-9708-019B960494DF}">
-              <a14:hiddenLine xmlns="" xmlns:p14="http://schemas.microsoft.com/office/powerpoint/2010/main" xmlns:a14="http://schemas.microsoft.com/office/drawing/2010/main" xmlns:a16="http://schemas.microsoft.com/office/drawing/2014/main" w="9525">
+              <a14:hiddenLine xmlns:a16="http://schemas.microsoft.com/office/drawing/2014/main" xmlns:a14="http://schemas.microsoft.com/office/drawing/2010/main" xmlns:p14="http://schemas.microsoft.com/office/powerpoint/2010/main" xmlns="" w="9525">
                 <a:solidFill>
                   <a:srgbClr val="000000"/>
                 </a:solidFill>
@@ -12991,7 +12991,7 @@
           <a:bodyPr/>
           <a:lstStyle/>
           <a:p>
-            <a:endParaRPr lang="en-IL"/>
+            <a:endParaRPr lang="en-IL" dirty="0"/>
           </a:p>
         </p:txBody>
       </p:sp>

--- a/16ass/16ass.pptx
+++ b/16ass/16ass.pptx
@@ -343,7 +343,7 @@
           <a:p>
             <a:fld id="{89AD1261-9EED-2246-A353-D243FB9E7EC9}" type="datetimeFigureOut">
               <a:rPr lang="en-IL" smtClean="0"/>
-              <a:t>19/04/2023</a:t>
+              <a:t>01/05/2023</a:t>
             </a:fld>
             <a:endParaRPr lang="en-IL"/>
           </a:p>
@@ -543,7 +543,7 @@
           <a:p>
             <a:fld id="{89AD1261-9EED-2246-A353-D243FB9E7EC9}" type="datetimeFigureOut">
               <a:rPr lang="en-IL" smtClean="0"/>
-              <a:t>19/04/2023</a:t>
+              <a:t>01/05/2023</a:t>
             </a:fld>
             <a:endParaRPr lang="en-IL"/>
           </a:p>
@@ -753,7 +753,7 @@
           <a:p>
             <a:fld id="{89AD1261-9EED-2246-A353-D243FB9E7EC9}" type="datetimeFigureOut">
               <a:rPr lang="en-IL" smtClean="0"/>
-              <a:t>19/04/2023</a:t>
+              <a:t>01/05/2023</a:t>
             </a:fld>
             <a:endParaRPr lang="en-IL"/>
           </a:p>
@@ -953,7 +953,7 @@
           <a:p>
             <a:fld id="{89AD1261-9EED-2246-A353-D243FB9E7EC9}" type="datetimeFigureOut">
               <a:rPr lang="en-IL" smtClean="0"/>
-              <a:t>19/04/2023</a:t>
+              <a:t>01/05/2023</a:t>
             </a:fld>
             <a:endParaRPr lang="en-IL"/>
           </a:p>
@@ -1229,7 +1229,7 @@
           <a:p>
             <a:fld id="{89AD1261-9EED-2246-A353-D243FB9E7EC9}" type="datetimeFigureOut">
               <a:rPr lang="en-IL" smtClean="0"/>
-              <a:t>19/04/2023</a:t>
+              <a:t>01/05/2023</a:t>
             </a:fld>
             <a:endParaRPr lang="en-IL"/>
           </a:p>
@@ -1497,7 +1497,7 @@
           <a:p>
             <a:fld id="{89AD1261-9EED-2246-A353-D243FB9E7EC9}" type="datetimeFigureOut">
               <a:rPr lang="en-IL" smtClean="0"/>
-              <a:t>19/04/2023</a:t>
+              <a:t>01/05/2023</a:t>
             </a:fld>
             <a:endParaRPr lang="en-IL"/>
           </a:p>
@@ -1912,7 +1912,7 @@
           <a:p>
             <a:fld id="{89AD1261-9EED-2246-A353-D243FB9E7EC9}" type="datetimeFigureOut">
               <a:rPr lang="en-IL" smtClean="0"/>
-              <a:t>19/04/2023</a:t>
+              <a:t>01/05/2023</a:t>
             </a:fld>
             <a:endParaRPr lang="en-IL"/>
           </a:p>
@@ -2054,7 +2054,7 @@
           <a:p>
             <a:fld id="{89AD1261-9EED-2246-A353-D243FB9E7EC9}" type="datetimeFigureOut">
               <a:rPr lang="en-IL" smtClean="0"/>
-              <a:t>19/04/2023</a:t>
+              <a:t>01/05/2023</a:t>
             </a:fld>
             <a:endParaRPr lang="en-IL"/>
           </a:p>
@@ -2167,7 +2167,7 @@
           <a:p>
             <a:fld id="{89AD1261-9EED-2246-A353-D243FB9E7EC9}" type="datetimeFigureOut">
               <a:rPr lang="en-IL" smtClean="0"/>
-              <a:t>19/04/2023</a:t>
+              <a:t>01/05/2023</a:t>
             </a:fld>
             <a:endParaRPr lang="en-IL"/>
           </a:p>
@@ -2480,7 +2480,7 @@
           <a:p>
             <a:fld id="{89AD1261-9EED-2246-A353-D243FB9E7EC9}" type="datetimeFigureOut">
               <a:rPr lang="en-IL" smtClean="0"/>
-              <a:t>19/04/2023</a:t>
+              <a:t>01/05/2023</a:t>
             </a:fld>
             <a:endParaRPr lang="en-IL"/>
           </a:p>
@@ -2769,7 +2769,7 @@
           <a:p>
             <a:fld id="{89AD1261-9EED-2246-A353-D243FB9E7EC9}" type="datetimeFigureOut">
               <a:rPr lang="en-IL" smtClean="0"/>
-              <a:t>19/04/2023</a:t>
+              <a:t>01/05/2023</a:t>
             </a:fld>
             <a:endParaRPr lang="en-IL"/>
           </a:p>
@@ -3012,7 +3012,7 @@
           <a:p>
             <a:fld id="{89AD1261-9EED-2246-A353-D243FB9E7EC9}" type="datetimeFigureOut">
               <a:rPr lang="en-IL" smtClean="0"/>
-              <a:t>19/04/2023</a:t>
+              <a:t>01/05/2023</a:t>
             </a:fld>
             <a:endParaRPr lang="en-IL"/>
           </a:p>
@@ -7925,7 +7925,7 @@
           </a:ln>
           <a:extLst>
             <a:ext uri="{91240B29-F687-4f45-9708-019B960494DF}">
-              <a14:hiddenLine xmlns:a16="http://schemas.microsoft.com/office/drawing/2014/main" xmlns:a14="http://schemas.microsoft.com/office/drawing/2010/main" xmlns:p14="http://schemas.microsoft.com/office/powerpoint/2010/main" xmlns="" w="9525">
+              <a14:hiddenLine xmlns="" xmlns:p14="http://schemas.microsoft.com/office/powerpoint/2010/main" xmlns:a14="http://schemas.microsoft.com/office/drawing/2010/main" xmlns:a16="http://schemas.microsoft.com/office/drawing/2014/main" w="9525">
                 <a:solidFill>
                   <a:srgbClr val="000000"/>
                 </a:solidFill>
@@ -8791,7 +8791,7 @@
           </a:ln>
           <a:extLst>
             <a:ext uri="{91240B29-F687-4f45-9708-019B960494DF}">
-              <a14:hiddenLine xmlns:a16="http://schemas.microsoft.com/office/drawing/2014/main" xmlns:a14="http://schemas.microsoft.com/office/drawing/2010/main" xmlns:p14="http://schemas.microsoft.com/office/powerpoint/2010/main" xmlns="" w="9525">
+              <a14:hiddenLine xmlns="" xmlns:p14="http://schemas.microsoft.com/office/powerpoint/2010/main" xmlns:a14="http://schemas.microsoft.com/office/drawing/2010/main" xmlns:a16="http://schemas.microsoft.com/office/drawing/2014/main" w="9525">
                 <a:solidFill>
                   <a:srgbClr val="000000"/>
                 </a:solidFill>
@@ -9512,7 +9512,7 @@
           </a:ln>
           <a:extLst>
             <a:ext uri="{91240B29-F687-4f45-9708-019B960494DF}">
-              <a14:hiddenLine xmlns:a16="http://schemas.microsoft.com/office/drawing/2014/main" xmlns:a14="http://schemas.microsoft.com/office/drawing/2010/main" xmlns:p14="http://schemas.microsoft.com/office/powerpoint/2010/main" xmlns="" w="9525">
+              <a14:hiddenLine xmlns="" xmlns:p14="http://schemas.microsoft.com/office/powerpoint/2010/main" xmlns:a14="http://schemas.microsoft.com/office/drawing/2010/main" xmlns:a16="http://schemas.microsoft.com/office/drawing/2014/main" w="9525">
                 <a:solidFill>
                   <a:srgbClr val="000000"/>
                 </a:solidFill>
@@ -19213,7 +19213,7 @@
           <a:p>
             <a:r>
               <a:rPr lang="en-US" dirty="0"/>
-              <a:t>n TypeScript, a function has a structure that consists of several elements. Here are the main components of a TypeScript function:</a:t>
+              <a:t>in TypeScript, a function has a structure that consists of several elements. Here are the main components of a TypeScript function:</a:t>
             </a:r>
           </a:p>
           <a:p>

--- a/16ass/16ass.pptx
+++ b/16ass/16ass.pptx
@@ -343,7 +343,7 @@
           <a:p>
             <a:fld id="{89AD1261-9EED-2246-A353-D243FB9E7EC9}" type="datetimeFigureOut">
               <a:rPr lang="en-IL" smtClean="0"/>
-              <a:t>01/05/2023</a:t>
+              <a:t>03/05/2023</a:t>
             </a:fld>
             <a:endParaRPr lang="en-IL"/>
           </a:p>
@@ -543,7 +543,7 @@
           <a:p>
             <a:fld id="{89AD1261-9EED-2246-A353-D243FB9E7EC9}" type="datetimeFigureOut">
               <a:rPr lang="en-IL" smtClean="0"/>
-              <a:t>01/05/2023</a:t>
+              <a:t>03/05/2023</a:t>
             </a:fld>
             <a:endParaRPr lang="en-IL"/>
           </a:p>
@@ -753,7 +753,7 @@
           <a:p>
             <a:fld id="{89AD1261-9EED-2246-A353-D243FB9E7EC9}" type="datetimeFigureOut">
               <a:rPr lang="en-IL" smtClean="0"/>
-              <a:t>01/05/2023</a:t>
+              <a:t>03/05/2023</a:t>
             </a:fld>
             <a:endParaRPr lang="en-IL"/>
           </a:p>
@@ -953,7 +953,7 @@
           <a:p>
             <a:fld id="{89AD1261-9EED-2246-A353-D243FB9E7EC9}" type="datetimeFigureOut">
               <a:rPr lang="en-IL" smtClean="0"/>
-              <a:t>01/05/2023</a:t>
+              <a:t>03/05/2023</a:t>
             </a:fld>
             <a:endParaRPr lang="en-IL"/>
           </a:p>
@@ -1229,7 +1229,7 @@
           <a:p>
             <a:fld id="{89AD1261-9EED-2246-A353-D243FB9E7EC9}" type="datetimeFigureOut">
               <a:rPr lang="en-IL" smtClean="0"/>
-              <a:t>01/05/2023</a:t>
+              <a:t>03/05/2023</a:t>
             </a:fld>
             <a:endParaRPr lang="en-IL"/>
           </a:p>
@@ -1497,7 +1497,7 @@
           <a:p>
             <a:fld id="{89AD1261-9EED-2246-A353-D243FB9E7EC9}" type="datetimeFigureOut">
               <a:rPr lang="en-IL" smtClean="0"/>
-              <a:t>01/05/2023</a:t>
+              <a:t>03/05/2023</a:t>
             </a:fld>
             <a:endParaRPr lang="en-IL"/>
           </a:p>
@@ -1912,7 +1912,7 @@
           <a:p>
             <a:fld id="{89AD1261-9EED-2246-A353-D243FB9E7EC9}" type="datetimeFigureOut">
               <a:rPr lang="en-IL" smtClean="0"/>
-              <a:t>01/05/2023</a:t>
+              <a:t>03/05/2023</a:t>
             </a:fld>
             <a:endParaRPr lang="en-IL"/>
           </a:p>
@@ -2054,7 +2054,7 @@
           <a:p>
             <a:fld id="{89AD1261-9EED-2246-A353-D243FB9E7EC9}" type="datetimeFigureOut">
               <a:rPr lang="en-IL" smtClean="0"/>
-              <a:t>01/05/2023</a:t>
+              <a:t>03/05/2023</a:t>
             </a:fld>
             <a:endParaRPr lang="en-IL"/>
           </a:p>
@@ -2167,7 +2167,7 @@
           <a:p>
             <a:fld id="{89AD1261-9EED-2246-A353-D243FB9E7EC9}" type="datetimeFigureOut">
               <a:rPr lang="en-IL" smtClean="0"/>
-              <a:t>01/05/2023</a:t>
+              <a:t>03/05/2023</a:t>
             </a:fld>
             <a:endParaRPr lang="en-IL"/>
           </a:p>
@@ -2480,7 +2480,7 @@
           <a:p>
             <a:fld id="{89AD1261-9EED-2246-A353-D243FB9E7EC9}" type="datetimeFigureOut">
               <a:rPr lang="en-IL" smtClean="0"/>
-              <a:t>01/05/2023</a:t>
+              <a:t>03/05/2023</a:t>
             </a:fld>
             <a:endParaRPr lang="en-IL"/>
           </a:p>
@@ -2769,7 +2769,7 @@
           <a:p>
             <a:fld id="{89AD1261-9EED-2246-A353-D243FB9E7EC9}" type="datetimeFigureOut">
               <a:rPr lang="en-IL" smtClean="0"/>
-              <a:t>01/05/2023</a:t>
+              <a:t>03/05/2023</a:t>
             </a:fld>
             <a:endParaRPr lang="en-IL"/>
           </a:p>
@@ -3012,7 +3012,7 @@
           <a:p>
             <a:fld id="{89AD1261-9EED-2246-A353-D243FB9E7EC9}" type="datetimeFigureOut">
               <a:rPr lang="en-IL" smtClean="0"/>
-              <a:t>01/05/2023</a:t>
+              <a:t>03/05/2023</a:t>
             </a:fld>
             <a:endParaRPr lang="en-IL"/>
           </a:p>
@@ -5049,7 +5049,7 @@
           <p:nvPr/>
         </p:nvPicPr>
         <p:blipFill>
-          <a:blip r:embed="rId2"/>
+          <a:blip/>
           <a:stretch>
             <a:fillRect/>
           </a:stretch>
@@ -7277,7 +7277,7 @@
           <p:nvPr/>
         </p:nvPicPr>
         <p:blipFill>
-          <a:blip r:embed="rId2"/>
+          <a:blip/>
           <a:stretch>
             <a:fillRect/>
           </a:stretch>
@@ -8176,7 +8176,7 @@
           <p:nvPr/>
         </p:nvPicPr>
         <p:blipFill>
-          <a:blip r:embed="rId2"/>
+          <a:blip/>
           <a:stretch>
             <a:fillRect/>
           </a:stretch>
@@ -9008,7 +9008,7 @@
           <p:nvPr/>
         </p:nvPicPr>
         <p:blipFill>
-          <a:blip r:embed="rId2"/>
+          <a:blip/>
           <a:stretch>
             <a:fillRect/>
           </a:stretch>
@@ -9729,7 +9729,7 @@
           <p:nvPr/>
         </p:nvPicPr>
         <p:blipFill>
-          <a:blip r:embed="rId2"/>
+          <a:blip/>
           <a:stretch>
             <a:fillRect/>
           </a:stretch>
@@ -10074,7 +10074,7 @@
           <p:nvPr/>
         </p:nvPicPr>
         <p:blipFill>
-          <a:blip r:embed="rId2"/>
+          <a:blip/>
           <a:stretch>
             <a:fillRect/>
           </a:stretch>
@@ -10607,7 +10607,7 @@
           <p:nvPr/>
         </p:nvPicPr>
         <p:blipFill>
-          <a:blip r:embed="rId2"/>
+          <a:blip/>
           <a:stretch>
             <a:fillRect/>
           </a:stretch>
@@ -11006,7 +11006,7 @@
           <p:nvPr/>
         </p:nvPicPr>
         <p:blipFill>
-          <a:blip r:embed="rId2"/>
+          <a:blip/>
           <a:stretch>
             <a:fillRect/>
           </a:stretch>
@@ -11405,7 +11405,7 @@
           <p:nvPr/>
         </p:nvPicPr>
         <p:blipFill>
-          <a:blip r:embed="rId2"/>
+          <a:blip/>
           <a:stretch>
             <a:fillRect/>
           </a:stretch>
@@ -12736,7 +12736,7 @@
           <p:nvPr/>
         </p:nvPicPr>
         <p:blipFill>
-          <a:blip r:embed="rId2"/>
+          <a:blip/>
           <a:stretch>
             <a:fillRect/>
           </a:stretch>
@@ -13275,7 +13275,7 @@
           </p:nvPr>
         </p:nvPicPr>
         <p:blipFill>
-          <a:blip r:embed="rId2"/>
+          <a:blip/>
           <a:stretch>
             <a:fillRect/>
           </a:stretch>
@@ -13567,7 +13567,7 @@
           </p:nvPr>
         </p:nvPicPr>
         <p:blipFill>
-          <a:blip r:embed="rId2"/>
+          <a:blip/>
           <a:stretch>
             <a:fillRect/>
           </a:stretch>
@@ -13841,7 +13841,7 @@
           </p:nvPr>
         </p:nvPicPr>
         <p:blipFill>
-          <a:blip r:embed="rId2"/>
+          <a:blip/>
           <a:stretch>
             <a:fillRect/>
           </a:stretch>
@@ -14299,7 +14299,7 @@
           <p:nvPr/>
         </p:nvPicPr>
         <p:blipFill>
-          <a:blip r:embed="rId2"/>
+          <a:blip/>
           <a:stretch>
             <a:fillRect/>
           </a:stretch>
@@ -15308,7 +15308,7 @@
           <p:nvPr/>
         </p:nvPicPr>
         <p:blipFill>
-          <a:blip r:embed="rId2"/>
+          <a:blip/>
           <a:stretch>
             <a:fillRect/>
           </a:stretch>
@@ -15617,7 +15617,7 @@
           <p:nvPr/>
         </p:nvPicPr>
         <p:blipFill>
-          <a:blip r:embed="rId2"/>
+          <a:blip/>
           <a:stretch>
             <a:fillRect/>
           </a:stretch>
@@ -19073,7 +19073,7 @@
           <p:nvPr/>
         </p:nvPicPr>
         <p:blipFill>
-          <a:blip r:embed="rId2"/>
+          <a:blip/>
           <a:stretch>
             <a:fillRect/>
           </a:stretch>
@@ -21860,7 +21860,7 @@
           <p:nvPr/>
         </p:nvPicPr>
         <p:blipFill>
-          <a:blip r:embed="rId2"/>
+          <a:blip/>
           <a:stretch>
             <a:fillRect/>
           </a:stretch>
@@ -22081,7 +22081,7 @@
           </p:nvPr>
         </p:nvPicPr>
         <p:blipFill>
-          <a:blip r:embed="rId2"/>
+          <a:blip/>
           <a:stretch>
             <a:fillRect/>
           </a:stretch>
@@ -22261,7 +22261,7 @@
           </p:nvPr>
         </p:nvPicPr>
         <p:blipFill>
-          <a:blip r:embed="rId2"/>
+          <a:blip/>
           <a:stretch>
             <a:fillRect/>
           </a:stretch>
@@ -22763,7 +22763,7 @@
           <p:nvPr/>
         </p:nvPicPr>
         <p:blipFill>
-          <a:blip r:embed="rId2"/>
+          <a:blip/>
           <a:stretch>
             <a:fillRect/>
           </a:stretch>
@@ -23167,7 +23167,7 @@
           <p:nvPr/>
         </p:nvPicPr>
         <p:blipFill>
-          <a:blip r:embed="rId2"/>
+          <a:blip/>
           <a:stretch>
             <a:fillRect/>
           </a:stretch>
@@ -23324,7 +23324,7 @@
           </p:nvPr>
         </p:nvPicPr>
         <p:blipFill>
-          <a:blip r:embed="rId2"/>
+          <a:blip/>
           <a:stretch>
             <a:fillRect/>
           </a:stretch>
@@ -23712,7 +23712,7 @@
           <p:nvPr/>
         </p:nvPicPr>
         <p:blipFill>
-          <a:blip r:embed="rId2"/>
+          <a:blip/>
           <a:stretch>
             <a:fillRect/>
           </a:stretch>
@@ -24359,7 +24359,7 @@
           <p:nvPr/>
         </p:nvPicPr>
         <p:blipFill>
-          <a:blip r:embed="rId2"/>
+          <a:blip/>
           <a:stretch>
             <a:fillRect/>
           </a:stretch>
@@ -24788,7 +24788,7 @@
           <p:nvPr/>
         </p:nvPicPr>
         <p:blipFill>
-          <a:blip r:embed="rId2"/>
+          <a:blip/>
           <a:stretch>
             <a:fillRect/>
           </a:stretch>
@@ -25025,7 +25025,7 @@
           </p:nvPr>
         </p:nvPicPr>
         <p:blipFill>
-          <a:blip r:embed="rId2"/>
+          <a:blip/>
           <a:stretch>
             <a:fillRect/>
           </a:stretch>
@@ -25378,7 +25378,7 @@
           <p:nvPr/>
         </p:nvPicPr>
         <p:blipFill>
-          <a:blip r:embed="rId2"/>
+          <a:blip/>
           <a:stretch>
             <a:fillRect/>
           </a:stretch>
@@ -25957,7 +25957,7 @@
           </p:nvPr>
         </p:nvPicPr>
         <p:blipFill>
-          <a:blip r:embed="rId2"/>
+          <a:blip/>
           <a:stretch>
             <a:fillRect/>
           </a:stretch>
@@ -26370,7 +26370,7 @@
           <p:nvPr/>
         </p:nvPicPr>
         <p:blipFill>
-          <a:blip r:embed="rId2"/>
+          <a:blip/>
           <a:stretch>
             <a:fillRect/>
           </a:stretch>
@@ -26869,7 +26869,7 @@
           <p:nvPr/>
         </p:nvPicPr>
         <p:blipFill>
-          <a:blip r:embed="rId2"/>
+          <a:blip/>
           <a:stretch>
             <a:fillRect/>
           </a:stretch>
@@ -27163,7 +27163,7 @@
           <p:nvPr/>
         </p:nvPicPr>
         <p:blipFill>
-          <a:blip r:embed="rId2"/>
+          <a:blip/>
           <a:stretch>
             <a:fillRect/>
           </a:stretch>
@@ -27611,7 +27611,7 @@
           <p:nvPr/>
         </p:nvPicPr>
         <p:blipFill>
-          <a:blip r:embed="rId2"/>
+          <a:blip/>
           <a:stretch>
             <a:fillRect/>
           </a:stretch>
@@ -27774,13 +27774,10 @@
           <p:nvPr/>
         </p:nvPicPr>
         <p:blipFill>
-          <a:blip r:embed="rId2">
+          <a:blip>
             <a:extLst>
               <a:ext uri="{28A0092B-C50C-407E-A947-70E740481C1C}">
                 <a14:useLocalDpi xmlns:a14="http://schemas.microsoft.com/office/drawing/2010/main" val="0"/>
-              </a:ext>
-              <a:ext uri="{96DAC541-7B7A-43D3-8B79-37D633B846F1}">
-                <asvg:svgBlip xmlns:asvg="http://schemas.microsoft.com/office/drawing/2016/SVG/main" r:embed="rId3"/>
               </a:ext>
             </a:extLst>
           </a:blip>
@@ -27827,37 +27824,37 @@
           <a:lstStyle/>
           <a:p>
             <a:r>
-              <a:rPr lang="en-US" sz="2000"/>
+              <a:rPr lang="en-US" sz="2000" dirty="0"/>
               <a:t>Promises are a way to handle asynchronous operations in JavaScript and TypeScript. They provide a way to handle the outcome of an asynchronous operation, either a successful outcome or a failure.</a:t>
             </a:r>
           </a:p>
           <a:p>
             <a:r>
-              <a:rPr lang="en-US" sz="2000"/>
+              <a:rPr lang="en-US" sz="2000" dirty="0"/>
               <a:t>In JavaScript, a Promise is an object that represents the eventual completion (or failure) of an asynchronous operation and its resulting value. Promises have three states:</a:t>
             </a:r>
           </a:p>
           <a:p>
             <a:r>
-              <a:rPr lang="en-US" sz="2000"/>
+              <a:rPr lang="en-US" sz="2000" dirty="0"/>
               <a:t>Pending: The initial state. The promise is neither fulfilled nor rejected.</a:t>
             </a:r>
           </a:p>
           <a:p>
             <a:r>
-              <a:rPr lang="en-US" sz="2000"/>
+              <a:rPr lang="en-US" sz="2000" dirty="0"/>
               <a:t>Fulfilled: The operation completed successfully, and the promise has a resulting value.</a:t>
             </a:r>
           </a:p>
           <a:p>
             <a:r>
-              <a:rPr lang="en-US" sz="2000"/>
+              <a:rPr lang="en-US" sz="2000" dirty="0"/>
               <a:t>Rejected: The operation failed, and the promise has a reason for the failure.</a:t>
             </a:r>
           </a:p>
           <a:p>
             <a:r>
-              <a:rPr lang="en-US" sz="2000"/>
+              <a:rPr lang="en-US" sz="2000" dirty="0"/>
               <a:t>In TypeScript, Promises are typed, allowing developers to specify the type of value the promise will eventually resolve with. This provides additional type safety when working with asynchronous operations.</a:t>
             </a:r>
           </a:p>
@@ -28633,7 +28630,7 @@
           </p:nvPr>
         </p:nvPicPr>
         <p:blipFill>
-          <a:blip r:embed="rId2"/>
+          <a:blip/>
           <a:stretch>
             <a:fillRect/>
           </a:stretch>
@@ -28991,7 +28988,9 @@
         </p:nvSpPr>
         <p:spPr/>
         <p:txBody>
-          <a:bodyPr/>
+          <a:bodyPr>
+            <a:normAutofit fontScale="92500" lnSpcReduction="10000"/>
+          </a:bodyPr>
           <a:lstStyle/>
           <a:p>
             <a:r>
@@ -29088,6 +29087,107 @@
               </a:rPr>
               <a:t> methods, we can handle asynchronous errors and perform operations on the data returned by the API in a readable and organized way.</a:t>
             </a:r>
+          </a:p>
+          <a:p>
+            <a:endParaRPr lang="en-US" dirty="0">
+              <a:solidFill>
+                <a:srgbClr val="374151"/>
+              </a:solidFill>
+              <a:latin typeface="Söhne"/>
+            </a:endParaRPr>
+          </a:p>
+          <a:p>
+            <a:r>
+              <a:rPr lang="en-US" dirty="0">
+                <a:solidFill>
+                  <a:srgbClr val="374151"/>
+                </a:solidFill>
+                <a:latin typeface="Söhne"/>
+              </a:rPr>
+              <a:t>Fetch(‘whatever’).then(res =&gt; { return </a:t>
+            </a:r>
+            <a:r>
+              <a:rPr lang="en-US" dirty="0" err="1">
+                <a:solidFill>
+                  <a:srgbClr val="374151"/>
+                </a:solidFill>
+                <a:latin typeface="Söhne"/>
+              </a:rPr>
+              <a:t>res.json</a:t>
+            </a:r>
+            <a:r>
+              <a:rPr lang="en-US" dirty="0">
+                <a:solidFill>
+                  <a:srgbClr val="374151"/>
+                </a:solidFill>
+                <a:latin typeface="Söhne"/>
+              </a:rPr>
+              <a:t>() }).then(data =&gt; </a:t>
+            </a:r>
+            <a:r>
+              <a:rPr lang="en-US" dirty="0" err="1">
+                <a:solidFill>
+                  <a:srgbClr val="374151"/>
+                </a:solidFill>
+                <a:latin typeface="Söhne"/>
+              </a:rPr>
+              <a:t>console.log</a:t>
+            </a:r>
+            <a:r>
+              <a:rPr lang="en-US" dirty="0">
+                <a:solidFill>
+                  <a:srgbClr val="374151"/>
+                </a:solidFill>
+                <a:latin typeface="Söhne"/>
+              </a:rPr>
+              <a:t>(data))</a:t>
+            </a:r>
+          </a:p>
+          <a:p>
+            <a:pPr marL="0" indent="0">
+              <a:buNone/>
+            </a:pPr>
+            <a:r>
+              <a:rPr lang="en-US" dirty="0" err="1">
+                <a:solidFill>
+                  <a:srgbClr val="374151"/>
+                </a:solidFill>
+                <a:latin typeface="Söhne"/>
+              </a:rPr>
+              <a:t>Res.json</a:t>
+            </a:r>
+            <a:r>
+              <a:rPr lang="en-US" dirty="0">
+                <a:solidFill>
+                  <a:srgbClr val="374151"/>
+                </a:solidFill>
+                <a:latin typeface="Söhne"/>
+              </a:rPr>
+              <a:t> -&gt; take the response and transform it to </a:t>
+            </a:r>
+            <a:r>
+              <a:rPr lang="en-US" dirty="0" err="1">
+                <a:solidFill>
+                  <a:srgbClr val="374151"/>
+                </a:solidFill>
+                <a:latin typeface="Söhne"/>
+              </a:rPr>
+              <a:t>json</a:t>
+            </a:r>
+            <a:r>
+              <a:rPr lang="en-US" dirty="0">
+                <a:solidFill>
+                  <a:srgbClr val="374151"/>
+                </a:solidFill>
+                <a:latin typeface="Söhne"/>
+              </a:rPr>
+              <a:t> (this is also a promise)</a:t>
+            </a:r>
+          </a:p>
+          <a:p>
+            <a:pPr marL="0" indent="0">
+              <a:buNone/>
+            </a:pPr>
             <a:endParaRPr lang="en-IL" dirty="0"/>
           </a:p>
         </p:txBody>
@@ -29268,18 +29368,69 @@
         </p:nvSpPr>
         <p:spPr/>
         <p:txBody>
-          <a:bodyPr/>
+          <a:bodyPr>
+            <a:normAutofit fontScale="55000" lnSpcReduction="20000"/>
+          </a:bodyPr>
           <a:lstStyle/>
           <a:p>
             <a:r>
-              <a:rPr lang="en-IL" dirty="0"/>
-              <a:t>Back end as </a:t>
-            </a:r>
-            <a:r>
-              <a:rPr lang="en-IL"/>
-              <a:t>a service</a:t>
-            </a:r>
-            <a:endParaRPr lang="en-IL" dirty="0"/>
+              <a:rPr lang="en-US" dirty="0"/>
+              <a:t>Backend as a Service, refers to a cloud-based service that provides developers with a pre-built backend infrastructure that they can use to build and operate their mobile and web applications. BaaS providers handle server-side operations such as data storage, user management, push notifications, and social media integration, allowing developers to focus on creating the frontend of their applications.</a:t>
+            </a:r>
+          </a:p>
+          <a:p>
+            <a:r>
+              <a:rPr lang="en-US" dirty="0"/>
+              <a:t>Here are some examples of popular BaaS providers:</a:t>
+            </a:r>
+          </a:p>
+          <a:p>
+            <a:r>
+              <a:rPr lang="en-US" dirty="0"/>
+              <a:t>Firebase: Firebase is a BaaS platform acquired by Google in 2014 that provides a suite of tools and services for mobile and web developers. It includes features like real-time database, authentication, hosting, and cloud messaging.</a:t>
+            </a:r>
+          </a:p>
+          <a:p>
+            <a:r>
+              <a:rPr lang="en-US" dirty="0"/>
+              <a:t>AWS Amplify: AWS Amplify is a BaaS platform offered by Amazon Web Services (AWS) that provides developers with tools and services to build scalable and secure cloud-powered applications. It includes features like authentication, APIs, storage, and hosting.</a:t>
+            </a:r>
+          </a:p>
+          <a:p>
+            <a:r>
+              <a:rPr lang="en-US" dirty="0"/>
+              <a:t>Parse: Parse is an open-source BaaS platform that provides developers with tools and services to build mobile and web applications. It includes features like user authentication, push notifications, and database management.</a:t>
+            </a:r>
+          </a:p>
+          <a:p>
+            <a:r>
+              <a:rPr lang="en-US" dirty="0"/>
+              <a:t>Back4App: Back4App is a BaaS platform that provides developers with a fully managed backend infrastructure. It includes features like user authentication, push notifications, and database management.</a:t>
+            </a:r>
+          </a:p>
+          <a:p>
+            <a:r>
+              <a:rPr lang="en-US" dirty="0" err="1"/>
+              <a:t>Kinvey</a:t>
+            </a:r>
+            <a:r>
+              <a:rPr lang="en-US" dirty="0"/>
+              <a:t>: </a:t>
+            </a:r>
+            <a:r>
+              <a:rPr lang="en-US" dirty="0" err="1"/>
+              <a:t>Kinvey</a:t>
+            </a:r>
+            <a:r>
+              <a:rPr lang="en-US" dirty="0"/>
+              <a:t> is a BaaS platform that provides developers with tools and services to build mobile and web applications. It includes features like data integration, user management, and push notifications.</a:t>
+            </a:r>
+          </a:p>
+          <a:p>
+            <a:r>
+              <a:rPr lang="en-US" dirty="0"/>
+              <a:t>These BaaS platforms are just a few examples of the many options available to developers. By using a BaaS platform, developers can save time and resources by outsourcing the backend infrastructure of their applications and focus on building the frontend features that are unique to their application.</a:t>
+            </a:r>
           </a:p>
         </p:txBody>
       </p:sp>
@@ -29368,12 +29519,9 @@
           <a:p>
             <a:r>
               <a:rPr lang="en-US" dirty="0"/>
-              <a:t>L</a:t>
-            </a:r>
-            <a:r>
-              <a:rPr lang="en-IL" dirty="0"/>
-              <a:t>et’s start talk about getting data!</a:t>
-            </a:r>
+              <a:t>Import export	</a:t>
+            </a:r>
+            <a:endParaRPr lang="en-IL" dirty="0"/>
           </a:p>
         </p:txBody>
       </p:sp>
@@ -29398,6 +29546,22 @@
           <a:bodyPr/>
           <a:lstStyle/>
           <a:p>
+            <a:pPr algn="l"/>
+            <a:r>
+              <a:rPr lang="en-US" b="0" i="0" dirty="0">
+                <a:solidFill>
+                  <a:srgbClr val="374151"/>
+                </a:solidFill>
+                <a:effectLst/>
+                <a:latin typeface="Söhne"/>
+              </a:rPr>
+              <a:t>In TypeScript, importing and exporting modules is done using the import and export keywords, respectively. These keywords are used to define relationships between files and to share functionality between them.</a:t>
+            </a:r>
+          </a:p>
+          <a:p>
+            <a:br>
+              <a:rPr lang="en-US" dirty="0"/>
+            </a:br>
             <a:endParaRPr lang="en-IL" dirty="0"/>
           </a:p>
         </p:txBody>
@@ -29455,12 +29619,19 @@
           <a:p>
             <a:r>
               <a:rPr lang="en-US" dirty="0"/>
-              <a:t>L</a:t>
-            </a:r>
-            <a:r>
-              <a:rPr lang="en-IL" dirty="0"/>
-              <a:t>et’s start talk about getting data!</a:t>
-            </a:r>
+              <a:t>Node </a:t>
+            </a:r>
+            <a:r>
+              <a:rPr lang="en-US" b="0" i="0" dirty="0">
+                <a:solidFill>
+                  <a:srgbClr val="374151"/>
+                </a:solidFill>
+                <a:effectLst/>
+                <a:latin typeface="Söhne"/>
+              </a:rPr>
+              <a:t>modules</a:t>
+            </a:r>
+            <a:endParaRPr lang="en-IL" dirty="0"/>
           </a:p>
         </p:txBody>
       </p:sp>
@@ -29482,8 +29653,122 @@
         </p:nvSpPr>
         <p:spPr/>
         <p:txBody>
-          <a:bodyPr/>
+          <a:bodyPr>
+            <a:normAutofit fontScale="77500" lnSpcReduction="20000"/>
+          </a:bodyPr>
           <a:lstStyle/>
+          <a:p>
+            <a:pPr algn="l"/>
+            <a:r>
+              <a:rPr lang="en-US" b="0" i="0" dirty="0">
+                <a:solidFill>
+                  <a:srgbClr val="374151"/>
+                </a:solidFill>
+                <a:effectLst/>
+                <a:latin typeface="Söhne"/>
+              </a:rPr>
+              <a:t>Node modules are a fundamental feature of Node.js, which is an open-source, cross-platform JavaScript runtime environment. Node modules are simply reusable packages of code that can be easily included in Node.js projects to extend their functionality.</a:t>
+            </a:r>
+          </a:p>
+          <a:p>
+            <a:pPr algn="l"/>
+            <a:r>
+              <a:rPr lang="en-US" b="0" i="0" dirty="0">
+                <a:solidFill>
+                  <a:srgbClr val="374151"/>
+                </a:solidFill>
+                <a:effectLst/>
+                <a:latin typeface="Söhne"/>
+              </a:rPr>
+              <a:t>In Node.js, modules can be created by writing code in separate files, and then exporting specific functions or objects that can be used in other parts of the application. These exported functions or objects are known as the module's "public API".</a:t>
+            </a:r>
+          </a:p>
+          <a:p>
+            <a:pPr algn="l"/>
+            <a:r>
+              <a:rPr lang="en-US" b="0" i="0" dirty="0">
+                <a:solidFill>
+                  <a:srgbClr val="374151"/>
+                </a:solidFill>
+                <a:effectLst/>
+                <a:latin typeface="Söhne"/>
+              </a:rPr>
+              <a:t>There are two types of modules in Node.js: built-in modules and external modules. Built-in modules are modules that are included with the Node.js runtime and can be used without any additional installation. Examples of built-in modules include fs for file system operations, http for creating web servers, and path for working with file paths.</a:t>
+            </a:r>
+          </a:p>
+          <a:p>
+            <a:pPr algn="l"/>
+            <a:r>
+              <a:rPr lang="en-US" b="0" i="0" dirty="0">
+                <a:solidFill>
+                  <a:srgbClr val="374151"/>
+                </a:solidFill>
+                <a:effectLst/>
+                <a:latin typeface="Söhne"/>
+              </a:rPr>
+              <a:t>External modules, on the other hand, are modules that are created by third-party developers and can be downloaded and installed using Node.js's built-in package manager, </a:t>
+            </a:r>
+            <a:r>
+              <a:rPr lang="en-US" b="0" i="0" dirty="0" err="1">
+                <a:solidFill>
+                  <a:srgbClr val="374151"/>
+                </a:solidFill>
+                <a:effectLst/>
+                <a:latin typeface="Söhne"/>
+              </a:rPr>
+              <a:t>npm</a:t>
+            </a:r>
+            <a:r>
+              <a:rPr lang="en-US" b="0" i="0" dirty="0">
+                <a:solidFill>
+                  <a:srgbClr val="374151"/>
+                </a:solidFill>
+                <a:effectLst/>
+                <a:latin typeface="Söhne"/>
+              </a:rPr>
+              <a:t>. </a:t>
+            </a:r>
+            <a:r>
+              <a:rPr lang="en-US" b="0" i="0" dirty="0" err="1">
+                <a:solidFill>
+                  <a:srgbClr val="374151"/>
+                </a:solidFill>
+                <a:effectLst/>
+                <a:latin typeface="Söhne"/>
+              </a:rPr>
+              <a:t>npm</a:t>
+            </a:r>
+            <a:r>
+              <a:rPr lang="en-US" b="0" i="0" dirty="0">
+                <a:solidFill>
+                  <a:srgbClr val="374151"/>
+                </a:solidFill>
+                <a:effectLst/>
+                <a:latin typeface="Söhne"/>
+              </a:rPr>
+              <a:t> provides access to a vast ecosystem of external modules, which can be easily installed and managed using the </a:t>
+            </a:r>
+            <a:r>
+              <a:rPr lang="en-US" b="0" i="0" dirty="0" err="1">
+                <a:solidFill>
+                  <a:srgbClr val="374151"/>
+                </a:solidFill>
+                <a:effectLst/>
+                <a:latin typeface="Söhne"/>
+              </a:rPr>
+              <a:t>npm</a:t>
+            </a:r>
+            <a:r>
+              <a:rPr lang="en-US" b="0" i="0" dirty="0">
+                <a:solidFill>
+                  <a:srgbClr val="374151"/>
+                </a:solidFill>
+                <a:effectLst/>
+                <a:latin typeface="Söhne"/>
+              </a:rPr>
+              <a:t> install command.</a:t>
+            </a:r>
+          </a:p>
           <a:p>
             <a:endParaRPr lang="en-IL" dirty="0"/>
           </a:p>
@@ -29541,13 +29826,18 @@
           <a:lstStyle/>
           <a:p>
             <a:r>
+              <a:rPr lang="en-US" dirty="0" err="1"/>
+              <a:t>Vite</a:t>
+            </a:r>
+            <a:r>
               <a:rPr lang="en-US" dirty="0"/>
-              <a:t>L</a:t>
-            </a:r>
-            <a:r>
-              <a:rPr lang="en-IL" dirty="0"/>
-              <a:t>et’s start talk about getting data!</a:t>
-            </a:r>
+              <a:t> </a:t>
+            </a:r>
+            <a:r>
+              <a:rPr lang="en-US" dirty="0" err="1"/>
+              <a:t>url</a:t>
+            </a:r>
+            <a:endParaRPr lang="en-IL" dirty="0"/>
           </a:p>
         </p:txBody>
       </p:sp>
@@ -29572,6 +29862,18 @@
           <a:bodyPr/>
           <a:lstStyle/>
           <a:p>
+            <a:r>
+              <a:rPr lang="en-US" dirty="0"/>
+              <a:t>https://</a:t>
+            </a:r>
+            <a:r>
+              <a:rPr lang="en-US" dirty="0" err="1"/>
+              <a:t>vitejs.dev</a:t>
+            </a:r>
+            <a:r>
+              <a:rPr lang="en-US" dirty="0"/>
+              <a:t>/guide/</a:t>
+            </a:r>
             <a:endParaRPr lang="en-IL" dirty="0"/>
           </a:p>
         </p:txBody>
@@ -29628,13 +29930,10 @@
           <a:lstStyle/>
           <a:p>
             <a:r>
-              <a:rPr lang="en-US" dirty="0"/>
-              <a:t>L</a:t>
-            </a:r>
-            <a:r>
-              <a:rPr lang="en-IL" dirty="0"/>
-              <a:t>et’s start talk about getting data!</a:t>
-            </a:r>
+              <a:rPr lang="en-US" dirty="0" err="1"/>
+              <a:t>vite</a:t>
+            </a:r>
+            <a:endParaRPr lang="en-IL" dirty="0"/>
           </a:p>
         </p:txBody>
       </p:sp>
@@ -29656,8 +29955,82 @@
         </p:nvSpPr>
         <p:spPr/>
         <p:txBody>
-          <a:bodyPr/>
+          <a:bodyPr>
+            <a:normAutofit fontScale="70000" lnSpcReduction="20000"/>
+          </a:bodyPr>
           <a:lstStyle/>
+          <a:p>
+            <a:r>
+              <a:rPr lang="en-US" dirty="0" err="1"/>
+              <a:t>Vite</a:t>
+            </a:r>
+            <a:r>
+              <a:rPr lang="en-US" dirty="0"/>
+              <a:t> is a modern, fast, and lightweight build tool and development server for web applications. It was developed by Evan You, the creator of </a:t>
+            </a:r>
+            <a:r>
+              <a:rPr lang="en-US" dirty="0" err="1"/>
+              <a:t>Vue.js</a:t>
+            </a:r>
+            <a:r>
+              <a:rPr lang="en-US" dirty="0"/>
+              <a:t>, and is designed to provide a smooth and efficient development experience for modern web development workflows.</a:t>
+            </a:r>
+          </a:p>
+          <a:p>
+            <a:r>
+              <a:rPr lang="en-US" dirty="0"/>
+              <a:t>One of the key features of </a:t>
+            </a:r>
+            <a:r>
+              <a:rPr lang="en-US" dirty="0" err="1"/>
+              <a:t>Vite</a:t>
+            </a:r>
+            <a:r>
+              <a:rPr lang="en-US" dirty="0"/>
+              <a:t> is its fast build times, which are achieved by leveraging the native ES modules support in modern web browsers. Instead of bundling all your code into a single JavaScript file, </a:t>
+            </a:r>
+            <a:r>
+              <a:rPr lang="en-US" dirty="0" err="1"/>
+              <a:t>Vite</a:t>
+            </a:r>
+            <a:r>
+              <a:rPr lang="en-US" dirty="0"/>
+              <a:t> uses a "just-in-time" (JIT) compilation strategy that allows it to compile and serve individual modules on demand, as they are requested by the browser.</a:t>
+            </a:r>
+          </a:p>
+          <a:p>
+            <a:r>
+              <a:rPr lang="en-US" dirty="0"/>
+              <a:t>In addition to fast build times, </a:t>
+            </a:r>
+            <a:r>
+              <a:rPr lang="en-US" dirty="0" err="1"/>
+              <a:t>Vite</a:t>
+            </a:r>
+            <a:r>
+              <a:rPr lang="en-US" dirty="0"/>
+              <a:t> also includes a built-in development server that supports features like hot module replacement (HMR) and fast-refreshing. This means that you can make changes to your code and see the results in your browser almost instantly, without having to manually refresh the page.</a:t>
+            </a:r>
+          </a:p>
+          <a:p>
+            <a:r>
+              <a:rPr lang="en-US" dirty="0" err="1"/>
+              <a:t>Vite</a:t>
+            </a:r>
+            <a:r>
+              <a:rPr lang="en-US" dirty="0"/>
+              <a:t> also supports a wide range of modern web development technologies, including TypeScript, React, </a:t>
+            </a:r>
+            <a:r>
+              <a:rPr lang="en-US" dirty="0" err="1"/>
+              <a:t>Vue.js</a:t>
+            </a:r>
+            <a:r>
+              <a:rPr lang="en-US" dirty="0"/>
+              <a:t>, and CSS preprocessors like Sass and Less. It provides a simple and intuitive configuration file format that makes it easy to customize and extend the build process to suit your specific needs.</a:t>
+            </a:r>
+          </a:p>
           <a:p>
             <a:endParaRPr lang="en-IL" dirty="0"/>
           </a:p>
@@ -29715,13 +30088,14 @@
           <a:lstStyle/>
           <a:p>
             <a:r>
+              <a:rPr lang="en-US" dirty="0" err="1"/>
+              <a:t>Next.js</a:t>
+            </a:r>
+            <a:r>
               <a:rPr lang="en-US" dirty="0"/>
-              <a:t>L</a:t>
-            </a:r>
-            <a:r>
-              <a:rPr lang="en-IL" dirty="0"/>
-              <a:t>et’s start talk about getting data!</a:t>
-            </a:r>
+              <a:t> start!</a:t>
+            </a:r>
+            <a:endParaRPr lang="en-IL" dirty="0"/>
           </a:p>
         </p:txBody>
       </p:sp>
@@ -29743,10 +30117,401 @@
         </p:nvSpPr>
         <p:spPr/>
         <p:txBody>
-          <a:bodyPr/>
+          <a:bodyPr>
+            <a:normAutofit fontScale="92500" lnSpcReduction="20000"/>
+          </a:bodyPr>
           <a:lstStyle/>
           <a:p>
-            <a:endParaRPr lang="en-IL" dirty="0"/>
+            <a:pPr algn="l"/>
+            <a:r>
+              <a:rPr lang="en-US" sz="1600" b="0" i="0" dirty="0" err="1">
+                <a:solidFill>
+                  <a:srgbClr val="374151"/>
+                </a:solidFill>
+                <a:effectLst/>
+                <a:latin typeface="Söhne"/>
+              </a:rPr>
+              <a:t>Next.js</a:t>
+            </a:r>
+            <a:r>
+              <a:rPr lang="en-US" sz="1600" b="0" i="0" dirty="0">
+                <a:solidFill>
+                  <a:srgbClr val="374151"/>
+                </a:solidFill>
+                <a:effectLst/>
+                <a:latin typeface="Söhne"/>
+              </a:rPr>
+              <a:t> is a popular, open-source React framework developed by </a:t>
+            </a:r>
+            <a:r>
+              <a:rPr lang="en-US" sz="1600" b="0" i="0" dirty="0" err="1">
+                <a:solidFill>
+                  <a:srgbClr val="374151"/>
+                </a:solidFill>
+                <a:effectLst/>
+                <a:latin typeface="Söhne"/>
+              </a:rPr>
+              <a:t>Vercel</a:t>
+            </a:r>
+            <a:r>
+              <a:rPr lang="en-US" sz="1600" b="0" i="0" dirty="0">
+                <a:solidFill>
+                  <a:srgbClr val="374151"/>
+                </a:solidFill>
+                <a:effectLst/>
+                <a:latin typeface="Söhne"/>
+              </a:rPr>
+              <a:t>. It simplifies the process of building modern web applications, particularly server-rendered React applications. With a focus on performance, developer experience, and scalability, </a:t>
+            </a:r>
+            <a:r>
+              <a:rPr lang="en-US" sz="1600" b="0" i="0" dirty="0" err="1">
+                <a:solidFill>
+                  <a:srgbClr val="374151"/>
+                </a:solidFill>
+                <a:effectLst/>
+                <a:latin typeface="Söhne"/>
+              </a:rPr>
+              <a:t>Next.js</a:t>
+            </a:r>
+            <a:r>
+              <a:rPr lang="en-US" sz="1600" b="0" i="0" dirty="0">
+                <a:solidFill>
+                  <a:srgbClr val="374151"/>
+                </a:solidFill>
+                <a:effectLst/>
+                <a:latin typeface="Söhne"/>
+              </a:rPr>
+              <a:t> offers features such as server-side rendering (SSR), static site generation (SSG), and API routes.</a:t>
+            </a:r>
+          </a:p>
+          <a:p>
+            <a:pPr algn="l"/>
+            <a:r>
+              <a:rPr lang="en-US" sz="1600" b="0" i="0" dirty="0">
+                <a:solidFill>
+                  <a:srgbClr val="374151"/>
+                </a:solidFill>
+                <a:effectLst/>
+                <a:latin typeface="Söhne"/>
+              </a:rPr>
+              <a:t>Here are some key concepts and features of </a:t>
+            </a:r>
+            <a:r>
+              <a:rPr lang="en-US" sz="1600" b="0" i="0" dirty="0" err="1">
+                <a:solidFill>
+                  <a:srgbClr val="374151"/>
+                </a:solidFill>
+                <a:effectLst/>
+                <a:latin typeface="Söhne"/>
+              </a:rPr>
+              <a:t>Next.js</a:t>
+            </a:r>
+            <a:r>
+              <a:rPr lang="en-US" sz="1600" b="0" i="0" dirty="0">
+                <a:solidFill>
+                  <a:srgbClr val="374151"/>
+                </a:solidFill>
+                <a:effectLst/>
+                <a:latin typeface="Söhne"/>
+              </a:rPr>
+              <a:t>:</a:t>
+            </a:r>
+          </a:p>
+          <a:p>
+            <a:pPr algn="l">
+              <a:buFont typeface="+mj-lt"/>
+              <a:buAutoNum type="arabicPeriod"/>
+            </a:pPr>
+            <a:r>
+              <a:rPr lang="en-US" sz="1600" b="0" i="0" dirty="0">
+                <a:solidFill>
+                  <a:srgbClr val="374151"/>
+                </a:solidFill>
+                <a:effectLst/>
+                <a:latin typeface="Söhne"/>
+              </a:rPr>
+              <a:t>File-based routing: </a:t>
+            </a:r>
+            <a:r>
+              <a:rPr lang="en-US" sz="1600" b="0" i="0" dirty="0" err="1">
+                <a:solidFill>
+                  <a:srgbClr val="374151"/>
+                </a:solidFill>
+                <a:effectLst/>
+                <a:latin typeface="Söhne"/>
+              </a:rPr>
+              <a:t>Next.js</a:t>
+            </a:r>
+            <a:r>
+              <a:rPr lang="en-US" sz="1600" b="0" i="0" dirty="0">
+                <a:solidFill>
+                  <a:srgbClr val="374151"/>
+                </a:solidFill>
+                <a:effectLst/>
+                <a:latin typeface="Söhne"/>
+              </a:rPr>
+              <a:t> automatically generates routes based on the file structure inside the pages directory. For example, if you create a file named </a:t>
+            </a:r>
+            <a:r>
+              <a:rPr lang="en-US" sz="1600" b="0" i="0" dirty="0" err="1">
+                <a:solidFill>
+                  <a:srgbClr val="374151"/>
+                </a:solidFill>
+                <a:effectLst/>
+                <a:latin typeface="Söhne"/>
+              </a:rPr>
+              <a:t>about.js</a:t>
+            </a:r>
+            <a:r>
+              <a:rPr lang="en-US" sz="1600" b="0" i="0" dirty="0">
+                <a:solidFill>
+                  <a:srgbClr val="374151"/>
+                </a:solidFill>
+                <a:effectLst/>
+                <a:latin typeface="Söhne"/>
+              </a:rPr>
+              <a:t> in the pages folder, it will be accessible at the /about route.</a:t>
+            </a:r>
+          </a:p>
+          <a:p>
+            <a:pPr algn="l">
+              <a:buFont typeface="+mj-lt"/>
+              <a:buAutoNum type="arabicPeriod"/>
+            </a:pPr>
+            <a:r>
+              <a:rPr lang="en-US" sz="1600" b="0" i="0" dirty="0">
+                <a:solidFill>
+                  <a:srgbClr val="374151"/>
+                </a:solidFill>
+                <a:effectLst/>
+                <a:latin typeface="Söhne"/>
+              </a:rPr>
+              <a:t>Server-side rendering (SSR): </a:t>
+            </a:r>
+            <a:r>
+              <a:rPr lang="en-US" sz="1600" b="0" i="0" dirty="0" err="1">
+                <a:solidFill>
+                  <a:srgbClr val="374151"/>
+                </a:solidFill>
+                <a:effectLst/>
+                <a:latin typeface="Söhne"/>
+              </a:rPr>
+              <a:t>Next.js</a:t>
+            </a:r>
+            <a:r>
+              <a:rPr lang="en-US" sz="1600" b="0" i="0" dirty="0">
+                <a:solidFill>
+                  <a:srgbClr val="374151"/>
+                </a:solidFill>
+                <a:effectLst/>
+                <a:latin typeface="Söhne"/>
+              </a:rPr>
+              <a:t> supports SSR out-of-the-box. This allows you to fetch data on the server before rendering the page, improving the performance and SEO of your application. To enable SSR, you can use the </a:t>
+            </a:r>
+            <a:r>
+              <a:rPr lang="en-US" sz="1600" b="0" i="0" dirty="0" err="1">
+                <a:solidFill>
+                  <a:srgbClr val="374151"/>
+                </a:solidFill>
+                <a:effectLst/>
+                <a:latin typeface="Söhne"/>
+              </a:rPr>
+              <a:t>getServerSideProps</a:t>
+            </a:r>
+            <a:r>
+              <a:rPr lang="en-US" sz="1600" b="0" i="0" dirty="0">
+                <a:solidFill>
+                  <a:srgbClr val="374151"/>
+                </a:solidFill>
+                <a:effectLst/>
+                <a:latin typeface="Söhne"/>
+              </a:rPr>
+              <a:t> function in your page component.</a:t>
+            </a:r>
+          </a:p>
+          <a:p>
+            <a:pPr algn="l">
+              <a:buFont typeface="+mj-lt"/>
+              <a:buAutoNum type="arabicPeriod"/>
+            </a:pPr>
+            <a:r>
+              <a:rPr lang="en-US" sz="1600" b="0" i="0" dirty="0">
+                <a:solidFill>
+                  <a:srgbClr val="374151"/>
+                </a:solidFill>
+                <a:effectLst/>
+                <a:latin typeface="Söhne"/>
+              </a:rPr>
+              <a:t>Static site generation (SSG): </a:t>
+            </a:r>
+            <a:r>
+              <a:rPr lang="en-US" sz="1600" b="0" i="0" dirty="0" err="1">
+                <a:solidFill>
+                  <a:srgbClr val="374151"/>
+                </a:solidFill>
+                <a:effectLst/>
+                <a:latin typeface="Söhne"/>
+              </a:rPr>
+              <a:t>Next.js</a:t>
+            </a:r>
+            <a:r>
+              <a:rPr lang="en-US" sz="1600" b="0" i="0" dirty="0">
+                <a:solidFill>
+                  <a:srgbClr val="374151"/>
+                </a:solidFill>
+                <a:effectLst/>
+                <a:latin typeface="Söhne"/>
+              </a:rPr>
+              <a:t> also supports SSG, which enables you to pre-render pages at build time. This is useful for content that doesn't change frequently, as it reduces server load and improves performance. To enable SSG, you can use the </a:t>
+            </a:r>
+            <a:r>
+              <a:rPr lang="en-US" sz="1600" b="0" i="0" dirty="0" err="1">
+                <a:solidFill>
+                  <a:srgbClr val="374151"/>
+                </a:solidFill>
+                <a:effectLst/>
+                <a:latin typeface="Söhne"/>
+              </a:rPr>
+              <a:t>getStaticProps</a:t>
+            </a:r>
+            <a:r>
+              <a:rPr lang="en-US" sz="1600" b="0" i="0" dirty="0">
+                <a:solidFill>
+                  <a:srgbClr val="374151"/>
+                </a:solidFill>
+                <a:effectLst/>
+                <a:latin typeface="Söhne"/>
+              </a:rPr>
+              <a:t> function in your page component.</a:t>
+            </a:r>
+          </a:p>
+          <a:p>
+            <a:pPr algn="l">
+              <a:buFont typeface="+mj-lt"/>
+              <a:buAutoNum type="arabicPeriod"/>
+            </a:pPr>
+            <a:r>
+              <a:rPr lang="en-US" sz="1600" b="0" i="0" dirty="0">
+                <a:solidFill>
+                  <a:srgbClr val="374151"/>
+                </a:solidFill>
+                <a:effectLst/>
+                <a:latin typeface="Söhne"/>
+              </a:rPr>
+              <a:t>API routes: </a:t>
+            </a:r>
+            <a:r>
+              <a:rPr lang="en-US" sz="1600" b="0" i="0" dirty="0" err="1">
+                <a:solidFill>
+                  <a:srgbClr val="374151"/>
+                </a:solidFill>
+                <a:effectLst/>
+                <a:latin typeface="Söhne"/>
+              </a:rPr>
+              <a:t>Next.js</a:t>
+            </a:r>
+            <a:r>
+              <a:rPr lang="en-US" sz="1600" b="0" i="0" dirty="0">
+                <a:solidFill>
+                  <a:srgbClr val="374151"/>
+                </a:solidFill>
+                <a:effectLst/>
+                <a:latin typeface="Söhne"/>
+              </a:rPr>
+              <a:t> allows you to create serverless API routes by placing files inside the pages/</a:t>
+            </a:r>
+            <a:r>
+              <a:rPr lang="en-US" sz="1600" b="0" i="0" dirty="0" err="1">
+                <a:solidFill>
+                  <a:srgbClr val="374151"/>
+                </a:solidFill>
+                <a:effectLst/>
+                <a:latin typeface="Söhne"/>
+              </a:rPr>
+              <a:t>api</a:t>
+            </a:r>
+            <a:r>
+              <a:rPr lang="en-US" sz="1600" b="0" i="0" dirty="0">
+                <a:solidFill>
+                  <a:srgbClr val="374151"/>
+                </a:solidFill>
+                <a:effectLst/>
+                <a:latin typeface="Söhne"/>
+              </a:rPr>
+              <a:t> directory. These routes are automatically available as serverless functions that can handle HTTP requests. You can use these API routes to build your application's backend logic.</a:t>
+            </a:r>
+          </a:p>
+          <a:p>
+            <a:pPr algn="l">
+              <a:buFont typeface="+mj-lt"/>
+              <a:buAutoNum type="arabicPeriod"/>
+            </a:pPr>
+            <a:r>
+              <a:rPr lang="en-US" sz="1600" b="0" i="0" dirty="0">
+                <a:solidFill>
+                  <a:srgbClr val="374151"/>
+                </a:solidFill>
+                <a:effectLst/>
+                <a:latin typeface="Söhne"/>
+              </a:rPr>
+              <a:t>Dynamic imports: </a:t>
+            </a:r>
+            <a:r>
+              <a:rPr lang="en-US" sz="1600" b="0" i="0" dirty="0" err="1">
+                <a:solidFill>
+                  <a:srgbClr val="374151"/>
+                </a:solidFill>
+                <a:effectLst/>
+                <a:latin typeface="Söhne"/>
+              </a:rPr>
+              <a:t>Next.js</a:t>
+            </a:r>
+            <a:r>
+              <a:rPr lang="en-US" sz="1600" b="0" i="0" dirty="0">
+                <a:solidFill>
+                  <a:srgbClr val="374151"/>
+                </a:solidFill>
+                <a:effectLst/>
+                <a:latin typeface="Söhne"/>
+              </a:rPr>
+              <a:t> supports dynamic imports, which means you can load parts of your application only when they are needed. This can help improve the performance of your application by reducing the initial bundle size.</a:t>
+            </a:r>
+          </a:p>
+          <a:p>
+            <a:pPr algn="l">
+              <a:buFont typeface="+mj-lt"/>
+              <a:buAutoNum type="arabicPeriod"/>
+            </a:pPr>
+            <a:r>
+              <a:rPr lang="en-US" sz="1600" b="0" i="0" dirty="0">
+                <a:solidFill>
+                  <a:srgbClr val="374151"/>
+                </a:solidFill>
+                <a:effectLst/>
+                <a:latin typeface="Söhne"/>
+              </a:rPr>
+              <a:t>Built-in CSS and Sass support: </a:t>
+            </a:r>
+            <a:r>
+              <a:rPr lang="en-US" sz="1600" b="0" i="0" dirty="0" err="1">
+                <a:solidFill>
+                  <a:srgbClr val="374151"/>
+                </a:solidFill>
+                <a:effectLst/>
+                <a:latin typeface="Söhne"/>
+              </a:rPr>
+              <a:t>Next.js</a:t>
+            </a:r>
+            <a:r>
+              <a:rPr lang="en-US" sz="1600" b="0" i="0" dirty="0">
+                <a:solidFill>
+                  <a:srgbClr val="374151"/>
+                </a:solidFill>
+                <a:effectLst/>
+                <a:latin typeface="Söhne"/>
+              </a:rPr>
+              <a:t> comes with built-in support for CSS and Sass styling, which makes it easy to style your components without needing additional configuration.</a:t>
+            </a:r>
           </a:p>
         </p:txBody>
       </p:sp>
@@ -29803,12 +30568,9 @@
           <a:p>
             <a:r>
               <a:rPr lang="en-US" dirty="0"/>
-              <a:t>L</a:t>
-            </a:r>
-            <a:r>
-              <a:rPr lang="en-IL" dirty="0"/>
-              <a:t>et’s start talk about getting data!</a:t>
-            </a:r>
+              <a:t>Let’s start</a:t>
+            </a:r>
+            <a:endParaRPr lang="en-IL" dirty="0"/>
           </a:p>
         </p:txBody>
       </p:sp>
@@ -29833,6 +30595,18 @@
           <a:bodyPr/>
           <a:lstStyle/>
           <a:p>
+            <a:r>
+              <a:rPr lang="en-US" dirty="0"/>
+              <a:t>https://</a:t>
+            </a:r>
+            <a:r>
+              <a:rPr lang="en-US" dirty="0" err="1"/>
+              <a:t>nextjs.org</a:t>
+            </a:r>
+            <a:r>
+              <a:rPr lang="en-US" dirty="0"/>
+              <a:t>/docs</a:t>
+            </a:r>
             <a:endParaRPr lang="en-IL" dirty="0"/>
           </a:p>
         </p:txBody>
@@ -29889,13 +30663,10 @@
           <a:lstStyle/>
           <a:p>
             <a:r>
-              <a:rPr lang="en-US" dirty="0"/>
-              <a:t>L</a:t>
-            </a:r>
-            <a:r>
-              <a:rPr lang="en-IL" dirty="0"/>
-              <a:t>et’s start talk about getting data!</a:t>
-            </a:r>
+              <a:rPr lang="en-US"/>
+              <a:t>React start</a:t>
+            </a:r>
+            <a:endParaRPr lang="en-IL" dirty="0"/>
           </a:p>
         </p:txBody>
       </p:sp>
@@ -30242,7 +31013,7 @@
           <p:nvPr/>
         </p:nvPicPr>
         <p:blipFill rotWithShape="1">
-          <a:blip r:embed="rId2"/>
+          <a:blip/>
           <a:srcRect l="3000" r="51576" b="-1"/>
           <a:stretch/>
         </p:blipFill>

--- a/16ass/16ass.pptx
+++ b/16ass/16ass.pptx
@@ -12,76 +12,77 @@
     <p:sldId id="264" r:id="rId6"/>
     <p:sldId id="267" r:id="rId7"/>
     <p:sldId id="273" r:id="rId8"/>
-    <p:sldId id="386" r:id="rId9"/>
-    <p:sldId id="388" r:id="rId10"/>
-    <p:sldId id="384" r:id="rId11"/>
-    <p:sldId id="385" r:id="rId12"/>
-    <p:sldId id="383" r:id="rId13"/>
-    <p:sldId id="288" r:id="rId14"/>
-    <p:sldId id="420" r:id="rId15"/>
-    <p:sldId id="289" r:id="rId16"/>
-    <p:sldId id="390" r:id="rId17"/>
-    <p:sldId id="389" r:id="rId18"/>
-    <p:sldId id="391" r:id="rId19"/>
-    <p:sldId id="432" r:id="rId20"/>
-    <p:sldId id="434" r:id="rId21"/>
-    <p:sldId id="433" r:id="rId22"/>
-    <p:sldId id="435" r:id="rId23"/>
-    <p:sldId id="436" r:id="rId24"/>
-    <p:sldId id="437" r:id="rId25"/>
-    <p:sldId id="438" r:id="rId26"/>
-    <p:sldId id="439" r:id="rId27"/>
-    <p:sldId id="446" r:id="rId28"/>
-    <p:sldId id="452" r:id="rId29"/>
-    <p:sldId id="453" r:id="rId30"/>
-    <p:sldId id="449" r:id="rId31"/>
-    <p:sldId id="455" r:id="rId32"/>
-    <p:sldId id="456" r:id="rId33"/>
-    <p:sldId id="457" r:id="rId34"/>
-    <p:sldId id="458" r:id="rId35"/>
-    <p:sldId id="461" r:id="rId36"/>
-    <p:sldId id="459" r:id="rId37"/>
-    <p:sldId id="454" r:id="rId38"/>
-    <p:sldId id="460" r:id="rId39"/>
-    <p:sldId id="462" r:id="rId40"/>
-    <p:sldId id="463" r:id="rId41"/>
-    <p:sldId id="465" r:id="rId42"/>
-    <p:sldId id="464" r:id="rId43"/>
-    <p:sldId id="466" r:id="rId44"/>
-    <p:sldId id="467" r:id="rId45"/>
-    <p:sldId id="468" r:id="rId46"/>
-    <p:sldId id="469" r:id="rId47"/>
-    <p:sldId id="470" r:id="rId48"/>
-    <p:sldId id="471" r:id="rId49"/>
-    <p:sldId id="472" r:id="rId50"/>
-    <p:sldId id="479" r:id="rId51"/>
-    <p:sldId id="478" r:id="rId52"/>
-    <p:sldId id="440" r:id="rId53"/>
-    <p:sldId id="480" r:id="rId54"/>
-    <p:sldId id="473" r:id="rId55"/>
-    <p:sldId id="474" r:id="rId56"/>
-    <p:sldId id="475" r:id="rId57"/>
-    <p:sldId id="476" r:id="rId58"/>
-    <p:sldId id="442" r:id="rId59"/>
-    <p:sldId id="443" r:id="rId60"/>
-    <p:sldId id="444" r:id="rId61"/>
-    <p:sldId id="445" r:id="rId62"/>
-    <p:sldId id="447" r:id="rId63"/>
-    <p:sldId id="448" r:id="rId64"/>
-    <p:sldId id="451" r:id="rId65"/>
-    <p:sldId id="450" r:id="rId66"/>
-    <p:sldId id="481" r:id="rId67"/>
-    <p:sldId id="477" r:id="rId68"/>
-    <p:sldId id="482" r:id="rId69"/>
-    <p:sldId id="483" r:id="rId70"/>
-    <p:sldId id="484" r:id="rId71"/>
-    <p:sldId id="487" r:id="rId72"/>
-    <p:sldId id="488" r:id="rId73"/>
-    <p:sldId id="489" r:id="rId74"/>
-    <p:sldId id="490" r:id="rId75"/>
-    <p:sldId id="491" r:id="rId76"/>
-    <p:sldId id="485" r:id="rId77"/>
-    <p:sldId id="486" r:id="rId78"/>
+    <p:sldId id="492" r:id="rId9"/>
+    <p:sldId id="386" r:id="rId10"/>
+    <p:sldId id="388" r:id="rId11"/>
+    <p:sldId id="384" r:id="rId12"/>
+    <p:sldId id="385" r:id="rId13"/>
+    <p:sldId id="383" r:id="rId14"/>
+    <p:sldId id="288" r:id="rId15"/>
+    <p:sldId id="420" r:id="rId16"/>
+    <p:sldId id="289" r:id="rId17"/>
+    <p:sldId id="390" r:id="rId18"/>
+    <p:sldId id="389" r:id="rId19"/>
+    <p:sldId id="391" r:id="rId20"/>
+    <p:sldId id="432" r:id="rId21"/>
+    <p:sldId id="434" r:id="rId22"/>
+    <p:sldId id="433" r:id="rId23"/>
+    <p:sldId id="435" r:id="rId24"/>
+    <p:sldId id="436" r:id="rId25"/>
+    <p:sldId id="437" r:id="rId26"/>
+    <p:sldId id="438" r:id="rId27"/>
+    <p:sldId id="439" r:id="rId28"/>
+    <p:sldId id="446" r:id="rId29"/>
+    <p:sldId id="452" r:id="rId30"/>
+    <p:sldId id="453" r:id="rId31"/>
+    <p:sldId id="449" r:id="rId32"/>
+    <p:sldId id="455" r:id="rId33"/>
+    <p:sldId id="456" r:id="rId34"/>
+    <p:sldId id="457" r:id="rId35"/>
+    <p:sldId id="458" r:id="rId36"/>
+    <p:sldId id="461" r:id="rId37"/>
+    <p:sldId id="459" r:id="rId38"/>
+    <p:sldId id="454" r:id="rId39"/>
+    <p:sldId id="460" r:id="rId40"/>
+    <p:sldId id="462" r:id="rId41"/>
+    <p:sldId id="463" r:id="rId42"/>
+    <p:sldId id="465" r:id="rId43"/>
+    <p:sldId id="464" r:id="rId44"/>
+    <p:sldId id="466" r:id="rId45"/>
+    <p:sldId id="467" r:id="rId46"/>
+    <p:sldId id="468" r:id="rId47"/>
+    <p:sldId id="469" r:id="rId48"/>
+    <p:sldId id="470" r:id="rId49"/>
+    <p:sldId id="471" r:id="rId50"/>
+    <p:sldId id="472" r:id="rId51"/>
+    <p:sldId id="479" r:id="rId52"/>
+    <p:sldId id="478" r:id="rId53"/>
+    <p:sldId id="440" r:id="rId54"/>
+    <p:sldId id="480" r:id="rId55"/>
+    <p:sldId id="473" r:id="rId56"/>
+    <p:sldId id="474" r:id="rId57"/>
+    <p:sldId id="475" r:id="rId58"/>
+    <p:sldId id="476" r:id="rId59"/>
+    <p:sldId id="442" r:id="rId60"/>
+    <p:sldId id="443" r:id="rId61"/>
+    <p:sldId id="444" r:id="rId62"/>
+    <p:sldId id="445" r:id="rId63"/>
+    <p:sldId id="447" r:id="rId64"/>
+    <p:sldId id="448" r:id="rId65"/>
+    <p:sldId id="451" r:id="rId66"/>
+    <p:sldId id="450" r:id="rId67"/>
+    <p:sldId id="481" r:id="rId68"/>
+    <p:sldId id="477" r:id="rId69"/>
+    <p:sldId id="482" r:id="rId70"/>
+    <p:sldId id="483" r:id="rId71"/>
+    <p:sldId id="484" r:id="rId72"/>
+    <p:sldId id="487" r:id="rId73"/>
+    <p:sldId id="488" r:id="rId74"/>
+    <p:sldId id="489" r:id="rId75"/>
+    <p:sldId id="490" r:id="rId76"/>
+    <p:sldId id="491" r:id="rId77"/>
+    <p:sldId id="485" r:id="rId78"/>
+    <p:sldId id="486" r:id="rId79"/>
   </p:sldIdLst>
   <p:sldSz cx="12192000" cy="6858000"/>
   <p:notesSz cx="6858000" cy="9144000"/>
@@ -343,7 +344,7 @@
           <a:p>
             <a:fld id="{89AD1261-9EED-2246-A353-D243FB9E7EC9}" type="datetimeFigureOut">
               <a:rPr lang="en-IL" smtClean="0"/>
-              <a:t>03/05/2023</a:t>
+              <a:t>07/05/2023</a:t>
             </a:fld>
             <a:endParaRPr lang="en-IL"/>
           </a:p>
@@ -543,7 +544,7 @@
           <a:p>
             <a:fld id="{89AD1261-9EED-2246-A353-D243FB9E7EC9}" type="datetimeFigureOut">
               <a:rPr lang="en-IL" smtClean="0"/>
-              <a:t>03/05/2023</a:t>
+              <a:t>07/05/2023</a:t>
             </a:fld>
             <a:endParaRPr lang="en-IL"/>
           </a:p>
@@ -753,7 +754,7 @@
           <a:p>
             <a:fld id="{89AD1261-9EED-2246-A353-D243FB9E7EC9}" type="datetimeFigureOut">
               <a:rPr lang="en-IL" smtClean="0"/>
-              <a:t>03/05/2023</a:t>
+              <a:t>07/05/2023</a:t>
             </a:fld>
             <a:endParaRPr lang="en-IL"/>
           </a:p>
@@ -953,7 +954,7 @@
           <a:p>
             <a:fld id="{89AD1261-9EED-2246-A353-D243FB9E7EC9}" type="datetimeFigureOut">
               <a:rPr lang="en-IL" smtClean="0"/>
-              <a:t>03/05/2023</a:t>
+              <a:t>07/05/2023</a:t>
             </a:fld>
             <a:endParaRPr lang="en-IL"/>
           </a:p>
@@ -1229,7 +1230,7 @@
           <a:p>
             <a:fld id="{89AD1261-9EED-2246-A353-D243FB9E7EC9}" type="datetimeFigureOut">
               <a:rPr lang="en-IL" smtClean="0"/>
-              <a:t>03/05/2023</a:t>
+              <a:t>07/05/2023</a:t>
             </a:fld>
             <a:endParaRPr lang="en-IL"/>
           </a:p>
@@ -1497,7 +1498,7 @@
           <a:p>
             <a:fld id="{89AD1261-9EED-2246-A353-D243FB9E7EC9}" type="datetimeFigureOut">
               <a:rPr lang="en-IL" smtClean="0"/>
-              <a:t>03/05/2023</a:t>
+              <a:t>07/05/2023</a:t>
             </a:fld>
             <a:endParaRPr lang="en-IL"/>
           </a:p>
@@ -1912,7 +1913,7 @@
           <a:p>
             <a:fld id="{89AD1261-9EED-2246-A353-D243FB9E7EC9}" type="datetimeFigureOut">
               <a:rPr lang="en-IL" smtClean="0"/>
-              <a:t>03/05/2023</a:t>
+              <a:t>07/05/2023</a:t>
             </a:fld>
             <a:endParaRPr lang="en-IL"/>
           </a:p>
@@ -2054,7 +2055,7 @@
           <a:p>
             <a:fld id="{89AD1261-9EED-2246-A353-D243FB9E7EC9}" type="datetimeFigureOut">
               <a:rPr lang="en-IL" smtClean="0"/>
-              <a:t>03/05/2023</a:t>
+              <a:t>07/05/2023</a:t>
             </a:fld>
             <a:endParaRPr lang="en-IL"/>
           </a:p>
@@ -2167,7 +2168,7 @@
           <a:p>
             <a:fld id="{89AD1261-9EED-2246-A353-D243FB9E7EC9}" type="datetimeFigureOut">
               <a:rPr lang="en-IL" smtClean="0"/>
-              <a:t>03/05/2023</a:t>
+              <a:t>07/05/2023</a:t>
             </a:fld>
             <a:endParaRPr lang="en-IL"/>
           </a:p>
@@ -2480,7 +2481,7 @@
           <a:p>
             <a:fld id="{89AD1261-9EED-2246-A353-D243FB9E7EC9}" type="datetimeFigureOut">
               <a:rPr lang="en-IL" smtClean="0"/>
-              <a:t>03/05/2023</a:t>
+              <a:t>07/05/2023</a:t>
             </a:fld>
             <a:endParaRPr lang="en-IL"/>
           </a:p>
@@ -2769,7 +2770,7 @@
           <a:p>
             <a:fld id="{89AD1261-9EED-2246-A353-D243FB9E7EC9}" type="datetimeFigureOut">
               <a:rPr lang="en-IL" smtClean="0"/>
-              <a:t>03/05/2023</a:t>
+              <a:t>07/05/2023</a:t>
             </a:fld>
             <a:endParaRPr lang="en-IL"/>
           </a:p>
@@ -3012,7 +3013,7 @@
           <a:p>
             <a:fld id="{89AD1261-9EED-2246-A353-D243FB9E7EC9}" type="datetimeFigureOut">
               <a:rPr lang="en-IL" smtClean="0"/>
-              <a:t>03/05/2023</a:t>
+              <a:t>07/05/2023</a:t>
             </a:fld>
             <a:endParaRPr lang="en-IL"/>
           </a:p>
@@ -3505,6 +3506,489 @@
 </file>
 
 <file path=ppt/slides/slide10.xml><?xml version="1.0" encoding="utf-8"?>
+<p:sld xmlns:a="http://schemas.openxmlformats.org/drawingml/2006/main" xmlns:r="http://schemas.openxmlformats.org/officeDocument/2006/relationships" xmlns:p="http://schemas.openxmlformats.org/presentationml/2006/main">
+  <p:cSld>
+    <p:bg>
+      <p:bgPr>
+        <a:solidFill>
+          <a:schemeClr val="bg1"/>
+        </a:solidFill>
+        <a:effectLst/>
+      </p:bgPr>
+    </p:bg>
+    <p:spTree>
+      <p:nvGrpSpPr>
+        <p:cNvPr id="1" name=""/>
+        <p:cNvGrpSpPr/>
+        <p:nvPr/>
+      </p:nvGrpSpPr>
+      <p:grpSpPr>
+        <a:xfrm>
+          <a:off x="0" y="0"/>
+          <a:ext cx="0" cy="0"/>
+          <a:chOff x="0" y="0"/>
+          <a:chExt cx="0" cy="0"/>
+        </a:xfrm>
+      </p:grpSpPr>
+      <p:sp useBgFill="1">
+        <p:nvSpPr>
+          <p:cNvPr id="12" name="Rectangle 11">
+            <a:extLst>
+              <a:ext uri="{FF2B5EF4-FFF2-40B4-BE49-F238E27FC236}">
+                <a16:creationId xmlns:a16="http://schemas.microsoft.com/office/drawing/2014/main" id="{C2554CA6-288E-4202-BC52-2E5A8F0C0AED}"/>
+              </a:ext>
+              <a:ext uri="{C183D7F6-B498-43B3-948B-1728B52AA6E4}">
+                <adec:decorative xmlns:adec="http://schemas.microsoft.com/office/drawing/2017/decorative" val="1"/>
+              </a:ext>
+            </a:extLst>
+          </p:cNvPr>
+          <p:cNvSpPr>
+            <a:spLocks noGrp="1" noRot="1" noChangeAspect="1" noMove="1" noResize="1" noEditPoints="1" noAdjustHandles="1" noChangeArrowheads="1" noChangeShapeType="1" noTextEdit="1"/>
+          </p:cNvSpPr>
+          <p:nvPr>
+            <p:extLst>
+              <p:ext uri="{386F3935-93C4-4BCD-93E2-E3B085C9AB24}">
+                <p16:designElem xmlns:p16="http://schemas.microsoft.com/office/powerpoint/2015/main" val="1"/>
+              </p:ext>
+            </p:extLst>
+          </p:nvPr>
+        </p:nvSpPr>
+        <p:spPr>
+          <a:xfrm>
+            <a:off x="3048" y="0"/>
+            <a:ext cx="12188952" cy="6858000"/>
+          </a:xfrm>
+          <a:prstGeom prst="rect">
+            <a:avLst/>
+          </a:prstGeom>
+          <a:ln>
+            <a:noFill/>
+          </a:ln>
+        </p:spPr>
+        <p:style>
+          <a:lnRef idx="2">
+            <a:schemeClr val="accent1">
+              <a:shade val="50000"/>
+            </a:schemeClr>
+          </a:lnRef>
+          <a:fillRef idx="1">
+            <a:schemeClr val="accent1"/>
+          </a:fillRef>
+          <a:effectRef idx="0">
+            <a:schemeClr val="accent1"/>
+          </a:effectRef>
+          <a:fontRef idx="minor">
+            <a:schemeClr val="lt1"/>
+          </a:fontRef>
+        </p:style>
+        <p:txBody>
+          <a:bodyPr rtlCol="0" anchor="ctr"/>
+          <a:lstStyle/>
+          <a:p>
+            <a:pPr algn="ctr"/>
+            <a:endParaRPr lang="en-US"/>
+          </a:p>
+        </p:txBody>
+      </p:sp>
+      <p:sp>
+        <p:nvSpPr>
+          <p:cNvPr id="14" name="Oval 13">
+            <a:extLst>
+              <a:ext uri="{FF2B5EF4-FFF2-40B4-BE49-F238E27FC236}">
+                <a16:creationId xmlns:a16="http://schemas.microsoft.com/office/drawing/2014/main" id="{B10BB131-AC8E-4A8E-A5D1-36260F720C3B}"/>
+              </a:ext>
+              <a:ext uri="{C183D7F6-B498-43B3-948B-1728B52AA6E4}">
+                <adec:decorative xmlns:adec="http://schemas.microsoft.com/office/drawing/2017/decorative" val="1"/>
+              </a:ext>
+            </a:extLst>
+          </p:cNvPr>
+          <p:cNvSpPr>
+            <a:spLocks noGrp="1" noRot="1" noChangeAspect="1" noMove="1" noResize="1" noEditPoints="1" noAdjustHandles="1" noChangeArrowheads="1" noChangeShapeType="1" noTextEdit="1"/>
+          </p:cNvSpPr>
+          <p:nvPr>
+            <p:extLst>
+              <p:ext uri="{386F3935-93C4-4BCD-93E2-E3B085C9AB24}">
+                <p16:designElem xmlns:p16="http://schemas.microsoft.com/office/powerpoint/2015/main" val="1"/>
+              </p:ext>
+            </p:extLst>
+          </p:nvPr>
+        </p:nvSpPr>
+        <p:spPr>
+          <a:xfrm>
+            <a:off x="489189" y="1119031"/>
+            <a:ext cx="4619938" cy="4619938"/>
+          </a:xfrm>
+          <a:prstGeom prst="ellipse">
+            <a:avLst/>
+          </a:prstGeom>
+          <a:solidFill>
+            <a:schemeClr val="accent2"/>
+          </a:solidFill>
+          <a:ln>
+            <a:noFill/>
+          </a:ln>
+        </p:spPr>
+        <p:style>
+          <a:lnRef idx="2">
+            <a:schemeClr val="accent1">
+              <a:shade val="50000"/>
+            </a:schemeClr>
+          </a:lnRef>
+          <a:fillRef idx="1">
+            <a:schemeClr val="accent1"/>
+          </a:fillRef>
+          <a:effectRef idx="0">
+            <a:schemeClr val="accent1"/>
+          </a:effectRef>
+          <a:fontRef idx="minor">
+            <a:schemeClr val="lt1"/>
+          </a:fontRef>
+        </p:style>
+        <p:txBody>
+          <a:bodyPr rtlCol="0" anchor="ctr"/>
+          <a:lstStyle/>
+          <a:p>
+            <a:pPr algn="ctr"/>
+            <a:endParaRPr lang="en-US"/>
+          </a:p>
+        </p:txBody>
+      </p:sp>
+      <p:sp>
+        <p:nvSpPr>
+          <p:cNvPr id="7" name="Title 6">
+            <a:extLst>
+              <a:ext uri="{FF2B5EF4-FFF2-40B4-BE49-F238E27FC236}">
+                <a16:creationId xmlns:a16="http://schemas.microsoft.com/office/drawing/2014/main" id="{83E1817B-F49E-243E-7D4F-9B5D2BAF25B8}"/>
+              </a:ext>
+            </a:extLst>
+          </p:cNvPr>
+          <p:cNvSpPr>
+            <a:spLocks noGrp="1"/>
+          </p:cNvSpPr>
+          <p:nvPr>
+            <p:ph type="title"/>
+          </p:nvPr>
+        </p:nvSpPr>
+        <p:spPr>
+          <a:xfrm>
+            <a:off x="1171074" y="1396686"/>
+            <a:ext cx="3240506" cy="4064628"/>
+          </a:xfrm>
+        </p:spPr>
+        <p:txBody>
+          <a:bodyPr>
+            <a:normAutofit/>
+          </a:bodyPr>
+          <a:lstStyle/>
+          <a:p>
+            <a:r>
+              <a:rPr lang="en-US" b="0" i="0">
+                <a:solidFill>
+                  <a:srgbClr val="FFFFFF"/>
+                </a:solidFill>
+                <a:effectLst/>
+                <a:latin typeface="Söhne"/>
+              </a:rPr>
+              <a:t>white-space</a:t>
+            </a:r>
+            <a:endParaRPr lang="en-IL">
+              <a:solidFill>
+                <a:srgbClr val="FFFFFF"/>
+              </a:solidFill>
+            </a:endParaRPr>
+          </a:p>
+        </p:txBody>
+      </p:sp>
+      <p:sp>
+        <p:nvSpPr>
+          <p:cNvPr id="16" name="Arc 15">
+            <a:extLst>
+              <a:ext uri="{FF2B5EF4-FFF2-40B4-BE49-F238E27FC236}">
+                <a16:creationId xmlns:a16="http://schemas.microsoft.com/office/drawing/2014/main" id="{5B7778FC-632E-4DCA-A7CB-0D7731CCF970}"/>
+              </a:ext>
+              <a:ext uri="{C183D7F6-B498-43B3-948B-1728B52AA6E4}">
+                <adec:decorative xmlns:adec="http://schemas.microsoft.com/office/drawing/2017/decorative" val="1"/>
+              </a:ext>
+            </a:extLst>
+          </p:cNvPr>
+          <p:cNvSpPr>
+            <a:spLocks noGrp="1" noRot="1" noChangeAspect="1" noMove="1" noResize="1" noEditPoints="1" noAdjustHandles="1" noChangeArrowheads="1" noChangeShapeType="1" noTextEdit="1"/>
+          </p:cNvSpPr>
+          <p:nvPr>
+            <p:extLst>
+              <p:ext uri="{386F3935-93C4-4BCD-93E2-E3B085C9AB24}">
+                <p16:designElem xmlns:p16="http://schemas.microsoft.com/office/powerpoint/2015/main" val="1"/>
+              </p:ext>
+            </p:extLst>
+          </p:nvPr>
+        </p:nvSpPr>
+        <p:spPr>
+          <a:xfrm rot="19809111">
+            <a:off x="8683720" y="941148"/>
+            <a:ext cx="2987899" cy="2987899"/>
+          </a:xfrm>
+          <a:prstGeom prst="arc">
+            <a:avLst>
+              <a:gd name="adj1" fmla="val 15817365"/>
+              <a:gd name="adj2" fmla="val 1781380"/>
+            </a:avLst>
+          </a:prstGeom>
+          <a:ln w="127000" cap="rnd">
+            <a:solidFill>
+              <a:schemeClr val="accent4"/>
+            </a:solidFill>
+            <a:prstDash val="dash"/>
+            <a:miter lim="800000"/>
+          </a:ln>
+        </p:spPr>
+        <p:style>
+          <a:lnRef idx="1">
+            <a:schemeClr val="accent1"/>
+          </a:lnRef>
+          <a:fillRef idx="0">
+            <a:schemeClr val="accent1"/>
+          </a:fillRef>
+          <a:effectRef idx="0">
+            <a:schemeClr val="accent1"/>
+          </a:effectRef>
+          <a:fontRef idx="minor">
+            <a:schemeClr val="tx1"/>
+          </a:fontRef>
+        </p:style>
+        <p:txBody>
+          <a:bodyPr rtlCol="0" anchor="ctr"/>
+          <a:lstStyle/>
+          <a:p>
+            <a:pPr marL="0" marR="0" lvl="0" indent="0" algn="ctr" defTabSz="914400" rtl="0" eaLnBrk="1" fontAlgn="auto" latinLnBrk="0" hangingPunct="1">
+              <a:lnSpc>
+                <a:spcPct val="100000"/>
+              </a:lnSpc>
+              <a:spcBef>
+                <a:spcPts val="0"/>
+              </a:spcBef>
+              <a:spcAft>
+                <a:spcPts val="0"/>
+              </a:spcAft>
+              <a:buClrTx/>
+              <a:buSzTx/>
+              <a:buFontTx/>
+              <a:buNone/>
+              <a:tabLst/>
+              <a:defRPr/>
+            </a:pPr>
+            <a:endParaRPr kumimoji="0" lang="en-US" sz="1800" b="0" i="0" u="none" strike="noStrike" kern="1200" cap="none" spc="0" normalizeH="0" baseline="0" noProof="0">
+              <a:ln>
+                <a:noFill/>
+              </a:ln>
+              <a:solidFill>
+                <a:srgbClr val="000000"/>
+              </a:solidFill>
+              <a:effectLst/>
+              <a:uLnTx/>
+              <a:uFillTx/>
+              <a:latin typeface="Calibri" panose="020F0502020204030204"/>
+              <a:ea typeface="+mn-ea"/>
+              <a:cs typeface="+mn-cs"/>
+            </a:endParaRPr>
+          </a:p>
+        </p:txBody>
+      </p:sp>
+      <p:sp>
+        <p:nvSpPr>
+          <p:cNvPr id="18" name="Oval 17">
+            <a:extLst>
+              <a:ext uri="{FF2B5EF4-FFF2-40B4-BE49-F238E27FC236}">
+                <a16:creationId xmlns:a16="http://schemas.microsoft.com/office/drawing/2014/main" id="{FA23A907-97FB-4A8F-880A-DD77401C4296}"/>
+              </a:ext>
+              <a:ext uri="{C183D7F6-B498-43B3-948B-1728B52AA6E4}">
+                <adec:decorative xmlns:adec="http://schemas.microsoft.com/office/drawing/2017/decorative" val="1"/>
+              </a:ext>
+            </a:extLst>
+          </p:cNvPr>
+          <p:cNvSpPr>
+            <a:spLocks noGrp="1" noRot="1" noChangeAspect="1" noMove="1" noResize="1" noEditPoints="1" noAdjustHandles="1" noChangeArrowheads="1" noChangeShapeType="1" noTextEdit="1"/>
+          </p:cNvSpPr>
+          <p:nvPr>
+            <p:extLst>
+              <p:ext uri="{386F3935-93C4-4BCD-93E2-E3B085C9AB24}">
+                <p16:designElem xmlns:p16="http://schemas.microsoft.com/office/powerpoint/2015/main" val="1"/>
+              </p:ext>
+            </p:extLst>
+          </p:nvPr>
+        </p:nvSpPr>
+        <p:spPr>
+          <a:xfrm>
+            <a:off x="910048" y="4780992"/>
+            <a:ext cx="546100" cy="546100"/>
+          </a:xfrm>
+          <a:prstGeom prst="ellipse">
+            <a:avLst/>
+          </a:prstGeom>
+          <a:solidFill>
+            <a:schemeClr val="accent5"/>
+          </a:solidFill>
+          <a:ln>
+            <a:noFill/>
+          </a:ln>
+        </p:spPr>
+        <p:style>
+          <a:lnRef idx="2">
+            <a:schemeClr val="accent1">
+              <a:shade val="50000"/>
+            </a:schemeClr>
+          </a:lnRef>
+          <a:fillRef idx="1">
+            <a:schemeClr val="accent1"/>
+          </a:fillRef>
+          <a:effectRef idx="0">
+            <a:schemeClr val="accent1"/>
+          </a:effectRef>
+          <a:fontRef idx="minor">
+            <a:schemeClr val="lt1"/>
+          </a:fontRef>
+        </p:style>
+        <p:txBody>
+          <a:bodyPr rtlCol="0" anchor="ctr"/>
+          <a:lstStyle/>
+          <a:p>
+            <a:pPr marL="0" marR="0" lvl="0" indent="0" algn="ctr" defTabSz="914400" rtl="0" eaLnBrk="1" fontAlgn="auto" latinLnBrk="0" hangingPunct="1">
+              <a:lnSpc>
+                <a:spcPct val="100000"/>
+              </a:lnSpc>
+              <a:spcBef>
+                <a:spcPts val="0"/>
+              </a:spcBef>
+              <a:spcAft>
+                <a:spcPts val="0"/>
+              </a:spcAft>
+              <a:buClrTx/>
+              <a:buSzTx/>
+              <a:buFontTx/>
+              <a:buNone/>
+              <a:tabLst/>
+              <a:defRPr/>
+            </a:pPr>
+            <a:endParaRPr kumimoji="0" lang="en-US" sz="1800" b="0" i="0" u="none" strike="noStrike" kern="1200" cap="none" spc="0" normalizeH="0" baseline="0" noProof="0">
+              <a:ln>
+                <a:noFill/>
+              </a:ln>
+              <a:solidFill>
+                <a:srgbClr val="FFFFFF"/>
+              </a:solidFill>
+              <a:effectLst/>
+              <a:uLnTx/>
+              <a:uFillTx/>
+              <a:latin typeface="Calibri" panose="020F0502020204030204"/>
+              <a:ea typeface="+mn-ea"/>
+              <a:cs typeface="+mn-cs"/>
+            </a:endParaRPr>
+          </a:p>
+        </p:txBody>
+      </p:sp>
+      <p:sp>
+        <p:nvSpPr>
+          <p:cNvPr id="6" name="Content Placeholder 5">
+            <a:extLst>
+              <a:ext uri="{FF2B5EF4-FFF2-40B4-BE49-F238E27FC236}">
+                <a16:creationId xmlns:a16="http://schemas.microsoft.com/office/drawing/2014/main" id="{F447395B-F6CF-1358-6E26-99F5C1C75B69}"/>
+              </a:ext>
+            </a:extLst>
+          </p:cNvPr>
+          <p:cNvSpPr>
+            <a:spLocks noGrp="1"/>
+          </p:cNvSpPr>
+          <p:nvPr>
+            <p:ph idx="1"/>
+          </p:nvPr>
+        </p:nvSpPr>
+        <p:spPr>
+          <a:xfrm>
+            <a:off x="5370153" y="1526033"/>
+            <a:ext cx="5536397" cy="3935281"/>
+          </a:xfrm>
+        </p:spPr>
+        <p:txBody>
+          <a:bodyPr>
+            <a:normAutofit/>
+          </a:bodyPr>
+          <a:lstStyle/>
+          <a:p>
+            <a:r>
+              <a:rPr lang="en-US" sz="1500"/>
+              <a:t>The "white-space" property in CSS is used to control the handling of white spaces and line breaks in a block of text. It determines how white spaces and line breaks are rendered in a block of text.</a:t>
+            </a:r>
+          </a:p>
+          <a:p>
+            <a:r>
+              <a:rPr lang="en-US" sz="1500"/>
+              <a:t>The white-space property can have the following values:</a:t>
+            </a:r>
+          </a:p>
+          <a:p>
+            <a:r>
+              <a:rPr lang="en-US" sz="1500"/>
+              <a:t>normal: The default value. White spaces are collapsed, and text wraps when it reaches the end of a line.</a:t>
+            </a:r>
+          </a:p>
+          <a:p>
+            <a:r>
+              <a:rPr lang="en-US" sz="1500" err="1"/>
+              <a:t>nowrap</a:t>
+            </a:r>
+            <a:r>
+              <a:rPr lang="en-US" sz="1500"/>
+              <a:t>: White spaces are preserved, and text does not wrap when it reaches the end of a line.</a:t>
+            </a:r>
+          </a:p>
+          <a:p>
+            <a:r>
+              <a:rPr lang="en-US" sz="1500"/>
+              <a:t>pre: White spaces are preserved, and text wraps only when a line break is encountered.</a:t>
+            </a:r>
+          </a:p>
+          <a:p>
+            <a:r>
+              <a:rPr lang="en-US" sz="1500"/>
+              <a:t>pre-wrap: White spaces are preserved, and text wraps when it reaches the end of a line or when a line break is encountered.</a:t>
+            </a:r>
+          </a:p>
+          <a:p>
+            <a:r>
+              <a:rPr lang="en-US" sz="1500"/>
+              <a:t>pre-line: White spaces are collapsed, and text wraps when it reaches the end of a line or when a line break is encountered.</a:t>
+            </a:r>
+          </a:p>
+          <a:p>
+            <a:endParaRPr lang="en-IL" sz="1500"/>
+          </a:p>
+        </p:txBody>
+      </p:sp>
+    </p:spTree>
+    <p:extLst>
+      <p:ext uri="{BB962C8B-B14F-4D97-AF65-F5344CB8AC3E}">
+        <p14:creationId xmlns:p14="http://schemas.microsoft.com/office/powerpoint/2010/main" val="2406512609"/>
+      </p:ext>
+    </p:extLst>
+  </p:cSld>
+  <p:clrMapOvr>
+    <a:masterClrMapping/>
+  </p:clrMapOvr>
+  <mc:AlternateContent xmlns:mc="http://schemas.openxmlformats.org/markup-compatibility/2006" xmlns:p14="http://schemas.microsoft.com/office/powerpoint/2010/main">
+    <mc:Choice Requires="p14">
+      <p:transition spd="med" p14:dur="700">
+        <p:fade/>
+      </p:transition>
+    </mc:Choice>
+    <mc:Fallback xmlns="">
+      <p:transition spd="med">
+        <p:fade/>
+      </p:transition>
+    </mc:Fallback>
+  </mc:AlternateContent>
+</p:sld>
+</file>
+
+<file path=ppt/slides/slide11.xml><?xml version="1.0" encoding="utf-8"?>
 <p:sld xmlns:a="http://schemas.openxmlformats.org/drawingml/2006/main" xmlns:r="http://schemas.openxmlformats.org/officeDocument/2006/relationships" xmlns:p="http://schemas.openxmlformats.org/presentationml/2006/main">
   <p:cSld>
     <p:bg>
@@ -5349,7 +5833,7 @@
 </p:sld>
 </file>
 
-<file path=ppt/slides/slide11.xml><?xml version="1.0" encoding="utf-8"?>
+<file path=ppt/slides/slide12.xml><?xml version="1.0" encoding="utf-8"?>
 <p:sld xmlns:a="http://schemas.openxmlformats.org/drawingml/2006/main" xmlns:r="http://schemas.openxmlformats.org/officeDocument/2006/relationships" xmlns:p="http://schemas.openxmlformats.org/presentationml/2006/main">
   <p:cSld>
     <p:bg>
@@ -5742,7 +6226,7 @@
 </p:sld>
 </file>
 
-<file path=ppt/slides/slide12.xml><?xml version="1.0" encoding="utf-8"?>
+<file path=ppt/slides/slide13.xml><?xml version="1.0" encoding="utf-8"?>
 <p:sld xmlns:a="http://schemas.openxmlformats.org/drawingml/2006/main" xmlns:r="http://schemas.openxmlformats.org/officeDocument/2006/relationships" xmlns:p="http://schemas.openxmlformats.org/presentationml/2006/main">
   <p:cSld>
     <p:bg>
@@ -7577,7 +8061,7 @@
 </p:sld>
 </file>
 
-<file path=ppt/slides/slide13.xml><?xml version="1.0" encoding="utf-8"?>
+<file path=ppt/slides/slide14.xml><?xml version="1.0" encoding="utf-8"?>
 <p:sld xmlns:a="http://schemas.openxmlformats.org/drawingml/2006/main" xmlns:r="http://schemas.openxmlformats.org/officeDocument/2006/relationships" xmlns:p="http://schemas.openxmlformats.org/presentationml/2006/main">
   <p:cSld>
     <p:bg>
@@ -7925,7 +8409,7 @@
           </a:ln>
           <a:extLst>
             <a:ext uri="{91240B29-F687-4f45-9708-019B960494DF}">
-              <a14:hiddenLine xmlns="" xmlns:p14="http://schemas.microsoft.com/office/powerpoint/2010/main" xmlns:a14="http://schemas.microsoft.com/office/drawing/2010/main" xmlns:a16="http://schemas.microsoft.com/office/drawing/2014/main" w="9525">
+              <a14:hiddenLine xmlns:a16="http://schemas.microsoft.com/office/drawing/2014/main" xmlns:a14="http://schemas.microsoft.com/office/drawing/2010/main" xmlns:p14="http://schemas.microsoft.com/office/powerpoint/2010/main" xmlns="" w="9525">
                 <a:solidFill>
                   <a:srgbClr val="000000"/>
                 </a:solidFill>
@@ -8216,7 +8700,7 @@
 </p:sld>
 </file>
 
-<file path=ppt/slides/slide14.xml><?xml version="1.0" encoding="utf-8"?>
+<file path=ppt/slides/slide15.xml><?xml version="1.0" encoding="utf-8"?>
 <p:sld xmlns:a="http://schemas.openxmlformats.org/drawingml/2006/main" xmlns:r="http://schemas.openxmlformats.org/officeDocument/2006/relationships" xmlns:p="http://schemas.openxmlformats.org/presentationml/2006/main">
   <p:cSld>
     <p:spTree>
@@ -8327,7 +8811,7 @@
 </p:sld>
 </file>
 
-<file path=ppt/slides/slide15.xml><?xml version="1.0" encoding="utf-8"?>
+<file path=ppt/slides/slide16.xml><?xml version="1.0" encoding="utf-8"?>
 <p:sld xmlns:a="http://schemas.openxmlformats.org/drawingml/2006/main" xmlns:r="http://schemas.openxmlformats.org/officeDocument/2006/relationships" xmlns:p="http://schemas.openxmlformats.org/presentationml/2006/main">
   <p:cSld>
     <p:spTree>
@@ -8443,7 +8927,7 @@
 </p:sld>
 </file>
 
-<file path=ppt/slides/slide16.xml><?xml version="1.0" encoding="utf-8"?>
+<file path=ppt/slides/slide17.xml><?xml version="1.0" encoding="utf-8"?>
 <p:sld xmlns:a="http://schemas.openxmlformats.org/drawingml/2006/main" xmlns:r="http://schemas.openxmlformats.org/officeDocument/2006/relationships" xmlns:p="http://schemas.openxmlformats.org/presentationml/2006/main">
   <p:cSld>
     <p:bg>
@@ -8791,7 +9275,7 @@
           </a:ln>
           <a:extLst>
             <a:ext uri="{91240B29-F687-4f45-9708-019B960494DF}">
-              <a14:hiddenLine xmlns="" xmlns:p14="http://schemas.microsoft.com/office/powerpoint/2010/main" xmlns:a14="http://schemas.microsoft.com/office/drawing/2010/main" xmlns:a16="http://schemas.microsoft.com/office/drawing/2014/main" w="9525">
+              <a14:hiddenLine xmlns:a16="http://schemas.microsoft.com/office/drawing/2014/main" xmlns:a14="http://schemas.microsoft.com/office/drawing/2010/main" xmlns:p14="http://schemas.microsoft.com/office/powerpoint/2010/main" xmlns="" w="9525">
                 <a:solidFill>
                   <a:srgbClr val="000000"/>
                 </a:solidFill>
@@ -9048,7 +9532,7 @@
 </p:sld>
 </file>
 
-<file path=ppt/slides/slide17.xml><?xml version="1.0" encoding="utf-8"?>
+<file path=ppt/slides/slide18.xml><?xml version="1.0" encoding="utf-8"?>
 <p:sld xmlns:a="http://schemas.openxmlformats.org/drawingml/2006/main" xmlns:r="http://schemas.openxmlformats.org/officeDocument/2006/relationships" xmlns:p="http://schemas.openxmlformats.org/presentationml/2006/main">
   <p:cSld>
     <p:spTree>
@@ -9164,7 +9648,7 @@
 </p:sld>
 </file>
 
-<file path=ppt/slides/slide18.xml><?xml version="1.0" encoding="utf-8"?>
+<file path=ppt/slides/slide19.xml><?xml version="1.0" encoding="utf-8"?>
 <p:sld xmlns:a="http://schemas.openxmlformats.org/drawingml/2006/main" xmlns:r="http://schemas.openxmlformats.org/officeDocument/2006/relationships" xmlns:p="http://schemas.openxmlformats.org/presentationml/2006/main">
   <p:cSld>
     <p:bg>
@@ -9512,7 +9996,7 @@
           </a:ln>
           <a:extLst>
             <a:ext uri="{91240B29-F687-4f45-9708-019B960494DF}">
-              <a14:hiddenLine xmlns="" xmlns:p14="http://schemas.microsoft.com/office/powerpoint/2010/main" xmlns:a14="http://schemas.microsoft.com/office/drawing/2010/main" xmlns:a16="http://schemas.microsoft.com/office/drawing/2014/main" w="9525">
+              <a14:hiddenLine xmlns:a16="http://schemas.microsoft.com/office/drawing/2014/main" xmlns:a14="http://schemas.microsoft.com/office/drawing/2010/main" xmlns:p14="http://schemas.microsoft.com/office/powerpoint/2010/main" xmlns="" w="9525">
                 <a:solidFill>
                   <a:srgbClr val="000000"/>
                 </a:solidFill>
@@ -9766,402 +10250,6 @@
       </p:transition>
     </mc:Fallback>
   </mc:AlternateContent>
-</p:sld>
-</file>
-
-<file path=ppt/slides/slide19.xml><?xml version="1.0" encoding="utf-8"?>
-<p:sld xmlns:a="http://schemas.openxmlformats.org/drawingml/2006/main" xmlns:r="http://schemas.openxmlformats.org/officeDocument/2006/relationships" xmlns:p="http://schemas.openxmlformats.org/presentationml/2006/main">
-  <p:cSld>
-    <p:bg>
-      <p:bgPr>
-        <a:solidFill>
-          <a:schemeClr val="bg1"/>
-        </a:solidFill>
-        <a:effectLst/>
-      </p:bgPr>
-    </p:bg>
-    <p:spTree>
-      <p:nvGrpSpPr>
-        <p:cNvPr id="1" name=""/>
-        <p:cNvGrpSpPr/>
-        <p:nvPr/>
-      </p:nvGrpSpPr>
-      <p:grpSpPr>
-        <a:xfrm>
-          <a:off x="0" y="0"/>
-          <a:ext cx="0" cy="0"/>
-          <a:chOff x="0" y="0"/>
-          <a:chExt cx="0" cy="0"/>
-        </a:xfrm>
-      </p:grpSpPr>
-      <p:sp useBgFill="1">
-        <p:nvSpPr>
-          <p:cNvPr id="31" name="Rectangle 20">
-            <a:extLst>
-              <a:ext uri="{FF2B5EF4-FFF2-40B4-BE49-F238E27FC236}">
-                <a16:creationId xmlns:a16="http://schemas.microsoft.com/office/drawing/2014/main" id="{058A14AF-9FB5-4CC7-BA35-E8E85D3EDF0E}"/>
-              </a:ext>
-              <a:ext uri="{C183D7F6-B498-43B3-948B-1728B52AA6E4}">
-                <adec:decorative xmlns:adec="http://schemas.microsoft.com/office/drawing/2017/decorative" val="1"/>
-              </a:ext>
-            </a:extLst>
-          </p:cNvPr>
-          <p:cNvSpPr>
-            <a:spLocks noGrp="1" noRot="1" noChangeAspect="1" noMove="1" noResize="1" noEditPoints="1" noAdjustHandles="1" noChangeArrowheads="1" noChangeShapeType="1" noTextEdit="1"/>
-          </p:cNvSpPr>
-          <p:nvPr>
-            <p:extLst>
-              <p:ext uri="{386F3935-93C4-4BCD-93E2-E3B085C9AB24}">
-                <p16:designElem xmlns:p16="http://schemas.microsoft.com/office/powerpoint/2015/main" val="1"/>
-              </p:ext>
-            </p:extLst>
-          </p:nvPr>
-        </p:nvSpPr>
-        <p:spPr>
-          <a:xfrm>
-            <a:off x="0" y="0"/>
-            <a:ext cx="12191999" cy="6857365"/>
-          </a:xfrm>
-          <a:prstGeom prst="rect">
-            <a:avLst/>
-          </a:prstGeom>
-          <a:ln>
-            <a:noFill/>
-          </a:ln>
-        </p:spPr>
-        <p:style>
-          <a:lnRef idx="2">
-            <a:schemeClr val="accent1">
-              <a:shade val="50000"/>
-            </a:schemeClr>
-          </a:lnRef>
-          <a:fillRef idx="1">
-            <a:schemeClr val="accent1"/>
-          </a:fillRef>
-          <a:effectRef idx="0">
-            <a:schemeClr val="accent1"/>
-          </a:effectRef>
-          <a:fontRef idx="minor">
-            <a:schemeClr val="lt1"/>
-          </a:fontRef>
-        </p:style>
-        <p:txBody>
-          <a:bodyPr rtlCol="0" anchor="ctr"/>
-          <a:lstStyle/>
-          <a:p>
-            <a:pPr algn="ctr"/>
-            <a:endParaRPr lang="en-US"/>
-          </a:p>
-        </p:txBody>
-      </p:sp>
-      <p:sp>
-        <p:nvSpPr>
-          <p:cNvPr id="2" name="Title 1">
-            <a:extLst>
-              <a:ext uri="{FF2B5EF4-FFF2-40B4-BE49-F238E27FC236}">
-                <a16:creationId xmlns:a16="http://schemas.microsoft.com/office/drawing/2014/main" id="{BA37130A-CB88-D552-A76D-B5E121477943}"/>
-              </a:ext>
-            </a:extLst>
-          </p:cNvPr>
-          <p:cNvSpPr>
-            <a:spLocks noGrp="1"/>
-          </p:cNvSpPr>
-          <p:nvPr>
-            <p:ph type="title"/>
-          </p:nvPr>
-        </p:nvSpPr>
-        <p:spPr>
-          <a:xfrm>
-            <a:off x="793662" y="386930"/>
-            <a:ext cx="10066122" cy="1298448"/>
-          </a:xfrm>
-        </p:spPr>
-        <p:txBody>
-          <a:bodyPr anchor="b">
-            <a:normAutofit/>
-          </a:bodyPr>
-          <a:lstStyle/>
-          <a:p>
-            <a:r>
-              <a:rPr lang="en-US" sz="4800"/>
-              <a:t>Anonymous Functions</a:t>
-            </a:r>
-            <a:endParaRPr lang="en-IL" sz="4800" dirty="0"/>
-          </a:p>
-        </p:txBody>
-      </p:sp>
-      <p:sp>
-        <p:nvSpPr>
-          <p:cNvPr id="32" name="Rectangle 22">
-            <a:extLst>
-              <a:ext uri="{FF2B5EF4-FFF2-40B4-BE49-F238E27FC236}">
-                <a16:creationId xmlns:a16="http://schemas.microsoft.com/office/drawing/2014/main" id="{3A9A4357-BD1D-4622-A4FE-766E6AB8DE84}"/>
-              </a:ext>
-              <a:ext uri="{C183D7F6-B498-43B3-948B-1728B52AA6E4}">
-                <adec:decorative xmlns:adec="http://schemas.microsoft.com/office/drawing/2017/decorative" val="1"/>
-              </a:ext>
-            </a:extLst>
-          </p:cNvPr>
-          <p:cNvSpPr>
-            <a:spLocks noGrp="1" noRot="1" noChangeAspect="1" noMove="1" noResize="1" noEditPoints="1" noAdjustHandles="1" noChangeArrowheads="1" noChangeShapeType="1" noTextEdit="1"/>
-          </p:cNvSpPr>
-          <p:nvPr>
-            <p:extLst>
-              <p:ext uri="{386F3935-93C4-4BCD-93E2-E3B085C9AB24}">
-                <p16:designElem xmlns:p16="http://schemas.microsoft.com/office/powerpoint/2015/main" val="1"/>
-              </p:ext>
-            </p:extLst>
-          </p:nvPr>
-        </p:nvSpPr>
-        <p:spPr>
-          <a:xfrm flipH="1" flipV="1">
-            <a:off x="-2" y="1998845"/>
-            <a:ext cx="11454595" cy="781699"/>
-          </a:xfrm>
-          <a:prstGeom prst="rect">
-            <a:avLst/>
-          </a:prstGeom>
-          <a:solidFill>
-            <a:schemeClr val="accent4"/>
-          </a:solidFill>
-          <a:ln>
-            <a:noFill/>
-          </a:ln>
-        </p:spPr>
-        <p:style>
-          <a:lnRef idx="2">
-            <a:schemeClr val="accent1">
-              <a:shade val="50000"/>
-            </a:schemeClr>
-          </a:lnRef>
-          <a:fillRef idx="1">
-            <a:schemeClr val="accent1"/>
-          </a:fillRef>
-          <a:effectRef idx="0">
-            <a:schemeClr val="accent1"/>
-          </a:effectRef>
-          <a:fontRef idx="minor">
-            <a:schemeClr val="lt1"/>
-          </a:fontRef>
-        </p:style>
-        <p:txBody>
-          <a:bodyPr rtlCol="0" anchor="ctr"/>
-          <a:lstStyle/>
-          <a:p>
-            <a:pPr algn="ctr"/>
-            <a:endParaRPr lang="en-US"/>
-          </a:p>
-        </p:txBody>
-      </p:sp>
-      <p:sp>
-        <p:nvSpPr>
-          <p:cNvPr id="33" name="Rectangle 24">
-            <a:extLst>
-              <a:ext uri="{FF2B5EF4-FFF2-40B4-BE49-F238E27FC236}">
-                <a16:creationId xmlns:a16="http://schemas.microsoft.com/office/drawing/2014/main" id="{E659831F-0D9A-4C63-9EBB-8435B85A440F}"/>
-              </a:ext>
-              <a:ext uri="{C183D7F6-B498-43B3-948B-1728B52AA6E4}">
-                <adec:decorative xmlns:adec="http://schemas.microsoft.com/office/drawing/2017/decorative" val="1"/>
-              </a:ext>
-            </a:extLst>
-          </p:cNvPr>
-          <p:cNvSpPr>
-            <a:spLocks noGrp="1" noRot="1" noChangeAspect="1" noMove="1" noResize="1" noEditPoints="1" noAdjustHandles="1" noChangeArrowheads="1" noChangeShapeType="1" noTextEdit="1"/>
-          </p:cNvSpPr>
-          <p:nvPr>
-            <p:extLst>
-              <p:ext uri="{386F3935-93C4-4BCD-93E2-E3B085C9AB24}">
-                <p16:designElem xmlns:p16="http://schemas.microsoft.com/office/powerpoint/2015/main" val="1"/>
-              </p:ext>
-            </p:extLst>
-          </p:nvPr>
-        </p:nvSpPr>
-        <p:spPr>
-          <a:xfrm>
-            <a:off x="0" y="2203079"/>
-            <a:ext cx="11383362" cy="4267991"/>
-          </a:xfrm>
-          <a:prstGeom prst="rect">
-            <a:avLst/>
-          </a:prstGeom>
-          <a:solidFill>
-            <a:schemeClr val="bg1"/>
-          </a:solidFill>
-          <a:ln>
-            <a:noFill/>
-          </a:ln>
-          <a:effectLst>
-            <a:outerShdw blurRad="139700" dist="127000" dir="5400000" algn="t" rotWithShape="0">
-              <a:prstClr val="black">
-                <a:alpha val="15000"/>
-              </a:prstClr>
-            </a:outerShdw>
-          </a:effectLst>
-        </p:spPr>
-        <p:style>
-          <a:lnRef idx="2">
-            <a:schemeClr val="accent1">
-              <a:shade val="50000"/>
-            </a:schemeClr>
-          </a:lnRef>
-          <a:fillRef idx="1">
-            <a:schemeClr val="accent1"/>
-          </a:fillRef>
-          <a:effectRef idx="0">
-            <a:schemeClr val="accent1"/>
-          </a:effectRef>
-          <a:fontRef idx="minor">
-            <a:schemeClr val="lt1"/>
-          </a:fontRef>
-        </p:style>
-        <p:txBody>
-          <a:bodyPr rtlCol="0" anchor="ctr"/>
-          <a:lstStyle/>
-          <a:p>
-            <a:pPr algn="ctr"/>
-            <a:endParaRPr lang="en-US"/>
-          </a:p>
-        </p:txBody>
-      </p:sp>
-      <p:sp>
-        <p:nvSpPr>
-          <p:cNvPr id="3" name="Content Placeholder 2">
-            <a:extLst>
-              <a:ext uri="{FF2B5EF4-FFF2-40B4-BE49-F238E27FC236}">
-                <a16:creationId xmlns:a16="http://schemas.microsoft.com/office/drawing/2014/main" id="{9E1452CB-98D6-1B37-1A1A-09846D986C9A}"/>
-              </a:ext>
-            </a:extLst>
-          </p:cNvPr>
-          <p:cNvSpPr>
-            <a:spLocks noGrp="1"/>
-          </p:cNvSpPr>
-          <p:nvPr>
-            <p:ph idx="1"/>
-          </p:nvPr>
-        </p:nvSpPr>
-        <p:spPr>
-          <a:xfrm>
-            <a:off x="793661" y="2599509"/>
-            <a:ext cx="4530898" cy="3639450"/>
-          </a:xfrm>
-        </p:spPr>
-        <p:txBody>
-          <a:bodyPr anchor="ctr">
-            <a:normAutofit/>
-          </a:bodyPr>
-          <a:lstStyle/>
-          <a:p>
-            <a:r>
-              <a:rPr lang="en-US" sz="2000"/>
-              <a:t>In JavaScript, a function is a block of code that performs a specific task. Anonymous functions are functions that are defined without a name and are often used as arguments to other functions or as return values of other functions. Unlike named functions, anonymous functions are not bound to a particular identifier, making them more flexible and versatile.</a:t>
-            </a:r>
-            <a:endParaRPr lang="en-IL" sz="2000"/>
-          </a:p>
-        </p:txBody>
-      </p:sp>
-      <p:pic>
-        <p:nvPicPr>
-          <p:cNvPr id="9" name="Picture 8" descr="Text&#10;&#10;Description automatically generated">
-            <a:extLst>
-              <a:ext uri="{FF2B5EF4-FFF2-40B4-BE49-F238E27FC236}">
-                <a16:creationId xmlns:a16="http://schemas.microsoft.com/office/drawing/2014/main" id="{A56CD522-05DC-6641-CC03-57CD7CD994ED}"/>
-              </a:ext>
-            </a:extLst>
-          </p:cNvPr>
-          <p:cNvPicPr>
-            <a:picLocks noChangeAspect="1"/>
-          </p:cNvPicPr>
-          <p:nvPr/>
-        </p:nvPicPr>
-        <p:blipFill>
-          <a:blip/>
-          <a:stretch>
-            <a:fillRect/>
-          </a:stretch>
-        </p:blipFill>
-        <p:spPr>
-          <a:xfrm>
-            <a:off x="5911532" y="2570970"/>
-            <a:ext cx="5150277" cy="3540814"/>
-          </a:xfrm>
-          <a:prstGeom prst="rect">
-            <a:avLst/>
-          </a:prstGeom>
-        </p:spPr>
-      </p:pic>
-      <p:sp>
-        <p:nvSpPr>
-          <p:cNvPr id="34" name="Rectangle 26">
-            <a:extLst>
-              <a:ext uri="{FF2B5EF4-FFF2-40B4-BE49-F238E27FC236}">
-                <a16:creationId xmlns:a16="http://schemas.microsoft.com/office/drawing/2014/main" id="{E6995CE5-F890-4ABA-82A2-26507CE8D2A3}"/>
-              </a:ext>
-              <a:ext uri="{C183D7F6-B498-43B3-948B-1728B52AA6E4}">
-                <adec:decorative xmlns:adec="http://schemas.microsoft.com/office/drawing/2017/decorative" val="1"/>
-              </a:ext>
-            </a:extLst>
-          </p:cNvPr>
-          <p:cNvSpPr>
-            <a:spLocks noGrp="1" noRot="1" noChangeAspect="1" noMove="1" noResize="1" noEditPoints="1" noAdjustHandles="1" noChangeArrowheads="1" noChangeShapeType="1" noTextEdit="1"/>
-          </p:cNvSpPr>
-          <p:nvPr>
-            <p:extLst>
-              <p:ext uri="{386F3935-93C4-4BCD-93E2-E3B085C9AB24}">
-                <p16:designElem xmlns:p16="http://schemas.microsoft.com/office/powerpoint/2015/main" val="1"/>
-              </p:ext>
-            </p:extLst>
-          </p:nvPr>
-        </p:nvSpPr>
-        <p:spPr>
-          <a:xfrm rot="5400000">
-            <a:off x="11228040" y="2313027"/>
-            <a:ext cx="781700" cy="152382"/>
-          </a:xfrm>
-          <a:prstGeom prst="rect">
-            <a:avLst/>
-          </a:prstGeom>
-          <a:solidFill>
-            <a:schemeClr val="accent4"/>
-          </a:solidFill>
-          <a:ln>
-            <a:noFill/>
-          </a:ln>
-        </p:spPr>
-        <p:style>
-          <a:lnRef idx="2">
-            <a:schemeClr val="accent1">
-              <a:shade val="50000"/>
-            </a:schemeClr>
-          </a:lnRef>
-          <a:fillRef idx="1">
-            <a:schemeClr val="accent1"/>
-          </a:fillRef>
-          <a:effectRef idx="0">
-            <a:schemeClr val="accent1"/>
-          </a:effectRef>
-          <a:fontRef idx="minor">
-            <a:schemeClr val="lt1"/>
-          </a:fontRef>
-        </p:style>
-        <p:txBody>
-          <a:bodyPr rtlCol="0" anchor="ctr"/>
-          <a:lstStyle/>
-          <a:p>
-            <a:pPr algn="ctr"/>
-            <a:endParaRPr lang="en-US"/>
-          </a:p>
-        </p:txBody>
-      </p:sp>
-    </p:spTree>
-    <p:extLst>
-      <p:ext uri="{BB962C8B-B14F-4D97-AF65-F5344CB8AC3E}">
-        <p14:creationId xmlns:p14="http://schemas.microsoft.com/office/powerpoint/2010/main" val="455512941"/>
-      </p:ext>
-    </p:extLst>
-  </p:cSld>
-  <p:clrMapOvr>
-    <a:masterClrMapping/>
-  </p:clrMapOvr>
 </p:sld>
 </file>
 
@@ -10329,7 +10417,7 @@
       </p:grpSpPr>
       <p:sp useBgFill="1">
         <p:nvSpPr>
-          <p:cNvPr id="9" name="Rectangle 8">
+          <p:cNvPr id="31" name="Rectangle 20">
             <a:extLst>
               <a:ext uri="{FF2B5EF4-FFF2-40B4-BE49-F238E27FC236}">
                 <a16:creationId xmlns:a16="http://schemas.microsoft.com/office/drawing/2014/main" id="{058A14AF-9FB5-4CC7-BA35-E8E85D3EDF0E}"/>
@@ -10417,15 +10505,15 @@
           <a:p>
             <a:r>
               <a:rPr lang="en-US" sz="4800"/>
-              <a:t>Arrow functions</a:t>
-            </a:r>
-            <a:endParaRPr lang="en-IL" sz="4800"/>
+              <a:t>Anonymous Functions</a:t>
+            </a:r>
+            <a:endParaRPr lang="en-IL" sz="4800" dirty="0"/>
           </a:p>
         </p:txBody>
       </p:sp>
       <p:sp>
         <p:nvSpPr>
-          <p:cNvPr id="11" name="Rectangle 10">
+          <p:cNvPr id="32" name="Rectangle 22">
             <a:extLst>
               <a:ext uri="{FF2B5EF4-FFF2-40B4-BE49-F238E27FC236}">
                 <a16:creationId xmlns:a16="http://schemas.microsoft.com/office/drawing/2014/main" id="{3A9A4357-BD1D-4622-A4FE-766E6AB8DE84}"/>
@@ -10488,7 +10576,7 @@
       </p:sp>
       <p:sp>
         <p:nvSpPr>
-          <p:cNvPr id="13" name="Rectangle 12">
+          <p:cNvPr id="33" name="Rectangle 24">
             <a:extLst>
               <a:ext uri="{FF2B5EF4-FFF2-40B4-BE49-F238E27FC236}">
                 <a16:creationId xmlns:a16="http://schemas.microsoft.com/office/drawing/2014/main" id="{E659831F-0D9A-4C63-9EBB-8435B85A440F}"/>
@@ -10586,7 +10674,7 @@
           <a:p>
             <a:r>
               <a:rPr lang="en-US" sz="2000"/>
-              <a:t>Arrow functions are a relatively new feature in JavaScript that were introduced in ES6 (ECMAScript 2015). They are a shorthand way to write functions, making them easier to read and write. Arrow functions have a few key differences from traditional JavaScript functions:</a:t>
+              <a:t>In JavaScript, a function is a block of code that performs a specific task. Anonymous functions are functions that are defined without a name and are often used as arguments to other functions or as return values of other functions. Unlike named functions, anonymous functions are not bound to a particular identifier, making them more flexible and versatile.</a:t>
             </a:r>
             <a:endParaRPr lang="en-IL" sz="2000"/>
           </a:p>
@@ -10594,10 +10682,10 @@
       </p:sp>
       <p:pic>
         <p:nvPicPr>
-          <p:cNvPr id="4" name="Picture 3">
-            <a:extLst>
-              <a:ext uri="{FF2B5EF4-FFF2-40B4-BE49-F238E27FC236}">
-                <a16:creationId xmlns:a16="http://schemas.microsoft.com/office/drawing/2014/main" id="{435172C5-D76B-9078-2630-2FD1888AA1F8}"/>
+          <p:cNvPr id="9" name="Picture 8" descr="Text&#10;&#10;Description automatically generated">
+            <a:extLst>
+              <a:ext uri="{FF2B5EF4-FFF2-40B4-BE49-F238E27FC236}">
+                <a16:creationId xmlns:a16="http://schemas.microsoft.com/office/drawing/2014/main" id="{A56CD522-05DC-6641-CC03-57CD7CD994ED}"/>
               </a:ext>
             </a:extLst>
           </p:cNvPr>
@@ -10614,8 +10702,8 @@
         </p:blipFill>
         <p:spPr>
           <a:xfrm>
-            <a:off x="5911532" y="2970116"/>
-            <a:ext cx="5150277" cy="2742522"/>
+            <a:off x="5911532" y="2570970"/>
+            <a:ext cx="5150277" cy="3540814"/>
           </a:xfrm>
           <a:prstGeom prst="rect">
             <a:avLst/>
@@ -10624,7 +10712,7 @@
       </p:pic>
       <p:sp>
         <p:nvSpPr>
-          <p:cNvPr id="15" name="Rectangle 14">
+          <p:cNvPr id="34" name="Rectangle 26">
             <a:extLst>
               <a:ext uri="{FF2B5EF4-FFF2-40B4-BE49-F238E27FC236}">
                 <a16:creationId xmlns:a16="http://schemas.microsoft.com/office/drawing/2014/main" id="{E6995CE5-F890-4ABA-82A2-26507CE8D2A3}"/>
@@ -10688,7 +10776,7 @@
     </p:spTree>
     <p:extLst>
       <p:ext uri="{BB962C8B-B14F-4D97-AF65-F5344CB8AC3E}">
-        <p14:creationId xmlns:p14="http://schemas.microsoft.com/office/powerpoint/2010/main" val="1944800600"/>
+        <p14:creationId xmlns:p14="http://schemas.microsoft.com/office/powerpoint/2010/main" val="455512941"/>
       </p:ext>
     </p:extLst>
   </p:cSld>
@@ -10725,7 +10813,7 @@
       </p:grpSpPr>
       <p:sp useBgFill="1">
         <p:nvSpPr>
-          <p:cNvPr id="13" name="Rectangle 12">
+          <p:cNvPr id="9" name="Rectangle 8">
             <a:extLst>
               <a:ext uri="{FF2B5EF4-FFF2-40B4-BE49-F238E27FC236}">
                 <a16:creationId xmlns:a16="http://schemas.microsoft.com/office/drawing/2014/main" id="{058A14AF-9FB5-4CC7-BA35-E8E85D3EDF0E}"/>
@@ -10812,11 +10900,8 @@
           <a:lstStyle/>
           <a:p>
             <a:r>
-              <a:rPr lang="en-US" sz="4800" b="0" i="0">
-                <a:effectLst/>
-                <a:latin typeface="Söhne"/>
-              </a:rPr>
-              <a:t>Array.map</a:t>
+              <a:rPr lang="en-US" sz="4800"/>
+              <a:t>Arrow functions</a:t>
             </a:r>
             <a:endParaRPr lang="en-IL" sz="4800"/>
           </a:p>
@@ -10824,7 +10909,7 @@
       </p:sp>
       <p:sp>
         <p:nvSpPr>
-          <p:cNvPr id="15" name="Rectangle 14">
+          <p:cNvPr id="11" name="Rectangle 10">
             <a:extLst>
               <a:ext uri="{FF2B5EF4-FFF2-40B4-BE49-F238E27FC236}">
                 <a16:creationId xmlns:a16="http://schemas.microsoft.com/office/drawing/2014/main" id="{3A9A4357-BD1D-4622-A4FE-766E6AB8DE84}"/>
@@ -10887,7 +10972,7 @@
       </p:sp>
       <p:sp>
         <p:nvSpPr>
-          <p:cNvPr id="17" name="Rectangle 16">
+          <p:cNvPr id="13" name="Rectangle 12">
             <a:extLst>
               <a:ext uri="{FF2B5EF4-FFF2-40B4-BE49-F238E27FC236}">
                 <a16:creationId xmlns:a16="http://schemas.microsoft.com/office/drawing/2014/main" id="{E659831F-0D9A-4C63-9EBB-8435B85A440F}"/>
@@ -10957,10 +11042,10 @@
       </p:sp>
       <p:sp>
         <p:nvSpPr>
-          <p:cNvPr id="7" name="Content Placeholder 6">
-            <a:extLst>
-              <a:ext uri="{FF2B5EF4-FFF2-40B4-BE49-F238E27FC236}">
-                <a16:creationId xmlns:a16="http://schemas.microsoft.com/office/drawing/2014/main" id="{D8C5105A-EDC9-B7B6-41F9-05F41583125F}"/>
+          <p:cNvPr id="3" name="Content Placeholder 2">
+            <a:extLst>
+              <a:ext uri="{FF2B5EF4-FFF2-40B4-BE49-F238E27FC236}">
+                <a16:creationId xmlns:a16="http://schemas.microsoft.com/office/drawing/2014/main" id="{9E1452CB-98D6-1B37-1A1A-09846D986C9A}"/>
               </a:ext>
             </a:extLst>
           </p:cNvPr>
@@ -10985,7 +11070,7 @@
           <a:p>
             <a:r>
               <a:rPr lang="en-US" sz="2000"/>
-              <a:t>Array.map() is a popular method in JavaScript that allows developers to iterate over an array and transform each element in the array based on a callback function. In this presentation, we will explore what Array.map() is, how it works, and why it is useful in JavaScript.</a:t>
+              <a:t>Arrow functions are a relatively new feature in JavaScript that were introduced in ES6 (ECMAScript 2015). They are a shorthand way to write functions, making them easier to read and write. Arrow functions have a few key differences from traditional JavaScript functions:</a:t>
             </a:r>
             <a:endParaRPr lang="en-IL" sz="2000"/>
           </a:p>
@@ -10993,10 +11078,10 @@
       </p:sp>
       <p:pic>
         <p:nvPicPr>
-          <p:cNvPr id="8" name="Picture 7">
-            <a:extLst>
-              <a:ext uri="{FF2B5EF4-FFF2-40B4-BE49-F238E27FC236}">
-                <a16:creationId xmlns:a16="http://schemas.microsoft.com/office/drawing/2014/main" id="{F1180A3C-8421-1B9E-5ABC-BB05BBE0D848}"/>
+          <p:cNvPr id="4" name="Picture 3">
+            <a:extLst>
+              <a:ext uri="{FF2B5EF4-FFF2-40B4-BE49-F238E27FC236}">
+                <a16:creationId xmlns:a16="http://schemas.microsoft.com/office/drawing/2014/main" id="{435172C5-D76B-9078-2630-2FD1888AA1F8}"/>
               </a:ext>
             </a:extLst>
           </p:cNvPr>
@@ -11013,8 +11098,8 @@
         </p:blipFill>
         <p:spPr>
           <a:xfrm>
-            <a:off x="5911532" y="3156813"/>
-            <a:ext cx="5150277" cy="2369127"/>
+            <a:off x="5911532" y="2970116"/>
+            <a:ext cx="5150277" cy="2742522"/>
           </a:xfrm>
           <a:prstGeom prst="rect">
             <a:avLst/>
@@ -11023,7 +11108,7 @@
       </p:pic>
       <p:sp>
         <p:nvSpPr>
-          <p:cNvPr id="19" name="Rectangle 18">
+          <p:cNvPr id="15" name="Rectangle 14">
             <a:extLst>
               <a:ext uri="{FF2B5EF4-FFF2-40B4-BE49-F238E27FC236}">
                 <a16:creationId xmlns:a16="http://schemas.microsoft.com/office/drawing/2014/main" id="{E6995CE5-F890-4ABA-82A2-26507CE8D2A3}"/>
@@ -11087,7 +11172,7 @@
     </p:spTree>
     <p:extLst>
       <p:ext uri="{BB962C8B-B14F-4D97-AF65-F5344CB8AC3E}">
-        <p14:creationId xmlns:p14="http://schemas.microsoft.com/office/powerpoint/2010/main" val="3793473744"/>
+        <p14:creationId xmlns:p14="http://schemas.microsoft.com/office/powerpoint/2010/main" val="1944800600"/>
       </p:ext>
     </p:extLst>
   </p:cSld>
@@ -11124,7 +11209,7 @@
       </p:grpSpPr>
       <p:sp useBgFill="1">
         <p:nvSpPr>
-          <p:cNvPr id="10" name="Rectangle 9">
+          <p:cNvPr id="13" name="Rectangle 12">
             <a:extLst>
               <a:ext uri="{FF2B5EF4-FFF2-40B4-BE49-F238E27FC236}">
                 <a16:creationId xmlns:a16="http://schemas.microsoft.com/office/drawing/2014/main" id="{058A14AF-9FB5-4CC7-BA35-E8E85D3EDF0E}"/>
@@ -11211,19 +11296,19 @@
           <a:lstStyle/>
           <a:p>
             <a:r>
-              <a:rPr lang="en-US" sz="4800"/>
-              <a:t>J</a:t>
-            </a:r>
-            <a:r>
-              <a:rPr lang="en-IL" sz="4800"/>
-              <a:t>s filter</a:t>
-            </a:r>
+              <a:rPr lang="en-US" sz="4800" b="0" i="0">
+                <a:effectLst/>
+                <a:latin typeface="Söhne"/>
+              </a:rPr>
+              <a:t>Array.map</a:t>
+            </a:r>
+            <a:endParaRPr lang="en-IL" sz="4800"/>
           </a:p>
         </p:txBody>
       </p:sp>
       <p:sp>
         <p:nvSpPr>
-          <p:cNvPr id="12" name="Rectangle 11">
+          <p:cNvPr id="15" name="Rectangle 14">
             <a:extLst>
               <a:ext uri="{FF2B5EF4-FFF2-40B4-BE49-F238E27FC236}">
                 <a16:creationId xmlns:a16="http://schemas.microsoft.com/office/drawing/2014/main" id="{3A9A4357-BD1D-4622-A4FE-766E6AB8DE84}"/>
@@ -11286,7 +11371,7 @@
       </p:sp>
       <p:sp>
         <p:nvSpPr>
-          <p:cNvPr id="14" name="Rectangle 13">
+          <p:cNvPr id="17" name="Rectangle 16">
             <a:extLst>
               <a:ext uri="{FF2B5EF4-FFF2-40B4-BE49-F238E27FC236}">
                 <a16:creationId xmlns:a16="http://schemas.microsoft.com/office/drawing/2014/main" id="{E659831F-0D9A-4C63-9EBB-8435B85A440F}"/>
@@ -11356,10 +11441,10 @@
       </p:sp>
       <p:sp>
         <p:nvSpPr>
-          <p:cNvPr id="3" name="Content Placeholder 2">
-            <a:extLst>
-              <a:ext uri="{FF2B5EF4-FFF2-40B4-BE49-F238E27FC236}">
-                <a16:creationId xmlns:a16="http://schemas.microsoft.com/office/drawing/2014/main" id="{9E1452CB-98D6-1B37-1A1A-09846D986C9A}"/>
+          <p:cNvPr id="7" name="Content Placeholder 6">
+            <a:extLst>
+              <a:ext uri="{FF2B5EF4-FFF2-40B4-BE49-F238E27FC236}">
+                <a16:creationId xmlns:a16="http://schemas.microsoft.com/office/drawing/2014/main" id="{D8C5105A-EDC9-B7B6-41F9-05F41583125F}"/>
               </a:ext>
             </a:extLst>
           </p:cNvPr>
@@ -11384,7 +11469,7 @@
           <a:p>
             <a:r>
               <a:rPr lang="en-US" sz="2000"/>
-              <a:t>filter() is a built-in method in JavaScript that allows developers to filter elements from an array based on a specific condition. The method creates a new array with all the elements that pass the condition specified by a callback function.</a:t>
+              <a:t>Array.map() is a popular method in JavaScript that allows developers to iterate over an array and transform each element in the array based on a callback function. In this presentation, we will explore what Array.map() is, how it works, and why it is useful in JavaScript.</a:t>
             </a:r>
             <a:endParaRPr lang="en-IL" sz="2000"/>
           </a:p>
@@ -11392,10 +11477,10 @@
       </p:sp>
       <p:pic>
         <p:nvPicPr>
-          <p:cNvPr id="5" name="Picture 4">
-            <a:extLst>
-              <a:ext uri="{FF2B5EF4-FFF2-40B4-BE49-F238E27FC236}">
-                <a16:creationId xmlns:a16="http://schemas.microsoft.com/office/drawing/2014/main" id="{0928D0AB-D849-CAB6-58F7-7A2A9C906F51}"/>
+          <p:cNvPr id="8" name="Picture 7">
+            <a:extLst>
+              <a:ext uri="{FF2B5EF4-FFF2-40B4-BE49-F238E27FC236}">
+                <a16:creationId xmlns:a16="http://schemas.microsoft.com/office/drawing/2014/main" id="{F1180A3C-8421-1B9E-5ABC-BB05BBE0D848}"/>
               </a:ext>
             </a:extLst>
           </p:cNvPr>
@@ -11412,8 +11497,8 @@
         </p:blipFill>
         <p:spPr>
           <a:xfrm>
-            <a:off x="5911532" y="3330635"/>
-            <a:ext cx="5150277" cy="2021483"/>
+            <a:off x="5911532" y="3156813"/>
+            <a:ext cx="5150277" cy="2369127"/>
           </a:xfrm>
           <a:prstGeom prst="rect">
             <a:avLst/>
@@ -11422,7 +11507,7 @@
       </p:pic>
       <p:sp>
         <p:nvSpPr>
-          <p:cNvPr id="16" name="Rectangle 15">
+          <p:cNvPr id="19" name="Rectangle 18">
             <a:extLst>
               <a:ext uri="{FF2B5EF4-FFF2-40B4-BE49-F238E27FC236}">
                 <a16:creationId xmlns:a16="http://schemas.microsoft.com/office/drawing/2014/main" id="{E6995CE5-F890-4ABA-82A2-26507CE8D2A3}"/>
@@ -11486,7 +11571,7 @@
     </p:spTree>
     <p:extLst>
       <p:ext uri="{BB962C8B-B14F-4D97-AF65-F5344CB8AC3E}">
-        <p14:creationId xmlns:p14="http://schemas.microsoft.com/office/powerpoint/2010/main" val="4250056164"/>
+        <p14:creationId xmlns:p14="http://schemas.microsoft.com/office/powerpoint/2010/main" val="3793473744"/>
       </p:ext>
     </p:extLst>
   </p:cSld>
@@ -11499,6 +11584,14 @@
 <file path=ppt/slides/slide23.xml><?xml version="1.0" encoding="utf-8"?>
 <p:sld xmlns:a="http://schemas.openxmlformats.org/drawingml/2006/main" xmlns:r="http://schemas.openxmlformats.org/officeDocument/2006/relationships" xmlns:p="http://schemas.openxmlformats.org/presentationml/2006/main">
   <p:cSld>
+    <p:bg>
+      <p:bgPr>
+        <a:solidFill>
+          <a:schemeClr val="bg1"/>
+        </a:solidFill>
+        <a:effectLst/>
+      </p:bgPr>
+    </p:bg>
     <p:spTree>
       <p:nvGrpSpPr>
         <p:cNvPr id="1" name=""/>
@@ -11513,6 +11606,66 @@
           <a:chExt cx="0" cy="0"/>
         </a:xfrm>
       </p:grpSpPr>
+      <p:sp useBgFill="1">
+        <p:nvSpPr>
+          <p:cNvPr id="10" name="Rectangle 9">
+            <a:extLst>
+              <a:ext uri="{FF2B5EF4-FFF2-40B4-BE49-F238E27FC236}">
+                <a16:creationId xmlns:a16="http://schemas.microsoft.com/office/drawing/2014/main" id="{058A14AF-9FB5-4CC7-BA35-E8E85D3EDF0E}"/>
+              </a:ext>
+              <a:ext uri="{C183D7F6-B498-43B3-948B-1728B52AA6E4}">
+                <adec:decorative xmlns:adec="http://schemas.microsoft.com/office/drawing/2017/decorative" val="1"/>
+              </a:ext>
+            </a:extLst>
+          </p:cNvPr>
+          <p:cNvSpPr>
+            <a:spLocks noGrp="1" noRot="1" noChangeAspect="1" noMove="1" noResize="1" noEditPoints="1" noAdjustHandles="1" noChangeArrowheads="1" noChangeShapeType="1" noTextEdit="1"/>
+          </p:cNvSpPr>
+          <p:nvPr>
+            <p:extLst>
+              <p:ext uri="{386F3935-93C4-4BCD-93E2-E3B085C9AB24}">
+                <p16:designElem xmlns:p16="http://schemas.microsoft.com/office/powerpoint/2015/main" val="1"/>
+              </p:ext>
+            </p:extLst>
+          </p:nvPr>
+        </p:nvSpPr>
+        <p:spPr>
+          <a:xfrm>
+            <a:off x="0" y="0"/>
+            <a:ext cx="12191999" cy="6857365"/>
+          </a:xfrm>
+          <a:prstGeom prst="rect">
+            <a:avLst/>
+          </a:prstGeom>
+          <a:ln>
+            <a:noFill/>
+          </a:ln>
+        </p:spPr>
+        <p:style>
+          <a:lnRef idx="2">
+            <a:schemeClr val="accent1">
+              <a:shade val="50000"/>
+            </a:schemeClr>
+          </a:lnRef>
+          <a:fillRef idx="1">
+            <a:schemeClr val="accent1"/>
+          </a:fillRef>
+          <a:effectRef idx="0">
+            <a:schemeClr val="accent1"/>
+          </a:effectRef>
+          <a:fontRef idx="minor">
+            <a:schemeClr val="lt1"/>
+          </a:fontRef>
+        </p:style>
+        <p:txBody>
+          <a:bodyPr rtlCol="0" anchor="ctr"/>
+          <a:lstStyle/>
+          <a:p>
+            <a:pPr algn="ctr"/>
+            <a:endParaRPr lang="en-US"/>
+          </a:p>
+        </p:txBody>
+      </p:sp>
       <p:sp>
         <p:nvSpPr>
           <p:cNvPr id="2" name="Title 1">
@@ -11529,15 +11682,159 @@
             <p:ph type="title"/>
           </p:nvPr>
         </p:nvSpPr>
-        <p:spPr/>
+        <p:spPr>
+          <a:xfrm>
+            <a:off x="793662" y="386930"/>
+            <a:ext cx="10066122" cy="1298448"/>
+          </a:xfrm>
+        </p:spPr>
         <p:txBody>
-          <a:bodyPr/>
+          <a:bodyPr anchor="b">
+            <a:normAutofit/>
+          </a:bodyPr>
           <a:lstStyle/>
           <a:p>
             <a:r>
-              <a:rPr lang="en-IL" dirty="0"/>
-              <a:t>typescript</a:t>
-            </a:r>
+              <a:rPr lang="en-US" sz="4800"/>
+              <a:t>J</a:t>
+            </a:r>
+            <a:r>
+              <a:rPr lang="en-IL" sz="4800"/>
+              <a:t>s filter</a:t>
+            </a:r>
+          </a:p>
+        </p:txBody>
+      </p:sp>
+      <p:sp>
+        <p:nvSpPr>
+          <p:cNvPr id="12" name="Rectangle 11">
+            <a:extLst>
+              <a:ext uri="{FF2B5EF4-FFF2-40B4-BE49-F238E27FC236}">
+                <a16:creationId xmlns:a16="http://schemas.microsoft.com/office/drawing/2014/main" id="{3A9A4357-BD1D-4622-A4FE-766E6AB8DE84}"/>
+              </a:ext>
+              <a:ext uri="{C183D7F6-B498-43B3-948B-1728B52AA6E4}">
+                <adec:decorative xmlns:adec="http://schemas.microsoft.com/office/drawing/2017/decorative" val="1"/>
+              </a:ext>
+            </a:extLst>
+          </p:cNvPr>
+          <p:cNvSpPr>
+            <a:spLocks noGrp="1" noRot="1" noChangeAspect="1" noMove="1" noResize="1" noEditPoints="1" noAdjustHandles="1" noChangeArrowheads="1" noChangeShapeType="1" noTextEdit="1"/>
+          </p:cNvSpPr>
+          <p:nvPr>
+            <p:extLst>
+              <p:ext uri="{386F3935-93C4-4BCD-93E2-E3B085C9AB24}">
+                <p16:designElem xmlns:p16="http://schemas.microsoft.com/office/powerpoint/2015/main" val="1"/>
+              </p:ext>
+            </p:extLst>
+          </p:nvPr>
+        </p:nvSpPr>
+        <p:spPr>
+          <a:xfrm flipH="1" flipV="1">
+            <a:off x="-2" y="1998845"/>
+            <a:ext cx="11454595" cy="781699"/>
+          </a:xfrm>
+          <a:prstGeom prst="rect">
+            <a:avLst/>
+          </a:prstGeom>
+          <a:solidFill>
+            <a:schemeClr val="accent4"/>
+          </a:solidFill>
+          <a:ln>
+            <a:noFill/>
+          </a:ln>
+        </p:spPr>
+        <p:style>
+          <a:lnRef idx="2">
+            <a:schemeClr val="accent1">
+              <a:shade val="50000"/>
+            </a:schemeClr>
+          </a:lnRef>
+          <a:fillRef idx="1">
+            <a:schemeClr val="accent1"/>
+          </a:fillRef>
+          <a:effectRef idx="0">
+            <a:schemeClr val="accent1"/>
+          </a:effectRef>
+          <a:fontRef idx="minor">
+            <a:schemeClr val="lt1"/>
+          </a:fontRef>
+        </p:style>
+        <p:txBody>
+          <a:bodyPr rtlCol="0" anchor="ctr"/>
+          <a:lstStyle/>
+          <a:p>
+            <a:pPr algn="ctr"/>
+            <a:endParaRPr lang="en-US"/>
+          </a:p>
+        </p:txBody>
+      </p:sp>
+      <p:sp>
+        <p:nvSpPr>
+          <p:cNvPr id="14" name="Rectangle 13">
+            <a:extLst>
+              <a:ext uri="{FF2B5EF4-FFF2-40B4-BE49-F238E27FC236}">
+                <a16:creationId xmlns:a16="http://schemas.microsoft.com/office/drawing/2014/main" id="{E659831F-0D9A-4C63-9EBB-8435B85A440F}"/>
+              </a:ext>
+              <a:ext uri="{C183D7F6-B498-43B3-948B-1728B52AA6E4}">
+                <adec:decorative xmlns:adec="http://schemas.microsoft.com/office/drawing/2017/decorative" val="1"/>
+              </a:ext>
+            </a:extLst>
+          </p:cNvPr>
+          <p:cNvSpPr>
+            <a:spLocks noGrp="1" noRot="1" noChangeAspect="1" noMove="1" noResize="1" noEditPoints="1" noAdjustHandles="1" noChangeArrowheads="1" noChangeShapeType="1" noTextEdit="1"/>
+          </p:cNvSpPr>
+          <p:nvPr>
+            <p:extLst>
+              <p:ext uri="{386F3935-93C4-4BCD-93E2-E3B085C9AB24}">
+                <p16:designElem xmlns:p16="http://schemas.microsoft.com/office/powerpoint/2015/main" val="1"/>
+              </p:ext>
+            </p:extLst>
+          </p:nvPr>
+        </p:nvSpPr>
+        <p:spPr>
+          <a:xfrm>
+            <a:off x="0" y="2203079"/>
+            <a:ext cx="11383362" cy="4267991"/>
+          </a:xfrm>
+          <a:prstGeom prst="rect">
+            <a:avLst/>
+          </a:prstGeom>
+          <a:solidFill>
+            <a:schemeClr val="bg1"/>
+          </a:solidFill>
+          <a:ln>
+            <a:noFill/>
+          </a:ln>
+          <a:effectLst>
+            <a:outerShdw blurRad="139700" dist="127000" dir="5400000" algn="t" rotWithShape="0">
+              <a:prstClr val="black">
+                <a:alpha val="15000"/>
+              </a:prstClr>
+            </a:outerShdw>
+          </a:effectLst>
+        </p:spPr>
+        <p:style>
+          <a:lnRef idx="2">
+            <a:schemeClr val="accent1">
+              <a:shade val="50000"/>
+            </a:schemeClr>
+          </a:lnRef>
+          <a:fillRef idx="1">
+            <a:schemeClr val="accent1"/>
+          </a:fillRef>
+          <a:effectRef idx="0">
+            <a:schemeClr val="accent1"/>
+          </a:effectRef>
+          <a:fontRef idx="minor">
+            <a:schemeClr val="lt1"/>
+          </a:fontRef>
+        </p:style>
+        <p:txBody>
+          <a:bodyPr rtlCol="0" anchor="ctr"/>
+          <a:lstStyle/>
+          <a:p>
+            <a:pPr algn="ctr"/>
+            <a:endParaRPr lang="en-US"/>
           </a:p>
         </p:txBody>
       </p:sp>
@@ -11557,23 +11854,123 @@
             <p:ph idx="1"/>
           </p:nvPr>
         </p:nvSpPr>
-        <p:spPr/>
+        <p:spPr>
+          <a:xfrm>
+            <a:off x="793661" y="2599509"/>
+            <a:ext cx="4530898" cy="3639450"/>
+          </a:xfrm>
+        </p:spPr>
         <p:txBody>
-          <a:bodyPr/>
+          <a:bodyPr anchor="ctr">
+            <a:normAutofit/>
+          </a:bodyPr>
           <a:lstStyle/>
           <a:p>
             <a:r>
-              <a:rPr lang="en-US" dirty="0"/>
-              <a:t>TypeScript is an open-source programming language that is a strict syntactical superset of JavaScript. TypeScript is designed to make it easier to build large-scale web applications by providing optional static type-checking, object-oriented features, and other advanced language features that are not available in plain JavaScript.</a:t>
-            </a:r>
-            <a:endParaRPr lang="en-IL" dirty="0"/>
+              <a:rPr lang="en-US" sz="2000"/>
+              <a:t>filter() is a built-in method in JavaScript that allows developers to filter elements from an array based on a specific condition. The method creates a new array with all the elements that pass the condition specified by a callback function.</a:t>
+            </a:r>
+            <a:endParaRPr lang="en-IL" sz="2000"/>
+          </a:p>
+        </p:txBody>
+      </p:sp>
+      <p:pic>
+        <p:nvPicPr>
+          <p:cNvPr id="5" name="Picture 4">
+            <a:extLst>
+              <a:ext uri="{FF2B5EF4-FFF2-40B4-BE49-F238E27FC236}">
+                <a16:creationId xmlns:a16="http://schemas.microsoft.com/office/drawing/2014/main" id="{0928D0AB-D849-CAB6-58F7-7A2A9C906F51}"/>
+              </a:ext>
+            </a:extLst>
+          </p:cNvPr>
+          <p:cNvPicPr>
+            <a:picLocks noChangeAspect="1"/>
+          </p:cNvPicPr>
+          <p:nvPr/>
+        </p:nvPicPr>
+        <p:blipFill>
+          <a:blip/>
+          <a:stretch>
+            <a:fillRect/>
+          </a:stretch>
+        </p:blipFill>
+        <p:spPr>
+          <a:xfrm>
+            <a:off x="5911532" y="3330635"/>
+            <a:ext cx="5150277" cy="2021483"/>
+          </a:xfrm>
+          <a:prstGeom prst="rect">
+            <a:avLst/>
+          </a:prstGeom>
+        </p:spPr>
+      </p:pic>
+      <p:sp>
+        <p:nvSpPr>
+          <p:cNvPr id="16" name="Rectangle 15">
+            <a:extLst>
+              <a:ext uri="{FF2B5EF4-FFF2-40B4-BE49-F238E27FC236}">
+                <a16:creationId xmlns:a16="http://schemas.microsoft.com/office/drawing/2014/main" id="{E6995CE5-F890-4ABA-82A2-26507CE8D2A3}"/>
+              </a:ext>
+              <a:ext uri="{C183D7F6-B498-43B3-948B-1728B52AA6E4}">
+                <adec:decorative xmlns:adec="http://schemas.microsoft.com/office/drawing/2017/decorative" val="1"/>
+              </a:ext>
+            </a:extLst>
+          </p:cNvPr>
+          <p:cNvSpPr>
+            <a:spLocks noGrp="1" noRot="1" noChangeAspect="1" noMove="1" noResize="1" noEditPoints="1" noAdjustHandles="1" noChangeArrowheads="1" noChangeShapeType="1" noTextEdit="1"/>
+          </p:cNvSpPr>
+          <p:nvPr>
+            <p:extLst>
+              <p:ext uri="{386F3935-93C4-4BCD-93E2-E3B085C9AB24}">
+                <p16:designElem xmlns:p16="http://schemas.microsoft.com/office/powerpoint/2015/main" val="1"/>
+              </p:ext>
+            </p:extLst>
+          </p:nvPr>
+        </p:nvSpPr>
+        <p:spPr>
+          <a:xfrm rot="5400000">
+            <a:off x="11228040" y="2313027"/>
+            <a:ext cx="781700" cy="152382"/>
+          </a:xfrm>
+          <a:prstGeom prst="rect">
+            <a:avLst/>
+          </a:prstGeom>
+          <a:solidFill>
+            <a:schemeClr val="accent4"/>
+          </a:solidFill>
+          <a:ln>
+            <a:noFill/>
+          </a:ln>
+        </p:spPr>
+        <p:style>
+          <a:lnRef idx="2">
+            <a:schemeClr val="accent1">
+              <a:shade val="50000"/>
+            </a:schemeClr>
+          </a:lnRef>
+          <a:fillRef idx="1">
+            <a:schemeClr val="accent1"/>
+          </a:fillRef>
+          <a:effectRef idx="0">
+            <a:schemeClr val="accent1"/>
+          </a:effectRef>
+          <a:fontRef idx="minor">
+            <a:schemeClr val="lt1"/>
+          </a:fontRef>
+        </p:style>
+        <p:txBody>
+          <a:bodyPr rtlCol="0" anchor="ctr"/>
+          <a:lstStyle/>
+          <a:p>
+            <a:pPr algn="ctr"/>
+            <a:endParaRPr lang="en-US"/>
           </a:p>
         </p:txBody>
       </p:sp>
     </p:spTree>
     <p:extLst>
       <p:ext uri="{BB962C8B-B14F-4D97-AF65-F5344CB8AC3E}">
-        <p14:creationId xmlns:p14="http://schemas.microsoft.com/office/powerpoint/2010/main" val="1295559566"/>
+        <p14:creationId xmlns:p14="http://schemas.microsoft.com/office/powerpoint/2010/main" val="4250056164"/>
       </p:ext>
     </p:extLst>
   </p:cSld>
@@ -11622,10 +12019,9 @@
           <a:lstStyle/>
           <a:p>
             <a:r>
-              <a:rPr lang="en-US" dirty="0"/>
-              <a:t>key features of TypeScript</a:t>
-            </a:r>
-            <a:endParaRPr lang="en-IL" dirty="0"/>
+              <a:rPr lang="en-IL" dirty="0"/>
+              <a:t>typescript</a:t>
+            </a:r>
           </a:p>
         </p:txBody>
       </p:sp>
@@ -11647,54 +12043,21 @@
         </p:nvSpPr>
         <p:spPr/>
         <p:txBody>
-          <a:bodyPr>
-            <a:normAutofit fontScale="70000" lnSpcReduction="20000"/>
-          </a:bodyPr>
+          <a:bodyPr/>
           <a:lstStyle/>
           <a:p>
             <a:r>
               <a:rPr lang="en-US" dirty="0"/>
-              <a:t>Static Typing: One of the main features of TypeScript is static typing, which allows developers to define the types of variables, functions, and other elements in their code. This makes it easier to catch errors and bugs early in the development process and to build more robust and scalable applications.</a:t>
-            </a:r>
-          </a:p>
-          <a:p>
-            <a:r>
-              <a:rPr lang="en-US" dirty="0"/>
-              <a:t>Object-Oriented Features: TypeScript also supports object-oriented programming features such as classes, interfaces, and inheritance. This makes it easier to write object-oriented code in a familiar syntax that is similar to other object-oriented programming languages such as Java or C#.</a:t>
-            </a:r>
-          </a:p>
-          <a:p>
-            <a:r>
-              <a:rPr lang="en-US" dirty="0"/>
-              <a:t>Advanced Language Features: TypeScript also includes other advanced language features such as </a:t>
-            </a:r>
-            <a:r>
-              <a:rPr lang="en-US" dirty="0" err="1"/>
-              <a:t>enums</a:t>
-            </a:r>
-            <a:r>
-              <a:rPr lang="en-US" dirty="0"/>
-              <a:t>, generics, and union types that are not available in plain JavaScript. These features make it easier to write more expressive and maintainable code.</a:t>
-            </a:r>
-          </a:p>
-          <a:p>
-            <a:r>
-              <a:rPr lang="en-US" dirty="0"/>
-              <a:t>Compatibility with JavaScript: TypeScript is designed to be compatible with existing JavaScript code and libraries, which means that developers can gradually introduce TypeScript into their projects without having to rewrite their entire codebase.</a:t>
-            </a:r>
-          </a:p>
-          <a:p>
-            <a:r>
-              <a:rPr lang="en-US" dirty="0"/>
-              <a:t>Tooling: TypeScript comes with a set of tools that make it easier to develop, debug, and maintain TypeScript code. These tools include a TypeScript compiler, a language service that provides code completion and other features in code editors, and other development tools.</a:t>
-            </a:r>
+              <a:t>TypeScript is an open-source programming language that is a strict syntactical superset of JavaScript. TypeScript is designed to make it easier to build large-scale web applications by providing optional static type-checking, object-oriented features, and other advanced language features that are not available in plain JavaScript.</a:t>
+            </a:r>
+            <a:endParaRPr lang="en-IL" dirty="0"/>
           </a:p>
         </p:txBody>
       </p:sp>
     </p:spTree>
     <p:extLst>
       <p:ext uri="{BB962C8B-B14F-4D97-AF65-F5344CB8AC3E}">
-        <p14:creationId xmlns:p14="http://schemas.microsoft.com/office/powerpoint/2010/main" val="16629727"/>
+        <p14:creationId xmlns:p14="http://schemas.microsoft.com/office/powerpoint/2010/main" val="1295559566"/>
       </p:ext>
     </p:extLst>
   </p:cSld>
@@ -11742,18 +12105,9 @@
           <a:bodyPr/>
           <a:lstStyle/>
           <a:p>
-            <a:pPr algn="l" defTabSz="914400" rtl="1" eaLnBrk="1" latinLnBrk="0" hangingPunct="1">
-              <a:lnSpc>
-                <a:spcPct val="90000"/>
-              </a:lnSpc>
-              <a:spcBef>
-                <a:spcPct val="0"/>
-              </a:spcBef>
-              <a:buNone/>
-            </a:pPr>
             <a:r>
               <a:rPr lang="en-US" dirty="0"/>
-              <a:t>Node install </a:t>
+              <a:t>key features of TypeScript</a:t>
             </a:r>
             <a:endParaRPr lang="en-IL" dirty="0"/>
           </a:p>
@@ -11778,50 +12132,53 @@
         <p:spPr/>
         <p:txBody>
           <a:bodyPr>
-            <a:normAutofit fontScale="85000" lnSpcReduction="20000"/>
+            <a:normAutofit fontScale="70000" lnSpcReduction="20000"/>
           </a:bodyPr>
           <a:lstStyle/>
           <a:p>
             <a:r>
               <a:rPr lang="en-US" dirty="0"/>
-              <a:t>Go to the Node.js website: Visit the Node.js website at https://</a:t>
+              <a:t>Static Typing: One of the main features of TypeScript is static typing, which allows developers to define the types of variables, functions, and other elements in their code. This makes it easier to catch errors and bugs early in the development process and to build more robust and scalable applications.</a:t>
+            </a:r>
+          </a:p>
+          <a:p>
+            <a:r>
+              <a:rPr lang="en-US" dirty="0"/>
+              <a:t>Object-Oriented Features: TypeScript also supports object-oriented programming features such as classes, interfaces, and inheritance. This makes it easier to write object-oriented code in a familiar syntax that is similar to other object-oriented programming languages such as Java or C#.</a:t>
+            </a:r>
+          </a:p>
+          <a:p>
+            <a:r>
+              <a:rPr lang="en-US" dirty="0"/>
+              <a:t>Advanced Language Features: TypeScript also includes other advanced language features such as </a:t>
             </a:r>
             <a:r>
               <a:rPr lang="en-US" dirty="0" err="1"/>
-              <a:t>nodejs.org</a:t>
+              <a:t>enums</a:t>
             </a:r>
             <a:r>
               <a:rPr lang="en-US" dirty="0"/>
-              <a:t>. This is the official website for Node.js and contains the latest version of Node.js available for download.</a:t>
+              <a:t>, generics, and union types that are not available in plain JavaScript. These features make it easier to write more expressive and maintainable code.</a:t>
             </a:r>
           </a:p>
           <a:p>
             <a:r>
               <a:rPr lang="en-US" dirty="0"/>
-              <a:t>Download the Node.js installer: On the Node.js website, you will see two options for downloading Node.js: "Recommended for most users" and "Other downloads". If you are new to Node.js, we recommend selecting the "Recommended for most users" option. Click on the "Download" button to download the installer for your operating system (Windows, macOS, or Linux).</a:t>
+              <a:t>Compatibility with JavaScript: TypeScript is designed to be compatible with existing JavaScript code and libraries, which means that developers can gradually introduce TypeScript into their projects without having to rewrite their entire codebase.</a:t>
             </a:r>
           </a:p>
           <a:p>
             <a:r>
               <a:rPr lang="en-US" dirty="0"/>
-              <a:t>Run the installer: Once the installer has finished downloading, run it on your machine to begin the installation process. Follow the prompts to complete the installation. You may need to agree to the terms of service and select an installation location.</a:t>
-            </a:r>
-          </a:p>
-          <a:p>
-            <a:r>
-              <a:rPr lang="en-US" dirty="0"/>
-              <a:t>Verify the installation: After the installation is complete, you can verify that Node.js has been installed correctly by opening a terminal or command prompt and typing the following command:</a:t>
-            </a:r>
-          </a:p>
-          <a:p>
-            <a:endParaRPr lang="en-IL" dirty="0"/>
+              <a:t>Tooling: TypeScript comes with a set of tools that make it easier to develop, debug, and maintain TypeScript code. These tools include a TypeScript compiler, a language service that provides code completion and other features in code editors, and other development tools.</a:t>
+            </a:r>
           </a:p>
         </p:txBody>
       </p:sp>
     </p:spTree>
     <p:extLst>
       <p:ext uri="{BB962C8B-B14F-4D97-AF65-F5344CB8AC3E}">
-        <p14:creationId xmlns:p14="http://schemas.microsoft.com/office/powerpoint/2010/main" val="2777169419"/>
+        <p14:creationId xmlns:p14="http://schemas.microsoft.com/office/powerpoint/2010/main" val="16629727"/>
       </p:ext>
     </p:extLst>
   </p:cSld>
@@ -11869,14 +12226,20 @@
           <a:bodyPr/>
           <a:lstStyle/>
           <a:p>
+            <a:pPr algn="l" defTabSz="914400" rtl="1" eaLnBrk="1" latinLnBrk="0" hangingPunct="1">
+              <a:lnSpc>
+                <a:spcPct val="90000"/>
+              </a:lnSpc>
+              <a:spcBef>
+                <a:spcPct val="0"/>
+              </a:spcBef>
+              <a:buNone/>
+            </a:pPr>
             <a:r>
               <a:rPr lang="en-US" dirty="0"/>
-              <a:t>F</a:t>
-            </a:r>
-            <a:r>
-              <a:rPr lang="en-IL" dirty="0"/>
-              <a:t>irst thing</a:t>
-            </a:r>
+              <a:t>Node install </a:t>
+            </a:r>
+            <a:endParaRPr lang="en-IL" dirty="0"/>
           </a:p>
         </p:txBody>
       </p:sp>
@@ -11898,99 +12261,43 @@
         </p:nvSpPr>
         <p:spPr/>
         <p:txBody>
-          <a:bodyPr/>
+          <a:bodyPr>
+            <a:normAutofit fontScale="85000" lnSpcReduction="20000"/>
+          </a:bodyPr>
           <a:lstStyle/>
           <a:p>
             <a:r>
-              <a:rPr lang="en-US" dirty="0" err="1">
-                <a:effectLst/>
-              </a:rPr>
-              <a:t>npm</a:t>
-            </a:r>
-            <a:r>
-              <a:rPr lang="en-US" dirty="0">
-                <a:effectLst/>
-              </a:rPr>
-              <a:t> install -g typescript </a:t>
-            </a:r>
-          </a:p>
-          <a:p>
-            <a:br>
               <a:rPr lang="en-US" dirty="0"/>
-            </a:br>
-            <a:r>
-              <a:rPr lang="en-US" dirty="0" err="1">
-                <a:effectLst/>
-              </a:rPr>
-              <a:t>tsc</a:t>
-            </a:r>
-            <a:r>
-              <a:rPr lang="en-US" dirty="0">
-                <a:effectLst/>
-              </a:rPr>
-              <a:t> --</a:t>
-            </a:r>
-            <a:r>
-              <a:rPr lang="en-US" dirty="0" err="1">
-                <a:solidFill>
-                  <a:srgbClr val="2E95D3"/>
-                </a:solidFill>
-                <a:effectLst/>
-              </a:rPr>
-              <a:t>init</a:t>
-            </a:r>
-            <a:r>
-              <a:rPr lang="en-US" dirty="0">
-                <a:effectLst/>
-              </a:rPr>
-              <a:t> </a:t>
-            </a:r>
-          </a:p>
-          <a:p>
-            <a:br>
+              <a:t>Go to the Node.js website: Visit the Node.js website at https://</a:t>
+            </a:r>
+            <a:r>
+              <a:rPr lang="en-US" dirty="0" err="1"/>
+              <a:t>nodejs.org</a:t>
+            </a:r>
+            <a:r>
               <a:rPr lang="en-US" dirty="0"/>
-            </a:br>
+              <a:t>. This is the official website for Node.js and contains the latest version of Node.js available for download.</a:t>
+            </a:r>
+          </a:p>
+          <a:p>
             <a:r>
               <a:rPr lang="en-US" dirty="0"/>
-              <a:t>to </a:t>
-            </a:r>
-            <a:r>
-              <a:rPr lang="en-US" dirty="0" err="1"/>
-              <a:t>complie</a:t>
-            </a:r>
+              <a:t>Download the Node.js installer: On the Node.js website, you will see two options for downloading Node.js: "Recommended for most users" and "Other downloads". If you are new to Node.js, we recommend selecting the "Recommended for most users" option. Click on the "Download" button to download the installer for your operating system (Windows, macOS, or Linux).</a:t>
+            </a:r>
+          </a:p>
+          <a:p>
             <a:r>
               <a:rPr lang="en-US" dirty="0"/>
-              <a:t> the code into JavaScript </a:t>
-            </a:r>
-            <a:r>
-              <a:rPr lang="en-US" dirty="0" err="1">
-                <a:effectLst/>
-              </a:rPr>
-              <a:t>tsc</a:t>
-            </a:r>
-            <a:r>
-              <a:rPr lang="en-US" dirty="0">
-                <a:effectLst/>
-              </a:rPr>
-              <a:t> </a:t>
-            </a:r>
-            <a:r>
-              <a:rPr lang="en-US" dirty="0" err="1">
-                <a:effectLst/>
-              </a:rPr>
-              <a:t>filename.ts</a:t>
-            </a:r>
-            <a:r>
-              <a:rPr lang="en-US" dirty="0">
-                <a:effectLst/>
-              </a:rPr>
-              <a:t> </a:t>
-            </a:r>
-          </a:p>
-          <a:p>
-            <a:br>
+              <a:t>Run the installer: Once the installer has finished downloading, run it on your machine to begin the installation process. Follow the prompts to complete the installation. You may need to agree to the terms of service and select an installation location.</a:t>
+            </a:r>
+          </a:p>
+          <a:p>
+            <a:r>
               <a:rPr lang="en-US" dirty="0"/>
-            </a:br>
+              <a:t>Verify the installation: After the installation is complete, you can verify that Node.js has been installed correctly by opening a terminal or command prompt and typing the following command:</a:t>
+            </a:r>
+          </a:p>
+          <a:p>
             <a:endParaRPr lang="en-IL" dirty="0"/>
           </a:p>
         </p:txBody>
@@ -11998,7 +12305,7 @@
     </p:spTree>
     <p:extLst>
       <p:ext uri="{BB962C8B-B14F-4D97-AF65-F5344CB8AC3E}">
-        <p14:creationId xmlns:p14="http://schemas.microsoft.com/office/powerpoint/2010/main" val="72978261"/>
+        <p14:creationId xmlns:p14="http://schemas.microsoft.com/office/powerpoint/2010/main" val="2777169419"/>
       </p:ext>
     </p:extLst>
   </p:cSld>
@@ -12047,8 +12354,12 @@
           <a:lstStyle/>
           <a:p>
             <a:r>
+              <a:rPr lang="en-US" dirty="0"/>
+              <a:t>F</a:t>
+            </a:r>
+            <a:r>
               <a:rPr lang="en-IL" dirty="0"/>
-              <a:t>Let’s start</a:t>
+              <a:t>irst thing</a:t>
             </a:r>
           </a:p>
         </p:txBody>
@@ -12075,51 +12386,95 @@
           <a:lstStyle/>
           <a:p>
             <a:r>
+              <a:rPr lang="en-US" dirty="0" err="1">
+                <a:effectLst/>
+              </a:rPr>
+              <a:t>npm</a:t>
+            </a:r>
+            <a:r>
+              <a:rPr lang="en-US" dirty="0">
+                <a:effectLst/>
+              </a:rPr>
+              <a:t> install -g typescript </a:t>
+            </a:r>
+          </a:p>
+          <a:p>
+            <a:br>
               <a:rPr lang="en-US" dirty="0"/>
-              <a:t>C</a:t>
-            </a:r>
-            <a:r>
-              <a:rPr lang="en-IL" dirty="0"/>
-              <a:t>reate a folder named js and folder name ts</a:t>
-            </a:r>
-          </a:p>
-          <a:p>
-            <a:r>
+            </a:br>
+            <a:r>
+              <a:rPr lang="en-US" dirty="0" err="1">
+                <a:effectLst/>
+              </a:rPr>
+              <a:t>tsc</a:t>
+            </a:r>
+            <a:r>
+              <a:rPr lang="en-US" dirty="0">
+                <a:effectLst/>
+              </a:rPr>
+              <a:t> --</a:t>
+            </a:r>
+            <a:r>
+              <a:rPr lang="en-US" dirty="0" err="1">
+                <a:solidFill>
+                  <a:srgbClr val="2E95D3"/>
+                </a:solidFill>
+                <a:effectLst/>
+              </a:rPr>
+              <a:t>init</a:t>
+            </a:r>
+            <a:r>
+              <a:rPr lang="en-US" dirty="0">
+                <a:effectLst/>
+              </a:rPr>
+              <a:t> </a:t>
+            </a:r>
+          </a:p>
+          <a:p>
+            <a:br>
               <a:rPr lang="en-US" dirty="0"/>
-              <a:t>C</a:t>
-            </a:r>
-            <a:r>
-              <a:rPr lang="en-IL" dirty="0"/>
-              <a:t>reate a file name index.ts with some code</a:t>
-            </a:r>
-          </a:p>
-          <a:p>
-            <a:r>
-              <a:rPr lang="en-IL" dirty="0"/>
-              <a:t>then add to the root folder the tsconfig.json file </a:t>
-            </a:r>
-          </a:p>
-          <a:p>
+            </a:br>
             <a:r>
               <a:rPr lang="en-US" dirty="0"/>
-              <a:t>W</a:t>
-            </a:r>
-            <a:r>
-              <a:rPr lang="en-IL" dirty="0"/>
-              <a:t>rite in the terminal tsc</a:t>
-            </a:r>
-          </a:p>
-          <a:p>
+              <a:t>to </a:t>
+            </a:r>
+            <a:r>
+              <a:rPr lang="en-US" dirty="0" err="1"/>
+              <a:t>complie</a:t>
+            </a:r>
             <a:r>
               <a:rPr lang="en-US" dirty="0"/>
-              <a:t>A</a:t>
-            </a:r>
-            <a:r>
-              <a:rPr lang="en-IL" dirty="0"/>
-              <a:t>nd you see you js file</a:t>
-            </a:r>
-          </a:p>
-          <a:p>
+              <a:t> the code into JavaScript </a:t>
+            </a:r>
+            <a:r>
+              <a:rPr lang="en-US" dirty="0" err="1">
+                <a:effectLst/>
+              </a:rPr>
+              <a:t>tsc</a:t>
+            </a:r>
+            <a:r>
+              <a:rPr lang="en-US" dirty="0">
+                <a:effectLst/>
+              </a:rPr>
+              <a:t> </a:t>
+            </a:r>
+            <a:r>
+              <a:rPr lang="en-US" dirty="0" err="1">
+                <a:effectLst/>
+              </a:rPr>
+              <a:t>filename.ts</a:t>
+            </a:r>
+            <a:r>
+              <a:rPr lang="en-US" dirty="0">
+                <a:effectLst/>
+              </a:rPr>
+              <a:t> </a:t>
+            </a:r>
+          </a:p>
+          <a:p>
+            <a:br>
+              <a:rPr lang="en-US" dirty="0"/>
+            </a:br>
             <a:endParaRPr lang="en-IL" dirty="0"/>
           </a:p>
         </p:txBody>
@@ -12127,7 +12482,7 @@
     </p:spTree>
     <p:extLst>
       <p:ext uri="{BB962C8B-B14F-4D97-AF65-F5344CB8AC3E}">
-        <p14:creationId xmlns:p14="http://schemas.microsoft.com/office/powerpoint/2010/main" val="1418829657"/>
+        <p14:creationId xmlns:p14="http://schemas.microsoft.com/office/powerpoint/2010/main" val="72978261"/>
       </p:ext>
     </p:extLst>
   </p:cSld>
@@ -12176,18 +12531,9 @@
           <a:lstStyle/>
           <a:p>
             <a:r>
-              <a:rPr lang="en-US" dirty="0"/>
-              <a:t>W</a:t>
-            </a:r>
-            <a:r>
               <a:rPr lang="en-IL" dirty="0"/>
-              <a:t>ait what is the </a:t>
-            </a:r>
-            <a:r>
-              <a:rPr lang="en-US" dirty="0" err="1"/>
-              <a:t>index.js.map</a:t>
-            </a:r>
-            <a:endParaRPr lang="en-IL" dirty="0"/>
+              <a:t>Let’s start</a:t>
+            </a:r>
           </a:p>
         </p:txBody>
       </p:sp>
@@ -12209,64 +12555,52 @@
         </p:nvSpPr>
         <p:spPr/>
         <p:txBody>
-          <a:bodyPr>
-            <a:normAutofit fontScale="85000" lnSpcReduction="10000"/>
-          </a:bodyPr>
+          <a:bodyPr/>
           <a:lstStyle/>
           <a:p>
             <a:r>
               <a:rPr lang="en-US" dirty="0"/>
-              <a:t>The </a:t>
-            </a:r>
-            <a:r>
-              <a:rPr lang="en-US" dirty="0" err="1"/>
-              <a:t>index.js.map</a:t>
-            </a:r>
+              <a:t>C</a:t>
+            </a:r>
+            <a:r>
+              <a:rPr lang="en-IL" dirty="0"/>
+              <a:t>reate a folder named js and folder name ts</a:t>
+            </a:r>
+          </a:p>
+          <a:p>
             <a:r>
               <a:rPr lang="en-US" dirty="0"/>
-              <a:t> file is a source map file generated by the TypeScript compiler when the </a:t>
-            </a:r>
-            <a:r>
-              <a:rPr lang="en-US" dirty="0" err="1"/>
-              <a:t>sourceMap</a:t>
-            </a:r>
+              <a:t>C</a:t>
+            </a:r>
+            <a:r>
+              <a:rPr lang="en-IL" dirty="0"/>
+              <a:t>reate a file name index.ts with some code</a:t>
+            </a:r>
+          </a:p>
+          <a:p>
+            <a:r>
+              <a:rPr lang="en-IL" dirty="0"/>
+              <a:t>then add to the root folder the tsconfig.json file </a:t>
+            </a:r>
+          </a:p>
+          <a:p>
             <a:r>
               <a:rPr lang="en-US" dirty="0"/>
-              <a:t> option is set to true in the </a:t>
-            </a:r>
-            <a:r>
-              <a:rPr lang="en-US" dirty="0" err="1"/>
-              <a:t>tsconfig.json</a:t>
-            </a:r>
+              <a:t>W</a:t>
+            </a:r>
+            <a:r>
+              <a:rPr lang="en-IL" dirty="0"/>
+              <a:t>rite in the terminal tsc</a:t>
+            </a:r>
+          </a:p>
+          <a:p>
             <a:r>
               <a:rPr lang="en-US" dirty="0"/>
-              <a:t> configuration file.</a:t>
-            </a:r>
-          </a:p>
-          <a:p>
-            <a:r>
-              <a:rPr lang="en-US" dirty="0"/>
-              <a:t>A source map is a file that maps the compiled JavaScript code back to its original TypeScript source code, enabling source-level debugging of the compiled code. The source map contains information such as the original file name, line numbers, and column numbers for each line of the compiled JavaScript code.</a:t>
-            </a:r>
-          </a:p>
-          <a:p>
-            <a:r>
-              <a:rPr lang="en-US" dirty="0"/>
-              <a:t>When you run your compiled TypeScript code, your browser or debugging tool can use the source map file to display the original TypeScript code in the debugger, making it easier to debug your code.</a:t>
-            </a:r>
-          </a:p>
-          <a:p>
-            <a:r>
-              <a:rPr lang="en-US" dirty="0"/>
-              <a:t>The </a:t>
-            </a:r>
-            <a:r>
-              <a:rPr lang="en-US" dirty="0" err="1"/>
-              <a:t>index.js.map</a:t>
-            </a:r>
-            <a:r>
-              <a:rPr lang="en-US" dirty="0"/>
-              <a:t> file should not be served to the client in a production environment, as it contains sensitive information about the original source code. Instead, it should only be used during development and debugging.</a:t>
+              <a:t>A</a:t>
+            </a:r>
+            <a:r>
+              <a:rPr lang="en-IL" dirty="0"/>
+              <a:t>nd you see you js file</a:t>
             </a:r>
           </a:p>
           <a:p>
@@ -12277,7 +12611,7 @@
     </p:spTree>
     <p:extLst>
       <p:ext uri="{BB962C8B-B14F-4D97-AF65-F5344CB8AC3E}">
-        <p14:creationId xmlns:p14="http://schemas.microsoft.com/office/powerpoint/2010/main" val="2820401135"/>
+        <p14:creationId xmlns:p14="http://schemas.microsoft.com/office/powerpoint/2010/main" val="1418829657"/>
       </p:ext>
     </p:extLst>
   </p:cSld>
@@ -12327,12 +12661,17 @@
           <a:p>
             <a:r>
               <a:rPr lang="en-US" dirty="0"/>
-              <a:t>H</a:t>
+              <a:t>W</a:t>
             </a:r>
             <a:r>
               <a:rPr lang="en-IL" dirty="0"/>
-              <a:t>ow to debug</a:t>
-            </a:r>
+              <a:t>ait what is the </a:t>
+            </a:r>
+            <a:r>
+              <a:rPr lang="en-US" dirty="0" err="1"/>
+              <a:t>index.js.map</a:t>
+            </a:r>
+            <a:endParaRPr lang="en-IL" dirty="0"/>
           </a:p>
         </p:txBody>
       </p:sp>
@@ -12354,24 +12693,75 @@
         </p:nvSpPr>
         <p:spPr/>
         <p:txBody>
-          <a:bodyPr/>
+          <a:bodyPr>
+            <a:normAutofit fontScale="85000" lnSpcReduction="10000"/>
+          </a:bodyPr>
           <a:lstStyle/>
           <a:p>
             <a:r>
               <a:rPr lang="en-US" dirty="0"/>
-              <a:t>O</a:t>
-            </a:r>
-            <a:r>
-              <a:rPr lang="en-IL" dirty="0"/>
-              <a:t>pen with live server and click debug URL and pass the live server url</a:t>
-            </a:r>
+              <a:t>The </a:t>
+            </a:r>
+            <a:r>
+              <a:rPr lang="en-US" dirty="0" err="1"/>
+              <a:t>index.js.map</a:t>
+            </a:r>
+            <a:r>
+              <a:rPr lang="en-US" dirty="0"/>
+              <a:t> file is a source map file generated by the TypeScript compiler when the </a:t>
+            </a:r>
+            <a:r>
+              <a:rPr lang="en-US" dirty="0" err="1"/>
+              <a:t>sourceMap</a:t>
+            </a:r>
+            <a:r>
+              <a:rPr lang="en-US" dirty="0"/>
+              <a:t> option is set to true in the </a:t>
+            </a:r>
+            <a:r>
+              <a:rPr lang="en-US" dirty="0" err="1"/>
+              <a:t>tsconfig.json</a:t>
+            </a:r>
+            <a:r>
+              <a:rPr lang="en-US" dirty="0"/>
+              <a:t> configuration file.</a:t>
+            </a:r>
+          </a:p>
+          <a:p>
+            <a:r>
+              <a:rPr lang="en-US" dirty="0"/>
+              <a:t>A source map is a file that maps the compiled JavaScript code back to its original TypeScript source code, enabling source-level debugging of the compiled code. The source map contains information such as the original file name, line numbers, and column numbers for each line of the compiled JavaScript code.</a:t>
+            </a:r>
+          </a:p>
+          <a:p>
+            <a:r>
+              <a:rPr lang="en-US" dirty="0"/>
+              <a:t>When you run your compiled TypeScript code, your browser or debugging tool can use the source map file to display the original TypeScript code in the debugger, making it easier to debug your code.</a:t>
+            </a:r>
+          </a:p>
+          <a:p>
+            <a:r>
+              <a:rPr lang="en-US" dirty="0"/>
+              <a:t>The </a:t>
+            </a:r>
+            <a:r>
+              <a:rPr lang="en-US" dirty="0" err="1"/>
+              <a:t>index.js.map</a:t>
+            </a:r>
+            <a:r>
+              <a:rPr lang="en-US" dirty="0"/>
+              <a:t> file should not be served to the client in a production environment, as it contains sensitive information about the original source code. Instead, it should only be used during development and debugging.</a:t>
+            </a:r>
+          </a:p>
+          <a:p>
+            <a:endParaRPr lang="en-IL" dirty="0"/>
           </a:p>
         </p:txBody>
       </p:sp>
     </p:spTree>
     <p:extLst>
       <p:ext uri="{BB962C8B-B14F-4D97-AF65-F5344CB8AC3E}">
-        <p14:creationId xmlns:p14="http://schemas.microsoft.com/office/powerpoint/2010/main" val="3205621748"/>
+        <p14:creationId xmlns:p14="http://schemas.microsoft.com/office/powerpoint/2010/main" val="2820401135"/>
       </p:ext>
     </p:extLst>
   </p:cSld>
@@ -12964,9 +13354,12 @@
           <a:p>
             <a:r>
               <a:rPr lang="en-US" dirty="0"/>
-              <a:t>null</a:t>
-            </a:r>
-            <a:endParaRPr lang="en-IL" dirty="0"/>
+              <a:t>H</a:t>
+            </a:r>
+            <a:r>
+              <a:rPr lang="en-IL" dirty="0"/>
+              <a:t>ow to debug</a:t>
+            </a:r>
           </a:p>
         </p:txBody>
       </p:sp>
@@ -12991,14 +13384,21 @@
           <a:bodyPr/>
           <a:lstStyle/>
           <a:p>
-            <a:endParaRPr lang="en-IL" dirty="0"/>
+            <a:r>
+              <a:rPr lang="en-US" dirty="0"/>
+              <a:t>O</a:t>
+            </a:r>
+            <a:r>
+              <a:rPr lang="en-IL" dirty="0"/>
+              <a:t>pen with live server and click debug URL and pass the live server url</a:t>
+            </a:r>
           </a:p>
         </p:txBody>
       </p:sp>
     </p:spTree>
     <p:extLst>
       <p:ext uri="{BB962C8B-B14F-4D97-AF65-F5344CB8AC3E}">
-        <p14:creationId xmlns:p14="http://schemas.microsoft.com/office/powerpoint/2010/main" val="19068855"/>
+        <p14:creationId xmlns:p14="http://schemas.microsoft.com/office/powerpoint/2010/main" val="3205621748"/>
       </p:ext>
     </p:extLst>
   </p:cSld>
@@ -13048,6 +13448,90 @@
           <a:p>
             <a:r>
               <a:rPr lang="en-US" dirty="0"/>
+              <a:t>null</a:t>
+            </a:r>
+            <a:endParaRPr lang="en-IL" dirty="0"/>
+          </a:p>
+        </p:txBody>
+      </p:sp>
+      <p:sp>
+        <p:nvSpPr>
+          <p:cNvPr id="3" name="Content Placeholder 2">
+            <a:extLst>
+              <a:ext uri="{FF2B5EF4-FFF2-40B4-BE49-F238E27FC236}">
+                <a16:creationId xmlns:a16="http://schemas.microsoft.com/office/drawing/2014/main" id="{9E1452CB-98D6-1B37-1A1A-09846D986C9A}"/>
+              </a:ext>
+            </a:extLst>
+          </p:cNvPr>
+          <p:cNvSpPr>
+            <a:spLocks noGrp="1"/>
+          </p:cNvSpPr>
+          <p:nvPr>
+            <p:ph idx="1"/>
+          </p:nvPr>
+        </p:nvSpPr>
+        <p:spPr/>
+        <p:txBody>
+          <a:bodyPr/>
+          <a:lstStyle/>
+          <a:p>
+            <a:endParaRPr lang="en-IL" dirty="0"/>
+          </a:p>
+        </p:txBody>
+      </p:sp>
+    </p:spTree>
+    <p:extLst>
+      <p:ext uri="{BB962C8B-B14F-4D97-AF65-F5344CB8AC3E}">
+        <p14:creationId xmlns:p14="http://schemas.microsoft.com/office/powerpoint/2010/main" val="19068855"/>
+      </p:ext>
+    </p:extLst>
+  </p:cSld>
+  <p:clrMapOvr>
+    <a:masterClrMapping/>
+  </p:clrMapOvr>
+</p:sld>
+</file>
+
+<file path=ppt/slides/slide32.xml><?xml version="1.0" encoding="utf-8"?>
+<p:sld xmlns:a="http://schemas.openxmlformats.org/drawingml/2006/main" xmlns:r="http://schemas.openxmlformats.org/officeDocument/2006/relationships" xmlns:p="http://schemas.openxmlformats.org/presentationml/2006/main">
+  <p:cSld>
+    <p:spTree>
+      <p:nvGrpSpPr>
+        <p:cNvPr id="1" name=""/>
+        <p:cNvGrpSpPr/>
+        <p:nvPr/>
+      </p:nvGrpSpPr>
+      <p:grpSpPr>
+        <a:xfrm>
+          <a:off x="0" y="0"/>
+          <a:ext cx="0" cy="0"/>
+          <a:chOff x="0" y="0"/>
+          <a:chExt cx="0" cy="0"/>
+        </a:xfrm>
+      </p:grpSpPr>
+      <p:sp>
+        <p:nvSpPr>
+          <p:cNvPr id="2" name="Title 1">
+            <a:extLst>
+              <a:ext uri="{FF2B5EF4-FFF2-40B4-BE49-F238E27FC236}">
+                <a16:creationId xmlns:a16="http://schemas.microsoft.com/office/drawing/2014/main" id="{BA37130A-CB88-D552-A76D-B5E121477943}"/>
+              </a:ext>
+            </a:extLst>
+          </p:cNvPr>
+          <p:cNvSpPr>
+            <a:spLocks noGrp="1"/>
+          </p:cNvSpPr>
+          <p:nvPr>
+            <p:ph type="title"/>
+          </p:nvPr>
+        </p:nvSpPr>
+        <p:spPr/>
+        <p:txBody>
+          <a:bodyPr/>
+          <a:lstStyle/>
+          <a:p>
+            <a:r>
+              <a:rPr lang="en-US" dirty="0"/>
               <a:t>undefined</a:t>
             </a:r>
             <a:endParaRPr lang="en-IL" dirty="0"/>
@@ -13127,7 +13611,7 @@
 </p:sld>
 </file>
 
-<file path=ppt/slides/slide32.xml><?xml version="1.0" encoding="utf-8"?>
+<file path=ppt/slides/slide33.xml><?xml version="1.0" encoding="utf-8"?>
 <p:sld xmlns:a="http://schemas.openxmlformats.org/drawingml/2006/main" xmlns:r="http://schemas.openxmlformats.org/officeDocument/2006/relationships" xmlns:p="http://schemas.openxmlformats.org/presentationml/2006/main">
   <p:cSld>
     <p:bg>
@@ -13303,7 +13787,7 @@
 </p:sld>
 </file>
 
-<file path=ppt/slides/slide33.xml><?xml version="1.0" encoding="utf-8"?>
+<file path=ppt/slides/slide34.xml><?xml version="1.0" encoding="utf-8"?>
 <p:sld xmlns:a="http://schemas.openxmlformats.org/drawingml/2006/main" xmlns:r="http://schemas.openxmlformats.org/officeDocument/2006/relationships" xmlns:p="http://schemas.openxmlformats.org/presentationml/2006/main">
   <p:cSld>
     <p:spTree>
@@ -13419,7 +13903,7 @@
 </p:sld>
 </file>
 
-<file path=ppt/slides/slide34.xml><?xml version="1.0" encoding="utf-8"?>
+<file path=ppt/slides/slide35.xml><?xml version="1.0" encoding="utf-8"?>
 <p:sld xmlns:a="http://schemas.openxmlformats.org/drawingml/2006/main" xmlns:r="http://schemas.openxmlformats.org/officeDocument/2006/relationships" xmlns:p="http://schemas.openxmlformats.org/presentationml/2006/main">
   <p:cSld>
     <p:bg>
@@ -13595,7 +14079,7 @@
 </p:sld>
 </file>
 
-<file path=ppt/slides/slide35.xml><?xml version="1.0" encoding="utf-8"?>
+<file path=ppt/slides/slide36.xml><?xml version="1.0" encoding="utf-8"?>
 <p:sld xmlns:a="http://schemas.openxmlformats.org/drawingml/2006/main" xmlns:r="http://schemas.openxmlformats.org/officeDocument/2006/relationships" xmlns:p="http://schemas.openxmlformats.org/presentationml/2006/main">
   <p:cSld>
     <p:spTree>
@@ -13689,7 +14173,7 @@
 </p:sld>
 </file>
 
-<file path=ppt/slides/slide36.xml><?xml version="1.0" encoding="utf-8"?>
+<file path=ppt/slides/slide37.xml><?xml version="1.0" encoding="utf-8"?>
 <p:sld xmlns:a="http://schemas.openxmlformats.org/drawingml/2006/main" xmlns:r="http://schemas.openxmlformats.org/officeDocument/2006/relationships" xmlns:p="http://schemas.openxmlformats.org/presentationml/2006/main">
   <p:cSld>
     <p:bg>
@@ -13869,7 +14353,7 @@
 </p:sld>
 </file>
 
-<file path=ppt/slides/slide37.xml><?xml version="1.0" encoding="utf-8"?>
+<file path=ppt/slides/slide38.xml><?xml version="1.0" encoding="utf-8"?>
 <p:sld xmlns:a="http://schemas.openxmlformats.org/drawingml/2006/main" xmlns:r="http://schemas.openxmlformats.org/officeDocument/2006/relationships" xmlns:p="http://schemas.openxmlformats.org/presentationml/2006/main">
   <p:cSld>
     <p:bg>
@@ -14327,7 +14811,7 @@
 </p:sld>
 </file>
 
-<file path=ppt/slides/slide38.xml><?xml version="1.0" encoding="utf-8"?>
+<file path=ppt/slides/slide39.xml><?xml version="1.0" encoding="utf-8"?>
 <p:sld xmlns:a="http://schemas.openxmlformats.org/drawingml/2006/main" xmlns:r="http://schemas.openxmlformats.org/officeDocument/2006/relationships" xmlns:p="http://schemas.openxmlformats.org/presentationml/2006/main">
   <p:cSld>
     <p:bg>
@@ -15134,208 +15618,6 @@
 </p:sld>
 </file>
 
-<file path=ppt/slides/slide39.xml><?xml version="1.0" encoding="utf-8"?>
-<p:sld xmlns:a="http://schemas.openxmlformats.org/drawingml/2006/main" xmlns:r="http://schemas.openxmlformats.org/officeDocument/2006/relationships" xmlns:p="http://schemas.openxmlformats.org/presentationml/2006/main">
-  <p:cSld>
-    <p:bg>
-      <p:bgPr>
-        <a:solidFill>
-          <a:schemeClr val="bg1"/>
-        </a:solidFill>
-        <a:effectLst/>
-      </p:bgPr>
-    </p:bg>
-    <p:spTree>
-      <p:nvGrpSpPr>
-        <p:cNvPr id="1" name=""/>
-        <p:cNvGrpSpPr/>
-        <p:nvPr/>
-      </p:nvGrpSpPr>
-      <p:grpSpPr>
-        <a:xfrm>
-          <a:off x="0" y="0"/>
-          <a:ext cx="0" cy="0"/>
-          <a:chOff x="0" y="0"/>
-          <a:chExt cx="0" cy="0"/>
-        </a:xfrm>
-      </p:grpSpPr>
-      <p:sp useBgFill="1">
-        <p:nvSpPr>
-          <p:cNvPr id="11" name="Rectangle 10">
-            <a:extLst>
-              <a:ext uri="{FF2B5EF4-FFF2-40B4-BE49-F238E27FC236}">
-                <a16:creationId xmlns:a16="http://schemas.microsoft.com/office/drawing/2014/main" id="{1A95671B-3CC6-4792-9114-B74FAEA224E6}"/>
-              </a:ext>
-              <a:ext uri="{C183D7F6-B498-43B3-948B-1728B52AA6E4}">
-                <adec:decorative xmlns:adec="http://schemas.microsoft.com/office/drawing/2017/decorative" val="1"/>
-              </a:ext>
-            </a:extLst>
-          </p:cNvPr>
-          <p:cNvSpPr>
-            <a:spLocks noGrp="1" noRot="1" noChangeAspect="1" noMove="1" noResize="1" noEditPoints="1" noAdjustHandles="1" noChangeArrowheads="1" noChangeShapeType="1" noTextEdit="1"/>
-          </p:cNvSpPr>
-          <p:nvPr>
-            <p:extLst>
-              <p:ext uri="{386F3935-93C4-4BCD-93E2-E3B085C9AB24}">
-                <p16:designElem xmlns:p16="http://schemas.microsoft.com/office/powerpoint/2015/main" val="1"/>
-              </p:ext>
-            </p:extLst>
-          </p:nvPr>
-        </p:nvSpPr>
-        <p:spPr>
-          <a:xfrm>
-            <a:off x="0" y="0"/>
-            <a:ext cx="12188952" cy="6858000"/>
-          </a:xfrm>
-          <a:prstGeom prst="rect">
-            <a:avLst/>
-          </a:prstGeom>
-          <a:ln>
-            <a:noFill/>
-          </a:ln>
-        </p:spPr>
-        <p:style>
-          <a:lnRef idx="2">
-            <a:schemeClr val="accent1">
-              <a:shade val="50000"/>
-            </a:schemeClr>
-          </a:lnRef>
-          <a:fillRef idx="1">
-            <a:schemeClr val="accent1"/>
-          </a:fillRef>
-          <a:effectRef idx="0">
-            <a:schemeClr val="accent1"/>
-          </a:effectRef>
-          <a:fontRef idx="minor">
-            <a:schemeClr val="lt1"/>
-          </a:fontRef>
-        </p:style>
-        <p:txBody>
-          <a:bodyPr rtlCol="0" anchor="ctr"/>
-          <a:lstStyle/>
-          <a:p>
-            <a:pPr algn="ctr"/>
-            <a:endParaRPr lang="en-US"/>
-          </a:p>
-        </p:txBody>
-      </p:sp>
-      <p:sp>
-        <p:nvSpPr>
-          <p:cNvPr id="2" name="Title 1">
-            <a:extLst>
-              <a:ext uri="{FF2B5EF4-FFF2-40B4-BE49-F238E27FC236}">
-                <a16:creationId xmlns:a16="http://schemas.microsoft.com/office/drawing/2014/main" id="{8EE58434-BB56-12E1-BB77-134348D54983}"/>
-              </a:ext>
-            </a:extLst>
-          </p:cNvPr>
-          <p:cNvSpPr>
-            <a:spLocks noGrp="1"/>
-          </p:cNvSpPr>
-          <p:nvPr>
-            <p:ph type="title"/>
-          </p:nvPr>
-        </p:nvSpPr>
-        <p:spPr>
-          <a:xfrm>
-            <a:off x="1008184" y="174032"/>
-            <a:ext cx="10175631" cy="1111843"/>
-          </a:xfrm>
-        </p:spPr>
-        <p:txBody>
-          <a:bodyPr anchor="ctr">
-            <a:normAutofit/>
-          </a:bodyPr>
-          <a:lstStyle/>
-          <a:p>
-            <a:pPr algn="ctr"/>
-            <a:r>
-              <a:rPr lang="en-US" sz="4000"/>
-              <a:t>spread operator </a:t>
-            </a:r>
-            <a:endParaRPr lang="en-IL" sz="4000"/>
-          </a:p>
-        </p:txBody>
-      </p:sp>
-      <p:sp>
-        <p:nvSpPr>
-          <p:cNvPr id="3" name="Content Placeholder 2">
-            <a:extLst>
-              <a:ext uri="{FF2B5EF4-FFF2-40B4-BE49-F238E27FC236}">
-                <a16:creationId xmlns:a16="http://schemas.microsoft.com/office/drawing/2014/main" id="{0D6A3D7D-EB09-2A4C-2618-29E3B2771135}"/>
-              </a:ext>
-            </a:extLst>
-          </p:cNvPr>
-          <p:cNvSpPr>
-            <a:spLocks noGrp="1"/>
-          </p:cNvSpPr>
-          <p:nvPr>
-            <p:ph idx="1"/>
-          </p:nvPr>
-        </p:nvSpPr>
-        <p:spPr>
-          <a:xfrm>
-            <a:off x="1008184" y="1459907"/>
-            <a:ext cx="10175630" cy="767904"/>
-          </a:xfrm>
-        </p:spPr>
-        <p:txBody>
-          <a:bodyPr anchor="ctr">
-            <a:normAutofit/>
-          </a:bodyPr>
-          <a:lstStyle/>
-          <a:p>
-            <a:pPr algn="ctr"/>
-            <a:r>
-              <a:rPr lang="en-US" sz="1700"/>
-              <a:t>n JavaScript and TypeScript, the spread operator (...) is a powerful feature that allows you to spread the contents of an iterable object (such as an array or an object) into another iterable object or function call.</a:t>
-            </a:r>
-            <a:endParaRPr lang="en-IL" sz="1700"/>
-          </a:p>
-        </p:txBody>
-      </p:sp>
-      <p:pic>
-        <p:nvPicPr>
-          <p:cNvPr id="6" name="Picture 5">
-            <a:extLst>
-              <a:ext uri="{FF2B5EF4-FFF2-40B4-BE49-F238E27FC236}">
-                <a16:creationId xmlns:a16="http://schemas.microsoft.com/office/drawing/2014/main" id="{AE2CA67F-AF6F-8CF4-CDD1-8FF56BA62D1F}"/>
-              </a:ext>
-            </a:extLst>
-          </p:cNvPr>
-          <p:cNvPicPr>
-            <a:picLocks noChangeAspect="1"/>
-          </p:cNvPicPr>
-          <p:nvPr/>
-        </p:nvPicPr>
-        <p:blipFill>
-          <a:blip/>
-          <a:stretch>
-            <a:fillRect/>
-          </a:stretch>
-        </p:blipFill>
-        <p:spPr>
-          <a:xfrm>
-            <a:off x="2595738" y="2405149"/>
-            <a:ext cx="6994426" cy="3899393"/>
-          </a:xfrm>
-          <a:prstGeom prst="rect">
-            <a:avLst/>
-          </a:prstGeom>
-        </p:spPr>
-      </p:pic>
-    </p:spTree>
-    <p:extLst>
-      <p:ext uri="{BB962C8B-B14F-4D97-AF65-F5344CB8AC3E}">
-        <p14:creationId xmlns:p14="http://schemas.microsoft.com/office/powerpoint/2010/main" val="589505658"/>
-      </p:ext>
-    </p:extLst>
-  </p:cSld>
-  <p:clrMapOvr>
-    <a:masterClrMapping/>
-  </p:clrMapOvr>
-</p:sld>
-</file>
-
 <file path=ppt/slides/slide4.xml><?xml version="1.0" encoding="utf-8"?>
 <p:sld xmlns:a="http://schemas.openxmlformats.org/drawingml/2006/main" xmlns:r="http://schemas.openxmlformats.org/officeDocument/2006/relationships" xmlns:p="http://schemas.openxmlformats.org/presentationml/2006/main">
   <p:cSld>
@@ -15658,6 +15940,208 @@
 </file>
 
 <file path=ppt/slides/slide40.xml><?xml version="1.0" encoding="utf-8"?>
+<p:sld xmlns:a="http://schemas.openxmlformats.org/drawingml/2006/main" xmlns:r="http://schemas.openxmlformats.org/officeDocument/2006/relationships" xmlns:p="http://schemas.openxmlformats.org/presentationml/2006/main">
+  <p:cSld>
+    <p:bg>
+      <p:bgPr>
+        <a:solidFill>
+          <a:schemeClr val="bg1"/>
+        </a:solidFill>
+        <a:effectLst/>
+      </p:bgPr>
+    </p:bg>
+    <p:spTree>
+      <p:nvGrpSpPr>
+        <p:cNvPr id="1" name=""/>
+        <p:cNvGrpSpPr/>
+        <p:nvPr/>
+      </p:nvGrpSpPr>
+      <p:grpSpPr>
+        <a:xfrm>
+          <a:off x="0" y="0"/>
+          <a:ext cx="0" cy="0"/>
+          <a:chOff x="0" y="0"/>
+          <a:chExt cx="0" cy="0"/>
+        </a:xfrm>
+      </p:grpSpPr>
+      <p:sp useBgFill="1">
+        <p:nvSpPr>
+          <p:cNvPr id="11" name="Rectangle 10">
+            <a:extLst>
+              <a:ext uri="{FF2B5EF4-FFF2-40B4-BE49-F238E27FC236}">
+                <a16:creationId xmlns:a16="http://schemas.microsoft.com/office/drawing/2014/main" id="{1A95671B-3CC6-4792-9114-B74FAEA224E6}"/>
+              </a:ext>
+              <a:ext uri="{C183D7F6-B498-43B3-948B-1728B52AA6E4}">
+                <adec:decorative xmlns:adec="http://schemas.microsoft.com/office/drawing/2017/decorative" val="1"/>
+              </a:ext>
+            </a:extLst>
+          </p:cNvPr>
+          <p:cNvSpPr>
+            <a:spLocks noGrp="1" noRot="1" noChangeAspect="1" noMove="1" noResize="1" noEditPoints="1" noAdjustHandles="1" noChangeArrowheads="1" noChangeShapeType="1" noTextEdit="1"/>
+          </p:cNvSpPr>
+          <p:nvPr>
+            <p:extLst>
+              <p:ext uri="{386F3935-93C4-4BCD-93E2-E3B085C9AB24}">
+                <p16:designElem xmlns:p16="http://schemas.microsoft.com/office/powerpoint/2015/main" val="1"/>
+              </p:ext>
+            </p:extLst>
+          </p:nvPr>
+        </p:nvSpPr>
+        <p:spPr>
+          <a:xfrm>
+            <a:off x="0" y="0"/>
+            <a:ext cx="12188952" cy="6858000"/>
+          </a:xfrm>
+          <a:prstGeom prst="rect">
+            <a:avLst/>
+          </a:prstGeom>
+          <a:ln>
+            <a:noFill/>
+          </a:ln>
+        </p:spPr>
+        <p:style>
+          <a:lnRef idx="2">
+            <a:schemeClr val="accent1">
+              <a:shade val="50000"/>
+            </a:schemeClr>
+          </a:lnRef>
+          <a:fillRef idx="1">
+            <a:schemeClr val="accent1"/>
+          </a:fillRef>
+          <a:effectRef idx="0">
+            <a:schemeClr val="accent1"/>
+          </a:effectRef>
+          <a:fontRef idx="minor">
+            <a:schemeClr val="lt1"/>
+          </a:fontRef>
+        </p:style>
+        <p:txBody>
+          <a:bodyPr rtlCol="0" anchor="ctr"/>
+          <a:lstStyle/>
+          <a:p>
+            <a:pPr algn="ctr"/>
+            <a:endParaRPr lang="en-US"/>
+          </a:p>
+        </p:txBody>
+      </p:sp>
+      <p:sp>
+        <p:nvSpPr>
+          <p:cNvPr id="2" name="Title 1">
+            <a:extLst>
+              <a:ext uri="{FF2B5EF4-FFF2-40B4-BE49-F238E27FC236}">
+                <a16:creationId xmlns:a16="http://schemas.microsoft.com/office/drawing/2014/main" id="{8EE58434-BB56-12E1-BB77-134348D54983}"/>
+              </a:ext>
+            </a:extLst>
+          </p:cNvPr>
+          <p:cNvSpPr>
+            <a:spLocks noGrp="1"/>
+          </p:cNvSpPr>
+          <p:nvPr>
+            <p:ph type="title"/>
+          </p:nvPr>
+        </p:nvSpPr>
+        <p:spPr>
+          <a:xfrm>
+            <a:off x="1008184" y="174032"/>
+            <a:ext cx="10175631" cy="1111843"/>
+          </a:xfrm>
+        </p:spPr>
+        <p:txBody>
+          <a:bodyPr anchor="ctr">
+            <a:normAutofit/>
+          </a:bodyPr>
+          <a:lstStyle/>
+          <a:p>
+            <a:pPr algn="ctr"/>
+            <a:r>
+              <a:rPr lang="en-US" sz="4000"/>
+              <a:t>spread operator </a:t>
+            </a:r>
+            <a:endParaRPr lang="en-IL" sz="4000"/>
+          </a:p>
+        </p:txBody>
+      </p:sp>
+      <p:sp>
+        <p:nvSpPr>
+          <p:cNvPr id="3" name="Content Placeholder 2">
+            <a:extLst>
+              <a:ext uri="{FF2B5EF4-FFF2-40B4-BE49-F238E27FC236}">
+                <a16:creationId xmlns:a16="http://schemas.microsoft.com/office/drawing/2014/main" id="{0D6A3D7D-EB09-2A4C-2618-29E3B2771135}"/>
+              </a:ext>
+            </a:extLst>
+          </p:cNvPr>
+          <p:cNvSpPr>
+            <a:spLocks noGrp="1"/>
+          </p:cNvSpPr>
+          <p:nvPr>
+            <p:ph idx="1"/>
+          </p:nvPr>
+        </p:nvSpPr>
+        <p:spPr>
+          <a:xfrm>
+            <a:off x="1008184" y="1459907"/>
+            <a:ext cx="10175630" cy="767904"/>
+          </a:xfrm>
+        </p:spPr>
+        <p:txBody>
+          <a:bodyPr anchor="ctr">
+            <a:normAutofit/>
+          </a:bodyPr>
+          <a:lstStyle/>
+          <a:p>
+            <a:pPr algn="ctr"/>
+            <a:r>
+              <a:rPr lang="en-US" sz="1700"/>
+              <a:t>n JavaScript and TypeScript, the spread operator (...) is a powerful feature that allows you to spread the contents of an iterable object (such as an array or an object) into another iterable object or function call.</a:t>
+            </a:r>
+            <a:endParaRPr lang="en-IL" sz="1700"/>
+          </a:p>
+        </p:txBody>
+      </p:sp>
+      <p:pic>
+        <p:nvPicPr>
+          <p:cNvPr id="6" name="Picture 5">
+            <a:extLst>
+              <a:ext uri="{FF2B5EF4-FFF2-40B4-BE49-F238E27FC236}">
+                <a16:creationId xmlns:a16="http://schemas.microsoft.com/office/drawing/2014/main" id="{AE2CA67F-AF6F-8CF4-CDD1-8FF56BA62D1F}"/>
+              </a:ext>
+            </a:extLst>
+          </p:cNvPr>
+          <p:cNvPicPr>
+            <a:picLocks noChangeAspect="1"/>
+          </p:cNvPicPr>
+          <p:nvPr/>
+        </p:nvPicPr>
+        <p:blipFill>
+          <a:blip/>
+          <a:stretch>
+            <a:fillRect/>
+          </a:stretch>
+        </p:blipFill>
+        <p:spPr>
+          <a:xfrm>
+            <a:off x="2595738" y="2405149"/>
+            <a:ext cx="6994426" cy="3899393"/>
+          </a:xfrm>
+          <a:prstGeom prst="rect">
+            <a:avLst/>
+          </a:prstGeom>
+        </p:spPr>
+      </p:pic>
+    </p:spTree>
+    <p:extLst>
+      <p:ext uri="{BB962C8B-B14F-4D97-AF65-F5344CB8AC3E}">
+        <p14:creationId xmlns:p14="http://schemas.microsoft.com/office/powerpoint/2010/main" val="589505658"/>
+      </p:ext>
+    </p:extLst>
+  </p:cSld>
+  <p:clrMapOvr>
+    <a:masterClrMapping/>
+  </p:clrMapOvr>
+</p:sld>
+</file>
+
+<file path=ppt/slides/slide41.xml><?xml version="1.0" encoding="utf-8"?>
 <p:sld xmlns:a="http://schemas.openxmlformats.org/drawingml/2006/main" xmlns:r="http://schemas.openxmlformats.org/officeDocument/2006/relationships" xmlns:p="http://schemas.openxmlformats.org/presentationml/2006/main">
   <p:cSld>
     <p:bg>
@@ -16472,7 +16956,7 @@
 </p:sld>
 </file>
 
-<file path=ppt/slides/slide41.xml><?xml version="1.0" encoding="utf-8"?>
+<file path=ppt/slides/slide42.xml><?xml version="1.0" encoding="utf-8"?>
 <p:sld xmlns:a="http://schemas.openxmlformats.org/drawingml/2006/main" xmlns:r="http://schemas.openxmlformats.org/officeDocument/2006/relationships" xmlns:p="http://schemas.openxmlformats.org/presentationml/2006/main">
   <p:cSld>
     <p:bg>
@@ -19143,7 +19627,7 @@
 </p:sld>
 </file>
 
-<file path=ppt/slides/slide42.xml><?xml version="1.0" encoding="utf-8"?>
+<file path=ppt/slides/slide43.xml><?xml version="1.0" encoding="utf-8"?>
 <p:sld xmlns:a="http://schemas.openxmlformats.org/drawingml/2006/main" xmlns:r="http://schemas.openxmlformats.org/officeDocument/2006/relationships" xmlns:p="http://schemas.openxmlformats.org/presentationml/2006/main">
   <p:cSld>
     <p:spTree>
@@ -19259,7 +19743,7 @@
 </p:sld>
 </file>
 
-<file path=ppt/slides/slide43.xml><?xml version="1.0" encoding="utf-8"?>
+<file path=ppt/slides/slide44.xml><?xml version="1.0" encoding="utf-8"?>
 <p:sld xmlns:a="http://schemas.openxmlformats.org/drawingml/2006/main" xmlns:r="http://schemas.openxmlformats.org/officeDocument/2006/relationships" xmlns:p="http://schemas.openxmlformats.org/presentationml/2006/main">
   <p:cSld>
     <p:bg>
@@ -21929,7 +22413,7 @@
 </p:sld>
 </file>
 
-<file path=ppt/slides/slide44.xml><?xml version="1.0" encoding="utf-8"?>
+<file path=ppt/slides/slide45.xml><?xml version="1.0" encoding="utf-8"?>
 <p:sld xmlns:a="http://schemas.openxmlformats.org/drawingml/2006/main" xmlns:r="http://schemas.openxmlformats.org/officeDocument/2006/relationships" xmlns:p="http://schemas.openxmlformats.org/presentationml/2006/main">
   <p:cSld>
     <p:bg>
@@ -22109,7 +22593,7 @@
 </p:sld>
 </file>
 
-<file path=ppt/slides/slide45.xml><?xml version="1.0" encoding="utf-8"?>
+<file path=ppt/slides/slide46.xml><?xml version="1.0" encoding="utf-8"?>
 <p:sld xmlns:a="http://schemas.openxmlformats.org/drawingml/2006/main" xmlns:r="http://schemas.openxmlformats.org/officeDocument/2006/relationships" xmlns:p="http://schemas.openxmlformats.org/presentationml/2006/main">
   <p:cSld>
     <p:bg>
@@ -22328,7 +22812,7 @@
 </p:sld>
 </file>
 
-<file path=ppt/slides/slide46.xml><?xml version="1.0" encoding="utf-8"?>
+<file path=ppt/slides/slide47.xml><?xml version="1.0" encoding="utf-8"?>
 <p:sld xmlns:a="http://schemas.openxmlformats.org/drawingml/2006/main" xmlns:r="http://schemas.openxmlformats.org/officeDocument/2006/relationships" xmlns:p="http://schemas.openxmlformats.org/presentationml/2006/main">
   <p:cSld>
     <p:spTree>
@@ -22446,7 +22930,7 @@
 </p:sld>
 </file>
 
-<file path=ppt/slides/slide47.xml><?xml version="1.0" encoding="utf-8"?>
+<file path=ppt/slides/slide48.xml><?xml version="1.0" encoding="utf-8"?>
 <p:sld xmlns:a="http://schemas.openxmlformats.org/drawingml/2006/main" xmlns:r="http://schemas.openxmlformats.org/officeDocument/2006/relationships" xmlns:p="http://schemas.openxmlformats.org/presentationml/2006/main">
   <p:cSld>
     <p:bg>
@@ -22854,7 +23338,7 @@
 </p:sld>
 </file>
 
-<file path=ppt/slides/slide48.xml><?xml version="1.0" encoding="utf-8"?>
+<file path=ppt/slides/slide49.xml><?xml version="1.0" encoding="utf-8"?>
 <p:sld xmlns:a="http://schemas.openxmlformats.org/drawingml/2006/main" xmlns:r="http://schemas.openxmlformats.org/officeDocument/2006/relationships" xmlns:p="http://schemas.openxmlformats.org/presentationml/2006/main">
   <p:cSld>
     <p:bg>
@@ -23258,97 +23742,6 @@
 </p:sld>
 </file>
 
-<file path=ppt/slides/slide49.xml><?xml version="1.0" encoding="utf-8"?>
-<p:sld xmlns:a="http://schemas.openxmlformats.org/drawingml/2006/main" xmlns:r="http://schemas.openxmlformats.org/officeDocument/2006/relationships" xmlns:p="http://schemas.openxmlformats.org/presentationml/2006/main">
-  <p:cSld>
-    <p:spTree>
-      <p:nvGrpSpPr>
-        <p:cNvPr id="1" name=""/>
-        <p:cNvGrpSpPr/>
-        <p:nvPr/>
-      </p:nvGrpSpPr>
-      <p:grpSpPr>
-        <a:xfrm>
-          <a:off x="0" y="0"/>
-          <a:ext cx="0" cy="0"/>
-          <a:chOff x="0" y="0"/>
-          <a:chExt cx="0" cy="0"/>
-        </a:xfrm>
-      </p:grpSpPr>
-      <p:sp>
-        <p:nvSpPr>
-          <p:cNvPr id="2" name="Title 1">
-            <a:extLst>
-              <a:ext uri="{FF2B5EF4-FFF2-40B4-BE49-F238E27FC236}">
-                <a16:creationId xmlns:a16="http://schemas.microsoft.com/office/drawing/2014/main" id="{D9A2725F-9EC8-CCD4-8494-3DCD1F48EE7F}"/>
-              </a:ext>
-            </a:extLst>
-          </p:cNvPr>
-          <p:cNvSpPr>
-            <a:spLocks noGrp="1"/>
-          </p:cNvSpPr>
-          <p:nvPr>
-            <p:ph type="title"/>
-          </p:nvPr>
-        </p:nvSpPr>
-        <p:spPr/>
-        <p:txBody>
-          <a:bodyPr/>
-          <a:lstStyle/>
-          <a:p>
-            <a:r>
-              <a:rPr lang="en-US" dirty="0"/>
-              <a:t>P</a:t>
-            </a:r>
-            <a:r>
-              <a:rPr lang="en-IL" dirty="0"/>
-              <a:t>ass interface to function</a:t>
-            </a:r>
-          </a:p>
-        </p:txBody>
-      </p:sp>
-      <p:pic>
-        <p:nvPicPr>
-          <p:cNvPr id="7" name="Content Placeholder 6" descr="A screenshot of a computer&#10;&#10;Description automatically generated with medium confidence">
-            <a:extLst>
-              <a:ext uri="{FF2B5EF4-FFF2-40B4-BE49-F238E27FC236}">
-                <a16:creationId xmlns:a16="http://schemas.microsoft.com/office/drawing/2014/main" id="{5DCFDC17-F035-9031-5DBD-B2A323C2AA5A}"/>
-              </a:ext>
-            </a:extLst>
-          </p:cNvPr>
-          <p:cNvPicPr>
-            <a:picLocks noGrp="1" noChangeAspect="1"/>
-          </p:cNvPicPr>
-          <p:nvPr>
-            <p:ph idx="1"/>
-          </p:nvPr>
-        </p:nvPicPr>
-        <p:blipFill>
-          <a:blip/>
-          <a:stretch>
-            <a:fillRect/>
-          </a:stretch>
-        </p:blipFill>
-        <p:spPr>
-          <a:xfrm>
-            <a:off x="2127250" y="2045494"/>
-            <a:ext cx="7937500" cy="3911600"/>
-          </a:xfrm>
-        </p:spPr>
-      </p:pic>
-    </p:spTree>
-    <p:extLst>
-      <p:ext uri="{BB962C8B-B14F-4D97-AF65-F5344CB8AC3E}">
-        <p14:creationId xmlns:p14="http://schemas.microsoft.com/office/powerpoint/2010/main" val="2119998076"/>
-      </p:ext>
-    </p:extLst>
-  </p:cSld>
-  <p:clrMapOvr>
-    <a:masterClrMapping/>
-  </p:clrMapOvr>
-</p:sld>
-</file>
-
 <file path=ppt/slides/slide5.xml><?xml version="1.0" encoding="utf-8"?>
 <p:sld xmlns:a="http://schemas.openxmlformats.org/drawingml/2006/main" xmlns:r="http://schemas.openxmlformats.org/officeDocument/2006/relationships" xmlns:p="http://schemas.openxmlformats.org/presentationml/2006/main">
   <p:cSld>
@@ -23903,6 +24296,97 @@
 <file path=ppt/slides/slide50.xml><?xml version="1.0" encoding="utf-8"?>
 <p:sld xmlns:a="http://schemas.openxmlformats.org/drawingml/2006/main" xmlns:r="http://schemas.openxmlformats.org/officeDocument/2006/relationships" xmlns:p="http://schemas.openxmlformats.org/presentationml/2006/main">
   <p:cSld>
+    <p:spTree>
+      <p:nvGrpSpPr>
+        <p:cNvPr id="1" name=""/>
+        <p:cNvGrpSpPr/>
+        <p:nvPr/>
+      </p:nvGrpSpPr>
+      <p:grpSpPr>
+        <a:xfrm>
+          <a:off x="0" y="0"/>
+          <a:ext cx="0" cy="0"/>
+          <a:chOff x="0" y="0"/>
+          <a:chExt cx="0" cy="0"/>
+        </a:xfrm>
+      </p:grpSpPr>
+      <p:sp>
+        <p:nvSpPr>
+          <p:cNvPr id="2" name="Title 1">
+            <a:extLst>
+              <a:ext uri="{FF2B5EF4-FFF2-40B4-BE49-F238E27FC236}">
+                <a16:creationId xmlns:a16="http://schemas.microsoft.com/office/drawing/2014/main" id="{D9A2725F-9EC8-CCD4-8494-3DCD1F48EE7F}"/>
+              </a:ext>
+            </a:extLst>
+          </p:cNvPr>
+          <p:cNvSpPr>
+            <a:spLocks noGrp="1"/>
+          </p:cNvSpPr>
+          <p:nvPr>
+            <p:ph type="title"/>
+          </p:nvPr>
+        </p:nvSpPr>
+        <p:spPr/>
+        <p:txBody>
+          <a:bodyPr/>
+          <a:lstStyle/>
+          <a:p>
+            <a:r>
+              <a:rPr lang="en-US" dirty="0"/>
+              <a:t>P</a:t>
+            </a:r>
+            <a:r>
+              <a:rPr lang="en-IL" dirty="0"/>
+              <a:t>ass interface to function</a:t>
+            </a:r>
+          </a:p>
+        </p:txBody>
+      </p:sp>
+      <p:pic>
+        <p:nvPicPr>
+          <p:cNvPr id="7" name="Content Placeholder 6" descr="A screenshot of a computer&#10;&#10;Description automatically generated with medium confidence">
+            <a:extLst>
+              <a:ext uri="{FF2B5EF4-FFF2-40B4-BE49-F238E27FC236}">
+                <a16:creationId xmlns:a16="http://schemas.microsoft.com/office/drawing/2014/main" id="{5DCFDC17-F035-9031-5DBD-B2A323C2AA5A}"/>
+              </a:ext>
+            </a:extLst>
+          </p:cNvPr>
+          <p:cNvPicPr>
+            <a:picLocks noGrp="1" noChangeAspect="1"/>
+          </p:cNvPicPr>
+          <p:nvPr>
+            <p:ph idx="1"/>
+          </p:nvPr>
+        </p:nvPicPr>
+        <p:blipFill>
+          <a:blip/>
+          <a:stretch>
+            <a:fillRect/>
+          </a:stretch>
+        </p:blipFill>
+        <p:spPr>
+          <a:xfrm>
+            <a:off x="2127250" y="2045494"/>
+            <a:ext cx="7937500" cy="3911600"/>
+          </a:xfrm>
+        </p:spPr>
+      </p:pic>
+    </p:spTree>
+    <p:extLst>
+      <p:ext uri="{BB962C8B-B14F-4D97-AF65-F5344CB8AC3E}">
+        <p14:creationId xmlns:p14="http://schemas.microsoft.com/office/powerpoint/2010/main" val="2119998076"/>
+      </p:ext>
+    </p:extLst>
+  </p:cSld>
+  <p:clrMapOvr>
+    <a:masterClrMapping/>
+  </p:clrMapOvr>
+</p:sld>
+</file>
+
+<file path=ppt/slides/slide51.xml><?xml version="1.0" encoding="utf-8"?>
+<p:sld xmlns:a="http://schemas.openxmlformats.org/drawingml/2006/main" xmlns:r="http://schemas.openxmlformats.org/officeDocument/2006/relationships" xmlns:p="http://schemas.openxmlformats.org/presentationml/2006/main">
+  <p:cSld>
     <p:bg>
       <p:bgPr>
         <a:solidFill>
@@ -24387,7 +24871,7 @@
 </p:sld>
 </file>
 
-<file path=ppt/slides/slide51.xml><?xml version="1.0" encoding="utf-8"?>
+<file path=ppt/slides/slide52.xml><?xml version="1.0" encoding="utf-8"?>
 <p:sld xmlns:a="http://schemas.openxmlformats.org/drawingml/2006/main" xmlns:r="http://schemas.openxmlformats.org/officeDocument/2006/relationships" xmlns:p="http://schemas.openxmlformats.org/presentationml/2006/main">
   <p:cSld>
     <p:spTree>
@@ -24483,7 +24967,7 @@
 </p:sld>
 </file>
 
-<file path=ppt/slides/slide52.xml><?xml version="1.0" encoding="utf-8"?>
+<file path=ppt/slides/slide53.xml><?xml version="1.0" encoding="utf-8"?>
 <p:sld xmlns:a="http://schemas.openxmlformats.org/drawingml/2006/main" xmlns:r="http://schemas.openxmlformats.org/officeDocument/2006/relationships" xmlns:p="http://schemas.openxmlformats.org/presentationml/2006/main">
   <p:cSld>
     <p:bg>
@@ -24879,7 +25363,7 @@
 </p:sld>
 </file>
 
-<file path=ppt/slides/slide53.xml><?xml version="1.0" encoding="utf-8"?>
+<file path=ppt/slides/slide54.xml><?xml version="1.0" encoding="utf-8"?>
 <p:sld xmlns:a="http://schemas.openxmlformats.org/drawingml/2006/main" xmlns:r="http://schemas.openxmlformats.org/officeDocument/2006/relationships" xmlns:p="http://schemas.openxmlformats.org/presentationml/2006/main">
   <p:cSld>
     <p:spTree>
@@ -24959,7 +25443,7 @@
 </p:sld>
 </file>
 
-<file path=ppt/slides/slide54.xml><?xml version="1.0" encoding="utf-8"?>
+<file path=ppt/slides/slide55.xml><?xml version="1.0" encoding="utf-8"?>
 <p:sld xmlns:a="http://schemas.openxmlformats.org/drawingml/2006/main" xmlns:r="http://schemas.openxmlformats.org/officeDocument/2006/relationships" xmlns:p="http://schemas.openxmlformats.org/presentationml/2006/main">
   <p:cSld>
     <p:spTree>
@@ -25050,7 +25534,7 @@
 </p:sld>
 </file>
 
-<file path=ppt/slides/slide55.xml><?xml version="1.0" encoding="utf-8"?>
+<file path=ppt/slides/slide56.xml><?xml version="1.0" encoding="utf-8"?>
 <p:sld xmlns:a="http://schemas.openxmlformats.org/drawingml/2006/main" xmlns:r="http://schemas.openxmlformats.org/officeDocument/2006/relationships" xmlns:p="http://schemas.openxmlformats.org/presentationml/2006/main">
   <p:cSld>
     <p:bg>
@@ -25469,7 +25953,7 @@
 </p:sld>
 </file>
 
-<file path=ppt/slides/slide56.xml><?xml version="1.0" encoding="utf-8"?>
+<file path=ppt/slides/slide57.xml><?xml version="1.0" encoding="utf-8"?>
 <p:sld xmlns:a="http://schemas.openxmlformats.org/drawingml/2006/main" xmlns:r="http://schemas.openxmlformats.org/officeDocument/2006/relationships" xmlns:p="http://schemas.openxmlformats.org/presentationml/2006/main">
   <p:cSld>
     <p:bg>
@@ -25985,7 +26469,7 @@
 </p:sld>
 </file>
 
-<file path=ppt/slides/slide57.xml><?xml version="1.0" encoding="utf-8"?>
+<file path=ppt/slides/slide58.xml><?xml version="1.0" encoding="utf-8"?>
 <p:sld xmlns:a="http://schemas.openxmlformats.org/drawingml/2006/main" xmlns:r="http://schemas.openxmlformats.org/officeDocument/2006/relationships" xmlns:p="http://schemas.openxmlformats.org/presentationml/2006/main">
   <p:cSld>
     <p:spTree>
@@ -26065,7 +26549,7 @@
 </p:sld>
 </file>
 
-<file path=ppt/slides/slide58.xml><?xml version="1.0" encoding="utf-8"?>
+<file path=ppt/slides/slide59.xml><?xml version="1.0" encoding="utf-8"?>
 <p:sld xmlns:a="http://schemas.openxmlformats.org/drawingml/2006/main" xmlns:r="http://schemas.openxmlformats.org/officeDocument/2006/relationships" xmlns:p="http://schemas.openxmlformats.org/presentationml/2006/main">
   <p:cSld>
     <p:bg>
@@ -26452,442 +26936,6 @@
     <p:extLst>
       <p:ext uri="{BB962C8B-B14F-4D97-AF65-F5344CB8AC3E}">
         <p14:creationId xmlns:p14="http://schemas.microsoft.com/office/powerpoint/2010/main" val="1881149466"/>
-      </p:ext>
-    </p:extLst>
-  </p:cSld>
-  <p:clrMapOvr>
-    <a:masterClrMapping/>
-  </p:clrMapOvr>
-</p:sld>
-</file>
-
-<file path=ppt/slides/slide59.xml><?xml version="1.0" encoding="utf-8"?>
-<p:sld xmlns:a="http://schemas.openxmlformats.org/drawingml/2006/main" xmlns:r="http://schemas.openxmlformats.org/officeDocument/2006/relationships" xmlns:p="http://schemas.openxmlformats.org/presentationml/2006/main">
-  <p:cSld>
-    <p:bg>
-      <p:bgPr>
-        <a:solidFill>
-          <a:schemeClr val="bg1"/>
-        </a:solidFill>
-        <a:effectLst/>
-      </p:bgPr>
-    </p:bg>
-    <p:spTree>
-      <p:nvGrpSpPr>
-        <p:cNvPr id="1" name=""/>
-        <p:cNvGrpSpPr/>
-        <p:nvPr/>
-      </p:nvGrpSpPr>
-      <p:grpSpPr>
-        <a:xfrm>
-          <a:off x="0" y="0"/>
-          <a:ext cx="0" cy="0"/>
-          <a:chOff x="0" y="0"/>
-          <a:chExt cx="0" cy="0"/>
-        </a:xfrm>
-      </p:grpSpPr>
-      <p:sp useBgFill="1">
-        <p:nvSpPr>
-          <p:cNvPr id="10" name="Rectangle 9">
-            <a:extLst>
-              <a:ext uri="{FF2B5EF4-FFF2-40B4-BE49-F238E27FC236}">
-                <a16:creationId xmlns:a16="http://schemas.microsoft.com/office/drawing/2014/main" id="{2550BE34-C2B8-49B8-8519-67A8CAD51AE9}"/>
-              </a:ext>
-              <a:ext uri="{C183D7F6-B498-43B3-948B-1728B52AA6E4}">
-                <adec:decorative xmlns:adec="http://schemas.microsoft.com/office/drawing/2017/decorative" val="1"/>
-              </a:ext>
-            </a:extLst>
-          </p:cNvPr>
-          <p:cNvSpPr>
-            <a:spLocks noGrp="1" noRot="1" noChangeAspect="1" noMove="1" noResize="1" noEditPoints="1" noAdjustHandles="1" noChangeArrowheads="1" noChangeShapeType="1" noTextEdit="1"/>
-          </p:cNvSpPr>
-          <p:nvPr>
-            <p:extLst>
-              <p:ext uri="{386F3935-93C4-4BCD-93E2-E3B085C9AB24}">
-                <p16:designElem xmlns:p16="http://schemas.microsoft.com/office/powerpoint/2015/main" val="1"/>
-              </p:ext>
-            </p:extLst>
-          </p:nvPr>
-        </p:nvSpPr>
-        <p:spPr>
-          <a:xfrm>
-            <a:off x="0" y="0"/>
-            <a:ext cx="12192000" cy="6858000"/>
-          </a:xfrm>
-          <a:prstGeom prst="rect">
-            <a:avLst/>
-          </a:prstGeom>
-          <a:ln>
-            <a:noFill/>
-          </a:ln>
-        </p:spPr>
-        <p:style>
-          <a:lnRef idx="2">
-            <a:schemeClr val="accent1">
-              <a:shade val="50000"/>
-            </a:schemeClr>
-          </a:lnRef>
-          <a:fillRef idx="1">
-            <a:schemeClr val="accent1"/>
-          </a:fillRef>
-          <a:effectRef idx="0">
-            <a:schemeClr val="accent1"/>
-          </a:effectRef>
-          <a:fontRef idx="minor">
-            <a:schemeClr val="lt1"/>
-          </a:fontRef>
-        </p:style>
-        <p:txBody>
-          <a:bodyPr rtlCol="0" anchor="ctr"/>
-          <a:lstStyle/>
-          <a:p>
-            <a:pPr algn="ctr"/>
-            <a:endParaRPr lang="en-US"/>
-          </a:p>
-        </p:txBody>
-      </p:sp>
-      <p:sp useBgFill="1">
-        <p:nvSpPr>
-          <p:cNvPr id="12" name="Rectangle 11">
-            <a:extLst>
-              <a:ext uri="{FF2B5EF4-FFF2-40B4-BE49-F238E27FC236}">
-                <a16:creationId xmlns:a16="http://schemas.microsoft.com/office/drawing/2014/main" id="{A7457DD9-5A45-400A-AB4B-4B4EDECA25F1}"/>
-              </a:ext>
-              <a:ext uri="{C183D7F6-B498-43B3-948B-1728B52AA6E4}">
-                <adec:decorative xmlns:adec="http://schemas.microsoft.com/office/drawing/2017/decorative" val="1"/>
-              </a:ext>
-            </a:extLst>
-          </p:cNvPr>
-          <p:cNvSpPr>
-            <a:spLocks noGrp="1" noRot="1" noChangeAspect="1" noMove="1" noResize="1" noEditPoints="1" noAdjustHandles="1" noChangeArrowheads="1" noChangeShapeType="1" noTextEdit="1"/>
-          </p:cNvSpPr>
-          <p:nvPr>
-            <p:extLst>
-              <p:ext uri="{386F3935-93C4-4BCD-93E2-E3B085C9AB24}">
-                <p16:designElem xmlns:p16="http://schemas.microsoft.com/office/powerpoint/2015/main" val="1"/>
-              </p:ext>
-            </p:extLst>
-          </p:nvPr>
-        </p:nvSpPr>
-        <p:spPr>
-          <a:xfrm>
-            <a:off x="554416" y="365125"/>
-            <a:ext cx="11167447" cy="2089317"/>
-          </a:xfrm>
-          <a:prstGeom prst="rect">
-            <a:avLst/>
-          </a:prstGeom>
-          <a:ln w="12700">
-            <a:solidFill>
-              <a:srgbClr val="DEDEDE"/>
-            </a:solidFill>
-          </a:ln>
-          <a:effectLst>
-            <a:outerShdw blurRad="50800" dist="38100" dir="2700000" algn="tl" rotWithShape="0">
-              <a:schemeClr val="bg2">
-                <a:lumMod val="85000"/>
-                <a:alpha val="50000"/>
-              </a:schemeClr>
-            </a:outerShdw>
-          </a:effectLst>
-        </p:spPr>
-        <p:style>
-          <a:lnRef idx="2">
-            <a:schemeClr val="accent1">
-              <a:shade val="50000"/>
-            </a:schemeClr>
-          </a:lnRef>
-          <a:fillRef idx="1">
-            <a:schemeClr val="accent1"/>
-          </a:fillRef>
-          <a:effectRef idx="0">
-            <a:schemeClr val="accent1"/>
-          </a:effectRef>
-          <a:fontRef idx="minor">
-            <a:schemeClr val="lt1"/>
-          </a:fontRef>
-        </p:style>
-        <p:txBody>
-          <a:bodyPr rtlCol="0" anchor="ctr"/>
-          <a:lstStyle/>
-          <a:p>
-            <a:pPr marL="0" marR="0" lvl="0" indent="0" algn="ctr" defTabSz="914400" rtl="0" eaLnBrk="1" fontAlgn="auto" latinLnBrk="0" hangingPunct="1">
-              <a:lnSpc>
-                <a:spcPct val="100000"/>
-              </a:lnSpc>
-              <a:spcBef>
-                <a:spcPts val="0"/>
-              </a:spcBef>
-              <a:spcAft>
-                <a:spcPts val="0"/>
-              </a:spcAft>
-              <a:buClrTx/>
-              <a:buSzTx/>
-              <a:buFontTx/>
-              <a:buNone/>
-              <a:tabLst/>
-              <a:defRPr/>
-            </a:pPr>
-            <a:endParaRPr kumimoji="0" lang="en-US" sz="1800" b="0" i="0" u="none" strike="noStrike" kern="1200" cap="none" spc="0" normalizeH="0" baseline="0" noProof="0">
-              <a:ln>
-                <a:noFill/>
-              </a:ln>
-              <a:solidFill>
-                <a:prstClr val="white"/>
-              </a:solidFill>
-              <a:effectLst/>
-              <a:uLnTx/>
-              <a:uFillTx/>
-              <a:latin typeface="Calibri" panose="020F0502020204030204"/>
-              <a:ea typeface="+mn-ea"/>
-              <a:cs typeface="+mn-cs"/>
-            </a:endParaRPr>
-          </a:p>
-        </p:txBody>
-      </p:sp>
-      <p:sp>
-        <p:nvSpPr>
-          <p:cNvPr id="2" name="Title 1">
-            <a:extLst>
-              <a:ext uri="{FF2B5EF4-FFF2-40B4-BE49-F238E27FC236}">
-                <a16:creationId xmlns:a16="http://schemas.microsoft.com/office/drawing/2014/main" id="{BA37130A-CB88-D552-A76D-B5E121477943}"/>
-              </a:ext>
-            </a:extLst>
-          </p:cNvPr>
-          <p:cNvSpPr>
-            <a:spLocks noGrp="1"/>
-          </p:cNvSpPr>
-          <p:nvPr>
-            <p:ph type="title"/>
-          </p:nvPr>
-        </p:nvSpPr>
-        <p:spPr>
-          <a:xfrm>
-            <a:off x="1046746" y="586822"/>
-            <a:ext cx="3560252" cy="1645920"/>
-          </a:xfrm>
-        </p:spPr>
-        <p:txBody>
-          <a:bodyPr>
-            <a:normAutofit/>
-          </a:bodyPr>
-          <a:lstStyle/>
-          <a:p>
-            <a:r>
-              <a:rPr lang="en-US" sz="3200"/>
-              <a:t>setTimeout</a:t>
-            </a:r>
-            <a:endParaRPr lang="en-IL" sz="3200"/>
-          </a:p>
-        </p:txBody>
-      </p:sp>
-      <p:sp>
-        <p:nvSpPr>
-          <p:cNvPr id="14" name="Rectangle 13">
-            <a:extLst>
-              <a:ext uri="{FF2B5EF4-FFF2-40B4-BE49-F238E27FC236}">
-                <a16:creationId xmlns:a16="http://schemas.microsoft.com/office/drawing/2014/main" id="{441CF7D6-A660-431A-B0BB-140A0D5556B6}"/>
-              </a:ext>
-              <a:ext uri="{C183D7F6-B498-43B3-948B-1728B52AA6E4}">
-                <adec:decorative xmlns:adec="http://schemas.microsoft.com/office/drawing/2017/decorative" val="1"/>
-              </a:ext>
-            </a:extLst>
-          </p:cNvPr>
-          <p:cNvSpPr>
-            <a:spLocks noGrp="1" noRot="1" noChangeAspect="1" noMove="1" noResize="1" noEditPoints="1" noAdjustHandles="1" noChangeArrowheads="1" noChangeShapeType="1" noTextEdit="1"/>
-          </p:cNvSpPr>
-          <p:nvPr>
-            <p:extLst>
-              <p:ext uri="{386F3935-93C4-4BCD-93E2-E3B085C9AB24}">
-                <p16:designElem xmlns:p16="http://schemas.microsoft.com/office/powerpoint/2015/main" val="1"/>
-              </p:ext>
-            </p:extLst>
-          </p:nvPr>
-        </p:nvSpPr>
-        <p:spPr>
-          <a:xfrm>
-            <a:off x="490408" y="1057739"/>
-            <a:ext cx="128016" cy="704088"/>
-          </a:xfrm>
-          <a:prstGeom prst="rect">
-            <a:avLst/>
-          </a:prstGeom>
-          <a:solidFill>
-            <a:schemeClr val="accent2"/>
-          </a:solidFill>
-          <a:ln>
-            <a:noFill/>
-          </a:ln>
-        </p:spPr>
-        <p:style>
-          <a:lnRef idx="2">
-            <a:schemeClr val="accent1">
-              <a:shade val="50000"/>
-            </a:schemeClr>
-          </a:lnRef>
-          <a:fillRef idx="1">
-            <a:schemeClr val="accent1"/>
-          </a:fillRef>
-          <a:effectRef idx="0">
-            <a:schemeClr val="accent1"/>
-          </a:effectRef>
-          <a:fontRef idx="minor">
-            <a:schemeClr val="lt1"/>
-          </a:fontRef>
-        </p:style>
-        <p:txBody>
-          <a:bodyPr rtlCol="0" anchor="ctr"/>
-          <a:lstStyle/>
-          <a:p>
-            <a:pPr algn="ctr"/>
-            <a:endParaRPr lang="en-US" dirty="0">
-              <a:solidFill>
-                <a:prstClr val="white"/>
-              </a:solidFill>
-              <a:latin typeface="Calibri" panose="020F0502020204030204"/>
-            </a:endParaRPr>
-          </a:p>
-        </p:txBody>
-      </p:sp>
-      <p:sp>
-        <p:nvSpPr>
-          <p:cNvPr id="16" name="Rectangle 15">
-            <a:extLst>
-              <a:ext uri="{FF2B5EF4-FFF2-40B4-BE49-F238E27FC236}">
-                <a16:creationId xmlns:a16="http://schemas.microsoft.com/office/drawing/2014/main" id="{0570A85B-3810-4F95-97B0-CBF4CCDB381C}"/>
-              </a:ext>
-              <a:ext uri="{C183D7F6-B498-43B3-948B-1728B52AA6E4}">
-                <adec:decorative xmlns:adec="http://schemas.microsoft.com/office/drawing/2017/decorative" val="1"/>
-              </a:ext>
-            </a:extLst>
-          </p:cNvPr>
-          <p:cNvSpPr>
-            <a:spLocks noGrp="1" noRot="1" noChangeAspect="1" noMove="1" noResize="1" noEditPoints="1" noAdjustHandles="1" noChangeArrowheads="1" noChangeShapeType="1" noTextEdit="1"/>
-          </p:cNvSpPr>
-          <p:nvPr>
-            <p:extLst>
-              <p:ext uri="{386F3935-93C4-4BCD-93E2-E3B085C9AB24}">
-                <p16:designElem xmlns:p16="http://schemas.microsoft.com/office/powerpoint/2015/main" val="1"/>
-              </p:ext>
-            </p:extLst>
-          </p:nvPr>
-        </p:nvSpPr>
-        <p:spPr>
-          <a:xfrm rot="5400000">
-            <a:off x="4243541" y="1400638"/>
-            <a:ext cx="1463040" cy="18288"/>
-          </a:xfrm>
-          <a:prstGeom prst="rect">
-            <a:avLst/>
-          </a:prstGeom>
-          <a:solidFill>
-            <a:srgbClr val="D5D5D5"/>
-          </a:solidFill>
-          <a:ln w="3175">
-            <a:noFill/>
-          </a:ln>
-          <a:effectLst/>
-        </p:spPr>
-        <p:style>
-          <a:lnRef idx="2">
-            <a:schemeClr val="accent1">
-              <a:shade val="50000"/>
-            </a:schemeClr>
-          </a:lnRef>
-          <a:fillRef idx="1">
-            <a:schemeClr val="accent1"/>
-          </a:fillRef>
-          <a:effectRef idx="0">
-            <a:schemeClr val="accent1"/>
-          </a:effectRef>
-          <a:fontRef idx="minor">
-            <a:schemeClr val="lt1"/>
-          </a:fontRef>
-        </p:style>
-        <p:txBody>
-          <a:bodyPr rtlCol="0" anchor="ctr"/>
-          <a:lstStyle/>
-          <a:p>
-            <a:pPr algn="ctr"/>
-            <a:endParaRPr lang="en-US">
-              <a:solidFill>
-                <a:prstClr val="white"/>
-              </a:solidFill>
-              <a:latin typeface="Calibri" panose="020F0502020204030204"/>
-            </a:endParaRPr>
-          </a:p>
-        </p:txBody>
-      </p:sp>
-      <p:sp>
-        <p:nvSpPr>
-          <p:cNvPr id="3" name="Content Placeholder 2">
-            <a:extLst>
-              <a:ext uri="{FF2B5EF4-FFF2-40B4-BE49-F238E27FC236}">
-                <a16:creationId xmlns:a16="http://schemas.microsoft.com/office/drawing/2014/main" id="{9E1452CB-98D6-1B37-1A1A-09846D986C9A}"/>
-              </a:ext>
-            </a:extLst>
-          </p:cNvPr>
-          <p:cNvSpPr>
-            <a:spLocks noGrp="1"/>
-          </p:cNvSpPr>
-          <p:nvPr>
-            <p:ph idx="1"/>
-          </p:nvPr>
-        </p:nvSpPr>
-        <p:spPr>
-          <a:xfrm>
-            <a:off x="5351164" y="586822"/>
-            <a:ext cx="6002636" cy="1645920"/>
-          </a:xfrm>
-        </p:spPr>
-        <p:txBody>
-          <a:bodyPr anchor="ctr">
-            <a:normAutofit/>
-          </a:bodyPr>
-          <a:lstStyle/>
-          <a:p>
-            <a:r>
-              <a:rPr lang="en-US" sz="1800"/>
-              <a:t>setTimeout is a built-in function in JavaScript that allows you to schedule a function to be executed after a specified amount of time has elapsed. This is useful in situations where you want to delay the execution of a function, or when you want to run a function repeatedly at a fixed interval.</a:t>
-            </a:r>
-            <a:endParaRPr lang="en-IL" sz="1800"/>
-          </a:p>
-        </p:txBody>
-      </p:sp>
-      <p:pic>
-        <p:nvPicPr>
-          <p:cNvPr id="5" name="Picture 4" descr="Text&#10;&#10;Description automatically generated">
-            <a:extLst>
-              <a:ext uri="{FF2B5EF4-FFF2-40B4-BE49-F238E27FC236}">
-                <a16:creationId xmlns:a16="http://schemas.microsoft.com/office/drawing/2014/main" id="{5CC5EBDE-3909-DFAB-1288-23928972E836}"/>
-              </a:ext>
-            </a:extLst>
-          </p:cNvPr>
-          <p:cNvPicPr>
-            <a:picLocks noChangeAspect="1"/>
-          </p:cNvPicPr>
-          <p:nvPr/>
-        </p:nvPicPr>
-        <p:blipFill>
-          <a:blip/>
-          <a:stretch>
-            <a:fillRect/>
-          </a:stretch>
-        </p:blipFill>
-        <p:spPr>
-          <a:xfrm>
-            <a:off x="557784" y="3052473"/>
-            <a:ext cx="11164824" cy="2847029"/>
-          </a:xfrm>
-          <a:prstGeom prst="rect">
-            <a:avLst/>
-          </a:prstGeom>
-        </p:spPr>
-      </p:pic>
-    </p:spTree>
-    <p:extLst>
-      <p:ext uri="{BB962C8B-B14F-4D97-AF65-F5344CB8AC3E}">
-        <p14:creationId xmlns:p14="http://schemas.microsoft.com/office/powerpoint/2010/main" val="179925188"/>
       </p:ext>
     </p:extLst>
   </p:cSld>
@@ -27417,7 +27465,7 @@
           <a:p>
             <a:r>
               <a:rPr lang="en-US" sz="3200"/>
-              <a:t>setInterval</a:t>
+              <a:t>setTimeout</a:t>
             </a:r>
             <a:endParaRPr lang="en-IL" sz="3200"/>
           </a:p>
@@ -27590,7 +27638,7 @@
           <a:p>
             <a:r>
               <a:rPr lang="en-US" sz="1800"/>
-              <a:t>setInterval is a built-in function in JavaScript that allows you to schedule a function to be executed repeatedly at a fixed interval. This is useful in situations where you want to run a function on a regular basis, such as updating the time or animation frames.</a:t>
+              <a:t>setTimeout is a built-in function in JavaScript that allows you to schedule a function to be executed after a specified amount of time has elapsed. This is useful in situations where you want to delay the execution of a function, or when you want to run a function repeatedly at a fixed interval.</a:t>
             </a:r>
             <a:endParaRPr lang="en-IL" sz="1800"/>
           </a:p>
@@ -27598,10 +27646,10 @@
       </p:sp>
       <p:pic>
         <p:nvPicPr>
-          <p:cNvPr id="5" name="Picture 4" descr="Text&#10;&#10;Description automatically generated with medium confidence">
-            <a:extLst>
-              <a:ext uri="{FF2B5EF4-FFF2-40B4-BE49-F238E27FC236}">
-                <a16:creationId xmlns:a16="http://schemas.microsoft.com/office/drawing/2014/main" id="{56240CE0-0710-403C-B5C1-B0A6C1DF3B21}"/>
+          <p:cNvPr id="5" name="Picture 4" descr="Text&#10;&#10;Description automatically generated">
+            <a:extLst>
+              <a:ext uri="{FF2B5EF4-FFF2-40B4-BE49-F238E27FC236}">
+                <a16:creationId xmlns:a16="http://schemas.microsoft.com/office/drawing/2014/main" id="{5CC5EBDE-3909-DFAB-1288-23928972E836}"/>
               </a:ext>
             </a:extLst>
           </p:cNvPr>
@@ -27618,8 +27666,8 @@
         </p:blipFill>
         <p:spPr>
           <a:xfrm>
-            <a:off x="557784" y="2898956"/>
-            <a:ext cx="11164824" cy="3154063"/>
+            <a:off x="557784" y="3052473"/>
+            <a:ext cx="11164824" cy="2847029"/>
           </a:xfrm>
           <a:prstGeom prst="rect">
             <a:avLst/>
@@ -27629,7 +27677,7 @@
     </p:spTree>
     <p:extLst>
       <p:ext uri="{BB962C8B-B14F-4D97-AF65-F5344CB8AC3E}">
-        <p14:creationId xmlns:p14="http://schemas.microsoft.com/office/powerpoint/2010/main" val="2920738823"/>
+        <p14:creationId xmlns:p14="http://schemas.microsoft.com/office/powerpoint/2010/main" val="179925188"/>
       </p:ext>
     </p:extLst>
   </p:cSld>
@@ -27669,6 +27717,442 @@
           <p:cNvPr id="10" name="Rectangle 9">
             <a:extLst>
               <a:ext uri="{FF2B5EF4-FFF2-40B4-BE49-F238E27FC236}">
+                <a16:creationId xmlns:a16="http://schemas.microsoft.com/office/drawing/2014/main" id="{2550BE34-C2B8-49B8-8519-67A8CAD51AE9}"/>
+              </a:ext>
+              <a:ext uri="{C183D7F6-B498-43B3-948B-1728B52AA6E4}">
+                <adec:decorative xmlns:adec="http://schemas.microsoft.com/office/drawing/2017/decorative" val="1"/>
+              </a:ext>
+            </a:extLst>
+          </p:cNvPr>
+          <p:cNvSpPr>
+            <a:spLocks noGrp="1" noRot="1" noChangeAspect="1" noMove="1" noResize="1" noEditPoints="1" noAdjustHandles="1" noChangeArrowheads="1" noChangeShapeType="1" noTextEdit="1"/>
+          </p:cNvSpPr>
+          <p:nvPr>
+            <p:extLst>
+              <p:ext uri="{386F3935-93C4-4BCD-93E2-E3B085C9AB24}">
+                <p16:designElem xmlns:p16="http://schemas.microsoft.com/office/powerpoint/2015/main" val="1"/>
+              </p:ext>
+            </p:extLst>
+          </p:nvPr>
+        </p:nvSpPr>
+        <p:spPr>
+          <a:xfrm>
+            <a:off x="0" y="0"/>
+            <a:ext cx="12192000" cy="6858000"/>
+          </a:xfrm>
+          <a:prstGeom prst="rect">
+            <a:avLst/>
+          </a:prstGeom>
+          <a:ln>
+            <a:noFill/>
+          </a:ln>
+        </p:spPr>
+        <p:style>
+          <a:lnRef idx="2">
+            <a:schemeClr val="accent1">
+              <a:shade val="50000"/>
+            </a:schemeClr>
+          </a:lnRef>
+          <a:fillRef idx="1">
+            <a:schemeClr val="accent1"/>
+          </a:fillRef>
+          <a:effectRef idx="0">
+            <a:schemeClr val="accent1"/>
+          </a:effectRef>
+          <a:fontRef idx="minor">
+            <a:schemeClr val="lt1"/>
+          </a:fontRef>
+        </p:style>
+        <p:txBody>
+          <a:bodyPr rtlCol="0" anchor="ctr"/>
+          <a:lstStyle/>
+          <a:p>
+            <a:pPr algn="ctr"/>
+            <a:endParaRPr lang="en-US"/>
+          </a:p>
+        </p:txBody>
+      </p:sp>
+      <p:sp useBgFill="1">
+        <p:nvSpPr>
+          <p:cNvPr id="12" name="Rectangle 11">
+            <a:extLst>
+              <a:ext uri="{FF2B5EF4-FFF2-40B4-BE49-F238E27FC236}">
+                <a16:creationId xmlns:a16="http://schemas.microsoft.com/office/drawing/2014/main" id="{A7457DD9-5A45-400A-AB4B-4B4EDECA25F1}"/>
+              </a:ext>
+              <a:ext uri="{C183D7F6-B498-43B3-948B-1728B52AA6E4}">
+                <adec:decorative xmlns:adec="http://schemas.microsoft.com/office/drawing/2017/decorative" val="1"/>
+              </a:ext>
+            </a:extLst>
+          </p:cNvPr>
+          <p:cNvSpPr>
+            <a:spLocks noGrp="1" noRot="1" noChangeAspect="1" noMove="1" noResize="1" noEditPoints="1" noAdjustHandles="1" noChangeArrowheads="1" noChangeShapeType="1" noTextEdit="1"/>
+          </p:cNvSpPr>
+          <p:nvPr>
+            <p:extLst>
+              <p:ext uri="{386F3935-93C4-4BCD-93E2-E3B085C9AB24}">
+                <p16:designElem xmlns:p16="http://schemas.microsoft.com/office/powerpoint/2015/main" val="1"/>
+              </p:ext>
+            </p:extLst>
+          </p:nvPr>
+        </p:nvSpPr>
+        <p:spPr>
+          <a:xfrm>
+            <a:off x="554416" y="365125"/>
+            <a:ext cx="11167447" cy="2089317"/>
+          </a:xfrm>
+          <a:prstGeom prst="rect">
+            <a:avLst/>
+          </a:prstGeom>
+          <a:ln w="12700">
+            <a:solidFill>
+              <a:srgbClr val="DEDEDE"/>
+            </a:solidFill>
+          </a:ln>
+          <a:effectLst>
+            <a:outerShdw blurRad="50800" dist="38100" dir="2700000" algn="tl" rotWithShape="0">
+              <a:schemeClr val="bg2">
+                <a:lumMod val="85000"/>
+                <a:alpha val="50000"/>
+              </a:schemeClr>
+            </a:outerShdw>
+          </a:effectLst>
+        </p:spPr>
+        <p:style>
+          <a:lnRef idx="2">
+            <a:schemeClr val="accent1">
+              <a:shade val="50000"/>
+            </a:schemeClr>
+          </a:lnRef>
+          <a:fillRef idx="1">
+            <a:schemeClr val="accent1"/>
+          </a:fillRef>
+          <a:effectRef idx="0">
+            <a:schemeClr val="accent1"/>
+          </a:effectRef>
+          <a:fontRef idx="minor">
+            <a:schemeClr val="lt1"/>
+          </a:fontRef>
+        </p:style>
+        <p:txBody>
+          <a:bodyPr rtlCol="0" anchor="ctr"/>
+          <a:lstStyle/>
+          <a:p>
+            <a:pPr marL="0" marR="0" lvl="0" indent="0" algn="ctr" defTabSz="914400" rtl="0" eaLnBrk="1" fontAlgn="auto" latinLnBrk="0" hangingPunct="1">
+              <a:lnSpc>
+                <a:spcPct val="100000"/>
+              </a:lnSpc>
+              <a:spcBef>
+                <a:spcPts val="0"/>
+              </a:spcBef>
+              <a:spcAft>
+                <a:spcPts val="0"/>
+              </a:spcAft>
+              <a:buClrTx/>
+              <a:buSzTx/>
+              <a:buFontTx/>
+              <a:buNone/>
+              <a:tabLst/>
+              <a:defRPr/>
+            </a:pPr>
+            <a:endParaRPr kumimoji="0" lang="en-US" sz="1800" b="0" i="0" u="none" strike="noStrike" kern="1200" cap="none" spc="0" normalizeH="0" baseline="0" noProof="0">
+              <a:ln>
+                <a:noFill/>
+              </a:ln>
+              <a:solidFill>
+                <a:prstClr val="white"/>
+              </a:solidFill>
+              <a:effectLst/>
+              <a:uLnTx/>
+              <a:uFillTx/>
+              <a:latin typeface="Calibri" panose="020F0502020204030204"/>
+              <a:ea typeface="+mn-ea"/>
+              <a:cs typeface="+mn-cs"/>
+            </a:endParaRPr>
+          </a:p>
+        </p:txBody>
+      </p:sp>
+      <p:sp>
+        <p:nvSpPr>
+          <p:cNvPr id="2" name="Title 1">
+            <a:extLst>
+              <a:ext uri="{FF2B5EF4-FFF2-40B4-BE49-F238E27FC236}">
+                <a16:creationId xmlns:a16="http://schemas.microsoft.com/office/drawing/2014/main" id="{BA37130A-CB88-D552-A76D-B5E121477943}"/>
+              </a:ext>
+            </a:extLst>
+          </p:cNvPr>
+          <p:cNvSpPr>
+            <a:spLocks noGrp="1"/>
+          </p:cNvSpPr>
+          <p:nvPr>
+            <p:ph type="title"/>
+          </p:nvPr>
+        </p:nvSpPr>
+        <p:spPr>
+          <a:xfrm>
+            <a:off x="1046746" y="586822"/>
+            <a:ext cx="3560252" cy="1645920"/>
+          </a:xfrm>
+        </p:spPr>
+        <p:txBody>
+          <a:bodyPr>
+            <a:normAutofit/>
+          </a:bodyPr>
+          <a:lstStyle/>
+          <a:p>
+            <a:r>
+              <a:rPr lang="en-US" sz="3200"/>
+              <a:t>setInterval</a:t>
+            </a:r>
+            <a:endParaRPr lang="en-IL" sz="3200"/>
+          </a:p>
+        </p:txBody>
+      </p:sp>
+      <p:sp>
+        <p:nvSpPr>
+          <p:cNvPr id="14" name="Rectangle 13">
+            <a:extLst>
+              <a:ext uri="{FF2B5EF4-FFF2-40B4-BE49-F238E27FC236}">
+                <a16:creationId xmlns:a16="http://schemas.microsoft.com/office/drawing/2014/main" id="{441CF7D6-A660-431A-B0BB-140A0D5556B6}"/>
+              </a:ext>
+              <a:ext uri="{C183D7F6-B498-43B3-948B-1728B52AA6E4}">
+                <adec:decorative xmlns:adec="http://schemas.microsoft.com/office/drawing/2017/decorative" val="1"/>
+              </a:ext>
+            </a:extLst>
+          </p:cNvPr>
+          <p:cNvSpPr>
+            <a:spLocks noGrp="1" noRot="1" noChangeAspect="1" noMove="1" noResize="1" noEditPoints="1" noAdjustHandles="1" noChangeArrowheads="1" noChangeShapeType="1" noTextEdit="1"/>
+          </p:cNvSpPr>
+          <p:nvPr>
+            <p:extLst>
+              <p:ext uri="{386F3935-93C4-4BCD-93E2-E3B085C9AB24}">
+                <p16:designElem xmlns:p16="http://schemas.microsoft.com/office/powerpoint/2015/main" val="1"/>
+              </p:ext>
+            </p:extLst>
+          </p:nvPr>
+        </p:nvSpPr>
+        <p:spPr>
+          <a:xfrm>
+            <a:off x="490408" y="1057739"/>
+            <a:ext cx="128016" cy="704088"/>
+          </a:xfrm>
+          <a:prstGeom prst="rect">
+            <a:avLst/>
+          </a:prstGeom>
+          <a:solidFill>
+            <a:schemeClr val="accent2"/>
+          </a:solidFill>
+          <a:ln>
+            <a:noFill/>
+          </a:ln>
+        </p:spPr>
+        <p:style>
+          <a:lnRef idx="2">
+            <a:schemeClr val="accent1">
+              <a:shade val="50000"/>
+            </a:schemeClr>
+          </a:lnRef>
+          <a:fillRef idx="1">
+            <a:schemeClr val="accent1"/>
+          </a:fillRef>
+          <a:effectRef idx="0">
+            <a:schemeClr val="accent1"/>
+          </a:effectRef>
+          <a:fontRef idx="minor">
+            <a:schemeClr val="lt1"/>
+          </a:fontRef>
+        </p:style>
+        <p:txBody>
+          <a:bodyPr rtlCol="0" anchor="ctr"/>
+          <a:lstStyle/>
+          <a:p>
+            <a:pPr algn="ctr"/>
+            <a:endParaRPr lang="en-US" dirty="0">
+              <a:solidFill>
+                <a:prstClr val="white"/>
+              </a:solidFill>
+              <a:latin typeface="Calibri" panose="020F0502020204030204"/>
+            </a:endParaRPr>
+          </a:p>
+        </p:txBody>
+      </p:sp>
+      <p:sp>
+        <p:nvSpPr>
+          <p:cNvPr id="16" name="Rectangle 15">
+            <a:extLst>
+              <a:ext uri="{FF2B5EF4-FFF2-40B4-BE49-F238E27FC236}">
+                <a16:creationId xmlns:a16="http://schemas.microsoft.com/office/drawing/2014/main" id="{0570A85B-3810-4F95-97B0-CBF4CCDB381C}"/>
+              </a:ext>
+              <a:ext uri="{C183D7F6-B498-43B3-948B-1728B52AA6E4}">
+                <adec:decorative xmlns:adec="http://schemas.microsoft.com/office/drawing/2017/decorative" val="1"/>
+              </a:ext>
+            </a:extLst>
+          </p:cNvPr>
+          <p:cNvSpPr>
+            <a:spLocks noGrp="1" noRot="1" noChangeAspect="1" noMove="1" noResize="1" noEditPoints="1" noAdjustHandles="1" noChangeArrowheads="1" noChangeShapeType="1" noTextEdit="1"/>
+          </p:cNvSpPr>
+          <p:nvPr>
+            <p:extLst>
+              <p:ext uri="{386F3935-93C4-4BCD-93E2-E3B085C9AB24}">
+                <p16:designElem xmlns:p16="http://schemas.microsoft.com/office/powerpoint/2015/main" val="1"/>
+              </p:ext>
+            </p:extLst>
+          </p:nvPr>
+        </p:nvSpPr>
+        <p:spPr>
+          <a:xfrm rot="5400000">
+            <a:off x="4243541" y="1400638"/>
+            <a:ext cx="1463040" cy="18288"/>
+          </a:xfrm>
+          <a:prstGeom prst="rect">
+            <a:avLst/>
+          </a:prstGeom>
+          <a:solidFill>
+            <a:srgbClr val="D5D5D5"/>
+          </a:solidFill>
+          <a:ln w="3175">
+            <a:noFill/>
+          </a:ln>
+          <a:effectLst/>
+        </p:spPr>
+        <p:style>
+          <a:lnRef idx="2">
+            <a:schemeClr val="accent1">
+              <a:shade val="50000"/>
+            </a:schemeClr>
+          </a:lnRef>
+          <a:fillRef idx="1">
+            <a:schemeClr val="accent1"/>
+          </a:fillRef>
+          <a:effectRef idx="0">
+            <a:schemeClr val="accent1"/>
+          </a:effectRef>
+          <a:fontRef idx="minor">
+            <a:schemeClr val="lt1"/>
+          </a:fontRef>
+        </p:style>
+        <p:txBody>
+          <a:bodyPr rtlCol="0" anchor="ctr"/>
+          <a:lstStyle/>
+          <a:p>
+            <a:pPr algn="ctr"/>
+            <a:endParaRPr lang="en-US">
+              <a:solidFill>
+                <a:prstClr val="white"/>
+              </a:solidFill>
+              <a:latin typeface="Calibri" panose="020F0502020204030204"/>
+            </a:endParaRPr>
+          </a:p>
+        </p:txBody>
+      </p:sp>
+      <p:sp>
+        <p:nvSpPr>
+          <p:cNvPr id="3" name="Content Placeholder 2">
+            <a:extLst>
+              <a:ext uri="{FF2B5EF4-FFF2-40B4-BE49-F238E27FC236}">
+                <a16:creationId xmlns:a16="http://schemas.microsoft.com/office/drawing/2014/main" id="{9E1452CB-98D6-1B37-1A1A-09846D986C9A}"/>
+              </a:ext>
+            </a:extLst>
+          </p:cNvPr>
+          <p:cNvSpPr>
+            <a:spLocks noGrp="1"/>
+          </p:cNvSpPr>
+          <p:nvPr>
+            <p:ph idx="1"/>
+          </p:nvPr>
+        </p:nvSpPr>
+        <p:spPr>
+          <a:xfrm>
+            <a:off x="5351164" y="586822"/>
+            <a:ext cx="6002636" cy="1645920"/>
+          </a:xfrm>
+        </p:spPr>
+        <p:txBody>
+          <a:bodyPr anchor="ctr">
+            <a:normAutofit/>
+          </a:bodyPr>
+          <a:lstStyle/>
+          <a:p>
+            <a:r>
+              <a:rPr lang="en-US" sz="1800"/>
+              <a:t>setInterval is a built-in function in JavaScript that allows you to schedule a function to be executed repeatedly at a fixed interval. This is useful in situations where you want to run a function on a regular basis, such as updating the time or animation frames.</a:t>
+            </a:r>
+            <a:endParaRPr lang="en-IL" sz="1800"/>
+          </a:p>
+        </p:txBody>
+      </p:sp>
+      <p:pic>
+        <p:nvPicPr>
+          <p:cNvPr id="5" name="Picture 4" descr="Text&#10;&#10;Description automatically generated with medium confidence">
+            <a:extLst>
+              <a:ext uri="{FF2B5EF4-FFF2-40B4-BE49-F238E27FC236}">
+                <a16:creationId xmlns:a16="http://schemas.microsoft.com/office/drawing/2014/main" id="{56240CE0-0710-403C-B5C1-B0A6C1DF3B21}"/>
+              </a:ext>
+            </a:extLst>
+          </p:cNvPr>
+          <p:cNvPicPr>
+            <a:picLocks noChangeAspect="1"/>
+          </p:cNvPicPr>
+          <p:nvPr/>
+        </p:nvPicPr>
+        <p:blipFill>
+          <a:blip/>
+          <a:stretch>
+            <a:fillRect/>
+          </a:stretch>
+        </p:blipFill>
+        <p:spPr>
+          <a:xfrm>
+            <a:off x="557784" y="2898956"/>
+            <a:ext cx="11164824" cy="3154063"/>
+          </a:xfrm>
+          <a:prstGeom prst="rect">
+            <a:avLst/>
+          </a:prstGeom>
+        </p:spPr>
+      </p:pic>
+    </p:spTree>
+    <p:extLst>
+      <p:ext uri="{BB962C8B-B14F-4D97-AF65-F5344CB8AC3E}">
+        <p14:creationId xmlns:p14="http://schemas.microsoft.com/office/powerpoint/2010/main" val="2920738823"/>
+      </p:ext>
+    </p:extLst>
+  </p:cSld>
+  <p:clrMapOvr>
+    <a:masterClrMapping/>
+  </p:clrMapOvr>
+</p:sld>
+</file>
+
+<file path=ppt/slides/slide62.xml><?xml version="1.0" encoding="utf-8"?>
+<p:sld xmlns:a="http://schemas.openxmlformats.org/drawingml/2006/main" xmlns:r="http://schemas.openxmlformats.org/officeDocument/2006/relationships" xmlns:p="http://schemas.openxmlformats.org/presentationml/2006/main">
+  <p:cSld>
+    <p:bg>
+      <p:bgPr>
+        <a:solidFill>
+          <a:schemeClr val="bg1"/>
+        </a:solidFill>
+        <a:effectLst/>
+      </p:bgPr>
+    </p:bg>
+    <p:spTree>
+      <p:nvGrpSpPr>
+        <p:cNvPr id="1" name=""/>
+        <p:cNvGrpSpPr/>
+        <p:nvPr/>
+      </p:nvGrpSpPr>
+      <p:grpSpPr>
+        <a:xfrm>
+          <a:off x="0" y="0"/>
+          <a:ext cx="0" cy="0"/>
+          <a:chOff x="0" y="0"/>
+          <a:chExt cx="0" cy="0"/>
+        </a:xfrm>
+      </p:grpSpPr>
+      <p:sp useBgFill="1">
+        <p:nvSpPr>
+          <p:cNvPr id="10" name="Rectangle 9">
+            <a:extLst>
+              <a:ext uri="{FF2B5EF4-FFF2-40B4-BE49-F238E27FC236}">
                 <a16:creationId xmlns:a16="http://schemas.microsoft.com/office/drawing/2014/main" id="{E02239D2-A05D-4A1C-9F06-FBA7FC730E1B}"/>
               </a:ext>
               <a:ext uri="{C183D7F6-B498-43B3-948B-1728B52AA6E4}">
@@ -27873,132 +28357,6 @@
 </p:sld>
 </file>
 
-<file path=ppt/slides/slide62.xml><?xml version="1.0" encoding="utf-8"?>
-<p:sld xmlns:a="http://schemas.openxmlformats.org/drawingml/2006/main" xmlns:r="http://schemas.openxmlformats.org/officeDocument/2006/relationships" xmlns:p="http://schemas.openxmlformats.org/presentationml/2006/main">
-  <p:cSld>
-    <p:spTree>
-      <p:nvGrpSpPr>
-        <p:cNvPr id="1" name=""/>
-        <p:cNvGrpSpPr/>
-        <p:nvPr/>
-      </p:nvGrpSpPr>
-      <p:grpSpPr>
-        <a:xfrm>
-          <a:off x="0" y="0"/>
-          <a:ext cx="0" cy="0"/>
-          <a:chOff x="0" y="0"/>
-          <a:chExt cx="0" cy="0"/>
-        </a:xfrm>
-      </p:grpSpPr>
-      <p:sp>
-        <p:nvSpPr>
-          <p:cNvPr id="2" name="Title 1">
-            <a:extLst>
-              <a:ext uri="{FF2B5EF4-FFF2-40B4-BE49-F238E27FC236}">
-                <a16:creationId xmlns:a16="http://schemas.microsoft.com/office/drawing/2014/main" id="{BA37130A-CB88-D552-A76D-B5E121477943}"/>
-              </a:ext>
-            </a:extLst>
-          </p:cNvPr>
-          <p:cNvSpPr>
-            <a:spLocks noGrp="1"/>
-          </p:cNvSpPr>
-          <p:nvPr>
-            <p:ph type="title"/>
-          </p:nvPr>
-        </p:nvSpPr>
-        <p:spPr/>
-        <p:txBody>
-          <a:bodyPr/>
-          <a:lstStyle/>
-          <a:p>
-            <a:r>
-              <a:rPr lang="en-US" dirty="0"/>
-              <a:t>N</a:t>
-            </a:r>
-            <a:r>
-              <a:rPr lang="en-IL" dirty="0"/>
-              <a:t>ew Promise</a:t>
-            </a:r>
-          </a:p>
-        </p:txBody>
-      </p:sp>
-      <p:sp>
-        <p:nvSpPr>
-          <p:cNvPr id="3" name="Content Placeholder 2">
-            <a:extLst>
-              <a:ext uri="{FF2B5EF4-FFF2-40B4-BE49-F238E27FC236}">
-                <a16:creationId xmlns:a16="http://schemas.microsoft.com/office/drawing/2014/main" id="{9E1452CB-98D6-1B37-1A1A-09846D986C9A}"/>
-              </a:ext>
-            </a:extLst>
-          </p:cNvPr>
-          <p:cNvSpPr>
-            <a:spLocks noGrp="1"/>
-          </p:cNvSpPr>
-          <p:nvPr>
-            <p:ph idx="1"/>
-          </p:nvPr>
-        </p:nvSpPr>
-        <p:spPr/>
-        <p:txBody>
-          <a:bodyPr>
-            <a:normAutofit fontScale="92500" lnSpcReduction="10000"/>
-          </a:bodyPr>
-          <a:lstStyle/>
-          <a:p>
-            <a:pPr algn="l"/>
-            <a:r>
-              <a:rPr lang="en-US" b="0" i="0" dirty="0">
-                <a:effectLst/>
-                <a:latin typeface="Söhne"/>
-              </a:rPr>
-              <a:t>In JavaScript, the Promise constructor is used to create a new Promise object. The Promise object represents the eventual completion (or failure) of an asynchronous operation and its resulting value.</a:t>
-            </a:r>
-          </a:p>
-          <a:p>
-            <a:pPr algn="l"/>
-            <a:r>
-              <a:rPr lang="en-US" b="0" i="0" dirty="0">
-                <a:effectLst/>
-                <a:latin typeface="Söhne"/>
-              </a:rPr>
-              <a:t>When you create a new Promise, you pass in a function that has two arguments: resolve and reject. These are functions that you call when the asynchronous operation is complete, either successfully or with an error.</a:t>
-            </a:r>
-          </a:p>
-          <a:p>
-            <a:pPr algn="l"/>
-            <a:r>
-              <a:rPr lang="en-US" b="0" i="0" dirty="0">
-                <a:effectLst/>
-                <a:latin typeface="Söhne"/>
-              </a:rPr>
-              <a:t>The resolve function is called with the successful result of the asynchronous operation. This result is passed to any attached then handlers that are waiting for the Promise to resolve.</a:t>
-            </a:r>
-          </a:p>
-          <a:p>
-            <a:pPr algn="l"/>
-            <a:r>
-              <a:rPr lang="en-US" b="0" i="0" dirty="0">
-                <a:effectLst/>
-                <a:latin typeface="Söhne"/>
-              </a:rPr>
-              <a:t>The reject function is called with an error object if the asynchronous operation fails. This error object is passed to any attached catch handlers that are waiting for the Promise to reject.</a:t>
-            </a:r>
-          </a:p>
-        </p:txBody>
-      </p:sp>
-    </p:spTree>
-    <p:extLst>
-      <p:ext uri="{BB962C8B-B14F-4D97-AF65-F5344CB8AC3E}">
-        <p14:creationId xmlns:p14="http://schemas.microsoft.com/office/powerpoint/2010/main" val="4022314449"/>
-      </p:ext>
-    </p:extLst>
-  </p:cSld>
-  <p:clrMapOvr>
-    <a:masterClrMapping/>
-  </p:clrMapOvr>
-</p:sld>
-</file>
-
 <file path=ppt/slides/slide63.xml><?xml version="1.0" encoding="utf-8"?>
 <p:sld xmlns:a="http://schemas.openxmlformats.org/drawingml/2006/main" xmlns:r="http://schemas.openxmlformats.org/officeDocument/2006/relationships" xmlns:p="http://schemas.openxmlformats.org/presentationml/2006/main">
   <p:cSld>
@@ -28039,11 +28397,11 @@
           <a:p>
             <a:r>
               <a:rPr lang="en-US" dirty="0"/>
-              <a:t>T</a:t>
+              <a:t>N</a:t>
             </a:r>
             <a:r>
               <a:rPr lang="en-IL" dirty="0"/>
-              <a:t>ry catch</a:t>
+              <a:t>ew Promise</a:t>
             </a:r>
           </a:p>
         </p:txBody>
@@ -28066,27 +28424,56 @@
         </p:nvSpPr>
         <p:spPr/>
         <p:txBody>
-          <a:bodyPr/>
+          <a:bodyPr>
+            <a:normAutofit fontScale="92500" lnSpcReduction="10000"/>
+          </a:bodyPr>
           <a:lstStyle/>
           <a:p>
-            <a:r>
-              <a:rPr lang="en-US" dirty="0"/>
-              <a:t>In TypeScript, you can use the try/catch statement to handle exceptions that may occur during the execution of your code. The try block contains the code that may throw an exception, and the catch block contains the code that handles the exception.</a:t>
-            </a:r>
-          </a:p>
-          <a:p>
-            <a:r>
-              <a:rPr lang="en-US" dirty="0"/>
-              <a:t>Using try/catch in TypeScript allows you to gracefully handle exceptions that may occur during the execution of your code. It can help make your code more resilient and less likely to crash or produce unexpected behavior.</a:t>
-            </a:r>
-            <a:endParaRPr lang="en-IL" dirty="0"/>
+            <a:pPr algn="l"/>
+            <a:r>
+              <a:rPr lang="en-US" b="0" i="0" dirty="0">
+                <a:effectLst/>
+                <a:latin typeface="Söhne"/>
+              </a:rPr>
+              <a:t>In JavaScript, the Promise constructor is used to create a new Promise object. The Promise object represents the eventual completion (or failure) of an asynchronous operation and its resulting value.</a:t>
+            </a:r>
+          </a:p>
+          <a:p>
+            <a:pPr algn="l"/>
+            <a:r>
+              <a:rPr lang="en-US" b="0" i="0" dirty="0">
+                <a:effectLst/>
+                <a:latin typeface="Söhne"/>
+              </a:rPr>
+              <a:t>When you create a new Promise, you pass in a function that has two arguments: resolve and reject. These are functions that you call when the asynchronous operation is complete, either successfully or with an error.</a:t>
+            </a:r>
+          </a:p>
+          <a:p>
+            <a:pPr algn="l"/>
+            <a:r>
+              <a:rPr lang="en-US" b="0" i="0" dirty="0">
+                <a:effectLst/>
+                <a:latin typeface="Söhne"/>
+              </a:rPr>
+              <a:t>The resolve function is called with the successful result of the asynchronous operation. This result is passed to any attached then handlers that are waiting for the Promise to resolve.</a:t>
+            </a:r>
+          </a:p>
+          <a:p>
+            <a:pPr algn="l"/>
+            <a:r>
+              <a:rPr lang="en-US" b="0" i="0" dirty="0">
+                <a:effectLst/>
+                <a:latin typeface="Söhne"/>
+              </a:rPr>
+              <a:t>The reject function is called with an error object if the asynchronous operation fails. This error object is passed to any attached catch handlers that are waiting for the Promise to reject.</a:t>
+            </a:r>
           </a:p>
         </p:txBody>
       </p:sp>
     </p:spTree>
     <p:extLst>
       <p:ext uri="{BB962C8B-B14F-4D97-AF65-F5344CB8AC3E}">
-        <p14:creationId xmlns:p14="http://schemas.microsoft.com/office/powerpoint/2010/main" val="1415273477"/>
+        <p14:creationId xmlns:p14="http://schemas.microsoft.com/office/powerpoint/2010/main" val="4022314449"/>
       </p:ext>
     </p:extLst>
   </p:cSld>
@@ -28136,11 +28523,11 @@
           <a:p>
             <a:r>
               <a:rPr lang="en-US" dirty="0"/>
-              <a:t>C</a:t>
+              <a:t>T</a:t>
             </a:r>
             <a:r>
               <a:rPr lang="en-IL" dirty="0"/>
-              <a:t>all stack</a:t>
+              <a:t>ry catch</a:t>
             </a:r>
           </a:p>
         </p:txBody>
@@ -28163,46 +28550,27 @@
         </p:nvSpPr>
         <p:spPr/>
         <p:txBody>
-          <a:bodyPr>
-            <a:normAutofit fontScale="92500"/>
-          </a:bodyPr>
+          <a:bodyPr/>
           <a:lstStyle/>
           <a:p>
-            <a:pPr algn="l"/>
-            <a:r>
-              <a:rPr lang="en-US" b="0" i="0" dirty="0">
-                <a:effectLst/>
-                <a:latin typeface="Söhne"/>
-              </a:rPr>
-              <a:t>In JavaScript, the call stack is a data structure that is used to keep track of the execution of function calls. It is a last-in, first-out (LIFO) structure that records the active function invocation at the top of the stack.</a:t>
-            </a:r>
-          </a:p>
-          <a:p>
-            <a:pPr algn="l"/>
-            <a:r>
-              <a:rPr lang="en-US" b="0" i="0" dirty="0">
-                <a:effectLst/>
-                <a:latin typeface="Söhne"/>
-              </a:rPr>
-              <a:t>Whenever a function is called, a new frame is added to the top of the call stack to record the function's execution context. This frame includes the function's arguments, local variables, and the return address, which is the point in the code where the function was called.</a:t>
-            </a:r>
-          </a:p>
-          <a:p>
-            <a:pPr algn="l"/>
-            <a:r>
-              <a:rPr lang="en-US" b="0" i="0" dirty="0">
-                <a:effectLst/>
-                <a:latin typeface="Söhne"/>
-              </a:rPr>
-              <a:t>As the function executes, statements are added and removed from the top of the stack until the function returns. When the function returns, its frame is removed from the top of the stack, and control returns to the calling function.</a:t>
-            </a:r>
+            <a:r>
+              <a:rPr lang="en-US" dirty="0"/>
+              <a:t>In TypeScript, you can use the try/catch statement to handle exceptions that may occur during the execution of your code. The try block contains the code that may throw an exception, and the catch block contains the code that handles the exception.</a:t>
+            </a:r>
+          </a:p>
+          <a:p>
+            <a:r>
+              <a:rPr lang="en-US" dirty="0"/>
+              <a:t>Using try/catch in TypeScript allows you to gracefully handle exceptions that may occur during the execution of your code. It can help make your code more resilient and less likely to crash or produce unexpected behavior.</a:t>
+            </a:r>
+            <a:endParaRPr lang="en-IL" dirty="0"/>
           </a:p>
         </p:txBody>
       </p:sp>
     </p:spTree>
     <p:extLst>
       <p:ext uri="{BB962C8B-B14F-4D97-AF65-F5344CB8AC3E}">
-        <p14:creationId xmlns:p14="http://schemas.microsoft.com/office/powerpoint/2010/main" val="577369213"/>
+        <p14:creationId xmlns:p14="http://schemas.microsoft.com/office/powerpoint/2010/main" val="1415273477"/>
       </p:ext>
     </p:extLst>
   </p:cSld>
@@ -28252,11 +28620,11 @@
           <a:p>
             <a:r>
               <a:rPr lang="en-US" dirty="0"/>
-              <a:t>E</a:t>
+              <a:t>C</a:t>
             </a:r>
             <a:r>
               <a:rPr lang="en-IL" dirty="0"/>
-              <a:t>vent loop</a:t>
+              <a:t>all stack</a:t>
             </a:r>
           </a:p>
         </p:txBody>
@@ -28280,73 +28648,45 @@
         <p:spPr/>
         <p:txBody>
           <a:bodyPr>
-            <a:normAutofit fontScale="85000" lnSpcReduction="20000"/>
+            <a:normAutofit fontScale="92500"/>
           </a:bodyPr>
           <a:lstStyle/>
           <a:p>
-            <a:r>
-              <a:rPr lang="en-US" dirty="0"/>
-              <a:t>In JavaScript, the event loop is a mechanism that enables asynchronous processing and non-blocking I/O operations. It is responsible for managing the execution of tasks and events in a single-threaded environment, which is the case in JavaScript.</a:t>
-            </a:r>
-          </a:p>
-          <a:p>
-            <a:r>
-              <a:rPr lang="en-US" dirty="0"/>
-              <a:t>The event loop continuously monitors the call stack and the message queue for new tasks and events to process. When the call stack is empty, the event loop checks the message queue for the next task or event to process. If a task or event is found, it is pushed onto the call stack and executed.</a:t>
-            </a:r>
-          </a:p>
-          <a:p>
-            <a:r>
-              <a:rPr lang="en-US" dirty="0"/>
-              <a:t>Tasks are scheduled using the </a:t>
-            </a:r>
-            <a:r>
-              <a:rPr lang="en-US" dirty="0" err="1"/>
-              <a:t>setTimeout</a:t>
-            </a:r>
-            <a:r>
-              <a:rPr lang="en-US" dirty="0"/>
-              <a:t>, </a:t>
-            </a:r>
-            <a:r>
-              <a:rPr lang="en-US" dirty="0" err="1"/>
-              <a:t>setInterval</a:t>
-            </a:r>
-            <a:r>
-              <a:rPr lang="en-US" dirty="0"/>
-              <a:t>, and </a:t>
-            </a:r>
-            <a:r>
-              <a:rPr lang="en-US" dirty="0" err="1"/>
-              <a:t>setImmediate</a:t>
-            </a:r>
-            <a:r>
-              <a:rPr lang="en-US" dirty="0"/>
-              <a:t> functions, among others. When a task is scheduled, it is added to the message queue and will be executed by the event loop when the call stack is empty.</a:t>
-            </a:r>
-          </a:p>
-          <a:p>
-            <a:r>
-              <a:rPr lang="en-US" dirty="0">
-                <a:hlinkClick r:id="rId2"/>
+            <a:pPr algn="l"/>
+            <a:r>
+              <a:rPr lang="en-US" b="0" i="0" dirty="0">
+                <a:effectLst/>
+                <a:latin typeface="Söhne"/>
               </a:rPr>
-              <a:t>https://www.youtube.com/watch?v=8aGhZQkoFbQ</a:t>
-            </a:r>
-            <a:endParaRPr lang="en-US" dirty="0"/>
-          </a:p>
-          <a:p>
-            <a:r>
-              <a:rPr lang="en-US" dirty="0"/>
-              <a:t>16:00</a:t>
-            </a:r>
-            <a:endParaRPr lang="en-IL" dirty="0"/>
+              <a:t>In JavaScript, the call stack is a data structure that is used to keep track of the execution of function calls. It is a last-in, first-out (LIFO) structure that records the active function invocation at the top of the stack.</a:t>
+            </a:r>
+          </a:p>
+          <a:p>
+            <a:pPr algn="l"/>
+            <a:r>
+              <a:rPr lang="en-US" b="0" i="0" dirty="0">
+                <a:effectLst/>
+                <a:latin typeface="Söhne"/>
+              </a:rPr>
+              <a:t>Whenever a function is called, a new frame is added to the top of the call stack to record the function's execution context. This frame includes the function's arguments, local variables, and the return address, which is the point in the code where the function was called.</a:t>
+            </a:r>
+          </a:p>
+          <a:p>
+            <a:pPr algn="l"/>
+            <a:r>
+              <a:rPr lang="en-US" b="0" i="0" dirty="0">
+                <a:effectLst/>
+                <a:latin typeface="Söhne"/>
+              </a:rPr>
+              <a:t>As the function executes, statements are added and removed from the top of the stack until the function returns. When the function returns, its frame is removed from the top of the stack, and control returns to the calling function.</a:t>
+            </a:r>
           </a:p>
         </p:txBody>
       </p:sp>
     </p:spTree>
     <p:extLst>
       <p:ext uri="{BB962C8B-B14F-4D97-AF65-F5344CB8AC3E}">
-        <p14:creationId xmlns:p14="http://schemas.microsoft.com/office/powerpoint/2010/main" val="1599030193"/>
+        <p14:creationId xmlns:p14="http://schemas.microsoft.com/office/powerpoint/2010/main" val="577369213"/>
       </p:ext>
     </p:extLst>
   </p:cSld>
@@ -28378,6 +28718,150 @@
           <p:cNvPr id="2" name="Title 1">
             <a:extLst>
               <a:ext uri="{FF2B5EF4-FFF2-40B4-BE49-F238E27FC236}">
+                <a16:creationId xmlns:a16="http://schemas.microsoft.com/office/drawing/2014/main" id="{BA37130A-CB88-D552-A76D-B5E121477943}"/>
+              </a:ext>
+            </a:extLst>
+          </p:cNvPr>
+          <p:cNvSpPr>
+            <a:spLocks noGrp="1"/>
+          </p:cNvSpPr>
+          <p:nvPr>
+            <p:ph type="title"/>
+          </p:nvPr>
+        </p:nvSpPr>
+        <p:spPr/>
+        <p:txBody>
+          <a:bodyPr/>
+          <a:lstStyle/>
+          <a:p>
+            <a:r>
+              <a:rPr lang="en-US" dirty="0"/>
+              <a:t>E</a:t>
+            </a:r>
+            <a:r>
+              <a:rPr lang="en-IL" dirty="0"/>
+              <a:t>vent loop</a:t>
+            </a:r>
+          </a:p>
+        </p:txBody>
+      </p:sp>
+      <p:sp>
+        <p:nvSpPr>
+          <p:cNvPr id="3" name="Content Placeholder 2">
+            <a:extLst>
+              <a:ext uri="{FF2B5EF4-FFF2-40B4-BE49-F238E27FC236}">
+                <a16:creationId xmlns:a16="http://schemas.microsoft.com/office/drawing/2014/main" id="{9E1452CB-98D6-1B37-1A1A-09846D986C9A}"/>
+              </a:ext>
+            </a:extLst>
+          </p:cNvPr>
+          <p:cNvSpPr>
+            <a:spLocks noGrp="1"/>
+          </p:cNvSpPr>
+          <p:nvPr>
+            <p:ph idx="1"/>
+          </p:nvPr>
+        </p:nvSpPr>
+        <p:spPr/>
+        <p:txBody>
+          <a:bodyPr>
+            <a:normAutofit fontScale="85000" lnSpcReduction="20000"/>
+          </a:bodyPr>
+          <a:lstStyle/>
+          <a:p>
+            <a:r>
+              <a:rPr lang="en-US" dirty="0"/>
+              <a:t>In JavaScript, the event loop is a mechanism that enables asynchronous processing and non-blocking I/O operations. It is responsible for managing the execution of tasks and events in a single-threaded environment, which is the case in JavaScript.</a:t>
+            </a:r>
+          </a:p>
+          <a:p>
+            <a:r>
+              <a:rPr lang="en-US" dirty="0"/>
+              <a:t>The event loop continuously monitors the call stack and the message queue for new tasks and events to process. When the call stack is empty, the event loop checks the message queue for the next task or event to process. If a task or event is found, it is pushed onto the call stack and executed.</a:t>
+            </a:r>
+          </a:p>
+          <a:p>
+            <a:r>
+              <a:rPr lang="en-US" dirty="0"/>
+              <a:t>Tasks are scheduled using the </a:t>
+            </a:r>
+            <a:r>
+              <a:rPr lang="en-US" dirty="0" err="1"/>
+              <a:t>setTimeout</a:t>
+            </a:r>
+            <a:r>
+              <a:rPr lang="en-US" dirty="0"/>
+              <a:t>, </a:t>
+            </a:r>
+            <a:r>
+              <a:rPr lang="en-US" dirty="0" err="1"/>
+              <a:t>setInterval</a:t>
+            </a:r>
+            <a:r>
+              <a:rPr lang="en-US" dirty="0"/>
+              <a:t>, and </a:t>
+            </a:r>
+            <a:r>
+              <a:rPr lang="en-US" dirty="0" err="1"/>
+              <a:t>setImmediate</a:t>
+            </a:r>
+            <a:r>
+              <a:rPr lang="en-US" dirty="0"/>
+              <a:t> functions, among others. When a task is scheduled, it is added to the message queue and will be executed by the event loop when the call stack is empty.</a:t>
+            </a:r>
+          </a:p>
+          <a:p>
+            <a:r>
+              <a:rPr lang="en-US" dirty="0">
+                <a:hlinkClick r:id="rId2"/>
+              </a:rPr>
+              <a:t>https://www.youtube.com/watch?v=8aGhZQkoFbQ</a:t>
+            </a:r>
+            <a:endParaRPr lang="en-US" dirty="0"/>
+          </a:p>
+          <a:p>
+            <a:r>
+              <a:rPr lang="en-US" dirty="0"/>
+              <a:t>16:00</a:t>
+            </a:r>
+            <a:endParaRPr lang="en-IL" dirty="0"/>
+          </a:p>
+        </p:txBody>
+      </p:sp>
+    </p:spTree>
+    <p:extLst>
+      <p:ext uri="{BB962C8B-B14F-4D97-AF65-F5344CB8AC3E}">
+        <p14:creationId xmlns:p14="http://schemas.microsoft.com/office/powerpoint/2010/main" val="1599030193"/>
+      </p:ext>
+    </p:extLst>
+  </p:cSld>
+  <p:clrMapOvr>
+    <a:masterClrMapping/>
+  </p:clrMapOvr>
+</p:sld>
+</file>
+
+<file path=ppt/slides/slide67.xml><?xml version="1.0" encoding="utf-8"?>
+<p:sld xmlns:a="http://schemas.openxmlformats.org/drawingml/2006/main" xmlns:r="http://schemas.openxmlformats.org/officeDocument/2006/relationships" xmlns:p="http://schemas.openxmlformats.org/presentationml/2006/main">
+  <p:cSld>
+    <p:spTree>
+      <p:nvGrpSpPr>
+        <p:cNvPr id="1" name=""/>
+        <p:cNvGrpSpPr/>
+        <p:nvPr/>
+      </p:nvGrpSpPr>
+      <p:grpSpPr>
+        <a:xfrm>
+          <a:off x="0" y="0"/>
+          <a:ext cx="0" cy="0"/>
+          <a:chOff x="0" y="0"/>
+          <a:chExt cx="0" cy="0"/>
+        </a:xfrm>
+      </p:grpSpPr>
+      <p:sp>
+        <p:nvSpPr>
+          <p:cNvPr id="2" name="Title 1">
+            <a:extLst>
+              <a:ext uri="{FF2B5EF4-FFF2-40B4-BE49-F238E27FC236}">
                 <a16:creationId xmlns:a16="http://schemas.microsoft.com/office/drawing/2014/main" id="{DFA728C3-B787-7591-0527-A0C9A58581BC}"/>
               </a:ext>
             </a:extLst>
@@ -28482,7 +28966,7 @@
 </p:sld>
 </file>
 
-<file path=ppt/slides/slide67.xml><?xml version="1.0" encoding="utf-8"?>
+<file path=ppt/slides/slide68.xml><?xml version="1.0" encoding="utf-8"?>
 <p:sld xmlns:a="http://schemas.openxmlformats.org/drawingml/2006/main" xmlns:r="http://schemas.openxmlformats.org/officeDocument/2006/relationships" xmlns:p="http://schemas.openxmlformats.org/presentationml/2006/main">
   <p:cSld>
     <p:bg>
@@ -28658,272 +29142,6 @@
 </p:sld>
 </file>
 
-<file path=ppt/slides/slide68.xml><?xml version="1.0" encoding="utf-8"?>
-<p:sld xmlns:a="http://schemas.openxmlformats.org/drawingml/2006/main" xmlns:r="http://schemas.openxmlformats.org/officeDocument/2006/relationships" xmlns:p="http://schemas.openxmlformats.org/presentationml/2006/main">
-  <p:cSld>
-    <p:spTree>
-      <p:nvGrpSpPr>
-        <p:cNvPr id="1" name=""/>
-        <p:cNvGrpSpPr/>
-        <p:nvPr/>
-      </p:nvGrpSpPr>
-      <p:grpSpPr>
-        <a:xfrm>
-          <a:off x="0" y="0"/>
-          <a:ext cx="0" cy="0"/>
-          <a:chOff x="0" y="0"/>
-          <a:chExt cx="0" cy="0"/>
-        </a:xfrm>
-      </p:grpSpPr>
-      <p:sp>
-        <p:nvSpPr>
-          <p:cNvPr id="2" name="Title 1">
-            <a:extLst>
-              <a:ext uri="{FF2B5EF4-FFF2-40B4-BE49-F238E27FC236}">
-                <a16:creationId xmlns:a16="http://schemas.microsoft.com/office/drawing/2014/main" id="{16AB705E-DD54-C7B2-7570-36448ADD476B}"/>
-              </a:ext>
-            </a:extLst>
-          </p:cNvPr>
-          <p:cNvSpPr>
-            <a:spLocks noGrp="1"/>
-          </p:cNvSpPr>
-          <p:nvPr>
-            <p:ph type="title"/>
-          </p:nvPr>
-        </p:nvSpPr>
-        <p:spPr/>
-        <p:txBody>
-          <a:bodyPr/>
-          <a:lstStyle/>
-          <a:p>
-            <a:r>
-              <a:rPr lang="en-US" dirty="0"/>
-              <a:t>L</a:t>
-            </a:r>
-            <a:r>
-              <a:rPr lang="en-IL" dirty="0"/>
-              <a:t>et’s start talk about getting data!</a:t>
-            </a:r>
-          </a:p>
-        </p:txBody>
-      </p:sp>
-      <p:sp>
-        <p:nvSpPr>
-          <p:cNvPr id="3" name="Content Placeholder 2">
-            <a:extLst>
-              <a:ext uri="{FF2B5EF4-FFF2-40B4-BE49-F238E27FC236}">
-                <a16:creationId xmlns:a16="http://schemas.microsoft.com/office/drawing/2014/main" id="{4CCEDA71-EF72-F686-19F8-9328DD97B684}"/>
-              </a:ext>
-            </a:extLst>
-          </p:cNvPr>
-          <p:cNvSpPr>
-            <a:spLocks noGrp="1"/>
-          </p:cNvSpPr>
-          <p:nvPr>
-            <p:ph idx="1"/>
-          </p:nvPr>
-        </p:nvSpPr>
-        <p:spPr/>
-        <p:txBody>
-          <a:bodyPr>
-            <a:normAutofit fontScale="77500" lnSpcReduction="20000"/>
-          </a:bodyPr>
-          <a:lstStyle/>
-          <a:p>
-            <a:pPr algn="l">
-              <a:buFont typeface="+mj-lt"/>
-              <a:buAutoNum type="arabicPeriod"/>
-            </a:pPr>
-            <a:r>
-              <a:rPr lang="en-US" b="0" i="0" dirty="0">
-                <a:solidFill>
-                  <a:srgbClr val="374151"/>
-                </a:solidFill>
-                <a:effectLst/>
-                <a:latin typeface="Söhne"/>
-              </a:rPr>
-              <a:t>We define a variable </a:t>
-            </a:r>
-            <a:r>
-              <a:rPr lang="en-US" b="0" i="0" dirty="0" err="1">
-                <a:solidFill>
-                  <a:srgbClr val="374151"/>
-                </a:solidFill>
-                <a:effectLst/>
-                <a:latin typeface="Söhne"/>
-              </a:rPr>
-              <a:t>url</a:t>
-            </a:r>
-            <a:r>
-              <a:rPr lang="en-US" b="0" i="0" dirty="0">
-                <a:solidFill>
-                  <a:srgbClr val="374151"/>
-                </a:solidFill>
-                <a:effectLst/>
-                <a:latin typeface="Söhne"/>
-              </a:rPr>
-              <a:t> that contains the URL of the web API that we want to retrieve data from.</a:t>
-            </a:r>
-          </a:p>
-          <a:p>
-            <a:pPr algn="l">
-              <a:buFont typeface="+mj-lt"/>
-              <a:buAutoNum type="arabicPeriod"/>
-            </a:pPr>
-            <a:r>
-              <a:rPr lang="en-US" b="0" i="0" dirty="0">
-                <a:solidFill>
-                  <a:srgbClr val="374151"/>
-                </a:solidFill>
-                <a:effectLst/>
-                <a:latin typeface="Söhne"/>
-              </a:rPr>
-              <a:t>We call the fetch function with the URL as its argument. The fetch function returns a promise that resolves to a Response object, which represents the HTTP response that we receive from the API.</a:t>
-            </a:r>
-          </a:p>
-          <a:p>
-            <a:pPr algn="l">
-              <a:buFont typeface="+mj-lt"/>
-              <a:buAutoNum type="arabicPeriod"/>
-            </a:pPr>
-            <a:r>
-              <a:rPr lang="en-US" b="0" i="0" dirty="0">
-                <a:solidFill>
-                  <a:srgbClr val="374151"/>
-                </a:solidFill>
-                <a:effectLst/>
-                <a:latin typeface="Söhne"/>
-              </a:rPr>
-              <a:t>We chain a then method to the promise returned by fetch. This then method takes a callback function that is executed when the promise is resolved. Inside this callback function, we call the </a:t>
-            </a:r>
-            <a:r>
-              <a:rPr lang="en-US" b="0" i="0" dirty="0" err="1">
-                <a:solidFill>
-                  <a:srgbClr val="374151"/>
-                </a:solidFill>
-                <a:effectLst/>
-                <a:latin typeface="Söhne"/>
-              </a:rPr>
-              <a:t>json</a:t>
-            </a:r>
-            <a:r>
-              <a:rPr lang="en-US" b="0" i="0" dirty="0">
-                <a:solidFill>
-                  <a:srgbClr val="374151"/>
-                </a:solidFill>
-                <a:effectLst/>
-                <a:latin typeface="Söhne"/>
-              </a:rPr>
-              <a:t> method on the Response object to parse the response body as JSON. The </a:t>
-            </a:r>
-            <a:r>
-              <a:rPr lang="en-US" b="0" i="0" dirty="0" err="1">
-                <a:solidFill>
-                  <a:srgbClr val="374151"/>
-                </a:solidFill>
-                <a:effectLst/>
-                <a:latin typeface="Söhne"/>
-              </a:rPr>
-              <a:t>json</a:t>
-            </a:r>
-            <a:r>
-              <a:rPr lang="en-US" b="0" i="0" dirty="0">
-                <a:solidFill>
-                  <a:srgbClr val="374151"/>
-                </a:solidFill>
-                <a:effectLst/>
-                <a:latin typeface="Söhne"/>
-              </a:rPr>
-              <a:t> method returns a new promise that resolves to the parsed JSON data.</a:t>
-            </a:r>
-          </a:p>
-          <a:p>
-            <a:pPr algn="l">
-              <a:buFont typeface="+mj-lt"/>
-              <a:buAutoNum type="arabicPeriod"/>
-            </a:pPr>
-            <a:r>
-              <a:rPr lang="en-US" b="0" i="0" dirty="0">
-                <a:solidFill>
-                  <a:srgbClr val="374151"/>
-                </a:solidFill>
-                <a:effectLst/>
-                <a:latin typeface="Söhne"/>
-              </a:rPr>
-              <a:t>We chain another then method to the promise returned by the </a:t>
-            </a:r>
-            <a:r>
-              <a:rPr lang="en-US" b="0" i="0" dirty="0" err="1">
-                <a:solidFill>
-                  <a:srgbClr val="374151"/>
-                </a:solidFill>
-                <a:effectLst/>
-                <a:latin typeface="Söhne"/>
-              </a:rPr>
-              <a:t>json</a:t>
-            </a:r>
-            <a:r>
-              <a:rPr lang="en-US" b="0" i="0" dirty="0">
-                <a:solidFill>
-                  <a:srgbClr val="374151"/>
-                </a:solidFill>
-                <a:effectLst/>
-                <a:latin typeface="Söhne"/>
-              </a:rPr>
-              <a:t> method. This then method takes another callback function that is executed when the promise is resolved. Inside this callback function, we log the parsed JSON data to the console.</a:t>
-            </a:r>
-          </a:p>
-          <a:p>
-            <a:pPr algn="l">
-              <a:buFont typeface="+mj-lt"/>
-              <a:buAutoNum type="arabicPeriod"/>
-            </a:pPr>
-            <a:r>
-              <a:rPr lang="en-US" b="0" i="0" dirty="0">
-                <a:solidFill>
-                  <a:srgbClr val="374151"/>
-                </a:solidFill>
-                <a:effectLst/>
-                <a:latin typeface="Söhne"/>
-              </a:rPr>
-              <a:t>We chain a catch method to the promises returned by fetch and </a:t>
-            </a:r>
-            <a:r>
-              <a:rPr lang="en-US" b="0" i="0" dirty="0" err="1">
-                <a:solidFill>
-                  <a:srgbClr val="374151"/>
-                </a:solidFill>
-                <a:effectLst/>
-                <a:latin typeface="Söhne"/>
-              </a:rPr>
-              <a:t>json</a:t>
-            </a:r>
-            <a:r>
-              <a:rPr lang="en-US" b="0" i="0" dirty="0">
-                <a:solidFill>
-                  <a:srgbClr val="374151"/>
-                </a:solidFill>
-                <a:effectLst/>
-                <a:latin typeface="Söhne"/>
-              </a:rPr>
-              <a:t>. This catch method takes a callback function that is executed when any of the promises in the chain are rejected. Inside this callback function, we log the error to the console.</a:t>
-            </a:r>
-          </a:p>
-        </p:txBody>
-      </p:sp>
-    </p:spTree>
-    <p:extLst>
-      <p:ext uri="{BB962C8B-B14F-4D97-AF65-F5344CB8AC3E}">
-        <p14:creationId xmlns:p14="http://schemas.microsoft.com/office/powerpoint/2010/main" val="1747762250"/>
-      </p:ext>
-    </p:extLst>
-  </p:cSld>
-  <p:clrMapOvr>
-    <a:masterClrMapping/>
-  </p:clrMapOvr>
-</p:sld>
-</file>
-
 <file path=ppt/slides/slide69.xml><?xml version="1.0" encoding="utf-8"?>
 <p:sld xmlns:a="http://schemas.openxmlformats.org/drawingml/2006/main" xmlns:r="http://schemas.openxmlformats.org/officeDocument/2006/relationships" xmlns:p="http://schemas.openxmlformats.org/presentationml/2006/main">
   <p:cSld>
@@ -28964,9 +29182,12 @@
           <a:p>
             <a:r>
               <a:rPr lang="en-US" dirty="0"/>
-              <a:t>Fetch</a:t>
-            </a:r>
-            <a:endParaRPr lang="en-IL" dirty="0"/>
+              <a:t>L</a:t>
+            </a:r>
+            <a:r>
+              <a:rPr lang="en-IL" dirty="0"/>
+              <a:t>et’s start talk about getting data!</a:t>
+            </a:r>
           </a:p>
         </p:txBody>
       </p:sp>
@@ -28989,10 +29210,14 @@
         <p:spPr/>
         <p:txBody>
           <a:bodyPr>
-            <a:normAutofit fontScale="92500" lnSpcReduction="10000"/>
+            <a:normAutofit fontScale="77500" lnSpcReduction="20000"/>
           </a:bodyPr>
           <a:lstStyle/>
           <a:p>
+            <a:pPr algn="l">
+              <a:buFont typeface="+mj-lt"/>
+              <a:buAutoNum type="arabicPeriod"/>
+            </a:pPr>
             <a:r>
               <a:rPr lang="en-US" b="0" i="0" dirty="0">
                 <a:solidFill>
@@ -29001,11 +29226,17 @@
                 <a:effectLst/>
                 <a:latin typeface="Söhne"/>
               </a:rPr>
-              <a:t>The </a:t>
-            </a:r>
-            <a:r>
-              <a:rPr lang="en-US" dirty="0"/>
-              <a:t>fetch</a:t>
+              <a:t>We define a variable </a:t>
+            </a:r>
+            <a:r>
+              <a:rPr lang="en-US" b="0" i="0" dirty="0" err="1">
+                <a:solidFill>
+                  <a:srgbClr val="374151"/>
+                </a:solidFill>
+                <a:effectLst/>
+                <a:latin typeface="Söhne"/>
+              </a:rPr>
+              <a:t>url</a:t>
             </a:r>
             <a:r>
               <a:rPr lang="en-US" b="0" i="0" dirty="0">
@@ -29015,12 +29246,14 @@
                 <a:effectLst/>
                 <a:latin typeface="Söhne"/>
               </a:rPr>
-              <a:t> API and promises allow us to asynchronously retrieve data from a web API without blocking the main thread of execution. The </a:t>
-            </a:r>
-            <a:r>
-              <a:rPr lang="en-US" dirty="0"/>
-              <a:t>fetch</a:t>
-            </a:r>
+              <a:t> that contains the URL of the web API that we want to retrieve data from.</a:t>
+            </a:r>
+          </a:p>
+          <a:p>
+            <a:pPr algn="l">
+              <a:buFont typeface="+mj-lt"/>
+              <a:buAutoNum type="arabicPeriod"/>
+            </a:pPr>
             <a:r>
               <a:rPr lang="en-US" b="0" i="0" dirty="0">
                 <a:solidFill>
@@ -29029,12 +29262,14 @@
                 <a:effectLst/>
                 <a:latin typeface="Söhne"/>
               </a:rPr>
-              <a:t> function returns a promise that resolves to a </a:t>
-            </a:r>
-            <a:r>
-              <a:rPr lang="en-US" dirty="0"/>
-              <a:t>Response</a:t>
-            </a:r>
+              <a:t>We call the fetch function with the URL as its argument. The fetch function returns a promise that resolves to a Response object, which represents the HTTP response that we receive from the API.</a:t>
+            </a:r>
+          </a:p>
+          <a:p>
+            <a:pPr algn="l">
+              <a:buFont typeface="+mj-lt"/>
+              <a:buAutoNum type="arabicPeriod"/>
+            </a:pPr>
             <a:r>
               <a:rPr lang="en-US" b="0" i="0" dirty="0">
                 <a:solidFill>
@@ -29043,10 +29278,16 @@
                 <a:effectLst/>
                 <a:latin typeface="Söhne"/>
               </a:rPr>
-              <a:t> object, which we can use to parse the response body as JSON using the </a:t>
-            </a:r>
-            <a:r>
-              <a:rPr lang="en-US" dirty="0" err="1"/>
+              <a:t>We chain a then method to the promise returned by fetch. This then method takes a callback function that is executed when the promise is resolved. Inside this callback function, we call the </a:t>
+            </a:r>
+            <a:r>
+              <a:rPr lang="en-US" b="0" i="0" dirty="0" err="1">
+                <a:solidFill>
+                  <a:srgbClr val="374151"/>
+                </a:solidFill>
+                <a:effectLst/>
+                <a:latin typeface="Söhne"/>
+              </a:rPr>
               <a:t>json</a:t>
             </a:r>
             <a:r>
@@ -29057,11 +29298,17 @@
                 <a:effectLst/>
                 <a:latin typeface="Söhne"/>
               </a:rPr>
-              <a:t> method. By chaining promises together using </a:t>
-            </a:r>
-            <a:r>
-              <a:rPr lang="en-US" dirty="0"/>
-              <a:t>then</a:t>
+              <a:t> method on the Response object to parse the response body as JSON. The </a:t>
+            </a:r>
+            <a:r>
+              <a:rPr lang="en-US" b="0" i="0" dirty="0" err="1">
+                <a:solidFill>
+                  <a:srgbClr val="374151"/>
+                </a:solidFill>
+                <a:effectLst/>
+                <a:latin typeface="Söhne"/>
+              </a:rPr>
+              <a:t>json</a:t>
             </a:r>
             <a:r>
               <a:rPr lang="en-US" b="0" i="0" dirty="0">
@@ -29071,12 +29318,14 @@
                 <a:effectLst/>
                 <a:latin typeface="Söhne"/>
               </a:rPr>
-              <a:t> and </a:t>
-            </a:r>
-            <a:r>
-              <a:rPr lang="en-US" dirty="0"/>
-              <a:t>catch</a:t>
-            </a:r>
+              <a:t> method returns a new promise that resolves to the parsed JSON data.</a:t>
+            </a:r>
+          </a:p>
+          <a:p>
+            <a:pPr algn="l">
+              <a:buFont typeface="+mj-lt"/>
+              <a:buAutoNum type="arabicPeriod"/>
+            </a:pPr>
             <a:r>
               <a:rPr lang="en-US" b="0" i="0" dirty="0">
                 <a:solidFill>
@@ -29085,117 +29334,71 @@
                 <a:effectLst/>
                 <a:latin typeface="Söhne"/>
               </a:rPr>
-              <a:t> methods, we can handle asynchronous errors and perform operations on the data returned by the API in a readable and organized way.</a:t>
-            </a:r>
-          </a:p>
-          <a:p>
-            <a:endParaRPr lang="en-US" dirty="0">
-              <a:solidFill>
-                <a:srgbClr val="374151"/>
-              </a:solidFill>
-              <a:latin typeface="Söhne"/>
-            </a:endParaRPr>
-          </a:p>
-          <a:p>
-            <a:r>
-              <a:rPr lang="en-US" dirty="0">
+              <a:t>We chain another then method to the promise returned by the </a:t>
+            </a:r>
+            <a:r>
+              <a:rPr lang="en-US" b="0" i="0" dirty="0" err="1">
                 <a:solidFill>
                   <a:srgbClr val="374151"/>
                 </a:solidFill>
+                <a:effectLst/>
                 <a:latin typeface="Söhne"/>
               </a:rPr>
-              <a:t>Fetch(‘whatever’).then(res =&gt; { return </a:t>
-            </a:r>
-            <a:r>
-              <a:rPr lang="en-US" dirty="0" err="1">
+              <a:t>json</a:t>
+            </a:r>
+            <a:r>
+              <a:rPr lang="en-US" b="0" i="0" dirty="0">
                 <a:solidFill>
                   <a:srgbClr val="374151"/>
                 </a:solidFill>
+                <a:effectLst/>
                 <a:latin typeface="Söhne"/>
               </a:rPr>
-              <a:t>res.json</a:t>
-            </a:r>
-            <a:r>
-              <a:rPr lang="en-US" dirty="0">
+              <a:t> method. This then method takes another callback function that is executed when the promise is resolved. Inside this callback function, we log the parsed JSON data to the console.</a:t>
+            </a:r>
+          </a:p>
+          <a:p>
+            <a:pPr algn="l">
+              <a:buFont typeface="+mj-lt"/>
+              <a:buAutoNum type="arabicPeriod"/>
+            </a:pPr>
+            <a:r>
+              <a:rPr lang="en-US" b="0" i="0" dirty="0">
                 <a:solidFill>
                   <a:srgbClr val="374151"/>
                 </a:solidFill>
+                <a:effectLst/>
                 <a:latin typeface="Söhne"/>
               </a:rPr>
-              <a:t>() }).then(data =&gt; </a:t>
-            </a:r>
-            <a:r>
-              <a:rPr lang="en-US" dirty="0" err="1">
+              <a:t>We chain a catch method to the promises returned by fetch and </a:t>
+            </a:r>
+            <a:r>
+              <a:rPr lang="en-US" b="0" i="0" dirty="0" err="1">
                 <a:solidFill>
                   <a:srgbClr val="374151"/>
                 </a:solidFill>
+                <a:effectLst/>
                 <a:latin typeface="Söhne"/>
               </a:rPr>
-              <a:t>console.log</a:t>
-            </a:r>
-            <a:r>
-              <a:rPr lang="en-US" dirty="0">
+              <a:t>json</a:t>
+            </a:r>
+            <a:r>
+              <a:rPr lang="en-US" b="0" i="0" dirty="0">
                 <a:solidFill>
                   <a:srgbClr val="374151"/>
                 </a:solidFill>
+                <a:effectLst/>
                 <a:latin typeface="Söhne"/>
               </a:rPr>
-              <a:t>(data))</a:t>
-            </a:r>
-          </a:p>
-          <a:p>
-            <a:pPr marL="0" indent="0">
-              <a:buNone/>
-            </a:pPr>
-            <a:r>
-              <a:rPr lang="en-US" dirty="0" err="1">
-                <a:solidFill>
-                  <a:srgbClr val="374151"/>
-                </a:solidFill>
-                <a:latin typeface="Söhne"/>
-              </a:rPr>
-              <a:t>Res.json</a:t>
-            </a:r>
-            <a:r>
-              <a:rPr lang="en-US" dirty="0">
-                <a:solidFill>
-                  <a:srgbClr val="374151"/>
-                </a:solidFill>
-                <a:latin typeface="Söhne"/>
-              </a:rPr>
-              <a:t> -&gt; take the response and transform it to </a:t>
-            </a:r>
-            <a:r>
-              <a:rPr lang="en-US" dirty="0" err="1">
-                <a:solidFill>
-                  <a:srgbClr val="374151"/>
-                </a:solidFill>
-                <a:latin typeface="Söhne"/>
-              </a:rPr>
-              <a:t>json</a:t>
-            </a:r>
-            <a:r>
-              <a:rPr lang="en-US" dirty="0">
-                <a:solidFill>
-                  <a:srgbClr val="374151"/>
-                </a:solidFill>
-                <a:latin typeface="Söhne"/>
-              </a:rPr>
-              <a:t> (this is also a promise)</a:t>
-            </a:r>
-          </a:p>
-          <a:p>
-            <a:pPr marL="0" indent="0">
-              <a:buNone/>
-            </a:pPr>
-            <a:endParaRPr lang="en-IL" dirty="0"/>
+              <a:t>. This catch method takes a callback function that is executed when any of the promises in the chain are rejected. Inside this callback function, we log the error to the console.</a:t>
+            </a:r>
           </a:p>
         </p:txBody>
       </p:sp>
     </p:spTree>
     <p:extLst>
       <p:ext uri="{BB962C8B-B14F-4D97-AF65-F5344CB8AC3E}">
-        <p14:creationId xmlns:p14="http://schemas.microsoft.com/office/powerpoint/2010/main" val="3761247519"/>
+        <p14:creationId xmlns:p14="http://schemas.microsoft.com/office/powerpoint/2010/main" val="1747762250"/>
       </p:ext>
     </p:extLst>
   </p:cSld>
@@ -29245,12 +29448,9 @@
           <a:p>
             <a:r>
               <a:rPr lang="en-US" dirty="0"/>
-              <a:t>E</a:t>
-            </a:r>
-            <a:r>
-              <a:rPr lang="en-IL" dirty="0"/>
-              <a:t>xample</a:t>
-            </a:r>
+              <a:t>Git create branch </a:t>
+            </a:r>
+            <a:endParaRPr lang="en-IL" dirty="0"/>
           </a:p>
         </p:txBody>
       </p:sp>
@@ -29275,7 +29475,19 @@
           <a:bodyPr/>
           <a:lstStyle/>
           <a:p>
-            <a:endParaRPr lang="en-IL"/>
+            <a:r>
+              <a:rPr lang="en-US" dirty="0"/>
+              <a:t>git checkout -b &lt;new-branch&gt; &lt;existing-branch&gt;</a:t>
+            </a:r>
+          </a:p>
+          <a:p>
+            <a:r>
+              <a:rPr lang="en-US" dirty="0"/>
+              <a:t>git checkout -b feature-branch master</a:t>
+            </a:r>
+          </a:p>
+          <a:p>
+            <a:endParaRPr lang="en-IL" dirty="0"/>
           </a:p>
         </p:txBody>
       </p:sp>
@@ -29344,7 +29556,7 @@
           <a:p>
             <a:r>
               <a:rPr lang="en-US" dirty="0"/>
-              <a:t>BASS</a:t>
+              <a:t>Fetch</a:t>
             </a:r>
             <a:endParaRPr lang="en-IL" dirty="0"/>
           </a:p>
@@ -29369,107 +29581,213 @@
         <p:spPr/>
         <p:txBody>
           <a:bodyPr>
-            <a:normAutofit fontScale="55000" lnSpcReduction="20000"/>
+            <a:normAutofit fontScale="92500" lnSpcReduction="10000"/>
           </a:bodyPr>
           <a:lstStyle/>
           <a:p>
             <a:r>
+              <a:rPr lang="en-US" b="0" i="0" dirty="0">
+                <a:solidFill>
+                  <a:srgbClr val="374151"/>
+                </a:solidFill>
+                <a:effectLst/>
+                <a:latin typeface="Söhne"/>
+              </a:rPr>
+              <a:t>The </a:t>
+            </a:r>
+            <a:r>
               <a:rPr lang="en-US" dirty="0"/>
-              <a:t>Backend as a Service, refers to a cloud-based service that provides developers with a pre-built backend infrastructure that they can use to build and operate their mobile and web applications. BaaS providers handle server-side operations such as data storage, user management, push notifications, and social media integration, allowing developers to focus on creating the frontend of their applications.</a:t>
-            </a:r>
-          </a:p>
-          <a:p>
+              <a:t>fetch</a:t>
+            </a:r>
+            <a:r>
+              <a:rPr lang="en-US" b="0" i="0" dirty="0">
+                <a:solidFill>
+                  <a:srgbClr val="374151"/>
+                </a:solidFill>
+                <a:effectLst/>
+                <a:latin typeface="Söhne"/>
+              </a:rPr>
+              <a:t> API and promises allow us to asynchronously retrieve data from a web API without blocking the main thread of execution. The </a:t>
+            </a:r>
             <a:r>
               <a:rPr lang="en-US" dirty="0"/>
-              <a:t>Here are some examples of popular BaaS providers:</a:t>
-            </a:r>
-          </a:p>
-          <a:p>
+              <a:t>fetch</a:t>
+            </a:r>
+            <a:r>
+              <a:rPr lang="en-US" b="0" i="0" dirty="0">
+                <a:solidFill>
+                  <a:srgbClr val="374151"/>
+                </a:solidFill>
+                <a:effectLst/>
+                <a:latin typeface="Söhne"/>
+              </a:rPr>
+              <a:t> function returns a promise that resolves to a </a:t>
+            </a:r>
             <a:r>
               <a:rPr lang="en-US" dirty="0"/>
-              <a:t>Firebase: Firebase is a BaaS platform acquired by Google in 2014 that provides a suite of tools and services for mobile and web developers. It includes features like real-time database, authentication, hosting, and cloud messaging.</a:t>
-            </a:r>
-          </a:p>
-          <a:p>
+              <a:t>Response</a:t>
+            </a:r>
+            <a:r>
+              <a:rPr lang="en-US" b="0" i="0" dirty="0">
+                <a:solidFill>
+                  <a:srgbClr val="374151"/>
+                </a:solidFill>
+                <a:effectLst/>
+                <a:latin typeface="Söhne"/>
+              </a:rPr>
+              <a:t> object, which we can use to parse the response body as JSON using the </a:t>
+            </a:r>
+            <a:r>
+              <a:rPr lang="en-US" dirty="0" err="1"/>
+              <a:t>json</a:t>
+            </a:r>
+            <a:r>
+              <a:rPr lang="en-US" b="0" i="0" dirty="0">
+                <a:solidFill>
+                  <a:srgbClr val="374151"/>
+                </a:solidFill>
+                <a:effectLst/>
+                <a:latin typeface="Söhne"/>
+              </a:rPr>
+              <a:t> method. By chaining promises together using </a:t>
+            </a:r>
             <a:r>
               <a:rPr lang="en-US" dirty="0"/>
-              <a:t>AWS Amplify: AWS Amplify is a BaaS platform offered by Amazon Web Services (AWS) that provides developers with tools and services to build scalable and secure cloud-powered applications. It includes features like authentication, APIs, storage, and hosting.</a:t>
-            </a:r>
-          </a:p>
-          <a:p>
+              <a:t>then</a:t>
+            </a:r>
+            <a:r>
+              <a:rPr lang="en-US" b="0" i="0" dirty="0">
+                <a:solidFill>
+                  <a:srgbClr val="374151"/>
+                </a:solidFill>
+                <a:effectLst/>
+                <a:latin typeface="Söhne"/>
+              </a:rPr>
+              <a:t> and </a:t>
+            </a:r>
             <a:r>
               <a:rPr lang="en-US" dirty="0"/>
-              <a:t>Parse: Parse is an open-source BaaS platform that provides developers with tools and services to build mobile and web applications. It includes features like user authentication, push notifications, and database management.</a:t>
-            </a:r>
-          </a:p>
-          <a:p>
-            <a:r>
-              <a:rPr lang="en-US" dirty="0"/>
-              <a:t>Back4App: Back4App is a BaaS platform that provides developers with a fully managed backend infrastructure. It includes features like user authentication, push notifications, and database management.</a:t>
-            </a:r>
-          </a:p>
-          <a:p>
-            <a:r>
-              <a:rPr lang="en-US" dirty="0" err="1"/>
-              <a:t>Kinvey</a:t>
-            </a:r>
-            <a:r>
-              <a:rPr lang="en-US" dirty="0"/>
-              <a:t>: </a:t>
-            </a:r>
-            <a:r>
-              <a:rPr lang="en-US" dirty="0" err="1"/>
-              <a:t>Kinvey</a:t>
-            </a:r>
-            <a:r>
-              <a:rPr lang="en-US" dirty="0"/>
-              <a:t> is a BaaS platform that provides developers with tools and services to build mobile and web applications. It includes features like data integration, user management, and push notifications.</a:t>
-            </a:r>
-          </a:p>
-          <a:p>
-            <a:r>
-              <a:rPr lang="en-US" dirty="0"/>
-              <a:t>These BaaS platforms are just a few examples of the many options available to developers. By using a BaaS platform, developers can save time and resources by outsourcing the backend infrastructure of their applications and focus on building the frontend features that are unique to their application.</a:t>
-            </a:r>
-          </a:p>
-        </p:txBody>
-      </p:sp>
-      <p:sp>
-        <p:nvSpPr>
-          <p:cNvPr id="4" name="TextBox 3">
-            <a:extLst>
-              <a:ext uri="{FF2B5EF4-FFF2-40B4-BE49-F238E27FC236}">
-                <a16:creationId xmlns:a16="http://schemas.microsoft.com/office/drawing/2014/main" id="{2E21071F-9AD1-0B0F-F780-CB0B07F2AB58}"/>
-              </a:ext>
-            </a:extLst>
-          </p:cNvPr>
-          <p:cNvSpPr txBox="1"/>
-          <p:nvPr/>
-        </p:nvSpPr>
-        <p:spPr>
-          <a:xfrm>
-            <a:off x="6008914" y="1489166"/>
-            <a:ext cx="184731" cy="369332"/>
-          </a:xfrm>
-          <a:prstGeom prst="rect">
-            <a:avLst/>
-          </a:prstGeom>
-          <a:noFill/>
-        </p:spPr>
-        <p:txBody>
-          <a:bodyPr wrap="none" rtlCol="0">
-            <a:spAutoFit/>
-          </a:bodyPr>
-          <a:lstStyle/>
-          <a:p>
-            <a:endParaRPr lang="en-IL"/>
+              <a:t>catch</a:t>
+            </a:r>
+            <a:r>
+              <a:rPr lang="en-US" b="0" i="0" dirty="0">
+                <a:solidFill>
+                  <a:srgbClr val="374151"/>
+                </a:solidFill>
+                <a:effectLst/>
+                <a:latin typeface="Söhne"/>
+              </a:rPr>
+              <a:t> methods, we can handle asynchronous errors and perform operations on the data returned by the API in a readable and organized way.</a:t>
+            </a:r>
+          </a:p>
+          <a:p>
+            <a:endParaRPr lang="en-US" dirty="0">
+              <a:solidFill>
+                <a:srgbClr val="374151"/>
+              </a:solidFill>
+              <a:latin typeface="Söhne"/>
+            </a:endParaRPr>
+          </a:p>
+          <a:p>
+            <a:r>
+              <a:rPr lang="en-US" dirty="0">
+                <a:solidFill>
+                  <a:srgbClr val="374151"/>
+                </a:solidFill>
+                <a:latin typeface="Söhne"/>
+              </a:rPr>
+              <a:t>Fetch(‘whatever’).then(res =&gt; { return </a:t>
+            </a:r>
+            <a:r>
+              <a:rPr lang="en-US" dirty="0" err="1">
+                <a:solidFill>
+                  <a:srgbClr val="374151"/>
+                </a:solidFill>
+                <a:latin typeface="Söhne"/>
+              </a:rPr>
+              <a:t>res.json</a:t>
+            </a:r>
+            <a:r>
+              <a:rPr lang="en-US" dirty="0">
+                <a:solidFill>
+                  <a:srgbClr val="374151"/>
+                </a:solidFill>
+                <a:latin typeface="Söhne"/>
+              </a:rPr>
+              <a:t>() }).then(data =&gt; </a:t>
+            </a:r>
+            <a:r>
+              <a:rPr lang="en-US" dirty="0" err="1">
+                <a:solidFill>
+                  <a:srgbClr val="374151"/>
+                </a:solidFill>
+                <a:latin typeface="Söhne"/>
+              </a:rPr>
+              <a:t>console.log</a:t>
+            </a:r>
+            <a:r>
+              <a:rPr lang="en-US" dirty="0">
+                <a:solidFill>
+                  <a:srgbClr val="374151"/>
+                </a:solidFill>
+                <a:latin typeface="Söhne"/>
+              </a:rPr>
+              <a:t>(data))</a:t>
+            </a:r>
+          </a:p>
+          <a:p>
+            <a:pPr marL="0" indent="0">
+              <a:buNone/>
+            </a:pPr>
+            <a:r>
+              <a:rPr lang="en-US" dirty="0" err="1">
+                <a:solidFill>
+                  <a:srgbClr val="374151"/>
+                </a:solidFill>
+                <a:latin typeface="Söhne"/>
+              </a:rPr>
+              <a:t>Res.json</a:t>
+            </a:r>
+            <a:r>
+              <a:rPr lang="en-US" dirty="0">
+                <a:solidFill>
+                  <a:srgbClr val="374151"/>
+                </a:solidFill>
+                <a:latin typeface="Söhne"/>
+              </a:rPr>
+              <a:t> -&gt; take the response and transform it to </a:t>
+            </a:r>
+            <a:r>
+              <a:rPr lang="en-US" dirty="0" err="1">
+                <a:solidFill>
+                  <a:srgbClr val="374151"/>
+                </a:solidFill>
+                <a:latin typeface="Söhne"/>
+              </a:rPr>
+              <a:t>json</a:t>
+            </a:r>
+            <a:r>
+              <a:rPr lang="en-US" dirty="0">
+                <a:solidFill>
+                  <a:srgbClr val="374151"/>
+                </a:solidFill>
+                <a:latin typeface="Söhne"/>
+              </a:rPr>
+              <a:t> (this is also a promise)</a:t>
+            </a:r>
+          </a:p>
+          <a:p>
+            <a:pPr marL="0" indent="0">
+              <a:buNone/>
+            </a:pPr>
+            <a:endParaRPr lang="en-IL" dirty="0"/>
           </a:p>
         </p:txBody>
       </p:sp>
     </p:spTree>
     <p:extLst>
       <p:ext uri="{BB962C8B-B14F-4D97-AF65-F5344CB8AC3E}">
-        <p14:creationId xmlns:p14="http://schemas.microsoft.com/office/powerpoint/2010/main" val="1833390438"/>
+        <p14:creationId xmlns:p14="http://schemas.microsoft.com/office/powerpoint/2010/main" val="3761247519"/>
       </p:ext>
     </p:extLst>
   </p:cSld>
@@ -29519,7 +29837,7 @@
           <a:p>
             <a:r>
               <a:rPr lang="en-US" dirty="0"/>
-              <a:t>Import export	</a:t>
+              <a:t>BASS</a:t>
             </a:r>
             <a:endParaRPr lang="en-IL" dirty="0"/>
           </a:p>
@@ -29543,33 +29861,108 @@
         </p:nvSpPr>
         <p:spPr/>
         <p:txBody>
-          <a:bodyPr/>
+          <a:bodyPr>
+            <a:normAutofit fontScale="55000" lnSpcReduction="20000"/>
+          </a:bodyPr>
           <a:lstStyle/>
           <a:p>
-            <a:pPr algn="l"/>
-            <a:r>
-              <a:rPr lang="en-US" b="0" i="0" dirty="0">
-                <a:solidFill>
-                  <a:srgbClr val="374151"/>
-                </a:solidFill>
-                <a:effectLst/>
-                <a:latin typeface="Söhne"/>
-              </a:rPr>
-              <a:t>In TypeScript, importing and exporting modules is done using the import and export keywords, respectively. These keywords are used to define relationships between files and to share functionality between them.</a:t>
-            </a:r>
-          </a:p>
-          <a:p>
-            <a:br>
+            <a:r>
               <a:rPr lang="en-US" dirty="0"/>
-            </a:br>
-            <a:endParaRPr lang="en-IL" dirty="0"/>
+              <a:t>Backend as a Service, refers to a cloud-based service that provides developers with a pre-built backend infrastructure that they can use to build and operate their mobile and web applications. BaaS providers handle server-side operations such as data storage, user management, push notifications, and social media integration, allowing developers to focus on creating the frontend of their applications.</a:t>
+            </a:r>
+          </a:p>
+          <a:p>
+            <a:r>
+              <a:rPr lang="en-US" dirty="0"/>
+              <a:t>Here are some examples of popular BaaS providers:</a:t>
+            </a:r>
+          </a:p>
+          <a:p>
+            <a:r>
+              <a:rPr lang="en-US" dirty="0"/>
+              <a:t>Firebase: Firebase is a BaaS platform acquired by Google in 2014 that provides a suite of tools and services for mobile and web developers. It includes features like real-time database, authentication, hosting, and cloud messaging.</a:t>
+            </a:r>
+          </a:p>
+          <a:p>
+            <a:r>
+              <a:rPr lang="en-US" dirty="0"/>
+              <a:t>AWS Amplify: AWS Amplify is a BaaS platform offered by Amazon Web Services (AWS) that provides developers with tools and services to build scalable and secure cloud-powered applications. It includes features like authentication, APIs, storage, and hosting.</a:t>
+            </a:r>
+          </a:p>
+          <a:p>
+            <a:r>
+              <a:rPr lang="en-US" dirty="0"/>
+              <a:t>Parse: Parse is an open-source BaaS platform that provides developers with tools and services to build mobile and web applications. It includes features like user authentication, push notifications, and database management.</a:t>
+            </a:r>
+          </a:p>
+          <a:p>
+            <a:r>
+              <a:rPr lang="en-US" dirty="0"/>
+              <a:t>Back4App: Back4App is a BaaS platform that provides developers with a fully managed backend infrastructure. It includes features like user authentication, push notifications, and database management.</a:t>
+            </a:r>
+          </a:p>
+          <a:p>
+            <a:r>
+              <a:rPr lang="en-US" dirty="0" err="1"/>
+              <a:t>Kinvey</a:t>
+            </a:r>
+            <a:r>
+              <a:rPr lang="en-US" dirty="0"/>
+              <a:t>: </a:t>
+            </a:r>
+            <a:r>
+              <a:rPr lang="en-US" dirty="0" err="1"/>
+              <a:t>Kinvey</a:t>
+            </a:r>
+            <a:r>
+              <a:rPr lang="en-US" dirty="0"/>
+              <a:t> is a BaaS platform that provides developers with tools and services to build mobile and web applications. It includes features like data integration, user management, and push notifications.</a:t>
+            </a:r>
+          </a:p>
+          <a:p>
+            <a:r>
+              <a:rPr lang="en-US" dirty="0"/>
+              <a:t>These BaaS platforms are just a few examples of the many options available to developers. By using a BaaS platform, developers can save time and resources by outsourcing the backend infrastructure of their applications and focus on building the frontend features that are unique to their application.</a:t>
+            </a:r>
+          </a:p>
+        </p:txBody>
+      </p:sp>
+      <p:sp>
+        <p:nvSpPr>
+          <p:cNvPr id="4" name="TextBox 3">
+            <a:extLst>
+              <a:ext uri="{FF2B5EF4-FFF2-40B4-BE49-F238E27FC236}">
+                <a16:creationId xmlns:a16="http://schemas.microsoft.com/office/drawing/2014/main" id="{2E21071F-9AD1-0B0F-F780-CB0B07F2AB58}"/>
+              </a:ext>
+            </a:extLst>
+          </p:cNvPr>
+          <p:cNvSpPr txBox="1"/>
+          <p:nvPr/>
+        </p:nvSpPr>
+        <p:spPr>
+          <a:xfrm>
+            <a:off x="6008914" y="1489166"/>
+            <a:ext cx="184731" cy="369332"/>
+          </a:xfrm>
+          <a:prstGeom prst="rect">
+            <a:avLst/>
+          </a:prstGeom>
+          <a:noFill/>
+        </p:spPr>
+        <p:txBody>
+          <a:bodyPr wrap="none" rtlCol="0">
+            <a:spAutoFit/>
+          </a:bodyPr>
+          <a:lstStyle/>
+          <a:p>
+            <a:endParaRPr lang="en-IL"/>
           </a:p>
         </p:txBody>
       </p:sp>
     </p:spTree>
     <p:extLst>
       <p:ext uri="{BB962C8B-B14F-4D97-AF65-F5344CB8AC3E}">
-        <p14:creationId xmlns:p14="http://schemas.microsoft.com/office/powerpoint/2010/main" val="2073330554"/>
+        <p14:creationId xmlns:p14="http://schemas.microsoft.com/office/powerpoint/2010/main" val="1833390438"/>
       </p:ext>
     </p:extLst>
   </p:cSld>
@@ -29619,8 +30012,34 @@
           <a:p>
             <a:r>
               <a:rPr lang="en-US" dirty="0"/>
-              <a:t>Node </a:t>
-            </a:r>
+              <a:t>Import export	</a:t>
+            </a:r>
+            <a:endParaRPr lang="en-IL" dirty="0"/>
+          </a:p>
+        </p:txBody>
+      </p:sp>
+      <p:sp>
+        <p:nvSpPr>
+          <p:cNvPr id="3" name="Content Placeholder 2">
+            <a:extLst>
+              <a:ext uri="{FF2B5EF4-FFF2-40B4-BE49-F238E27FC236}">
+                <a16:creationId xmlns:a16="http://schemas.microsoft.com/office/drawing/2014/main" id="{4CCEDA71-EF72-F686-19F8-9328DD97B684}"/>
+              </a:ext>
+            </a:extLst>
+          </p:cNvPr>
+          <p:cNvSpPr>
+            <a:spLocks noGrp="1"/>
+          </p:cNvSpPr>
+          <p:nvPr>
+            <p:ph idx="1"/>
+          </p:nvPr>
+        </p:nvSpPr>
+        <p:spPr/>
+        <p:txBody>
+          <a:bodyPr/>
+          <a:lstStyle/>
+          <a:p>
+            <a:pPr algn="l"/>
             <a:r>
               <a:rPr lang="en-US" b="0" i="0" dirty="0">
                 <a:solidFill>
@@ -29629,147 +30048,13 @@
                 <a:effectLst/>
                 <a:latin typeface="Söhne"/>
               </a:rPr>
-              <a:t>modules</a:t>
-            </a:r>
-            <a:endParaRPr lang="en-IL" dirty="0"/>
-          </a:p>
-        </p:txBody>
-      </p:sp>
-      <p:sp>
-        <p:nvSpPr>
-          <p:cNvPr id="3" name="Content Placeholder 2">
-            <a:extLst>
-              <a:ext uri="{FF2B5EF4-FFF2-40B4-BE49-F238E27FC236}">
-                <a16:creationId xmlns:a16="http://schemas.microsoft.com/office/drawing/2014/main" id="{4CCEDA71-EF72-F686-19F8-9328DD97B684}"/>
-              </a:ext>
-            </a:extLst>
-          </p:cNvPr>
-          <p:cNvSpPr>
-            <a:spLocks noGrp="1"/>
-          </p:cNvSpPr>
-          <p:nvPr>
-            <p:ph idx="1"/>
-          </p:nvPr>
-        </p:nvSpPr>
-        <p:spPr/>
-        <p:txBody>
-          <a:bodyPr>
-            <a:normAutofit fontScale="77500" lnSpcReduction="20000"/>
-          </a:bodyPr>
-          <a:lstStyle/>
-          <a:p>
-            <a:pPr algn="l"/>
-            <a:r>
-              <a:rPr lang="en-US" b="0" i="0" dirty="0">
-                <a:solidFill>
-                  <a:srgbClr val="374151"/>
-                </a:solidFill>
-                <a:effectLst/>
-                <a:latin typeface="Söhne"/>
-              </a:rPr>
-              <a:t>Node modules are a fundamental feature of Node.js, which is an open-source, cross-platform JavaScript runtime environment. Node modules are simply reusable packages of code that can be easily included in Node.js projects to extend their functionality.</a:t>
-            </a:r>
-          </a:p>
-          <a:p>
-            <a:pPr algn="l"/>
-            <a:r>
-              <a:rPr lang="en-US" b="0" i="0" dirty="0">
-                <a:solidFill>
-                  <a:srgbClr val="374151"/>
-                </a:solidFill>
-                <a:effectLst/>
-                <a:latin typeface="Söhne"/>
-              </a:rPr>
-              <a:t>In Node.js, modules can be created by writing code in separate files, and then exporting specific functions or objects that can be used in other parts of the application. These exported functions or objects are known as the module's "public API".</a:t>
-            </a:r>
-          </a:p>
-          <a:p>
-            <a:pPr algn="l"/>
-            <a:r>
-              <a:rPr lang="en-US" b="0" i="0" dirty="0">
-                <a:solidFill>
-                  <a:srgbClr val="374151"/>
-                </a:solidFill>
-                <a:effectLst/>
-                <a:latin typeface="Söhne"/>
-              </a:rPr>
-              <a:t>There are two types of modules in Node.js: built-in modules and external modules. Built-in modules are modules that are included with the Node.js runtime and can be used without any additional installation. Examples of built-in modules include fs for file system operations, http for creating web servers, and path for working with file paths.</a:t>
-            </a:r>
-          </a:p>
-          <a:p>
-            <a:pPr algn="l"/>
-            <a:r>
-              <a:rPr lang="en-US" b="0" i="0" dirty="0">
-                <a:solidFill>
-                  <a:srgbClr val="374151"/>
-                </a:solidFill>
-                <a:effectLst/>
-                <a:latin typeface="Söhne"/>
-              </a:rPr>
-              <a:t>External modules, on the other hand, are modules that are created by third-party developers and can be downloaded and installed using Node.js's built-in package manager, </a:t>
-            </a:r>
-            <a:r>
-              <a:rPr lang="en-US" b="0" i="0" dirty="0" err="1">
-                <a:solidFill>
-                  <a:srgbClr val="374151"/>
-                </a:solidFill>
-                <a:effectLst/>
-                <a:latin typeface="Söhne"/>
-              </a:rPr>
-              <a:t>npm</a:t>
-            </a:r>
-            <a:r>
-              <a:rPr lang="en-US" b="0" i="0" dirty="0">
-                <a:solidFill>
-                  <a:srgbClr val="374151"/>
-                </a:solidFill>
-                <a:effectLst/>
-                <a:latin typeface="Söhne"/>
-              </a:rPr>
-              <a:t>. </a:t>
-            </a:r>
-            <a:r>
-              <a:rPr lang="en-US" b="0" i="0" dirty="0" err="1">
-                <a:solidFill>
-                  <a:srgbClr val="374151"/>
-                </a:solidFill>
-                <a:effectLst/>
-                <a:latin typeface="Söhne"/>
-              </a:rPr>
-              <a:t>npm</a:t>
-            </a:r>
-            <a:r>
-              <a:rPr lang="en-US" b="0" i="0" dirty="0">
-                <a:solidFill>
-                  <a:srgbClr val="374151"/>
-                </a:solidFill>
-                <a:effectLst/>
-                <a:latin typeface="Söhne"/>
-              </a:rPr>
-              <a:t> provides access to a vast ecosystem of external modules, which can be easily installed and managed using the </a:t>
-            </a:r>
-            <a:r>
-              <a:rPr lang="en-US" b="0" i="0" dirty="0" err="1">
-                <a:solidFill>
-                  <a:srgbClr val="374151"/>
-                </a:solidFill>
-                <a:effectLst/>
-                <a:latin typeface="Söhne"/>
-              </a:rPr>
-              <a:t>npm</a:t>
-            </a:r>
-            <a:r>
-              <a:rPr lang="en-US" b="0" i="0" dirty="0">
-                <a:solidFill>
-                  <a:srgbClr val="374151"/>
-                </a:solidFill>
-                <a:effectLst/>
-                <a:latin typeface="Söhne"/>
-              </a:rPr>
-              <a:t> install command.</a:t>
-            </a:r>
-          </a:p>
-          <a:p>
+              <a:t>In TypeScript, importing and exporting modules is done using the import and export keywords, respectively. These keywords are used to define relationships between files and to share functionality between them.</a:t>
+            </a:r>
+          </a:p>
+          <a:p>
+            <a:br>
+              <a:rPr lang="en-US" dirty="0"/>
+            </a:br>
             <a:endParaRPr lang="en-IL" dirty="0"/>
           </a:p>
         </p:txBody>
@@ -29777,7 +30062,7 @@
     </p:spTree>
     <p:extLst>
       <p:ext uri="{BB962C8B-B14F-4D97-AF65-F5344CB8AC3E}">
-        <p14:creationId xmlns:p14="http://schemas.microsoft.com/office/powerpoint/2010/main" val="3208017453"/>
+        <p14:creationId xmlns:p14="http://schemas.microsoft.com/office/powerpoint/2010/main" val="2073330554"/>
       </p:ext>
     </p:extLst>
   </p:cSld>
@@ -29826,16 +30111,18 @@
           <a:lstStyle/>
           <a:p>
             <a:r>
-              <a:rPr lang="en-US" dirty="0" err="1"/>
-              <a:t>Vite</a:t>
-            </a:r>
-            <a:r>
               <a:rPr lang="en-US" dirty="0"/>
-              <a:t> </a:t>
-            </a:r>
-            <a:r>
-              <a:rPr lang="en-US" dirty="0" err="1"/>
-              <a:t>url</a:t>
+              <a:t>Node </a:t>
+            </a:r>
+            <a:r>
+              <a:rPr lang="en-US" b="0" i="0" dirty="0">
+                <a:solidFill>
+                  <a:srgbClr val="374151"/>
+                </a:solidFill>
+                <a:effectLst/>
+                <a:latin typeface="Söhne"/>
+              </a:rPr>
+              <a:t>modules</a:t>
             </a:r>
             <a:endParaRPr lang="en-IL" dirty="0"/>
           </a:p>
@@ -29859,21 +30146,123 @@
         </p:nvSpPr>
         <p:spPr/>
         <p:txBody>
-          <a:bodyPr/>
+          <a:bodyPr>
+            <a:normAutofit fontScale="77500" lnSpcReduction="20000"/>
+          </a:bodyPr>
           <a:lstStyle/>
           <a:p>
-            <a:r>
-              <a:rPr lang="en-US" dirty="0"/>
-              <a:t>https://</a:t>
-            </a:r>
-            <a:r>
-              <a:rPr lang="en-US" dirty="0" err="1"/>
-              <a:t>vitejs.dev</a:t>
-            </a:r>
-            <a:r>
-              <a:rPr lang="en-US" dirty="0"/>
-              <a:t>/guide/</a:t>
-            </a:r>
+            <a:pPr algn="l"/>
+            <a:r>
+              <a:rPr lang="en-US" b="0" i="0" dirty="0">
+                <a:solidFill>
+                  <a:srgbClr val="374151"/>
+                </a:solidFill>
+                <a:effectLst/>
+                <a:latin typeface="Söhne"/>
+              </a:rPr>
+              <a:t>Node modules are a fundamental feature of Node.js, which is an open-source, cross-platform JavaScript runtime environment. Node modules are simply reusable packages of code that can be easily included in Node.js projects to extend their functionality.</a:t>
+            </a:r>
+          </a:p>
+          <a:p>
+            <a:pPr algn="l"/>
+            <a:r>
+              <a:rPr lang="en-US" b="0" i="0" dirty="0">
+                <a:solidFill>
+                  <a:srgbClr val="374151"/>
+                </a:solidFill>
+                <a:effectLst/>
+                <a:latin typeface="Söhne"/>
+              </a:rPr>
+              <a:t>In Node.js, modules can be created by writing code in separate files, and then exporting specific functions or objects that can be used in other parts of the application. These exported functions or objects are known as the module's "public API".</a:t>
+            </a:r>
+          </a:p>
+          <a:p>
+            <a:pPr algn="l"/>
+            <a:r>
+              <a:rPr lang="en-US" b="0" i="0" dirty="0">
+                <a:solidFill>
+                  <a:srgbClr val="374151"/>
+                </a:solidFill>
+                <a:effectLst/>
+                <a:latin typeface="Söhne"/>
+              </a:rPr>
+              <a:t>There are two types of modules in Node.js: built-in modules and external modules. Built-in modules are modules that are included with the Node.js runtime and can be used without any additional installation. Examples of built-in modules include fs for file system operations, http for creating web servers, and path for working with file paths.</a:t>
+            </a:r>
+          </a:p>
+          <a:p>
+            <a:pPr algn="l"/>
+            <a:r>
+              <a:rPr lang="en-US" b="0" i="0" dirty="0">
+                <a:solidFill>
+                  <a:srgbClr val="374151"/>
+                </a:solidFill>
+                <a:effectLst/>
+                <a:latin typeface="Söhne"/>
+              </a:rPr>
+              <a:t>External modules, on the other hand, are modules that are created by third-party developers and can be downloaded and installed using Node.js's built-in package manager, </a:t>
+            </a:r>
+            <a:r>
+              <a:rPr lang="en-US" b="0" i="0" dirty="0" err="1">
+                <a:solidFill>
+                  <a:srgbClr val="374151"/>
+                </a:solidFill>
+                <a:effectLst/>
+                <a:latin typeface="Söhne"/>
+              </a:rPr>
+              <a:t>npm</a:t>
+            </a:r>
+            <a:r>
+              <a:rPr lang="en-US" b="0" i="0" dirty="0">
+                <a:solidFill>
+                  <a:srgbClr val="374151"/>
+                </a:solidFill>
+                <a:effectLst/>
+                <a:latin typeface="Söhne"/>
+              </a:rPr>
+              <a:t>. </a:t>
+            </a:r>
+            <a:r>
+              <a:rPr lang="en-US" b="0" i="0" dirty="0" err="1">
+                <a:solidFill>
+                  <a:srgbClr val="374151"/>
+                </a:solidFill>
+                <a:effectLst/>
+                <a:latin typeface="Söhne"/>
+              </a:rPr>
+              <a:t>npm</a:t>
+            </a:r>
+            <a:r>
+              <a:rPr lang="en-US" b="0" i="0" dirty="0">
+                <a:solidFill>
+                  <a:srgbClr val="374151"/>
+                </a:solidFill>
+                <a:effectLst/>
+                <a:latin typeface="Söhne"/>
+              </a:rPr>
+              <a:t> provides access to a vast ecosystem of external modules, which can be easily installed and managed using the </a:t>
+            </a:r>
+            <a:r>
+              <a:rPr lang="en-US" b="0" i="0" dirty="0" err="1">
+                <a:solidFill>
+                  <a:srgbClr val="374151"/>
+                </a:solidFill>
+                <a:effectLst/>
+                <a:latin typeface="Söhne"/>
+              </a:rPr>
+              <a:t>npm</a:t>
+            </a:r>
+            <a:r>
+              <a:rPr lang="en-US" b="0" i="0" dirty="0">
+                <a:solidFill>
+                  <a:srgbClr val="374151"/>
+                </a:solidFill>
+                <a:effectLst/>
+                <a:latin typeface="Söhne"/>
+              </a:rPr>
+              <a:t> install command.</a:t>
+            </a:r>
+          </a:p>
+          <a:p>
             <a:endParaRPr lang="en-IL" dirty="0"/>
           </a:p>
         </p:txBody>
@@ -29881,7 +30270,7 @@
     </p:spTree>
     <p:extLst>
       <p:ext uri="{BB962C8B-B14F-4D97-AF65-F5344CB8AC3E}">
-        <p14:creationId xmlns:p14="http://schemas.microsoft.com/office/powerpoint/2010/main" val="3573542311"/>
+        <p14:creationId xmlns:p14="http://schemas.microsoft.com/office/powerpoint/2010/main" val="3208017453"/>
       </p:ext>
     </p:extLst>
   </p:cSld>
@@ -29931,7 +30320,15 @@
           <a:p>
             <a:r>
               <a:rPr lang="en-US" dirty="0" err="1"/>
-              <a:t>vite</a:t>
+              <a:t>Vite</a:t>
+            </a:r>
+            <a:r>
+              <a:rPr lang="en-US" dirty="0"/>
+              <a:t> </a:t>
+            </a:r>
+            <a:r>
+              <a:rPr lang="en-US" dirty="0" err="1"/>
+              <a:t>url</a:t>
             </a:r>
             <a:endParaRPr lang="en-IL" dirty="0"/>
           </a:p>
@@ -29955,83 +30352,21 @@
         </p:nvSpPr>
         <p:spPr/>
         <p:txBody>
-          <a:bodyPr>
-            <a:normAutofit fontScale="70000" lnSpcReduction="20000"/>
-          </a:bodyPr>
+          <a:bodyPr/>
           <a:lstStyle/>
           <a:p>
             <a:r>
+              <a:rPr lang="en-US" dirty="0"/>
+              <a:t>https://</a:t>
+            </a:r>
+            <a:r>
               <a:rPr lang="en-US" dirty="0" err="1"/>
-              <a:t>Vite</a:t>
+              <a:t>vitejs.dev</a:t>
             </a:r>
             <a:r>
               <a:rPr lang="en-US" dirty="0"/>
-              <a:t> is a modern, fast, and lightweight build tool and development server for web applications. It was developed by Evan You, the creator of </a:t>
-            </a:r>
-            <a:r>
-              <a:rPr lang="en-US" dirty="0" err="1"/>
-              <a:t>Vue.js</a:t>
-            </a:r>
-            <a:r>
-              <a:rPr lang="en-US" dirty="0"/>
-              <a:t>, and is designed to provide a smooth and efficient development experience for modern web development workflows.</a:t>
-            </a:r>
-          </a:p>
-          <a:p>
-            <a:r>
-              <a:rPr lang="en-US" dirty="0"/>
-              <a:t>One of the key features of </a:t>
-            </a:r>
-            <a:r>
-              <a:rPr lang="en-US" dirty="0" err="1"/>
-              <a:t>Vite</a:t>
-            </a:r>
-            <a:r>
-              <a:rPr lang="en-US" dirty="0"/>
-              <a:t> is its fast build times, which are achieved by leveraging the native ES modules support in modern web browsers. Instead of bundling all your code into a single JavaScript file, </a:t>
-            </a:r>
-            <a:r>
-              <a:rPr lang="en-US" dirty="0" err="1"/>
-              <a:t>Vite</a:t>
-            </a:r>
-            <a:r>
-              <a:rPr lang="en-US" dirty="0"/>
-              <a:t> uses a "just-in-time" (JIT) compilation strategy that allows it to compile and serve individual modules on demand, as they are requested by the browser.</a:t>
-            </a:r>
-          </a:p>
-          <a:p>
-            <a:r>
-              <a:rPr lang="en-US" dirty="0"/>
-              <a:t>In addition to fast build times, </a:t>
-            </a:r>
-            <a:r>
-              <a:rPr lang="en-US" dirty="0" err="1"/>
-              <a:t>Vite</a:t>
-            </a:r>
-            <a:r>
-              <a:rPr lang="en-US" dirty="0"/>
-              <a:t> also includes a built-in development server that supports features like hot module replacement (HMR) and fast-refreshing. This means that you can make changes to your code and see the results in your browser almost instantly, without having to manually refresh the page.</a:t>
-            </a:r>
-          </a:p>
-          <a:p>
-            <a:r>
-              <a:rPr lang="en-US" dirty="0" err="1"/>
-              <a:t>Vite</a:t>
-            </a:r>
-            <a:r>
-              <a:rPr lang="en-US" dirty="0"/>
-              <a:t> also supports a wide range of modern web development technologies, including TypeScript, React, </a:t>
-            </a:r>
-            <a:r>
-              <a:rPr lang="en-US" dirty="0" err="1"/>
-              <a:t>Vue.js</a:t>
-            </a:r>
-            <a:r>
-              <a:rPr lang="en-US" dirty="0"/>
-              <a:t>, and CSS preprocessors like Sass and Less. It provides a simple and intuitive configuration file format that makes it easy to customize and extend the build process to suit your specific needs.</a:t>
-            </a:r>
-          </a:p>
-          <a:p>
+              <a:t>/guide/</a:t>
+            </a:r>
             <a:endParaRPr lang="en-IL" dirty="0"/>
           </a:p>
         </p:txBody>
@@ -30039,7 +30374,7 @@
     </p:spTree>
     <p:extLst>
       <p:ext uri="{BB962C8B-B14F-4D97-AF65-F5344CB8AC3E}">
-        <p14:creationId xmlns:p14="http://schemas.microsoft.com/office/powerpoint/2010/main" val="2392132303"/>
+        <p14:creationId xmlns:p14="http://schemas.microsoft.com/office/powerpoint/2010/main" val="3573542311"/>
       </p:ext>
     </p:extLst>
   </p:cSld>
@@ -30089,11 +30424,7 @@
           <a:p>
             <a:r>
               <a:rPr lang="en-US" dirty="0" err="1"/>
-              <a:t>Next.js</a:t>
-            </a:r>
-            <a:r>
-              <a:rPr lang="en-US" dirty="0"/>
-              <a:t> start!</a:t>
+              <a:t>vite</a:t>
             </a:r>
             <a:endParaRPr lang="en-IL" dirty="0"/>
           </a:p>
@@ -30118,407 +30449,90 @@
         <p:spPr/>
         <p:txBody>
           <a:bodyPr>
-            <a:normAutofit fontScale="92500" lnSpcReduction="20000"/>
+            <a:normAutofit fontScale="70000" lnSpcReduction="20000"/>
           </a:bodyPr>
           <a:lstStyle/>
           <a:p>
-            <a:pPr algn="l"/>
-            <a:r>
-              <a:rPr lang="en-US" sz="1600" b="0" i="0" dirty="0" err="1">
-                <a:solidFill>
-                  <a:srgbClr val="374151"/>
-                </a:solidFill>
-                <a:effectLst/>
-                <a:latin typeface="Söhne"/>
-              </a:rPr>
-              <a:t>Next.js</a:t>
-            </a:r>
-            <a:r>
-              <a:rPr lang="en-US" sz="1600" b="0" i="0" dirty="0">
-                <a:solidFill>
-                  <a:srgbClr val="374151"/>
-                </a:solidFill>
-                <a:effectLst/>
-                <a:latin typeface="Söhne"/>
-              </a:rPr>
-              <a:t> is a popular, open-source React framework developed by </a:t>
-            </a:r>
-            <a:r>
-              <a:rPr lang="en-US" sz="1600" b="0" i="0" dirty="0" err="1">
-                <a:solidFill>
-                  <a:srgbClr val="374151"/>
-                </a:solidFill>
-                <a:effectLst/>
-                <a:latin typeface="Söhne"/>
-              </a:rPr>
-              <a:t>Vercel</a:t>
-            </a:r>
-            <a:r>
-              <a:rPr lang="en-US" sz="1600" b="0" i="0" dirty="0">
-                <a:solidFill>
-                  <a:srgbClr val="374151"/>
-                </a:solidFill>
-                <a:effectLst/>
-                <a:latin typeface="Söhne"/>
-              </a:rPr>
-              <a:t>. It simplifies the process of building modern web applications, particularly server-rendered React applications. With a focus on performance, developer experience, and scalability, </a:t>
-            </a:r>
-            <a:r>
-              <a:rPr lang="en-US" sz="1600" b="0" i="0" dirty="0" err="1">
-                <a:solidFill>
-                  <a:srgbClr val="374151"/>
-                </a:solidFill>
-                <a:effectLst/>
-                <a:latin typeface="Söhne"/>
-              </a:rPr>
-              <a:t>Next.js</a:t>
-            </a:r>
-            <a:r>
-              <a:rPr lang="en-US" sz="1600" b="0" i="0" dirty="0">
-                <a:solidFill>
-                  <a:srgbClr val="374151"/>
-                </a:solidFill>
-                <a:effectLst/>
-                <a:latin typeface="Söhne"/>
-              </a:rPr>
-              <a:t> offers features such as server-side rendering (SSR), static site generation (SSG), and API routes.</a:t>
-            </a:r>
-          </a:p>
-          <a:p>
-            <a:pPr algn="l"/>
-            <a:r>
-              <a:rPr lang="en-US" sz="1600" b="0" i="0" dirty="0">
-                <a:solidFill>
-                  <a:srgbClr val="374151"/>
-                </a:solidFill>
-                <a:effectLst/>
-                <a:latin typeface="Söhne"/>
-              </a:rPr>
-              <a:t>Here are some key concepts and features of </a:t>
-            </a:r>
-            <a:r>
-              <a:rPr lang="en-US" sz="1600" b="0" i="0" dirty="0" err="1">
-                <a:solidFill>
-                  <a:srgbClr val="374151"/>
-                </a:solidFill>
-                <a:effectLst/>
-                <a:latin typeface="Söhne"/>
-              </a:rPr>
-              <a:t>Next.js</a:t>
-            </a:r>
-            <a:r>
-              <a:rPr lang="en-US" sz="1600" b="0" i="0" dirty="0">
-                <a:solidFill>
-                  <a:srgbClr val="374151"/>
-                </a:solidFill>
-                <a:effectLst/>
-                <a:latin typeface="Söhne"/>
-              </a:rPr>
-              <a:t>:</a:t>
-            </a:r>
-          </a:p>
-          <a:p>
-            <a:pPr algn="l">
-              <a:buFont typeface="+mj-lt"/>
-              <a:buAutoNum type="arabicPeriod"/>
-            </a:pPr>
-            <a:r>
-              <a:rPr lang="en-US" sz="1600" b="0" i="0" dirty="0">
-                <a:solidFill>
-                  <a:srgbClr val="374151"/>
-                </a:solidFill>
-                <a:effectLst/>
-                <a:latin typeface="Söhne"/>
-              </a:rPr>
-              <a:t>File-based routing: </a:t>
-            </a:r>
-            <a:r>
-              <a:rPr lang="en-US" sz="1600" b="0" i="0" dirty="0" err="1">
-                <a:solidFill>
-                  <a:srgbClr val="374151"/>
-                </a:solidFill>
-                <a:effectLst/>
-                <a:latin typeface="Söhne"/>
-              </a:rPr>
-              <a:t>Next.js</a:t>
-            </a:r>
-            <a:r>
-              <a:rPr lang="en-US" sz="1600" b="0" i="0" dirty="0">
-                <a:solidFill>
-                  <a:srgbClr val="374151"/>
-                </a:solidFill>
-                <a:effectLst/>
-                <a:latin typeface="Söhne"/>
-              </a:rPr>
-              <a:t> automatically generates routes based on the file structure inside the pages directory. For example, if you create a file named </a:t>
-            </a:r>
-            <a:r>
-              <a:rPr lang="en-US" sz="1600" b="0" i="0" dirty="0" err="1">
-                <a:solidFill>
-                  <a:srgbClr val="374151"/>
-                </a:solidFill>
-                <a:effectLst/>
-                <a:latin typeface="Söhne"/>
-              </a:rPr>
-              <a:t>about.js</a:t>
-            </a:r>
-            <a:r>
-              <a:rPr lang="en-US" sz="1600" b="0" i="0" dirty="0">
-                <a:solidFill>
-                  <a:srgbClr val="374151"/>
-                </a:solidFill>
-                <a:effectLst/>
-                <a:latin typeface="Söhne"/>
-              </a:rPr>
-              <a:t> in the pages folder, it will be accessible at the /about route.</a:t>
-            </a:r>
-          </a:p>
-          <a:p>
-            <a:pPr algn="l">
-              <a:buFont typeface="+mj-lt"/>
-              <a:buAutoNum type="arabicPeriod"/>
-            </a:pPr>
-            <a:r>
-              <a:rPr lang="en-US" sz="1600" b="0" i="0" dirty="0">
-                <a:solidFill>
-                  <a:srgbClr val="374151"/>
-                </a:solidFill>
-                <a:effectLst/>
-                <a:latin typeface="Söhne"/>
-              </a:rPr>
-              <a:t>Server-side rendering (SSR): </a:t>
-            </a:r>
-            <a:r>
-              <a:rPr lang="en-US" sz="1600" b="0" i="0" dirty="0" err="1">
-                <a:solidFill>
-                  <a:srgbClr val="374151"/>
-                </a:solidFill>
-                <a:effectLst/>
-                <a:latin typeface="Söhne"/>
-              </a:rPr>
-              <a:t>Next.js</a:t>
-            </a:r>
-            <a:r>
-              <a:rPr lang="en-US" sz="1600" b="0" i="0" dirty="0">
-                <a:solidFill>
-                  <a:srgbClr val="374151"/>
-                </a:solidFill>
-                <a:effectLst/>
-                <a:latin typeface="Söhne"/>
-              </a:rPr>
-              <a:t> supports SSR out-of-the-box. This allows you to fetch data on the server before rendering the page, improving the performance and SEO of your application. To enable SSR, you can use the </a:t>
-            </a:r>
-            <a:r>
-              <a:rPr lang="en-US" sz="1600" b="0" i="0" dirty="0" err="1">
-                <a:solidFill>
-                  <a:srgbClr val="374151"/>
-                </a:solidFill>
-                <a:effectLst/>
-                <a:latin typeface="Söhne"/>
-              </a:rPr>
-              <a:t>getServerSideProps</a:t>
-            </a:r>
-            <a:r>
-              <a:rPr lang="en-US" sz="1600" b="0" i="0" dirty="0">
-                <a:solidFill>
-                  <a:srgbClr val="374151"/>
-                </a:solidFill>
-                <a:effectLst/>
-                <a:latin typeface="Söhne"/>
-              </a:rPr>
-              <a:t> function in your page component.</a:t>
-            </a:r>
-          </a:p>
-          <a:p>
-            <a:pPr algn="l">
-              <a:buFont typeface="+mj-lt"/>
-              <a:buAutoNum type="arabicPeriod"/>
-            </a:pPr>
-            <a:r>
-              <a:rPr lang="en-US" sz="1600" b="0" i="0" dirty="0">
-                <a:solidFill>
-                  <a:srgbClr val="374151"/>
-                </a:solidFill>
-                <a:effectLst/>
-                <a:latin typeface="Söhne"/>
-              </a:rPr>
-              <a:t>Static site generation (SSG): </a:t>
-            </a:r>
-            <a:r>
-              <a:rPr lang="en-US" sz="1600" b="0" i="0" dirty="0" err="1">
-                <a:solidFill>
-                  <a:srgbClr val="374151"/>
-                </a:solidFill>
-                <a:effectLst/>
-                <a:latin typeface="Söhne"/>
-              </a:rPr>
-              <a:t>Next.js</a:t>
-            </a:r>
-            <a:r>
-              <a:rPr lang="en-US" sz="1600" b="0" i="0" dirty="0">
-                <a:solidFill>
-                  <a:srgbClr val="374151"/>
-                </a:solidFill>
-                <a:effectLst/>
-                <a:latin typeface="Söhne"/>
-              </a:rPr>
-              <a:t> also supports SSG, which enables you to pre-render pages at build time. This is useful for content that doesn't change frequently, as it reduces server load and improves performance. To enable SSG, you can use the </a:t>
-            </a:r>
-            <a:r>
-              <a:rPr lang="en-US" sz="1600" b="0" i="0" dirty="0" err="1">
-                <a:solidFill>
-                  <a:srgbClr val="374151"/>
-                </a:solidFill>
-                <a:effectLst/>
-                <a:latin typeface="Söhne"/>
-              </a:rPr>
-              <a:t>getStaticProps</a:t>
-            </a:r>
-            <a:r>
-              <a:rPr lang="en-US" sz="1600" b="0" i="0" dirty="0">
-                <a:solidFill>
-                  <a:srgbClr val="374151"/>
-                </a:solidFill>
-                <a:effectLst/>
-                <a:latin typeface="Söhne"/>
-              </a:rPr>
-              <a:t> function in your page component.</a:t>
-            </a:r>
-          </a:p>
-          <a:p>
-            <a:pPr algn="l">
-              <a:buFont typeface="+mj-lt"/>
-              <a:buAutoNum type="arabicPeriod"/>
-            </a:pPr>
-            <a:r>
-              <a:rPr lang="en-US" sz="1600" b="0" i="0" dirty="0">
-                <a:solidFill>
-                  <a:srgbClr val="374151"/>
-                </a:solidFill>
-                <a:effectLst/>
-                <a:latin typeface="Söhne"/>
-              </a:rPr>
-              <a:t>API routes: </a:t>
-            </a:r>
-            <a:r>
-              <a:rPr lang="en-US" sz="1600" b="0" i="0" dirty="0" err="1">
-                <a:solidFill>
-                  <a:srgbClr val="374151"/>
-                </a:solidFill>
-                <a:effectLst/>
-                <a:latin typeface="Söhne"/>
-              </a:rPr>
-              <a:t>Next.js</a:t>
-            </a:r>
-            <a:r>
-              <a:rPr lang="en-US" sz="1600" b="0" i="0" dirty="0">
-                <a:solidFill>
-                  <a:srgbClr val="374151"/>
-                </a:solidFill>
-                <a:effectLst/>
-                <a:latin typeface="Söhne"/>
-              </a:rPr>
-              <a:t> allows you to create serverless API routes by placing files inside the pages/</a:t>
-            </a:r>
-            <a:r>
-              <a:rPr lang="en-US" sz="1600" b="0" i="0" dirty="0" err="1">
-                <a:solidFill>
-                  <a:srgbClr val="374151"/>
-                </a:solidFill>
-                <a:effectLst/>
-                <a:latin typeface="Söhne"/>
-              </a:rPr>
-              <a:t>api</a:t>
-            </a:r>
-            <a:r>
-              <a:rPr lang="en-US" sz="1600" b="0" i="0" dirty="0">
-                <a:solidFill>
-                  <a:srgbClr val="374151"/>
-                </a:solidFill>
-                <a:effectLst/>
-                <a:latin typeface="Söhne"/>
-              </a:rPr>
-              <a:t> directory. These routes are automatically available as serverless functions that can handle HTTP requests. You can use these API routes to build your application's backend logic.</a:t>
-            </a:r>
-          </a:p>
-          <a:p>
-            <a:pPr algn="l">
-              <a:buFont typeface="+mj-lt"/>
-              <a:buAutoNum type="arabicPeriod"/>
-            </a:pPr>
-            <a:r>
-              <a:rPr lang="en-US" sz="1600" b="0" i="0" dirty="0">
-                <a:solidFill>
-                  <a:srgbClr val="374151"/>
-                </a:solidFill>
-                <a:effectLst/>
-                <a:latin typeface="Söhne"/>
-              </a:rPr>
-              <a:t>Dynamic imports: </a:t>
-            </a:r>
-            <a:r>
-              <a:rPr lang="en-US" sz="1600" b="0" i="0" dirty="0" err="1">
-                <a:solidFill>
-                  <a:srgbClr val="374151"/>
-                </a:solidFill>
-                <a:effectLst/>
-                <a:latin typeface="Söhne"/>
-              </a:rPr>
-              <a:t>Next.js</a:t>
-            </a:r>
-            <a:r>
-              <a:rPr lang="en-US" sz="1600" b="0" i="0" dirty="0">
-                <a:solidFill>
-                  <a:srgbClr val="374151"/>
-                </a:solidFill>
-                <a:effectLst/>
-                <a:latin typeface="Söhne"/>
-              </a:rPr>
-              <a:t> supports dynamic imports, which means you can load parts of your application only when they are needed. This can help improve the performance of your application by reducing the initial bundle size.</a:t>
-            </a:r>
-          </a:p>
-          <a:p>
-            <a:pPr algn="l">
-              <a:buFont typeface="+mj-lt"/>
-              <a:buAutoNum type="arabicPeriod"/>
-            </a:pPr>
-            <a:r>
-              <a:rPr lang="en-US" sz="1600" b="0" i="0" dirty="0">
-                <a:solidFill>
-                  <a:srgbClr val="374151"/>
-                </a:solidFill>
-                <a:effectLst/>
-                <a:latin typeface="Söhne"/>
-              </a:rPr>
-              <a:t>Built-in CSS and Sass support: </a:t>
-            </a:r>
-            <a:r>
-              <a:rPr lang="en-US" sz="1600" b="0" i="0" dirty="0" err="1">
-                <a:solidFill>
-                  <a:srgbClr val="374151"/>
-                </a:solidFill>
-                <a:effectLst/>
-                <a:latin typeface="Söhne"/>
-              </a:rPr>
-              <a:t>Next.js</a:t>
-            </a:r>
-            <a:r>
-              <a:rPr lang="en-US" sz="1600" b="0" i="0" dirty="0">
-                <a:solidFill>
-                  <a:srgbClr val="374151"/>
-                </a:solidFill>
-                <a:effectLst/>
-                <a:latin typeface="Söhne"/>
-              </a:rPr>
-              <a:t> comes with built-in support for CSS and Sass styling, which makes it easy to style your components without needing additional configuration.</a:t>
-            </a:r>
+            <a:r>
+              <a:rPr lang="en-US" dirty="0" err="1"/>
+              <a:t>Vite</a:t>
+            </a:r>
+            <a:r>
+              <a:rPr lang="en-US" dirty="0"/>
+              <a:t> is a modern, fast, and lightweight build tool and development server for web applications. It was developed by Evan You, the creator of </a:t>
+            </a:r>
+            <a:r>
+              <a:rPr lang="en-US" dirty="0" err="1"/>
+              <a:t>Vue.js</a:t>
+            </a:r>
+            <a:r>
+              <a:rPr lang="en-US" dirty="0"/>
+              <a:t>, and is designed to provide a smooth and efficient development experience for modern web development workflows.</a:t>
+            </a:r>
+          </a:p>
+          <a:p>
+            <a:r>
+              <a:rPr lang="en-US" dirty="0"/>
+              <a:t>One of the key features of </a:t>
+            </a:r>
+            <a:r>
+              <a:rPr lang="en-US" dirty="0" err="1"/>
+              <a:t>Vite</a:t>
+            </a:r>
+            <a:r>
+              <a:rPr lang="en-US" dirty="0"/>
+              <a:t> is its fast build times, which are achieved by leveraging the native ES modules support in modern web browsers. Instead of bundling all your code into a single JavaScript file, </a:t>
+            </a:r>
+            <a:r>
+              <a:rPr lang="en-US" dirty="0" err="1"/>
+              <a:t>Vite</a:t>
+            </a:r>
+            <a:r>
+              <a:rPr lang="en-US" dirty="0"/>
+              <a:t> uses a "just-in-time" (JIT) compilation strategy that allows it to compile and serve individual modules on demand, as they are requested by the browser.</a:t>
+            </a:r>
+          </a:p>
+          <a:p>
+            <a:r>
+              <a:rPr lang="en-US" dirty="0"/>
+              <a:t>In addition to fast build times, </a:t>
+            </a:r>
+            <a:r>
+              <a:rPr lang="en-US" dirty="0" err="1"/>
+              <a:t>Vite</a:t>
+            </a:r>
+            <a:r>
+              <a:rPr lang="en-US" dirty="0"/>
+              <a:t> also includes a built-in development server that supports features like hot module replacement (HMR) and fast-refreshing. This means that you can make changes to your code and see the results in your browser almost instantly, without having to manually refresh the page.</a:t>
+            </a:r>
+          </a:p>
+          <a:p>
+            <a:r>
+              <a:rPr lang="en-US" dirty="0" err="1"/>
+              <a:t>Vite</a:t>
+            </a:r>
+            <a:r>
+              <a:rPr lang="en-US" dirty="0"/>
+              <a:t> also supports a wide range of modern web development technologies, including TypeScript, React, </a:t>
+            </a:r>
+            <a:r>
+              <a:rPr lang="en-US" dirty="0" err="1"/>
+              <a:t>Vue.js</a:t>
+            </a:r>
+            <a:r>
+              <a:rPr lang="en-US" dirty="0"/>
+              <a:t>, and CSS preprocessors like Sass and Less. It provides a simple and intuitive configuration file format that makes it easy to customize and extend the build process to suit your specific needs.</a:t>
+            </a:r>
+          </a:p>
+          <a:p>
+            <a:endParaRPr lang="en-IL" dirty="0"/>
           </a:p>
         </p:txBody>
       </p:sp>
     </p:spTree>
     <p:extLst>
       <p:ext uri="{BB962C8B-B14F-4D97-AF65-F5344CB8AC3E}">
-        <p14:creationId xmlns:p14="http://schemas.microsoft.com/office/powerpoint/2010/main" val="1722136854"/>
+        <p14:creationId xmlns:p14="http://schemas.microsoft.com/office/powerpoint/2010/main" val="2392132303"/>
       </p:ext>
     </p:extLst>
   </p:cSld>
@@ -30567,8 +30581,12 @@
           <a:lstStyle/>
           <a:p>
             <a:r>
+              <a:rPr lang="en-US" dirty="0" err="1"/>
+              <a:t>Next.js</a:t>
+            </a:r>
+            <a:r>
               <a:rPr lang="en-US" dirty="0"/>
-              <a:t>Let’s start</a:t>
+              <a:t> start!</a:t>
             </a:r>
             <a:endParaRPr lang="en-IL" dirty="0"/>
           </a:p>
@@ -30592,29 +30610,408 @@
         </p:nvSpPr>
         <p:spPr/>
         <p:txBody>
-          <a:bodyPr/>
+          <a:bodyPr>
+            <a:normAutofit fontScale="92500" lnSpcReduction="20000"/>
+          </a:bodyPr>
           <a:lstStyle/>
           <a:p>
-            <a:r>
-              <a:rPr lang="en-US" dirty="0"/>
-              <a:t>https://</a:t>
-            </a:r>
-            <a:r>
-              <a:rPr lang="en-US" dirty="0" err="1"/>
-              <a:t>nextjs.org</a:t>
-            </a:r>
-            <a:r>
-              <a:rPr lang="en-US" dirty="0"/>
-              <a:t>/docs</a:t>
-            </a:r>
-            <a:endParaRPr lang="en-IL" dirty="0"/>
+            <a:pPr algn="l"/>
+            <a:r>
+              <a:rPr lang="en-US" sz="1600" b="0" i="0" dirty="0" err="1">
+                <a:solidFill>
+                  <a:srgbClr val="374151"/>
+                </a:solidFill>
+                <a:effectLst/>
+                <a:latin typeface="Söhne"/>
+              </a:rPr>
+              <a:t>Next.js</a:t>
+            </a:r>
+            <a:r>
+              <a:rPr lang="en-US" sz="1600" b="0" i="0" dirty="0">
+                <a:solidFill>
+                  <a:srgbClr val="374151"/>
+                </a:solidFill>
+                <a:effectLst/>
+                <a:latin typeface="Söhne"/>
+              </a:rPr>
+              <a:t> is a popular, open-source React framework developed by </a:t>
+            </a:r>
+            <a:r>
+              <a:rPr lang="en-US" sz="1600" b="0" i="0" dirty="0" err="1">
+                <a:solidFill>
+                  <a:srgbClr val="374151"/>
+                </a:solidFill>
+                <a:effectLst/>
+                <a:latin typeface="Söhne"/>
+              </a:rPr>
+              <a:t>Vercel</a:t>
+            </a:r>
+            <a:r>
+              <a:rPr lang="en-US" sz="1600" b="0" i="0" dirty="0">
+                <a:solidFill>
+                  <a:srgbClr val="374151"/>
+                </a:solidFill>
+                <a:effectLst/>
+                <a:latin typeface="Söhne"/>
+              </a:rPr>
+              <a:t>. It simplifies the process of building modern web applications, particularly server-rendered React applications. With a focus on performance, developer experience, and scalability, </a:t>
+            </a:r>
+            <a:r>
+              <a:rPr lang="en-US" sz="1600" b="0" i="0" dirty="0" err="1">
+                <a:solidFill>
+                  <a:srgbClr val="374151"/>
+                </a:solidFill>
+                <a:effectLst/>
+                <a:latin typeface="Söhne"/>
+              </a:rPr>
+              <a:t>Next.js</a:t>
+            </a:r>
+            <a:r>
+              <a:rPr lang="en-US" sz="1600" b="0" i="0" dirty="0">
+                <a:solidFill>
+                  <a:srgbClr val="374151"/>
+                </a:solidFill>
+                <a:effectLst/>
+                <a:latin typeface="Söhne"/>
+              </a:rPr>
+              <a:t> offers features such as server-side rendering (SSR), static site generation (SSG), and API routes.</a:t>
+            </a:r>
+          </a:p>
+          <a:p>
+            <a:pPr algn="l"/>
+            <a:r>
+              <a:rPr lang="en-US" sz="1600" b="0" i="0" dirty="0">
+                <a:solidFill>
+                  <a:srgbClr val="374151"/>
+                </a:solidFill>
+                <a:effectLst/>
+                <a:latin typeface="Söhne"/>
+              </a:rPr>
+              <a:t>Here are some key concepts and features of </a:t>
+            </a:r>
+            <a:r>
+              <a:rPr lang="en-US" sz="1600" b="0" i="0" dirty="0" err="1">
+                <a:solidFill>
+                  <a:srgbClr val="374151"/>
+                </a:solidFill>
+                <a:effectLst/>
+                <a:latin typeface="Söhne"/>
+              </a:rPr>
+              <a:t>Next.js</a:t>
+            </a:r>
+            <a:r>
+              <a:rPr lang="en-US" sz="1600" b="0" i="0" dirty="0">
+                <a:solidFill>
+                  <a:srgbClr val="374151"/>
+                </a:solidFill>
+                <a:effectLst/>
+                <a:latin typeface="Söhne"/>
+              </a:rPr>
+              <a:t>:</a:t>
+            </a:r>
+          </a:p>
+          <a:p>
+            <a:pPr algn="l">
+              <a:buFont typeface="+mj-lt"/>
+              <a:buAutoNum type="arabicPeriod"/>
+            </a:pPr>
+            <a:r>
+              <a:rPr lang="en-US" sz="1600" b="0" i="0" dirty="0">
+                <a:solidFill>
+                  <a:srgbClr val="374151"/>
+                </a:solidFill>
+                <a:effectLst/>
+                <a:latin typeface="Söhne"/>
+              </a:rPr>
+              <a:t>File-based routing: </a:t>
+            </a:r>
+            <a:r>
+              <a:rPr lang="en-US" sz="1600" b="0" i="0" dirty="0" err="1">
+                <a:solidFill>
+                  <a:srgbClr val="374151"/>
+                </a:solidFill>
+                <a:effectLst/>
+                <a:latin typeface="Söhne"/>
+              </a:rPr>
+              <a:t>Next.js</a:t>
+            </a:r>
+            <a:r>
+              <a:rPr lang="en-US" sz="1600" b="0" i="0" dirty="0">
+                <a:solidFill>
+                  <a:srgbClr val="374151"/>
+                </a:solidFill>
+                <a:effectLst/>
+                <a:latin typeface="Söhne"/>
+              </a:rPr>
+              <a:t> automatically generates routes based on the file structure inside the pages directory. For example, if you create a file named </a:t>
+            </a:r>
+            <a:r>
+              <a:rPr lang="en-US" sz="1600" b="0" i="0" dirty="0" err="1">
+                <a:solidFill>
+                  <a:srgbClr val="374151"/>
+                </a:solidFill>
+                <a:effectLst/>
+                <a:latin typeface="Söhne"/>
+              </a:rPr>
+              <a:t>about.js</a:t>
+            </a:r>
+            <a:r>
+              <a:rPr lang="en-US" sz="1600" b="0" i="0" dirty="0">
+                <a:solidFill>
+                  <a:srgbClr val="374151"/>
+                </a:solidFill>
+                <a:effectLst/>
+                <a:latin typeface="Söhne"/>
+              </a:rPr>
+              <a:t> in the pages folder, it will be accessible at the /about route.</a:t>
+            </a:r>
+          </a:p>
+          <a:p>
+            <a:pPr algn="l">
+              <a:buFont typeface="+mj-lt"/>
+              <a:buAutoNum type="arabicPeriod"/>
+            </a:pPr>
+            <a:r>
+              <a:rPr lang="en-US" sz="1600" b="0" i="0" dirty="0">
+                <a:solidFill>
+                  <a:srgbClr val="374151"/>
+                </a:solidFill>
+                <a:effectLst/>
+                <a:latin typeface="Söhne"/>
+              </a:rPr>
+              <a:t>Server-side rendering (SSR): </a:t>
+            </a:r>
+            <a:r>
+              <a:rPr lang="en-US" sz="1600" b="0" i="0" dirty="0" err="1">
+                <a:solidFill>
+                  <a:srgbClr val="374151"/>
+                </a:solidFill>
+                <a:effectLst/>
+                <a:latin typeface="Söhne"/>
+              </a:rPr>
+              <a:t>Next.js</a:t>
+            </a:r>
+            <a:r>
+              <a:rPr lang="en-US" sz="1600" b="0" i="0" dirty="0">
+                <a:solidFill>
+                  <a:srgbClr val="374151"/>
+                </a:solidFill>
+                <a:effectLst/>
+                <a:latin typeface="Söhne"/>
+              </a:rPr>
+              <a:t> supports SSR out-of-the-box. This allows you to fetch data on the server before rendering the page, improving the performance and SEO of your application. To enable SSR, you can use the </a:t>
+            </a:r>
+            <a:r>
+              <a:rPr lang="en-US" sz="1600" b="0" i="0" dirty="0" err="1">
+                <a:solidFill>
+                  <a:srgbClr val="374151"/>
+                </a:solidFill>
+                <a:effectLst/>
+                <a:latin typeface="Söhne"/>
+              </a:rPr>
+              <a:t>getServerSideProps</a:t>
+            </a:r>
+            <a:r>
+              <a:rPr lang="en-US" sz="1600" b="0" i="0" dirty="0">
+                <a:solidFill>
+                  <a:srgbClr val="374151"/>
+                </a:solidFill>
+                <a:effectLst/>
+                <a:latin typeface="Söhne"/>
+              </a:rPr>
+              <a:t> function in your page component.</a:t>
+            </a:r>
+          </a:p>
+          <a:p>
+            <a:pPr algn="l">
+              <a:buFont typeface="+mj-lt"/>
+              <a:buAutoNum type="arabicPeriod"/>
+            </a:pPr>
+            <a:r>
+              <a:rPr lang="en-US" sz="1600" b="0" i="0" dirty="0">
+                <a:solidFill>
+                  <a:srgbClr val="374151"/>
+                </a:solidFill>
+                <a:effectLst/>
+                <a:latin typeface="Söhne"/>
+              </a:rPr>
+              <a:t>Static site generation (SSG): </a:t>
+            </a:r>
+            <a:r>
+              <a:rPr lang="en-US" sz="1600" b="0" i="0" dirty="0" err="1">
+                <a:solidFill>
+                  <a:srgbClr val="374151"/>
+                </a:solidFill>
+                <a:effectLst/>
+                <a:latin typeface="Söhne"/>
+              </a:rPr>
+              <a:t>Next.js</a:t>
+            </a:r>
+            <a:r>
+              <a:rPr lang="en-US" sz="1600" b="0" i="0" dirty="0">
+                <a:solidFill>
+                  <a:srgbClr val="374151"/>
+                </a:solidFill>
+                <a:effectLst/>
+                <a:latin typeface="Söhne"/>
+              </a:rPr>
+              <a:t> also supports SSG, which enables you to pre-render pages at build time. This is useful for content that doesn't change frequently, as it reduces server load and improves performance. To enable SSG, you can use the </a:t>
+            </a:r>
+            <a:r>
+              <a:rPr lang="en-US" sz="1600" b="0" i="0" dirty="0" err="1">
+                <a:solidFill>
+                  <a:srgbClr val="374151"/>
+                </a:solidFill>
+                <a:effectLst/>
+                <a:latin typeface="Söhne"/>
+              </a:rPr>
+              <a:t>getStaticProps</a:t>
+            </a:r>
+            <a:r>
+              <a:rPr lang="en-US" sz="1600" b="0" i="0" dirty="0">
+                <a:solidFill>
+                  <a:srgbClr val="374151"/>
+                </a:solidFill>
+                <a:effectLst/>
+                <a:latin typeface="Söhne"/>
+              </a:rPr>
+              <a:t> function in your page component.</a:t>
+            </a:r>
+          </a:p>
+          <a:p>
+            <a:pPr algn="l">
+              <a:buFont typeface="+mj-lt"/>
+              <a:buAutoNum type="arabicPeriod"/>
+            </a:pPr>
+            <a:r>
+              <a:rPr lang="en-US" sz="1600" b="0" i="0" dirty="0">
+                <a:solidFill>
+                  <a:srgbClr val="374151"/>
+                </a:solidFill>
+                <a:effectLst/>
+                <a:latin typeface="Söhne"/>
+              </a:rPr>
+              <a:t>API routes: </a:t>
+            </a:r>
+            <a:r>
+              <a:rPr lang="en-US" sz="1600" b="0" i="0" dirty="0" err="1">
+                <a:solidFill>
+                  <a:srgbClr val="374151"/>
+                </a:solidFill>
+                <a:effectLst/>
+                <a:latin typeface="Söhne"/>
+              </a:rPr>
+              <a:t>Next.js</a:t>
+            </a:r>
+            <a:r>
+              <a:rPr lang="en-US" sz="1600" b="0" i="0" dirty="0">
+                <a:solidFill>
+                  <a:srgbClr val="374151"/>
+                </a:solidFill>
+                <a:effectLst/>
+                <a:latin typeface="Söhne"/>
+              </a:rPr>
+              <a:t> allows you to create serverless API routes by placing files inside the pages/</a:t>
+            </a:r>
+            <a:r>
+              <a:rPr lang="en-US" sz="1600" b="0" i="0" dirty="0" err="1">
+                <a:solidFill>
+                  <a:srgbClr val="374151"/>
+                </a:solidFill>
+                <a:effectLst/>
+                <a:latin typeface="Söhne"/>
+              </a:rPr>
+              <a:t>api</a:t>
+            </a:r>
+            <a:r>
+              <a:rPr lang="en-US" sz="1600" b="0" i="0" dirty="0">
+                <a:solidFill>
+                  <a:srgbClr val="374151"/>
+                </a:solidFill>
+                <a:effectLst/>
+                <a:latin typeface="Söhne"/>
+              </a:rPr>
+              <a:t> directory. These routes are automatically available as serverless functions that can handle HTTP requests. You can use these API routes to build your application's backend logic.</a:t>
+            </a:r>
+          </a:p>
+          <a:p>
+            <a:pPr algn="l">
+              <a:buFont typeface="+mj-lt"/>
+              <a:buAutoNum type="arabicPeriod"/>
+            </a:pPr>
+            <a:r>
+              <a:rPr lang="en-US" sz="1600" b="0" i="0" dirty="0">
+                <a:solidFill>
+                  <a:srgbClr val="374151"/>
+                </a:solidFill>
+                <a:effectLst/>
+                <a:latin typeface="Söhne"/>
+              </a:rPr>
+              <a:t>Dynamic imports: </a:t>
+            </a:r>
+            <a:r>
+              <a:rPr lang="en-US" sz="1600" b="0" i="0" dirty="0" err="1">
+                <a:solidFill>
+                  <a:srgbClr val="374151"/>
+                </a:solidFill>
+                <a:effectLst/>
+                <a:latin typeface="Söhne"/>
+              </a:rPr>
+              <a:t>Next.js</a:t>
+            </a:r>
+            <a:r>
+              <a:rPr lang="en-US" sz="1600" b="0" i="0" dirty="0">
+                <a:solidFill>
+                  <a:srgbClr val="374151"/>
+                </a:solidFill>
+                <a:effectLst/>
+                <a:latin typeface="Söhne"/>
+              </a:rPr>
+              <a:t> supports dynamic imports, which means you can load parts of your application only when they are needed. This can help improve the performance of your application by reducing the initial bundle size.</a:t>
+            </a:r>
+          </a:p>
+          <a:p>
+            <a:pPr algn="l">
+              <a:buFont typeface="+mj-lt"/>
+              <a:buAutoNum type="arabicPeriod"/>
+            </a:pPr>
+            <a:r>
+              <a:rPr lang="en-US" sz="1600" b="0" i="0" dirty="0">
+                <a:solidFill>
+                  <a:srgbClr val="374151"/>
+                </a:solidFill>
+                <a:effectLst/>
+                <a:latin typeface="Söhne"/>
+              </a:rPr>
+              <a:t>Built-in CSS and Sass support: </a:t>
+            </a:r>
+            <a:r>
+              <a:rPr lang="en-US" sz="1600" b="0" i="0" dirty="0" err="1">
+                <a:solidFill>
+                  <a:srgbClr val="374151"/>
+                </a:solidFill>
+                <a:effectLst/>
+                <a:latin typeface="Söhne"/>
+              </a:rPr>
+              <a:t>Next.js</a:t>
+            </a:r>
+            <a:r>
+              <a:rPr lang="en-US" sz="1600" b="0" i="0" dirty="0">
+                <a:solidFill>
+                  <a:srgbClr val="374151"/>
+                </a:solidFill>
+                <a:effectLst/>
+                <a:latin typeface="Söhne"/>
+              </a:rPr>
+              <a:t> comes with built-in support for CSS and Sass styling, which makes it easy to style your components without needing additional configuration.</a:t>
+            </a:r>
           </a:p>
         </p:txBody>
       </p:sp>
     </p:spTree>
     <p:extLst>
       <p:ext uri="{BB962C8B-B14F-4D97-AF65-F5344CB8AC3E}">
-        <p14:creationId xmlns:p14="http://schemas.microsoft.com/office/powerpoint/2010/main" val="3740146835"/>
+        <p14:creationId xmlns:p14="http://schemas.microsoft.com/office/powerpoint/2010/main" val="1722136854"/>
       </p:ext>
     </p:extLst>
   </p:cSld>
@@ -30663,6 +31060,102 @@
           <a:lstStyle/>
           <a:p>
             <a:r>
+              <a:rPr lang="en-US" dirty="0"/>
+              <a:t>Let’s start</a:t>
+            </a:r>
+            <a:endParaRPr lang="en-IL" dirty="0"/>
+          </a:p>
+        </p:txBody>
+      </p:sp>
+      <p:sp>
+        <p:nvSpPr>
+          <p:cNvPr id="3" name="Content Placeholder 2">
+            <a:extLst>
+              <a:ext uri="{FF2B5EF4-FFF2-40B4-BE49-F238E27FC236}">
+                <a16:creationId xmlns:a16="http://schemas.microsoft.com/office/drawing/2014/main" id="{4CCEDA71-EF72-F686-19F8-9328DD97B684}"/>
+              </a:ext>
+            </a:extLst>
+          </p:cNvPr>
+          <p:cNvSpPr>
+            <a:spLocks noGrp="1"/>
+          </p:cNvSpPr>
+          <p:nvPr>
+            <p:ph idx="1"/>
+          </p:nvPr>
+        </p:nvSpPr>
+        <p:spPr/>
+        <p:txBody>
+          <a:bodyPr/>
+          <a:lstStyle/>
+          <a:p>
+            <a:r>
+              <a:rPr lang="en-US" dirty="0"/>
+              <a:t>https://</a:t>
+            </a:r>
+            <a:r>
+              <a:rPr lang="en-US" dirty="0" err="1"/>
+              <a:t>nextjs.org</a:t>
+            </a:r>
+            <a:r>
+              <a:rPr lang="en-US" dirty="0"/>
+              <a:t>/docs</a:t>
+            </a:r>
+            <a:endParaRPr lang="en-IL" dirty="0"/>
+          </a:p>
+        </p:txBody>
+      </p:sp>
+    </p:spTree>
+    <p:extLst>
+      <p:ext uri="{BB962C8B-B14F-4D97-AF65-F5344CB8AC3E}">
+        <p14:creationId xmlns:p14="http://schemas.microsoft.com/office/powerpoint/2010/main" val="3740146835"/>
+      </p:ext>
+    </p:extLst>
+  </p:cSld>
+  <p:clrMapOvr>
+    <a:masterClrMapping/>
+  </p:clrMapOvr>
+</p:sld>
+</file>
+
+<file path=ppt/slides/slide78.xml><?xml version="1.0" encoding="utf-8"?>
+<p:sld xmlns:a="http://schemas.openxmlformats.org/drawingml/2006/main" xmlns:r="http://schemas.openxmlformats.org/officeDocument/2006/relationships" xmlns:p="http://schemas.openxmlformats.org/presentationml/2006/main">
+  <p:cSld>
+    <p:spTree>
+      <p:nvGrpSpPr>
+        <p:cNvPr id="1" name=""/>
+        <p:cNvGrpSpPr/>
+        <p:nvPr/>
+      </p:nvGrpSpPr>
+      <p:grpSpPr>
+        <a:xfrm>
+          <a:off x="0" y="0"/>
+          <a:ext cx="0" cy="0"/>
+          <a:chOff x="0" y="0"/>
+          <a:chExt cx="0" cy="0"/>
+        </a:xfrm>
+      </p:grpSpPr>
+      <p:sp>
+        <p:nvSpPr>
+          <p:cNvPr id="2" name="Title 1">
+            <a:extLst>
+              <a:ext uri="{FF2B5EF4-FFF2-40B4-BE49-F238E27FC236}">
+                <a16:creationId xmlns:a16="http://schemas.microsoft.com/office/drawing/2014/main" id="{16AB705E-DD54-C7B2-7570-36448ADD476B}"/>
+              </a:ext>
+            </a:extLst>
+          </p:cNvPr>
+          <p:cNvSpPr>
+            <a:spLocks noGrp="1"/>
+          </p:cNvSpPr>
+          <p:nvPr>
+            <p:ph type="title"/>
+          </p:nvPr>
+        </p:nvSpPr>
+        <p:spPr/>
+        <p:txBody>
+          <a:bodyPr/>
+          <a:lstStyle/>
+          <a:p>
+            <a:r>
               <a:rPr lang="en-US"/>
               <a:t>React start</a:t>
             </a:r>
@@ -30709,6 +31202,131 @@
 </file>
 
 <file path=ppt/slides/slide8.xml><?xml version="1.0" encoding="utf-8"?>
+<p:sld xmlns:a="http://schemas.openxmlformats.org/drawingml/2006/main" xmlns:r="http://schemas.openxmlformats.org/officeDocument/2006/relationships" xmlns:p="http://schemas.openxmlformats.org/presentationml/2006/main">
+  <p:cSld>
+    <p:spTree>
+      <p:nvGrpSpPr>
+        <p:cNvPr id="1" name=""/>
+        <p:cNvGrpSpPr/>
+        <p:nvPr/>
+      </p:nvGrpSpPr>
+      <p:grpSpPr>
+        <a:xfrm>
+          <a:off x="0" y="0"/>
+          <a:ext cx="0" cy="0"/>
+          <a:chOff x="0" y="0"/>
+          <a:chExt cx="0" cy="0"/>
+        </a:xfrm>
+      </p:grpSpPr>
+      <p:sp>
+        <p:nvSpPr>
+          <p:cNvPr id="2" name="Title 1">
+            <a:extLst>
+              <a:ext uri="{FF2B5EF4-FFF2-40B4-BE49-F238E27FC236}">
+                <a16:creationId xmlns:a16="http://schemas.microsoft.com/office/drawing/2014/main" id="{A728FF9C-2C3B-A2A7-D38D-F4B3F39AB818}"/>
+              </a:ext>
+            </a:extLst>
+          </p:cNvPr>
+          <p:cNvSpPr>
+            <a:spLocks noGrp="1"/>
+          </p:cNvSpPr>
+          <p:nvPr>
+            <p:ph type="title"/>
+          </p:nvPr>
+        </p:nvSpPr>
+        <p:spPr/>
+        <p:txBody>
+          <a:bodyPr/>
+          <a:lstStyle/>
+          <a:p>
+            <a:r>
+              <a:rPr lang="en-US" dirty="0"/>
+              <a:t>W</a:t>
+            </a:r>
+            <a:r>
+              <a:rPr lang="en-IL" dirty="0"/>
+              <a:t>hy to create branches</a:t>
+            </a:r>
+          </a:p>
+        </p:txBody>
+      </p:sp>
+      <p:sp>
+        <p:nvSpPr>
+          <p:cNvPr id="3" name="Content Placeholder 2">
+            <a:extLst>
+              <a:ext uri="{FF2B5EF4-FFF2-40B4-BE49-F238E27FC236}">
+                <a16:creationId xmlns:a16="http://schemas.microsoft.com/office/drawing/2014/main" id="{9B3E4DB3-24CB-8CD3-1638-379F26D30AD3}"/>
+              </a:ext>
+            </a:extLst>
+          </p:cNvPr>
+          <p:cNvSpPr>
+            <a:spLocks noGrp="1"/>
+          </p:cNvSpPr>
+          <p:nvPr>
+            <p:ph idx="1"/>
+          </p:nvPr>
+        </p:nvSpPr>
+        <p:spPr/>
+        <p:txBody>
+          <a:bodyPr>
+            <a:normAutofit lnSpcReduction="10000"/>
+          </a:bodyPr>
+          <a:lstStyle/>
+          <a:p>
+            <a:r>
+              <a:rPr lang="en-US" sz="1600" dirty="0"/>
+              <a:t>There are several reasons why you might want to have multiple files in your software project:</a:t>
+            </a:r>
+          </a:p>
+          <a:p>
+            <a:r>
+              <a:rPr lang="en-US" sz="1600" dirty="0"/>
+              <a:t>Modularity: Breaking your code up into multiple files can make it more modular and easier to maintain. By dividing your code into smaller, more manageable files, you can more easily locate and fix bugs or make updates to specific parts of the program without affecting the rest of the codebase.</a:t>
+            </a:r>
+          </a:p>
+          <a:p>
+            <a:r>
+              <a:rPr lang="en-US" sz="1600" dirty="0"/>
+              <a:t>Organization: Having multiple files can help you organize your code and make it easier to navigate. By grouping related functions and variables together in their own files, you can make it easier for other developers (and yourself) to understand the structure of the codebase and find specific pieces of code.</a:t>
+            </a:r>
+          </a:p>
+          <a:p>
+            <a:r>
+              <a:rPr lang="en-US" sz="1600" dirty="0"/>
+              <a:t>Collaboration: When working on a project with multiple developers, it's often necessary to break the code into multiple files to allow different team members to work on different parts of the codebase simultaneously. By dividing the code up into smaller files, each team member can work on their specific section of the project without interfering with the work of others.</a:t>
+            </a:r>
+          </a:p>
+          <a:p>
+            <a:r>
+              <a:rPr lang="en-US" sz="1600" dirty="0"/>
+              <a:t>Performance: Depending on the size and complexity of your codebase, having too much code in a single file can slow down the performance of your program. Breaking the code up into smaller, more focused files can help reduce the amount of code that needs to be loaded into memory at once, leading to faster performance.</a:t>
+            </a:r>
+          </a:p>
+          <a:p>
+            <a:r>
+              <a:rPr lang="en-US" sz="1600" dirty="0"/>
+              <a:t>In general, you should consider breaking your code into multiple files when it makes the code easier to manage, maintain, and understand. This might be necessary for larger projects, or for projects that require collaboration between multiple developers. However, for smaller projects, it may not be necessary to use multiple files, as the benefits of doing so may be minimal.</a:t>
+            </a:r>
+          </a:p>
+          <a:p>
+            <a:endParaRPr lang="en-IL" sz="1600" dirty="0"/>
+          </a:p>
+        </p:txBody>
+      </p:sp>
+    </p:spTree>
+    <p:extLst>
+      <p:ext uri="{BB962C8B-B14F-4D97-AF65-F5344CB8AC3E}">
+        <p14:creationId xmlns:p14="http://schemas.microsoft.com/office/powerpoint/2010/main" val="235576826"/>
+      </p:ext>
+    </p:extLst>
+  </p:cSld>
+  <p:clrMapOvr>
+    <a:masterClrMapping/>
+  </p:clrMapOvr>
+</p:sld>
+</file>
+
+<file path=ppt/slides/slide9.xml><?xml version="1.0" encoding="utf-8"?>
 <p:sld xmlns:a="http://schemas.openxmlformats.org/drawingml/2006/main" xmlns:r="http://schemas.openxmlformats.org/officeDocument/2006/relationships" xmlns:p="http://schemas.openxmlformats.org/presentationml/2006/main">
   <p:cSld>
     <p:bg>
@@ -31031,489 +31649,6 @@
     <p:extLst>
       <p:ext uri="{BB962C8B-B14F-4D97-AF65-F5344CB8AC3E}">
         <p14:creationId xmlns:p14="http://schemas.microsoft.com/office/powerpoint/2010/main" val="398875086"/>
-      </p:ext>
-    </p:extLst>
-  </p:cSld>
-  <p:clrMapOvr>
-    <a:masterClrMapping/>
-  </p:clrMapOvr>
-  <mc:AlternateContent xmlns:mc="http://schemas.openxmlformats.org/markup-compatibility/2006" xmlns:p14="http://schemas.microsoft.com/office/powerpoint/2010/main">
-    <mc:Choice Requires="p14">
-      <p:transition spd="med" p14:dur="700">
-        <p:fade/>
-      </p:transition>
-    </mc:Choice>
-    <mc:Fallback xmlns="">
-      <p:transition spd="med">
-        <p:fade/>
-      </p:transition>
-    </mc:Fallback>
-  </mc:AlternateContent>
-</p:sld>
-</file>
-
-<file path=ppt/slides/slide9.xml><?xml version="1.0" encoding="utf-8"?>
-<p:sld xmlns:a="http://schemas.openxmlformats.org/drawingml/2006/main" xmlns:r="http://schemas.openxmlformats.org/officeDocument/2006/relationships" xmlns:p="http://schemas.openxmlformats.org/presentationml/2006/main">
-  <p:cSld>
-    <p:bg>
-      <p:bgPr>
-        <a:solidFill>
-          <a:schemeClr val="bg1"/>
-        </a:solidFill>
-        <a:effectLst/>
-      </p:bgPr>
-    </p:bg>
-    <p:spTree>
-      <p:nvGrpSpPr>
-        <p:cNvPr id="1" name=""/>
-        <p:cNvGrpSpPr/>
-        <p:nvPr/>
-      </p:nvGrpSpPr>
-      <p:grpSpPr>
-        <a:xfrm>
-          <a:off x="0" y="0"/>
-          <a:ext cx="0" cy="0"/>
-          <a:chOff x="0" y="0"/>
-          <a:chExt cx="0" cy="0"/>
-        </a:xfrm>
-      </p:grpSpPr>
-      <p:sp useBgFill="1">
-        <p:nvSpPr>
-          <p:cNvPr id="12" name="Rectangle 11">
-            <a:extLst>
-              <a:ext uri="{FF2B5EF4-FFF2-40B4-BE49-F238E27FC236}">
-                <a16:creationId xmlns:a16="http://schemas.microsoft.com/office/drawing/2014/main" id="{C2554CA6-288E-4202-BC52-2E5A8F0C0AED}"/>
-              </a:ext>
-              <a:ext uri="{C183D7F6-B498-43B3-948B-1728B52AA6E4}">
-                <adec:decorative xmlns:adec="http://schemas.microsoft.com/office/drawing/2017/decorative" val="1"/>
-              </a:ext>
-            </a:extLst>
-          </p:cNvPr>
-          <p:cNvSpPr>
-            <a:spLocks noGrp="1" noRot="1" noChangeAspect="1" noMove="1" noResize="1" noEditPoints="1" noAdjustHandles="1" noChangeArrowheads="1" noChangeShapeType="1" noTextEdit="1"/>
-          </p:cNvSpPr>
-          <p:nvPr>
-            <p:extLst>
-              <p:ext uri="{386F3935-93C4-4BCD-93E2-E3B085C9AB24}">
-                <p16:designElem xmlns:p16="http://schemas.microsoft.com/office/powerpoint/2015/main" val="1"/>
-              </p:ext>
-            </p:extLst>
-          </p:nvPr>
-        </p:nvSpPr>
-        <p:spPr>
-          <a:xfrm>
-            <a:off x="3048" y="0"/>
-            <a:ext cx="12188952" cy="6858000"/>
-          </a:xfrm>
-          <a:prstGeom prst="rect">
-            <a:avLst/>
-          </a:prstGeom>
-          <a:ln>
-            <a:noFill/>
-          </a:ln>
-        </p:spPr>
-        <p:style>
-          <a:lnRef idx="2">
-            <a:schemeClr val="accent1">
-              <a:shade val="50000"/>
-            </a:schemeClr>
-          </a:lnRef>
-          <a:fillRef idx="1">
-            <a:schemeClr val="accent1"/>
-          </a:fillRef>
-          <a:effectRef idx="0">
-            <a:schemeClr val="accent1"/>
-          </a:effectRef>
-          <a:fontRef idx="minor">
-            <a:schemeClr val="lt1"/>
-          </a:fontRef>
-        </p:style>
-        <p:txBody>
-          <a:bodyPr rtlCol="0" anchor="ctr"/>
-          <a:lstStyle/>
-          <a:p>
-            <a:pPr algn="ctr"/>
-            <a:endParaRPr lang="en-US"/>
-          </a:p>
-        </p:txBody>
-      </p:sp>
-      <p:sp>
-        <p:nvSpPr>
-          <p:cNvPr id="14" name="Oval 13">
-            <a:extLst>
-              <a:ext uri="{FF2B5EF4-FFF2-40B4-BE49-F238E27FC236}">
-                <a16:creationId xmlns:a16="http://schemas.microsoft.com/office/drawing/2014/main" id="{B10BB131-AC8E-4A8E-A5D1-36260F720C3B}"/>
-              </a:ext>
-              <a:ext uri="{C183D7F6-B498-43B3-948B-1728B52AA6E4}">
-                <adec:decorative xmlns:adec="http://schemas.microsoft.com/office/drawing/2017/decorative" val="1"/>
-              </a:ext>
-            </a:extLst>
-          </p:cNvPr>
-          <p:cNvSpPr>
-            <a:spLocks noGrp="1" noRot="1" noChangeAspect="1" noMove="1" noResize="1" noEditPoints="1" noAdjustHandles="1" noChangeArrowheads="1" noChangeShapeType="1" noTextEdit="1"/>
-          </p:cNvSpPr>
-          <p:nvPr>
-            <p:extLst>
-              <p:ext uri="{386F3935-93C4-4BCD-93E2-E3B085C9AB24}">
-                <p16:designElem xmlns:p16="http://schemas.microsoft.com/office/powerpoint/2015/main" val="1"/>
-              </p:ext>
-            </p:extLst>
-          </p:nvPr>
-        </p:nvSpPr>
-        <p:spPr>
-          <a:xfrm>
-            <a:off x="489189" y="1119031"/>
-            <a:ext cx="4619938" cy="4619938"/>
-          </a:xfrm>
-          <a:prstGeom prst="ellipse">
-            <a:avLst/>
-          </a:prstGeom>
-          <a:solidFill>
-            <a:schemeClr val="accent2"/>
-          </a:solidFill>
-          <a:ln>
-            <a:noFill/>
-          </a:ln>
-        </p:spPr>
-        <p:style>
-          <a:lnRef idx="2">
-            <a:schemeClr val="accent1">
-              <a:shade val="50000"/>
-            </a:schemeClr>
-          </a:lnRef>
-          <a:fillRef idx="1">
-            <a:schemeClr val="accent1"/>
-          </a:fillRef>
-          <a:effectRef idx="0">
-            <a:schemeClr val="accent1"/>
-          </a:effectRef>
-          <a:fontRef idx="minor">
-            <a:schemeClr val="lt1"/>
-          </a:fontRef>
-        </p:style>
-        <p:txBody>
-          <a:bodyPr rtlCol="0" anchor="ctr"/>
-          <a:lstStyle/>
-          <a:p>
-            <a:pPr algn="ctr"/>
-            <a:endParaRPr lang="en-US"/>
-          </a:p>
-        </p:txBody>
-      </p:sp>
-      <p:sp>
-        <p:nvSpPr>
-          <p:cNvPr id="7" name="Title 6">
-            <a:extLst>
-              <a:ext uri="{FF2B5EF4-FFF2-40B4-BE49-F238E27FC236}">
-                <a16:creationId xmlns:a16="http://schemas.microsoft.com/office/drawing/2014/main" id="{83E1817B-F49E-243E-7D4F-9B5D2BAF25B8}"/>
-              </a:ext>
-            </a:extLst>
-          </p:cNvPr>
-          <p:cNvSpPr>
-            <a:spLocks noGrp="1"/>
-          </p:cNvSpPr>
-          <p:nvPr>
-            <p:ph type="title"/>
-          </p:nvPr>
-        </p:nvSpPr>
-        <p:spPr>
-          <a:xfrm>
-            <a:off x="1171074" y="1396686"/>
-            <a:ext cx="3240506" cy="4064628"/>
-          </a:xfrm>
-        </p:spPr>
-        <p:txBody>
-          <a:bodyPr>
-            <a:normAutofit/>
-          </a:bodyPr>
-          <a:lstStyle/>
-          <a:p>
-            <a:r>
-              <a:rPr lang="en-US" b="0" i="0">
-                <a:solidFill>
-                  <a:srgbClr val="FFFFFF"/>
-                </a:solidFill>
-                <a:effectLst/>
-                <a:latin typeface="Söhne"/>
-              </a:rPr>
-              <a:t>white-space</a:t>
-            </a:r>
-            <a:endParaRPr lang="en-IL">
-              <a:solidFill>
-                <a:srgbClr val="FFFFFF"/>
-              </a:solidFill>
-            </a:endParaRPr>
-          </a:p>
-        </p:txBody>
-      </p:sp>
-      <p:sp>
-        <p:nvSpPr>
-          <p:cNvPr id="16" name="Arc 15">
-            <a:extLst>
-              <a:ext uri="{FF2B5EF4-FFF2-40B4-BE49-F238E27FC236}">
-                <a16:creationId xmlns:a16="http://schemas.microsoft.com/office/drawing/2014/main" id="{5B7778FC-632E-4DCA-A7CB-0D7731CCF970}"/>
-              </a:ext>
-              <a:ext uri="{C183D7F6-B498-43B3-948B-1728B52AA6E4}">
-                <adec:decorative xmlns:adec="http://schemas.microsoft.com/office/drawing/2017/decorative" val="1"/>
-              </a:ext>
-            </a:extLst>
-          </p:cNvPr>
-          <p:cNvSpPr>
-            <a:spLocks noGrp="1" noRot="1" noChangeAspect="1" noMove="1" noResize="1" noEditPoints="1" noAdjustHandles="1" noChangeArrowheads="1" noChangeShapeType="1" noTextEdit="1"/>
-          </p:cNvSpPr>
-          <p:nvPr>
-            <p:extLst>
-              <p:ext uri="{386F3935-93C4-4BCD-93E2-E3B085C9AB24}">
-                <p16:designElem xmlns:p16="http://schemas.microsoft.com/office/powerpoint/2015/main" val="1"/>
-              </p:ext>
-            </p:extLst>
-          </p:nvPr>
-        </p:nvSpPr>
-        <p:spPr>
-          <a:xfrm rot="19809111">
-            <a:off x="8683720" y="941148"/>
-            <a:ext cx="2987899" cy="2987899"/>
-          </a:xfrm>
-          <a:prstGeom prst="arc">
-            <a:avLst>
-              <a:gd name="adj1" fmla="val 15817365"/>
-              <a:gd name="adj2" fmla="val 1781380"/>
-            </a:avLst>
-          </a:prstGeom>
-          <a:ln w="127000" cap="rnd">
-            <a:solidFill>
-              <a:schemeClr val="accent4"/>
-            </a:solidFill>
-            <a:prstDash val="dash"/>
-            <a:miter lim="800000"/>
-          </a:ln>
-        </p:spPr>
-        <p:style>
-          <a:lnRef idx="1">
-            <a:schemeClr val="accent1"/>
-          </a:lnRef>
-          <a:fillRef idx="0">
-            <a:schemeClr val="accent1"/>
-          </a:fillRef>
-          <a:effectRef idx="0">
-            <a:schemeClr val="accent1"/>
-          </a:effectRef>
-          <a:fontRef idx="minor">
-            <a:schemeClr val="tx1"/>
-          </a:fontRef>
-        </p:style>
-        <p:txBody>
-          <a:bodyPr rtlCol="0" anchor="ctr"/>
-          <a:lstStyle/>
-          <a:p>
-            <a:pPr marL="0" marR="0" lvl="0" indent="0" algn="ctr" defTabSz="914400" rtl="0" eaLnBrk="1" fontAlgn="auto" latinLnBrk="0" hangingPunct="1">
-              <a:lnSpc>
-                <a:spcPct val="100000"/>
-              </a:lnSpc>
-              <a:spcBef>
-                <a:spcPts val="0"/>
-              </a:spcBef>
-              <a:spcAft>
-                <a:spcPts val="0"/>
-              </a:spcAft>
-              <a:buClrTx/>
-              <a:buSzTx/>
-              <a:buFontTx/>
-              <a:buNone/>
-              <a:tabLst/>
-              <a:defRPr/>
-            </a:pPr>
-            <a:endParaRPr kumimoji="0" lang="en-US" sz="1800" b="0" i="0" u="none" strike="noStrike" kern="1200" cap="none" spc="0" normalizeH="0" baseline="0" noProof="0">
-              <a:ln>
-                <a:noFill/>
-              </a:ln>
-              <a:solidFill>
-                <a:srgbClr val="000000"/>
-              </a:solidFill>
-              <a:effectLst/>
-              <a:uLnTx/>
-              <a:uFillTx/>
-              <a:latin typeface="Calibri" panose="020F0502020204030204"/>
-              <a:ea typeface="+mn-ea"/>
-              <a:cs typeface="+mn-cs"/>
-            </a:endParaRPr>
-          </a:p>
-        </p:txBody>
-      </p:sp>
-      <p:sp>
-        <p:nvSpPr>
-          <p:cNvPr id="18" name="Oval 17">
-            <a:extLst>
-              <a:ext uri="{FF2B5EF4-FFF2-40B4-BE49-F238E27FC236}">
-                <a16:creationId xmlns:a16="http://schemas.microsoft.com/office/drawing/2014/main" id="{FA23A907-97FB-4A8F-880A-DD77401C4296}"/>
-              </a:ext>
-              <a:ext uri="{C183D7F6-B498-43B3-948B-1728B52AA6E4}">
-                <adec:decorative xmlns:adec="http://schemas.microsoft.com/office/drawing/2017/decorative" val="1"/>
-              </a:ext>
-            </a:extLst>
-          </p:cNvPr>
-          <p:cNvSpPr>
-            <a:spLocks noGrp="1" noRot="1" noChangeAspect="1" noMove="1" noResize="1" noEditPoints="1" noAdjustHandles="1" noChangeArrowheads="1" noChangeShapeType="1" noTextEdit="1"/>
-          </p:cNvSpPr>
-          <p:nvPr>
-            <p:extLst>
-              <p:ext uri="{386F3935-93C4-4BCD-93E2-E3B085C9AB24}">
-                <p16:designElem xmlns:p16="http://schemas.microsoft.com/office/powerpoint/2015/main" val="1"/>
-              </p:ext>
-            </p:extLst>
-          </p:nvPr>
-        </p:nvSpPr>
-        <p:spPr>
-          <a:xfrm>
-            <a:off x="910048" y="4780992"/>
-            <a:ext cx="546100" cy="546100"/>
-          </a:xfrm>
-          <a:prstGeom prst="ellipse">
-            <a:avLst/>
-          </a:prstGeom>
-          <a:solidFill>
-            <a:schemeClr val="accent5"/>
-          </a:solidFill>
-          <a:ln>
-            <a:noFill/>
-          </a:ln>
-        </p:spPr>
-        <p:style>
-          <a:lnRef idx="2">
-            <a:schemeClr val="accent1">
-              <a:shade val="50000"/>
-            </a:schemeClr>
-          </a:lnRef>
-          <a:fillRef idx="1">
-            <a:schemeClr val="accent1"/>
-          </a:fillRef>
-          <a:effectRef idx="0">
-            <a:schemeClr val="accent1"/>
-          </a:effectRef>
-          <a:fontRef idx="minor">
-            <a:schemeClr val="lt1"/>
-          </a:fontRef>
-        </p:style>
-        <p:txBody>
-          <a:bodyPr rtlCol="0" anchor="ctr"/>
-          <a:lstStyle/>
-          <a:p>
-            <a:pPr marL="0" marR="0" lvl="0" indent="0" algn="ctr" defTabSz="914400" rtl="0" eaLnBrk="1" fontAlgn="auto" latinLnBrk="0" hangingPunct="1">
-              <a:lnSpc>
-                <a:spcPct val="100000"/>
-              </a:lnSpc>
-              <a:spcBef>
-                <a:spcPts val="0"/>
-              </a:spcBef>
-              <a:spcAft>
-                <a:spcPts val="0"/>
-              </a:spcAft>
-              <a:buClrTx/>
-              <a:buSzTx/>
-              <a:buFontTx/>
-              <a:buNone/>
-              <a:tabLst/>
-              <a:defRPr/>
-            </a:pPr>
-            <a:endParaRPr kumimoji="0" lang="en-US" sz="1800" b="0" i="0" u="none" strike="noStrike" kern="1200" cap="none" spc="0" normalizeH="0" baseline="0" noProof="0">
-              <a:ln>
-                <a:noFill/>
-              </a:ln>
-              <a:solidFill>
-                <a:srgbClr val="FFFFFF"/>
-              </a:solidFill>
-              <a:effectLst/>
-              <a:uLnTx/>
-              <a:uFillTx/>
-              <a:latin typeface="Calibri" panose="020F0502020204030204"/>
-              <a:ea typeface="+mn-ea"/>
-              <a:cs typeface="+mn-cs"/>
-            </a:endParaRPr>
-          </a:p>
-        </p:txBody>
-      </p:sp>
-      <p:sp>
-        <p:nvSpPr>
-          <p:cNvPr id="6" name="Content Placeholder 5">
-            <a:extLst>
-              <a:ext uri="{FF2B5EF4-FFF2-40B4-BE49-F238E27FC236}">
-                <a16:creationId xmlns:a16="http://schemas.microsoft.com/office/drawing/2014/main" id="{F447395B-F6CF-1358-6E26-99F5C1C75B69}"/>
-              </a:ext>
-            </a:extLst>
-          </p:cNvPr>
-          <p:cNvSpPr>
-            <a:spLocks noGrp="1"/>
-          </p:cNvSpPr>
-          <p:nvPr>
-            <p:ph idx="1"/>
-          </p:nvPr>
-        </p:nvSpPr>
-        <p:spPr>
-          <a:xfrm>
-            <a:off x="5370153" y="1526033"/>
-            <a:ext cx="5536397" cy="3935281"/>
-          </a:xfrm>
-        </p:spPr>
-        <p:txBody>
-          <a:bodyPr>
-            <a:normAutofit/>
-          </a:bodyPr>
-          <a:lstStyle/>
-          <a:p>
-            <a:r>
-              <a:rPr lang="en-US" sz="1500"/>
-              <a:t>The "white-space" property in CSS is used to control the handling of white spaces and line breaks in a block of text. It determines how white spaces and line breaks are rendered in a block of text.</a:t>
-            </a:r>
-          </a:p>
-          <a:p>
-            <a:r>
-              <a:rPr lang="en-US" sz="1500"/>
-              <a:t>The white-space property can have the following values:</a:t>
-            </a:r>
-          </a:p>
-          <a:p>
-            <a:r>
-              <a:rPr lang="en-US" sz="1500"/>
-              <a:t>normal: The default value. White spaces are collapsed, and text wraps when it reaches the end of a line.</a:t>
-            </a:r>
-          </a:p>
-          <a:p>
-            <a:r>
-              <a:rPr lang="en-US" sz="1500" err="1"/>
-              <a:t>nowrap</a:t>
-            </a:r>
-            <a:r>
-              <a:rPr lang="en-US" sz="1500"/>
-              <a:t>: White spaces are preserved, and text does not wrap when it reaches the end of a line.</a:t>
-            </a:r>
-          </a:p>
-          <a:p>
-            <a:r>
-              <a:rPr lang="en-US" sz="1500"/>
-              <a:t>pre: White spaces are preserved, and text wraps only when a line break is encountered.</a:t>
-            </a:r>
-          </a:p>
-          <a:p>
-            <a:r>
-              <a:rPr lang="en-US" sz="1500"/>
-              <a:t>pre-wrap: White spaces are preserved, and text wraps when it reaches the end of a line or when a line break is encountered.</a:t>
-            </a:r>
-          </a:p>
-          <a:p>
-            <a:r>
-              <a:rPr lang="en-US" sz="1500"/>
-              <a:t>pre-line: White spaces are collapsed, and text wraps when it reaches the end of a line or when a line break is encountered.</a:t>
-            </a:r>
-          </a:p>
-          <a:p>
-            <a:endParaRPr lang="en-IL" sz="1500"/>
-          </a:p>
-        </p:txBody>
-      </p:sp>
-    </p:spTree>
-    <p:extLst>
-      <p:ext uri="{BB962C8B-B14F-4D97-AF65-F5344CB8AC3E}">
-        <p14:creationId xmlns:p14="http://schemas.microsoft.com/office/powerpoint/2010/main" val="2406512609"/>
       </p:ext>
     </p:extLst>
   </p:cSld>
